--- a/Calendario2019/Presentaciones/Semana2/SITUACION1_F.pptx
+++ b/Calendario2019/Presentaciones/Semana2/SITUACION1_F.pptx
@@ -5,7 +5,7 @@
     <p:sldMasterId id="2147483648" r:id="rId1"/>
   </p:sldMasterIdLst>
   <p:notesMasterIdLst>
-    <p:notesMasterId r:id="rId12"/>
+    <p:notesMasterId r:id="rId16"/>
   </p:notesMasterIdLst>
   <p:sldIdLst>
     <p:sldId id="289" r:id="rId2"/>
@@ -13,11 +13,15 @@
     <p:sldId id="330" r:id="rId4"/>
     <p:sldId id="331" r:id="rId5"/>
     <p:sldId id="332" r:id="rId6"/>
-    <p:sldId id="334" r:id="rId7"/>
-    <p:sldId id="340" r:id="rId8"/>
-    <p:sldId id="335" r:id="rId9"/>
-    <p:sldId id="341" r:id="rId10"/>
-    <p:sldId id="339" r:id="rId11"/>
+    <p:sldId id="342" r:id="rId7"/>
+    <p:sldId id="334" r:id="rId8"/>
+    <p:sldId id="343" r:id="rId9"/>
+    <p:sldId id="340" r:id="rId10"/>
+    <p:sldId id="344" r:id="rId11"/>
+    <p:sldId id="335" r:id="rId12"/>
+    <p:sldId id="341" r:id="rId13"/>
+    <p:sldId id="339" r:id="rId14"/>
+    <p:sldId id="345" r:id="rId15"/>
   </p:sldIdLst>
   <p:sldSz cx="9144000" cy="6858000" type="screen4x3"/>
   <p:notesSz cx="6858000" cy="9144000"/>
@@ -217,7 +221,7 @@
           <a:p>
             <a:fld id="{DDE721D5-655F-45D2-B717-3C4CD78C8568}" type="datetimeFigureOut">
               <a:rPr lang="es-MX" smtClean="0"/>
-              <a:t>14/11/2019</a:t>
+              <a:t>15/11/2019</a:t>
             </a:fld>
             <a:endParaRPr lang="es-MX" dirty="0"/>
           </a:p>
@@ -485,6 +489,174 @@
 </p:notesMaster>
 </file>
 
+<file path=ppt/notesSlides/notesSlide1.xml><?xml version="1.0" encoding="utf-8"?>
+<p:notes xmlns:a="http://schemas.openxmlformats.org/drawingml/2006/main" xmlns:r="http://schemas.openxmlformats.org/officeDocument/2006/relationships" xmlns:p="http://schemas.openxmlformats.org/presentationml/2006/main">
+  <p:cSld>
+    <p:spTree>
+      <p:nvGrpSpPr>
+        <p:cNvPr id="1" name=""/>
+        <p:cNvGrpSpPr/>
+        <p:nvPr/>
+      </p:nvGrpSpPr>
+      <p:grpSpPr>
+        <a:xfrm>
+          <a:off x="0" y="0"/>
+          <a:ext cx="0" cy="0"/>
+          <a:chOff x="0" y="0"/>
+          <a:chExt cx="0" cy="0"/>
+        </a:xfrm>
+      </p:grpSpPr>
+      <p:sp>
+        <p:nvSpPr>
+          <p:cNvPr id="2" name="Marcador de imagen de diapositiva 1"/>
+          <p:cNvSpPr>
+            <a:spLocks noGrp="1" noRot="1" noChangeAspect="1"/>
+          </p:cNvSpPr>
+          <p:nvPr>
+            <p:ph type="sldImg"/>
+          </p:nvPr>
+        </p:nvSpPr>
+        <p:spPr/>
+      </p:sp>
+      <p:sp>
+        <p:nvSpPr>
+          <p:cNvPr id="3" name="Marcador de notas 2"/>
+          <p:cNvSpPr>
+            <a:spLocks noGrp="1"/>
+          </p:cNvSpPr>
+          <p:nvPr>
+            <p:ph type="body" idx="1"/>
+          </p:nvPr>
+        </p:nvSpPr>
+        <p:spPr/>
+        <p:txBody>
+          <a:bodyPr/>
+          <a:lstStyle/>
+          <a:p>
+            <a:endParaRPr lang="es-MX" dirty="0"/>
+          </a:p>
+        </p:txBody>
+      </p:sp>
+      <p:sp>
+        <p:nvSpPr>
+          <p:cNvPr id="4" name="Marcador de número de diapositiva 3"/>
+          <p:cNvSpPr>
+            <a:spLocks noGrp="1"/>
+          </p:cNvSpPr>
+          <p:nvPr>
+            <p:ph type="sldNum" sz="quarter" idx="5"/>
+          </p:nvPr>
+        </p:nvSpPr>
+        <p:spPr/>
+        <p:txBody>
+          <a:bodyPr/>
+          <a:lstStyle/>
+          <a:p>
+            <a:fld id="{6BAB4312-99A1-4CE9-ACE7-4C62E9FD90EE}" type="slidenum">
+              <a:rPr lang="es-MX" smtClean="0"/>
+              <a:t>8</a:t>
+            </a:fld>
+            <a:endParaRPr lang="es-MX" dirty="0"/>
+          </a:p>
+        </p:txBody>
+      </p:sp>
+    </p:spTree>
+    <p:extLst>
+      <p:ext uri="{BB962C8B-B14F-4D97-AF65-F5344CB8AC3E}">
+        <p14:creationId xmlns:p14="http://schemas.microsoft.com/office/powerpoint/2010/main" val="1317234574"/>
+      </p:ext>
+    </p:extLst>
+  </p:cSld>
+  <p:clrMapOvr>
+    <a:masterClrMapping/>
+  </p:clrMapOvr>
+</p:notes>
+</file>
+
+<file path=ppt/notesSlides/notesSlide2.xml><?xml version="1.0" encoding="utf-8"?>
+<p:notes xmlns:a="http://schemas.openxmlformats.org/drawingml/2006/main" xmlns:r="http://schemas.openxmlformats.org/officeDocument/2006/relationships" xmlns:p="http://schemas.openxmlformats.org/presentationml/2006/main">
+  <p:cSld>
+    <p:spTree>
+      <p:nvGrpSpPr>
+        <p:cNvPr id="1" name=""/>
+        <p:cNvGrpSpPr/>
+        <p:nvPr/>
+      </p:nvGrpSpPr>
+      <p:grpSpPr>
+        <a:xfrm>
+          <a:off x="0" y="0"/>
+          <a:ext cx="0" cy="0"/>
+          <a:chOff x="0" y="0"/>
+          <a:chExt cx="0" cy="0"/>
+        </a:xfrm>
+      </p:grpSpPr>
+      <p:sp>
+        <p:nvSpPr>
+          <p:cNvPr id="2" name="Marcador de imagen de diapositiva 1"/>
+          <p:cNvSpPr>
+            <a:spLocks noGrp="1" noRot="1" noChangeAspect="1"/>
+          </p:cNvSpPr>
+          <p:nvPr>
+            <p:ph type="sldImg"/>
+          </p:nvPr>
+        </p:nvSpPr>
+        <p:spPr/>
+      </p:sp>
+      <p:sp>
+        <p:nvSpPr>
+          <p:cNvPr id="3" name="Marcador de notas 2"/>
+          <p:cNvSpPr>
+            <a:spLocks noGrp="1"/>
+          </p:cNvSpPr>
+          <p:nvPr>
+            <p:ph type="body" idx="1"/>
+          </p:nvPr>
+        </p:nvSpPr>
+        <p:spPr/>
+        <p:txBody>
+          <a:bodyPr/>
+          <a:lstStyle/>
+          <a:p>
+            <a:endParaRPr lang="es-MX" dirty="0"/>
+          </a:p>
+        </p:txBody>
+      </p:sp>
+      <p:sp>
+        <p:nvSpPr>
+          <p:cNvPr id="4" name="Marcador de número de diapositiva 3"/>
+          <p:cNvSpPr>
+            <a:spLocks noGrp="1"/>
+          </p:cNvSpPr>
+          <p:nvPr>
+            <p:ph type="sldNum" sz="quarter" idx="5"/>
+          </p:nvPr>
+        </p:nvSpPr>
+        <p:spPr/>
+        <p:txBody>
+          <a:bodyPr/>
+          <a:lstStyle/>
+          <a:p>
+            <a:fld id="{6BAB4312-99A1-4CE9-ACE7-4C62E9FD90EE}" type="slidenum">
+              <a:rPr lang="es-MX" smtClean="0"/>
+              <a:t>10</a:t>
+            </a:fld>
+            <a:endParaRPr lang="es-MX" dirty="0"/>
+          </a:p>
+        </p:txBody>
+      </p:sp>
+    </p:spTree>
+    <p:extLst>
+      <p:ext uri="{BB962C8B-B14F-4D97-AF65-F5344CB8AC3E}">
+        <p14:creationId xmlns:p14="http://schemas.microsoft.com/office/powerpoint/2010/main" val="274919940"/>
+      </p:ext>
+    </p:extLst>
+  </p:cSld>
+  <p:clrMapOvr>
+    <a:masterClrMapping/>
+  </p:clrMapOvr>
+</p:notes>
+</file>
+
 <file path=ppt/slideLayouts/slideLayout1.xml><?xml version="1.0" encoding="utf-8"?>
 <p:sldLayout xmlns:a="http://schemas.openxmlformats.org/drawingml/2006/main" xmlns:r="http://schemas.openxmlformats.org/officeDocument/2006/relationships" xmlns:p="http://schemas.openxmlformats.org/presentationml/2006/main" type="title" preserve="1">
   <p:cSld name="Diapositiva de título">
@@ -666,7 +838,7 @@
           <a:p>
             <a:fld id="{B3F3E716-CACC-4490-AD07-F24B6A68DE47}" type="datetimeFigureOut">
               <a:rPr lang="es-MX" smtClean="0"/>
-              <a:t>14/11/2019</a:t>
+              <a:t>15/11/2019</a:t>
             </a:fld>
             <a:endParaRPr lang="es-MX" dirty="0"/>
           </a:p>
@@ -836,7 +1008,7 @@
           <a:p>
             <a:fld id="{B3F3E716-CACC-4490-AD07-F24B6A68DE47}" type="datetimeFigureOut">
               <a:rPr lang="es-MX" smtClean="0"/>
-              <a:t>14/11/2019</a:t>
+              <a:t>15/11/2019</a:t>
             </a:fld>
             <a:endParaRPr lang="es-MX" dirty="0"/>
           </a:p>
@@ -1016,7 +1188,7 @@
           <a:p>
             <a:fld id="{B3F3E716-CACC-4490-AD07-F24B6A68DE47}" type="datetimeFigureOut">
               <a:rPr lang="es-MX" smtClean="0"/>
-              <a:t>14/11/2019</a:t>
+              <a:t>15/11/2019</a:t>
             </a:fld>
             <a:endParaRPr lang="es-MX" dirty="0"/>
           </a:p>
@@ -1186,7 +1358,7 @@
           <a:p>
             <a:fld id="{B3F3E716-CACC-4490-AD07-F24B6A68DE47}" type="datetimeFigureOut">
               <a:rPr lang="es-MX" smtClean="0"/>
-              <a:t>14/11/2019</a:t>
+              <a:t>15/11/2019</a:t>
             </a:fld>
             <a:endParaRPr lang="es-MX" dirty="0"/>
           </a:p>
@@ -1432,7 +1604,7 @@
           <a:p>
             <a:fld id="{B3F3E716-CACC-4490-AD07-F24B6A68DE47}" type="datetimeFigureOut">
               <a:rPr lang="es-MX" smtClean="0"/>
-              <a:t>14/11/2019</a:t>
+              <a:t>15/11/2019</a:t>
             </a:fld>
             <a:endParaRPr lang="es-MX" dirty="0"/>
           </a:p>
@@ -1720,7 +1892,7 @@
           <a:p>
             <a:fld id="{B3F3E716-CACC-4490-AD07-F24B6A68DE47}" type="datetimeFigureOut">
               <a:rPr lang="es-MX" smtClean="0"/>
-              <a:t>14/11/2019</a:t>
+              <a:t>15/11/2019</a:t>
             </a:fld>
             <a:endParaRPr lang="es-MX" dirty="0"/>
           </a:p>
@@ -2142,7 +2314,7 @@
           <a:p>
             <a:fld id="{B3F3E716-CACC-4490-AD07-F24B6A68DE47}" type="datetimeFigureOut">
               <a:rPr lang="es-MX" smtClean="0"/>
-              <a:t>14/11/2019</a:t>
+              <a:t>15/11/2019</a:t>
             </a:fld>
             <a:endParaRPr lang="es-MX" dirty="0"/>
           </a:p>
@@ -2260,7 +2432,7 @@
           <a:p>
             <a:fld id="{B3F3E716-CACC-4490-AD07-F24B6A68DE47}" type="datetimeFigureOut">
               <a:rPr lang="es-MX" smtClean="0"/>
-              <a:t>14/11/2019</a:t>
+              <a:t>15/11/2019</a:t>
             </a:fld>
             <a:endParaRPr lang="es-MX" dirty="0"/>
           </a:p>
@@ -2355,7 +2527,7 @@
           <a:p>
             <a:fld id="{B3F3E716-CACC-4490-AD07-F24B6A68DE47}" type="datetimeFigureOut">
               <a:rPr lang="es-MX" smtClean="0"/>
-              <a:t>14/11/2019</a:t>
+              <a:t>15/11/2019</a:t>
             </a:fld>
             <a:endParaRPr lang="es-MX" dirty="0"/>
           </a:p>
@@ -2632,7 +2804,7 @@
           <a:p>
             <a:fld id="{B3F3E716-CACC-4490-AD07-F24B6A68DE47}" type="datetimeFigureOut">
               <a:rPr lang="es-MX" smtClean="0"/>
-              <a:t>14/11/2019</a:t>
+              <a:t>15/11/2019</a:t>
             </a:fld>
             <a:endParaRPr lang="es-MX" dirty="0"/>
           </a:p>
@@ -2885,7 +3057,7 @@
           <a:p>
             <a:fld id="{B3F3E716-CACC-4490-AD07-F24B6A68DE47}" type="datetimeFigureOut">
               <a:rPr lang="es-MX" smtClean="0"/>
-              <a:t>14/11/2019</a:t>
+              <a:t>15/11/2019</a:t>
             </a:fld>
             <a:endParaRPr lang="es-MX" dirty="0"/>
           </a:p>
@@ -3098,7 +3270,7 @@
           <a:p>
             <a:fld id="{B3F3E716-CACC-4490-AD07-F24B6A68DE47}" type="datetimeFigureOut">
               <a:rPr lang="es-MX" smtClean="0"/>
-              <a:t>14/11/2019</a:t>
+              <a:t>15/11/2019</a:t>
             </a:fld>
             <a:endParaRPr lang="es-MX" dirty="0"/>
           </a:p>
@@ -3925,6 +4097,482 @@
       </p:grpSpPr>
       <p:sp>
         <p:nvSpPr>
+          <p:cNvPr id="184324" name="Rectangle 4"/>
+          <p:cNvSpPr>
+            <a:spLocks noGrp="1" noChangeArrowheads="1"/>
+          </p:cNvSpPr>
+          <p:nvPr>
+            <p:ph type="title"/>
+          </p:nvPr>
+        </p:nvSpPr>
+        <p:spPr>
+          <a:xfrm>
+            <a:off x="302027" y="0"/>
+            <a:ext cx="8229600" cy="1143000"/>
+          </a:xfrm>
+        </p:spPr>
+        <p:txBody>
+          <a:bodyPr>
+            <a:normAutofit fontScale="90000"/>
+          </a:bodyPr>
+          <a:lstStyle/>
+          <a:p>
+            <a:pPr eaLnBrk="1" hangingPunct="1">
+              <a:defRPr/>
+            </a:pPr>
+            <a:r>
+              <a:rPr lang="es-MX" b="1" dirty="0">
+                <a:solidFill>
+                  <a:schemeClr val="accent4">
+                    <a:lumMod val="50000"/>
+                  </a:schemeClr>
+                </a:solidFill>
+                <a:effectLst>
+                  <a:outerShdw blurRad="38100" dist="38100" dir="2700000" algn="tl">
+                    <a:srgbClr val="C0C0C0"/>
+                  </a:outerShdw>
+                </a:effectLst>
+                <a:latin typeface="Dom Casual" charset="0"/>
+              </a:rPr>
+              <a:t>Situación problema 1</a:t>
+            </a:r>
+            <a:br>
+              <a:rPr lang="es-MX" b="1" dirty="0">
+                <a:solidFill>
+                  <a:schemeClr val="accent4">
+                    <a:lumMod val="50000"/>
+                  </a:schemeClr>
+                </a:solidFill>
+                <a:effectLst>
+                  <a:outerShdw blurRad="38100" dist="38100" dir="2700000" algn="tl">
+                    <a:srgbClr val="C0C0C0"/>
+                  </a:outerShdw>
+                </a:effectLst>
+                <a:latin typeface="Dom Casual" charset="0"/>
+              </a:rPr>
+            </a:br>
+            <a:r>
+              <a:rPr lang="es-MX" sz="3100" dirty="0">
+                <a:solidFill>
+                  <a:schemeClr val="accent6">
+                    <a:lumMod val="75000"/>
+                  </a:schemeClr>
+                </a:solidFill>
+                <a:effectLst>
+                  <a:outerShdw blurRad="38100" dist="38100" dir="2700000" algn="tl">
+                    <a:srgbClr val="C0C0C0"/>
+                  </a:outerShdw>
+                </a:effectLst>
+                <a:latin typeface="Dom Casual" charset="0"/>
+              </a:rPr>
+              <a:t>Menú de niño</a:t>
+            </a:r>
+          </a:p>
+        </p:txBody>
+      </p:sp>
+      <p:sp>
+        <p:nvSpPr>
+          <p:cNvPr id="6" name="object 25">
+            <a:extLst>
+              <a:ext uri="{FF2B5EF4-FFF2-40B4-BE49-F238E27FC236}">
+                <a16:creationId xmlns:a16="http://schemas.microsoft.com/office/drawing/2014/main" id="{8BC5A2FA-947F-4654-BAD4-532D725EFBE5}"/>
+              </a:ext>
+            </a:extLst>
+          </p:cNvPr>
+          <p:cNvSpPr txBox="1"/>
+          <p:nvPr/>
+        </p:nvSpPr>
+        <p:spPr>
+          <a:xfrm>
+            <a:off x="1547664" y="2132856"/>
+            <a:ext cx="2267735" cy="388492"/>
+          </a:xfrm>
+          <a:prstGeom prst="rect">
+            <a:avLst/>
+          </a:prstGeom>
+        </p:spPr>
+        <p:txBody>
+          <a:bodyPr vert="horz" wrap="square" lIns="0" tIns="0" rIns="0" bIns="0" rtlCol="0">
+            <a:noAutofit/>
+          </a:bodyPr>
+          <a:lstStyle/>
+          <a:p>
+            <a:pPr marL="12700">
+              <a:lnSpc>
+                <a:spcPct val="100000"/>
+              </a:lnSpc>
+              <a:spcAft>
+                <a:spcPts val="600"/>
+              </a:spcAft>
+            </a:pPr>
+            <a:r>
+              <a:rPr lang="es-MX" sz="2000" b="1" spc="-20" dirty="0">
+                <a:solidFill>
+                  <a:schemeClr val="accent4">
+                    <a:lumMod val="75000"/>
+                  </a:schemeClr>
+                </a:solidFill>
+                <a:cs typeface="Calibri"/>
+              </a:rPr>
+              <a:t>Casos de prueba:</a:t>
+            </a:r>
+            <a:endParaRPr sz="2000" b="1" dirty="0">
+              <a:solidFill>
+                <a:schemeClr val="accent4">
+                  <a:lumMod val="75000"/>
+                </a:schemeClr>
+              </a:solidFill>
+              <a:latin typeface="Calibri"/>
+              <a:cs typeface="Calibri"/>
+            </a:endParaRPr>
+          </a:p>
+        </p:txBody>
+      </p:sp>
+      <p:graphicFrame>
+        <p:nvGraphicFramePr>
+          <p:cNvPr id="7" name="Tabla 15">
+            <a:extLst>
+              <a:ext uri="{FF2B5EF4-FFF2-40B4-BE49-F238E27FC236}">
+                <a16:creationId xmlns:a16="http://schemas.microsoft.com/office/drawing/2014/main" id="{8ED0A8A7-6592-462A-B2DF-8C76E2453D2E}"/>
+              </a:ext>
+            </a:extLst>
+          </p:cNvPr>
+          <p:cNvGraphicFramePr>
+            <a:graphicFrameLocks noGrp="1"/>
+          </p:cNvGraphicFramePr>
+          <p:nvPr>
+            <p:extLst>
+              <p:ext uri="{D42A27DB-BD31-4B8C-83A1-F6EECF244321}">
+                <p14:modId xmlns:p14="http://schemas.microsoft.com/office/powerpoint/2010/main" val="3756802842"/>
+              </p:ext>
+            </p:extLst>
+          </p:nvPr>
+        </p:nvGraphicFramePr>
+        <p:xfrm>
+          <a:off x="1547664" y="2780928"/>
+          <a:ext cx="6336704" cy="2006052"/>
+        </p:xfrm>
+        <a:graphic>
+          <a:graphicData uri="http://schemas.openxmlformats.org/drawingml/2006/table">
+            <a:tbl>
+              <a:tblPr firstRow="1" bandRow="1">
+                <a:tableStyleId>{5C22544A-7EE6-4342-B048-85BDC9FD1C3A}</a:tableStyleId>
+              </a:tblPr>
+              <a:tblGrid>
+                <a:gridCol w="2808312">
+                  <a:extLst>
+                    <a:ext uri="{9D8B030D-6E8A-4147-A177-3AD203B41FA5}">
+                      <a16:colId xmlns:a16="http://schemas.microsoft.com/office/drawing/2014/main" val="2558049104"/>
+                    </a:ext>
+                  </a:extLst>
+                </a:gridCol>
+                <a:gridCol w="3528392">
+                  <a:extLst>
+                    <a:ext uri="{9D8B030D-6E8A-4147-A177-3AD203B41FA5}">
+                      <a16:colId xmlns:a16="http://schemas.microsoft.com/office/drawing/2014/main" val="2289536505"/>
+                    </a:ext>
+                  </a:extLst>
+                </a:gridCol>
+              </a:tblGrid>
+              <a:tr h="0">
+                <a:tc>
+                  <a:txBody>
+                    <a:bodyPr/>
+                    <a:lstStyle/>
+                    <a:p>
+                      <a:pPr algn="ctr"/>
+                      <a:r>
+                        <a:rPr lang="es-MX" sz="1600" dirty="0" err="1"/>
+                        <a:t>Opcion</a:t>
+                      </a:r>
+                      <a:endParaRPr lang="es-MX" sz="1600" dirty="0"/>
+                    </a:p>
+                  </a:txBody>
+                  <a:tcPr anchor="ctr" anchorCtr="1"/>
+                </a:tc>
+                <a:tc>
+                  <a:txBody>
+                    <a:bodyPr/>
+                    <a:lstStyle/>
+                    <a:p>
+                      <a:pPr algn="ctr"/>
+                      <a:r>
+                        <a:rPr lang="es-MX" sz="1600" dirty="0"/>
+                        <a:t>Imprime</a:t>
+                      </a:r>
+                    </a:p>
+                  </a:txBody>
+                  <a:tcPr anchor="ctr" anchorCtr="1"/>
+                </a:tc>
+                <a:extLst>
+                  <a:ext uri="{0D108BD9-81ED-4DB2-BD59-A6C34878D82A}">
+                    <a16:rowId xmlns:a16="http://schemas.microsoft.com/office/drawing/2014/main" val="119075427"/>
+                  </a:ext>
+                </a:extLst>
+              </a:tr>
+              <a:tr h="193536">
+                <a:tc>
+                  <a:txBody>
+                    <a:bodyPr/>
+                    <a:lstStyle/>
+                    <a:p>
+                      <a:pPr algn="ctr"/>
+                      <a:r>
+                        <a:rPr lang="es-MX" sz="1600" dirty="0"/>
+                        <a:t>1</a:t>
+                      </a:r>
+                    </a:p>
+                  </a:txBody>
+                  <a:tcPr anchor="ctr" anchorCtr="1"/>
+                </a:tc>
+                <a:tc>
+                  <a:txBody>
+                    <a:bodyPr/>
+                    <a:lstStyle/>
+                    <a:p>
+                      <a:pPr algn="ctr"/>
+                      <a:r>
+                        <a:rPr lang="es-MX" sz="1600" dirty="0"/>
+                        <a:t>El precio del menú es 80</a:t>
+                      </a:r>
+                    </a:p>
+                  </a:txBody>
+                  <a:tcPr anchor="ctr" anchorCtr="1"/>
+                </a:tc>
+                <a:extLst>
+                  <a:ext uri="{0D108BD9-81ED-4DB2-BD59-A6C34878D82A}">
+                    <a16:rowId xmlns:a16="http://schemas.microsoft.com/office/drawing/2014/main" val="737048181"/>
+                  </a:ext>
+                </a:extLst>
+              </a:tr>
+              <a:tr h="157595">
+                <a:tc>
+                  <a:txBody>
+                    <a:bodyPr/>
+                    <a:lstStyle/>
+                    <a:p>
+                      <a:pPr algn="ctr"/>
+                      <a:r>
+                        <a:rPr lang="es-MX" sz="1600" dirty="0"/>
+                        <a:t>2</a:t>
+                      </a:r>
+                    </a:p>
+                  </a:txBody>
+                  <a:tcPr anchor="ctr" anchorCtr="1"/>
+                </a:tc>
+                <a:tc>
+                  <a:txBody>
+                    <a:bodyPr/>
+                    <a:lstStyle/>
+                    <a:p>
+                      <a:pPr algn="ctr"/>
+                      <a:r>
+                        <a:rPr lang="es-MX" sz="1600" dirty="0"/>
+                        <a:t>El precio del menú es 50</a:t>
+                      </a:r>
+                    </a:p>
+                  </a:txBody>
+                  <a:tcPr anchor="ctr" anchorCtr="1"/>
+                </a:tc>
+                <a:extLst>
+                  <a:ext uri="{0D108BD9-81ED-4DB2-BD59-A6C34878D82A}">
+                    <a16:rowId xmlns:a16="http://schemas.microsoft.com/office/drawing/2014/main" val="1197511534"/>
+                  </a:ext>
+                </a:extLst>
+              </a:tr>
+              <a:tr h="421092">
+                <a:tc>
+                  <a:txBody>
+                    <a:bodyPr/>
+                    <a:lstStyle/>
+                    <a:p>
+                      <a:pPr algn="ctr"/>
+                      <a:r>
+                        <a:rPr lang="es-MX" sz="1600" dirty="0"/>
+                        <a:t>3</a:t>
+                      </a:r>
+                    </a:p>
+                  </a:txBody>
+                  <a:tcPr anchor="ctr" anchorCtr="1"/>
+                </a:tc>
+                <a:tc>
+                  <a:txBody>
+                    <a:bodyPr/>
+                    <a:lstStyle/>
+                    <a:p>
+                      <a:pPr algn="ctr"/>
+                      <a:r>
+                        <a:rPr lang="es-MX" sz="1600" dirty="0"/>
+                        <a:t>El precio del menú es 40</a:t>
+                      </a:r>
+                    </a:p>
+                  </a:txBody>
+                  <a:tcPr anchor="ctr" anchorCtr="1"/>
+                </a:tc>
+                <a:extLst>
+                  <a:ext uri="{0D108BD9-81ED-4DB2-BD59-A6C34878D82A}">
+                    <a16:rowId xmlns:a16="http://schemas.microsoft.com/office/drawing/2014/main" val="1254763306"/>
+                  </a:ext>
+                </a:extLst>
+              </a:tr>
+              <a:tr h="322052">
+                <a:tc>
+                  <a:txBody>
+                    <a:bodyPr/>
+                    <a:lstStyle/>
+                    <a:p>
+                      <a:pPr algn="ctr"/>
+                      <a:r>
+                        <a:rPr lang="es-MX" sz="1600" dirty="0"/>
+                        <a:t>7</a:t>
+                      </a:r>
+                    </a:p>
+                  </a:txBody>
+                  <a:tcPr anchor="ctr" anchorCtr="1"/>
+                </a:tc>
+                <a:tc>
+                  <a:txBody>
+                    <a:bodyPr/>
+                    <a:lstStyle/>
+                    <a:p>
+                      <a:pPr algn="ctr"/>
+                      <a:r>
+                        <a:rPr lang="es-MX" sz="1600" dirty="0"/>
+                        <a:t>Opción inválida</a:t>
+                      </a:r>
+                    </a:p>
+                    <a:p>
+                      <a:pPr algn="ctr"/>
+                      <a:r>
+                        <a:rPr lang="es-MX" sz="1600" dirty="0"/>
+                        <a:t>El precio del menú es 0</a:t>
+                      </a:r>
+                    </a:p>
+                  </a:txBody>
+                  <a:tcPr anchor="ctr" anchorCtr="1"/>
+                </a:tc>
+                <a:extLst>
+                  <a:ext uri="{0D108BD9-81ED-4DB2-BD59-A6C34878D82A}">
+                    <a16:rowId xmlns:a16="http://schemas.microsoft.com/office/drawing/2014/main" val="4203213746"/>
+                  </a:ext>
+                </a:extLst>
+              </a:tr>
+            </a:tbl>
+          </a:graphicData>
+        </a:graphic>
+      </p:graphicFrame>
+      <p:pic>
+        <p:nvPicPr>
+          <p:cNvPr id="9" name="Imagen 8">
+            <a:extLst>
+              <a:ext uri="{FF2B5EF4-FFF2-40B4-BE49-F238E27FC236}">
+                <a16:creationId xmlns:a16="http://schemas.microsoft.com/office/drawing/2014/main" id="{78D53CC7-88B8-45D3-838F-CA84DD40604A}"/>
+              </a:ext>
+            </a:extLst>
+          </p:cNvPr>
+          <p:cNvPicPr>
+            <a:picLocks noChangeAspect="1"/>
+          </p:cNvPicPr>
+          <p:nvPr/>
+        </p:nvPicPr>
+        <p:blipFill>
+          <a:blip r:embed="rId3" cstate="print">
+            <a:extLst>
+              <a:ext uri="{28A0092B-C50C-407E-A947-70E740481C1C}">
+                <a14:useLocalDpi xmlns:a14="http://schemas.microsoft.com/office/drawing/2010/main" val="0"/>
+              </a:ext>
+            </a:extLst>
+          </a:blip>
+          <a:stretch>
+            <a:fillRect/>
+          </a:stretch>
+        </p:blipFill>
+        <p:spPr>
+          <a:xfrm>
+            <a:off x="7418784" y="4346098"/>
+            <a:ext cx="1219200" cy="1219200"/>
+          </a:xfrm>
+          <a:prstGeom prst="rect">
+            <a:avLst/>
+          </a:prstGeom>
+          <a:effectLst>
+            <a:outerShdw blurRad="50800" dist="50800" dir="5400000" algn="ctr" rotWithShape="0">
+              <a:schemeClr val="bg1">
+                <a:lumMod val="85000"/>
+              </a:schemeClr>
+            </a:outerShdw>
+            <a:softEdge rad="25400"/>
+          </a:effectLst>
+        </p:spPr>
+      </p:pic>
+      <p:pic>
+        <p:nvPicPr>
+          <p:cNvPr id="2" name="Imagen 1">
+            <a:extLst>
+              <a:ext uri="{FF2B5EF4-FFF2-40B4-BE49-F238E27FC236}">
+                <a16:creationId xmlns:a16="http://schemas.microsoft.com/office/drawing/2014/main" id="{28802766-F9AB-495C-AEB1-61DF2B9DDA22}"/>
+              </a:ext>
+            </a:extLst>
+          </p:cNvPr>
+          <p:cNvPicPr>
+            <a:picLocks noChangeAspect="1"/>
+          </p:cNvPicPr>
+          <p:nvPr/>
+        </p:nvPicPr>
+        <p:blipFill>
+          <a:blip r:embed="rId4"/>
+          <a:stretch>
+            <a:fillRect/>
+          </a:stretch>
+        </p:blipFill>
+        <p:spPr>
+          <a:xfrm>
+            <a:off x="5313179" y="1402580"/>
+            <a:ext cx="2876550" cy="1095375"/>
+          </a:xfrm>
+          <a:prstGeom prst="rect">
+            <a:avLst/>
+          </a:prstGeom>
+          <a:ln w="25400">
+            <a:solidFill>
+              <a:schemeClr val="accent1"/>
+            </a:solidFill>
+          </a:ln>
+          <a:effectLst/>
+        </p:spPr>
+      </p:pic>
+    </p:spTree>
+    <p:extLst>
+      <p:ext uri="{BB962C8B-B14F-4D97-AF65-F5344CB8AC3E}">
+        <p14:creationId xmlns:p14="http://schemas.microsoft.com/office/powerpoint/2010/main" val="2175379027"/>
+      </p:ext>
+    </p:extLst>
+  </p:cSld>
+  <p:clrMapOvr>
+    <a:masterClrMapping/>
+  </p:clrMapOvr>
+</p:sld>
+</file>
+
+<file path=ppt/slides/slide11.xml><?xml version="1.0" encoding="utf-8"?>
+<p:sld xmlns:a="http://schemas.openxmlformats.org/drawingml/2006/main" xmlns:r="http://schemas.openxmlformats.org/officeDocument/2006/relationships" xmlns:p="http://schemas.openxmlformats.org/presentationml/2006/main">
+  <p:cSld>
+    <p:spTree>
+      <p:nvGrpSpPr>
+        <p:cNvPr id="1" name=""/>
+        <p:cNvGrpSpPr/>
+        <p:nvPr/>
+      </p:nvGrpSpPr>
+      <p:grpSpPr>
+        <a:xfrm>
+          <a:off x="0" y="0"/>
+          <a:ext cx="0" cy="0"/>
+          <a:chOff x="0" y="0"/>
+          <a:chExt cx="0" cy="0"/>
+        </a:xfrm>
+      </p:grpSpPr>
+      <p:sp>
+        <p:nvSpPr>
           <p:cNvPr id="4098" name="Rectangle 2"/>
           <p:cNvSpPr>
             <a:spLocks noGrp="1" noChangeArrowheads="1"/>
@@ -3935,8 +4583,8 @@
         </p:nvSpPr>
         <p:spPr>
           <a:xfrm>
-            <a:off x="293381" y="1122606"/>
-            <a:ext cx="8491939" cy="5517232"/>
+            <a:off x="595149" y="1340768"/>
+            <a:ext cx="7953702" cy="4104456"/>
           </a:xfrm>
         </p:spPr>
         <p:txBody>
@@ -3963,7 +4611,7 @@
                 </a:solidFill>
                 <a:cs typeface="Arial" pitchFamily="34" charset="0"/>
               </a:rPr>
-              <a:t>d) </a:t>
+              <a:t>c) </a:t>
             </a:r>
             <a:r>
               <a:rPr lang="es-MX" sz="2000" b="1" dirty="0" err="1">
@@ -3974,7 +4622,7 @@
                 </a:solidFill>
                 <a:cs typeface="Arial" pitchFamily="34" charset="0"/>
               </a:rPr>
-              <a:t>recargaTarjeta</a:t>
+              <a:t>realizarPago</a:t>
             </a:r>
             <a:endParaRPr lang="es-MX" sz="2000" b="1" dirty="0">
               <a:solidFill>
@@ -3986,15 +4634,14 @@
             </a:endParaRPr>
           </a:p>
           <a:p>
-            <a:pPr algn="just">
+            <a:pPr marL="0" indent="0" algn="just">
               <a:lnSpc>
                 <a:spcPct val="120000"/>
               </a:lnSpc>
               <a:spcBef>
                 <a:spcPct val="0"/>
               </a:spcBef>
-              <a:buFont typeface="+mj-lt"/>
-              <a:buAutoNum type="alphaLcParenR"/>
+              <a:buNone/>
             </a:pPr>
             <a:endParaRPr lang="es-MX" sz="2000" b="1" dirty="0">
               <a:solidFill>
@@ -4036,7 +4683,7 @@
                 </a:solidFill>
                 <a:cs typeface="Arial" panose="020B0604020202020204" pitchFamily="34" charset="0"/>
               </a:rPr>
-              <a:t>recargaTarjeta</a:t>
+              <a:t>realizarPago</a:t>
             </a:r>
             <a:r>
               <a:rPr lang="es-MX" sz="2000" dirty="0">
@@ -4047,7 +4694,7 @@
                 </a:solidFill>
                 <a:cs typeface="Arial" panose="020B0604020202020204" pitchFamily="34" charset="0"/>
               </a:rPr>
-              <a:t>, que recibe el saldo de la tarjeta de prepago (</a:t>
+              <a:t>, que recibe el </a:t>
             </a:r>
             <a:r>
               <a:rPr lang="es-MX" sz="2000" dirty="0" err="1">
@@ -4058,6 +4705,50 @@
                 </a:solidFill>
                 <a:cs typeface="Arial" panose="020B0604020202020204" pitchFamily="34" charset="0"/>
               </a:rPr>
+              <a:t>totalComidasAdulto</a:t>
+            </a:r>
+            <a:r>
+              <a:rPr lang="es-MX" sz="2000" dirty="0">
+                <a:solidFill>
+                  <a:schemeClr val="bg2">
+                    <a:lumMod val="25000"/>
+                  </a:schemeClr>
+                </a:solidFill>
+                <a:cs typeface="Arial" panose="020B0604020202020204" pitchFamily="34" charset="0"/>
+              </a:rPr>
+              <a:t>, el </a:t>
+            </a:r>
+            <a:r>
+              <a:rPr lang="es-MX" sz="2000" dirty="0" err="1">
+                <a:solidFill>
+                  <a:schemeClr val="bg2">
+                    <a:lumMod val="25000"/>
+                  </a:schemeClr>
+                </a:solidFill>
+                <a:cs typeface="Arial" panose="020B0604020202020204" pitchFamily="34" charset="0"/>
+              </a:rPr>
+              <a:t>totalComidasNino</a:t>
+            </a:r>
+            <a:r>
+              <a:rPr lang="es-MX" sz="2000" dirty="0">
+                <a:solidFill>
+                  <a:schemeClr val="bg2">
+                    <a:lumMod val="25000"/>
+                  </a:schemeClr>
+                </a:solidFill>
+                <a:cs typeface="Arial" panose="020B0604020202020204" pitchFamily="34" charset="0"/>
+              </a:rPr>
+              <a:t> y el </a:t>
+            </a:r>
+            <a:r>
+              <a:rPr lang="es-MX" sz="2000" dirty="0" err="1">
+                <a:solidFill>
+                  <a:schemeClr val="bg2">
+                    <a:lumMod val="25000"/>
+                  </a:schemeClr>
+                </a:solidFill>
+                <a:cs typeface="Arial" panose="020B0604020202020204" pitchFamily="34" charset="0"/>
+              </a:rPr>
               <a:t>saldoTarjeta</a:t>
             </a:r>
             <a:r>
@@ -4069,19 +4760,19 @@
                 </a:solidFill>
                 <a:cs typeface="Arial" panose="020B0604020202020204" pitchFamily="34" charset="0"/>
               </a:rPr>
-              <a:t>) e imprime un menú con las siguientes cantidades de recarga:</a:t>
-            </a:r>
-          </a:p>
-          <a:p>
-            <a:pPr marL="800100" lvl="2" indent="0" algn="just">
-              <a:lnSpc>
-                <a:spcPct val="120000"/>
-              </a:lnSpc>
-              <a:spcBef>
-                <a:spcPct val="0"/>
-              </a:spcBef>
-              <a:buNone/>
-            </a:pPr>
+              <a:t>. Calcular el </a:t>
+            </a:r>
+            <a:r>
+              <a:rPr lang="es-MX" sz="2000" dirty="0" err="1">
+                <a:solidFill>
+                  <a:schemeClr val="bg2">
+                    <a:lumMod val="25000"/>
+                  </a:schemeClr>
+                </a:solidFill>
+                <a:cs typeface="Arial" panose="020B0604020202020204" pitchFamily="34" charset="0"/>
+              </a:rPr>
+              <a:t>totalConsumo</a:t>
+            </a:r>
             <a:r>
               <a:rPr lang="es-MX" sz="2000" dirty="0">
                 <a:solidFill>
@@ -4091,19 +4782,19 @@
                 </a:solidFill>
                 <a:cs typeface="Arial" panose="020B0604020202020204" pitchFamily="34" charset="0"/>
               </a:rPr>
-              <a:t>1. $100.00</a:t>
-            </a:r>
-          </a:p>
-          <a:p>
-            <a:pPr marL="800100" lvl="2" indent="0" algn="just">
-              <a:lnSpc>
-                <a:spcPct val="120000"/>
-              </a:lnSpc>
-              <a:spcBef>
-                <a:spcPct val="0"/>
-              </a:spcBef>
-              <a:buNone/>
-            </a:pPr>
+              <a:t>. La función debe imprimir el </a:t>
+            </a:r>
+            <a:r>
+              <a:rPr lang="es-MX" sz="2000" dirty="0" err="1">
+                <a:solidFill>
+                  <a:schemeClr val="bg2">
+                    <a:lumMod val="25000"/>
+                  </a:schemeClr>
+                </a:solidFill>
+                <a:cs typeface="Arial" panose="020B0604020202020204" pitchFamily="34" charset="0"/>
+              </a:rPr>
+              <a:t>totalComidasAdulto</a:t>
+            </a:r>
             <a:r>
               <a:rPr lang="es-MX" sz="2000" dirty="0">
                 <a:solidFill>
@@ -4113,19 +4804,19 @@
                 </a:solidFill>
                 <a:cs typeface="Arial" panose="020B0604020202020204" pitchFamily="34" charset="0"/>
               </a:rPr>
-              <a:t>2. $250.00</a:t>
-            </a:r>
-          </a:p>
-          <a:p>
-            <a:pPr marL="800100" lvl="2" indent="0" algn="just">
-              <a:lnSpc>
-                <a:spcPct val="120000"/>
-              </a:lnSpc>
-              <a:spcBef>
-                <a:spcPct val="0"/>
-              </a:spcBef>
-              <a:buNone/>
-            </a:pPr>
+              <a:t>, el </a:t>
+            </a:r>
+            <a:r>
+              <a:rPr lang="es-MX" sz="2000" dirty="0" err="1">
+                <a:solidFill>
+                  <a:schemeClr val="bg2">
+                    <a:lumMod val="25000"/>
+                  </a:schemeClr>
+                </a:solidFill>
+                <a:cs typeface="Arial" panose="020B0604020202020204" pitchFamily="34" charset="0"/>
+              </a:rPr>
+              <a:t>totalComidasNino</a:t>
+            </a:r>
             <a:r>
               <a:rPr lang="es-MX" sz="2000" dirty="0">
                 <a:solidFill>
@@ -4135,11 +4826,33 @@
                 </a:solidFill>
                 <a:cs typeface="Arial" panose="020B0604020202020204" pitchFamily="34" charset="0"/>
               </a:rPr>
-              <a:t>3. $500.00</a:t>
-            </a:r>
-          </a:p>
-          <a:p>
-            <a:pPr lvl="1" indent="-342900" algn="just">
+              <a:t>, y el </a:t>
+            </a:r>
+            <a:r>
+              <a:rPr lang="es-MX" sz="2000" dirty="0" err="1">
+                <a:solidFill>
+                  <a:schemeClr val="bg2">
+                    <a:lumMod val="25000"/>
+                  </a:schemeClr>
+                </a:solidFill>
+                <a:cs typeface="Arial" panose="020B0604020202020204" pitchFamily="34" charset="0"/>
+              </a:rPr>
+              <a:t>totalConsumo</a:t>
+            </a:r>
+            <a:r>
+              <a:rPr lang="es-MX" sz="2000" dirty="0">
+                <a:solidFill>
+                  <a:schemeClr val="bg2">
+                    <a:lumMod val="25000"/>
+                  </a:schemeClr>
+                </a:solidFill>
+                <a:cs typeface="Arial" panose="020B0604020202020204" pitchFamily="34" charset="0"/>
+              </a:rPr>
+              <a:t>.</a:t>
+            </a:r>
+          </a:p>
+          <a:p>
+            <a:pPr marL="685800" lvl="1" algn="just">
               <a:lnSpc>
                 <a:spcPct val="120000"/>
               </a:lnSpc>
@@ -4158,20 +4871,19 @@
                 </a:solidFill>
                 <a:cs typeface="Arial" panose="020B0604020202020204" pitchFamily="34" charset="0"/>
               </a:rPr>
-              <a:t>Pedir al usuario que seleccione una opción.</a:t>
-            </a:r>
-          </a:p>
-          <a:p>
-            <a:pPr lvl="1" indent="-342900" algn="just">
-              <a:lnSpc>
-                <a:spcPct val="120000"/>
-              </a:lnSpc>
-              <a:spcBef>
-                <a:spcPct val="0"/>
-              </a:spcBef>
-              <a:buFont typeface="Arial" panose="020B0604020202020204" pitchFamily="34" charset="0"/>
-              <a:buChar char="•"/>
-            </a:pPr>
+              <a:t>La función debe preguntar el porcentaje que se desea agregar de propina (0%, 10%, 15%, etc.) y calcular la propina con base en el </a:t>
+            </a:r>
+            <a:r>
+              <a:rPr lang="es-MX" sz="2000" dirty="0" err="1">
+                <a:solidFill>
+                  <a:schemeClr val="bg2">
+                    <a:lumMod val="25000"/>
+                  </a:schemeClr>
+                </a:solidFill>
+                <a:cs typeface="Arial" panose="020B0604020202020204" pitchFamily="34" charset="0"/>
+              </a:rPr>
+              <a:t>totalConsumo</a:t>
+            </a:r>
             <a:r>
               <a:rPr lang="es-MX" sz="2000" dirty="0">
                 <a:solidFill>
@@ -4181,29 +4893,18 @@
                 </a:solidFill>
                 <a:cs typeface="Arial" panose="020B0604020202020204" pitchFamily="34" charset="0"/>
               </a:rPr>
-              <a:t>Haciendo uso de </a:t>
-            </a:r>
-            <a:r>
-              <a:rPr lang="es-MX" sz="2000" b="1" dirty="0" err="1">
-                <a:solidFill>
-                  <a:schemeClr val="bg2">
-                    <a:lumMod val="25000"/>
-                  </a:schemeClr>
-                </a:solidFill>
-                <a:cs typeface="Arial" panose="020B0604020202020204" pitchFamily="34" charset="0"/>
-              </a:rPr>
-              <a:t>if</a:t>
-            </a:r>
-            <a:r>
-              <a:rPr lang="es-MX" sz="2000" b="1" dirty="0">
-                <a:solidFill>
-                  <a:schemeClr val="bg2">
-                    <a:lumMod val="25000"/>
-                  </a:schemeClr>
-                </a:solidFill>
-                <a:cs typeface="Arial" panose="020B0604020202020204" pitchFamily="34" charset="0"/>
-              </a:rPr>
-              <a:t> – anidado</a:t>
+              <a:t>. Imprimir el </a:t>
+            </a:r>
+            <a:r>
+              <a:rPr lang="es-MX" sz="2000" dirty="0" err="1">
+                <a:solidFill>
+                  <a:schemeClr val="bg2">
+                    <a:lumMod val="25000"/>
+                  </a:schemeClr>
+                </a:solidFill>
+                <a:cs typeface="Arial" panose="020B0604020202020204" pitchFamily="34" charset="0"/>
+              </a:rPr>
+              <a:t>totalConsumo</a:t>
             </a:r>
             <a:r>
               <a:rPr lang="es-MX" sz="2000" dirty="0">
@@ -4214,39 +4915,19 @@
                 </a:solidFill>
                 <a:cs typeface="Arial" panose="020B0604020202020204" pitchFamily="34" charset="0"/>
               </a:rPr>
-              <a:t>, regresar el nuevo saldo de la tarjeta de prepago.</a:t>
-            </a:r>
-          </a:p>
-          <a:p>
-            <a:pPr lvl="1" indent="-342900" algn="just">
-              <a:lnSpc>
-                <a:spcPct val="120000"/>
-              </a:lnSpc>
-              <a:spcBef>
-                <a:spcPct val="0"/>
-              </a:spcBef>
-              <a:buFont typeface="Arial" panose="020B0604020202020204" pitchFamily="34" charset="0"/>
-              <a:buChar char="•"/>
-            </a:pPr>
-            <a:endParaRPr lang="es-MX" sz="2000" dirty="0">
-              <a:solidFill>
-                <a:schemeClr val="bg2">
-                  <a:lumMod val="25000"/>
-                </a:schemeClr>
-              </a:solidFill>
-              <a:cs typeface="Arial" panose="020B0604020202020204" pitchFamily="34" charset="0"/>
-            </a:endParaRPr>
-          </a:p>
-          <a:p>
-            <a:pPr marL="400050" lvl="1" indent="0" algn="just">
-              <a:lnSpc>
-                <a:spcPct val="120000"/>
-              </a:lnSpc>
-              <a:spcBef>
-                <a:spcPct val="0"/>
-              </a:spcBef>
-              <a:buNone/>
-            </a:pPr>
+              <a:t>, el </a:t>
+            </a:r>
+            <a:r>
+              <a:rPr lang="es-MX" sz="2000" dirty="0" err="1">
+                <a:solidFill>
+                  <a:schemeClr val="bg2">
+                    <a:lumMod val="25000"/>
+                  </a:schemeClr>
+                </a:solidFill>
+                <a:cs typeface="Arial" panose="020B0604020202020204" pitchFamily="34" charset="0"/>
+              </a:rPr>
+              <a:t>totalPropina</a:t>
+            </a:r>
             <a:r>
               <a:rPr lang="es-MX" sz="2000" dirty="0">
                 <a:solidFill>
@@ -4256,18 +4937,18 @@
                 </a:solidFill>
                 <a:cs typeface="Arial" panose="020B0604020202020204" pitchFamily="34" charset="0"/>
               </a:rPr>
-              <a:t>En el script principal, mandar llamar la función </a:t>
-            </a:r>
-            <a:r>
-              <a:rPr lang="es-MX" sz="2000" b="1" dirty="0" err="1">
-                <a:solidFill>
-                  <a:schemeClr val="bg2">
-                    <a:lumMod val="25000"/>
-                  </a:schemeClr>
-                </a:solidFill>
-                <a:cs typeface="Arial" panose="020B0604020202020204" pitchFamily="34" charset="0"/>
-              </a:rPr>
-              <a:t>recargaTarjeta</a:t>
+              <a:t> y el </a:t>
+            </a:r>
+            <a:r>
+              <a:rPr lang="es-MX" sz="2000" dirty="0" err="1">
+                <a:solidFill>
+                  <a:schemeClr val="bg2">
+                    <a:lumMod val="25000"/>
+                  </a:schemeClr>
+                </a:solidFill>
+                <a:cs typeface="Arial" panose="020B0604020202020204" pitchFamily="34" charset="0"/>
+              </a:rPr>
+              <a:t>totalGeneral</a:t>
             </a:r>
             <a:r>
               <a:rPr lang="es-MX" sz="2000" dirty="0">
@@ -4278,80 +4959,8 @@
                 </a:solidFill>
                 <a:cs typeface="Arial" panose="020B0604020202020204" pitchFamily="34" charset="0"/>
               </a:rPr>
-              <a:t> e imprimir el saldo de la tarjeta de prepago.</a:t>
-            </a:r>
-          </a:p>
-          <a:p>
-            <a:pPr marL="400050" lvl="1" indent="0" algn="just">
-              <a:lnSpc>
-                <a:spcPct val="120000"/>
-              </a:lnSpc>
-              <a:spcBef>
-                <a:spcPct val="0"/>
-              </a:spcBef>
-              <a:buNone/>
-            </a:pPr>
-            <a:r>
-              <a:rPr lang="es-MX" sz="2000" dirty="0">
-                <a:solidFill>
-                  <a:schemeClr val="bg2">
-                    <a:lumMod val="25000"/>
-                  </a:schemeClr>
-                </a:solidFill>
-                <a:cs typeface="Arial" panose="020B0604020202020204" pitchFamily="34" charset="0"/>
-              </a:rPr>
-              <a:t>Guardar archivo como </a:t>
-            </a:r>
-            <a:r>
-              <a:rPr lang="es-MX" sz="2000" b="1" dirty="0">
-                <a:solidFill>
-                  <a:schemeClr val="accent6">
-                    <a:lumMod val="75000"/>
-                  </a:schemeClr>
-                </a:solidFill>
-                <a:cs typeface="Arial" panose="020B0604020202020204" pitchFamily="34" charset="0"/>
-              </a:rPr>
-              <a:t>recarga_matricula.py</a:t>
-            </a:r>
-          </a:p>
-          <a:p>
-            <a:pPr marL="400050" lvl="1" indent="0" algn="just">
-              <a:lnSpc>
-                <a:spcPct val="120000"/>
-              </a:lnSpc>
-              <a:spcBef>
-                <a:spcPct val="0"/>
-              </a:spcBef>
-              <a:buNone/>
-            </a:pPr>
-            <a:endParaRPr lang="es-MX" sz="2000" dirty="0">
-              <a:solidFill>
-                <a:schemeClr val="bg2">
-                  <a:lumMod val="25000"/>
-                </a:schemeClr>
-              </a:solidFill>
-              <a:cs typeface="Arial" panose="020B0604020202020204" pitchFamily="34" charset="0"/>
-            </a:endParaRPr>
-          </a:p>
-          <a:p>
-            <a:pPr lvl="1" indent="-342900" algn="just">
-              <a:lnSpc>
-                <a:spcPct val="120000"/>
-              </a:lnSpc>
-              <a:spcBef>
-                <a:spcPct val="0"/>
-              </a:spcBef>
-              <a:buFont typeface="Arial" panose="020B0604020202020204" pitchFamily="34" charset="0"/>
-              <a:buChar char="•"/>
-            </a:pPr>
-            <a:endParaRPr lang="es-MX" sz="1600" dirty="0">
-              <a:solidFill>
-                <a:schemeClr val="bg2">
-                  <a:lumMod val="25000"/>
-                </a:schemeClr>
-              </a:solidFill>
-              <a:cs typeface="Arial" panose="020B0604020202020204" pitchFamily="34" charset="0"/>
-            </a:endParaRPr>
+              <a:t>.</a:t>
+            </a:r>
           </a:p>
         </p:txBody>
       </p:sp>
@@ -4433,7 +5042,1703 @@
     </p:spTree>
     <p:extLst>
       <p:ext uri="{BB962C8B-B14F-4D97-AF65-F5344CB8AC3E}">
+        <p14:creationId xmlns:p14="http://schemas.microsoft.com/office/powerpoint/2010/main" val="3154980316"/>
+      </p:ext>
+    </p:extLst>
+  </p:cSld>
+  <p:clrMapOvr>
+    <a:masterClrMapping/>
+  </p:clrMapOvr>
+</p:sld>
+</file>
+
+<file path=ppt/slides/slide12.xml><?xml version="1.0" encoding="utf-8"?>
+<p:sld xmlns:a="http://schemas.openxmlformats.org/drawingml/2006/main" xmlns:r="http://schemas.openxmlformats.org/officeDocument/2006/relationships" xmlns:p="http://schemas.openxmlformats.org/presentationml/2006/main">
+  <p:cSld>
+    <p:spTree>
+      <p:nvGrpSpPr>
+        <p:cNvPr id="1" name=""/>
+        <p:cNvGrpSpPr/>
+        <p:nvPr/>
+      </p:nvGrpSpPr>
+      <p:grpSpPr>
+        <a:xfrm>
+          <a:off x="0" y="0"/>
+          <a:ext cx="0" cy="0"/>
+          <a:chOff x="0" y="0"/>
+          <a:chExt cx="0" cy="0"/>
+        </a:xfrm>
+      </p:grpSpPr>
+      <p:sp>
+        <p:nvSpPr>
+          <p:cNvPr id="4098" name="Rectangle 2"/>
+          <p:cNvSpPr>
+            <a:spLocks noGrp="1" noChangeArrowheads="1"/>
+          </p:cNvSpPr>
+          <p:nvPr>
+            <p:ph type="body" idx="1"/>
+          </p:nvPr>
+        </p:nvSpPr>
+        <p:spPr>
+          <a:xfrm>
+            <a:off x="146690" y="1206708"/>
+            <a:ext cx="8850619" cy="5834786"/>
+          </a:xfrm>
+        </p:spPr>
+        <p:txBody>
+          <a:bodyPr>
+            <a:noAutofit/>
+          </a:bodyPr>
+          <a:lstStyle/>
+          <a:p>
+            <a:pPr marL="0" indent="0" algn="just">
+              <a:lnSpc>
+                <a:spcPct val="120000"/>
+              </a:lnSpc>
+              <a:spcBef>
+                <a:spcPct val="0"/>
+              </a:spcBef>
+              <a:buNone/>
+            </a:pPr>
+            <a:r>
+              <a:rPr lang="es-MX" sz="2000" b="1" dirty="0">
+                <a:solidFill>
+                  <a:schemeClr val="bg2">
+                    <a:lumMod val="25000"/>
+                  </a:schemeClr>
+                </a:solidFill>
+                <a:cs typeface="Arial" pitchFamily="34" charset="0"/>
+              </a:rPr>
+              <a:t>c) </a:t>
+            </a:r>
+            <a:r>
+              <a:rPr lang="es-MX" sz="2000" b="1" dirty="0" err="1">
+                <a:solidFill>
+                  <a:schemeClr val="bg2">
+                    <a:lumMod val="25000"/>
+                  </a:schemeClr>
+                </a:solidFill>
+                <a:cs typeface="Arial" pitchFamily="34" charset="0"/>
+              </a:rPr>
+              <a:t>realizarPago</a:t>
+            </a:r>
+            <a:endParaRPr lang="es-MX" sz="2000" b="1" dirty="0">
+              <a:solidFill>
+                <a:schemeClr val="bg2">
+                  <a:lumMod val="25000"/>
+                </a:schemeClr>
+              </a:solidFill>
+              <a:cs typeface="Arial" pitchFamily="34" charset="0"/>
+            </a:endParaRPr>
+          </a:p>
+          <a:p>
+            <a:pPr marL="0" indent="0" algn="just">
+              <a:lnSpc>
+                <a:spcPct val="120000"/>
+              </a:lnSpc>
+              <a:spcBef>
+                <a:spcPct val="0"/>
+              </a:spcBef>
+              <a:buNone/>
+            </a:pPr>
+            <a:endParaRPr lang="es-MX" sz="2000" b="1" dirty="0">
+              <a:solidFill>
+                <a:schemeClr val="bg2">
+                  <a:lumMod val="25000"/>
+                </a:schemeClr>
+              </a:solidFill>
+              <a:cs typeface="Arial" pitchFamily="34" charset="0"/>
+            </a:endParaRPr>
+          </a:p>
+          <a:p>
+            <a:pPr marL="685800" lvl="1" algn="just">
+              <a:lnSpc>
+                <a:spcPct val="120000"/>
+              </a:lnSpc>
+              <a:spcBef>
+                <a:spcPct val="0"/>
+              </a:spcBef>
+              <a:buFont typeface="Arial" panose="020B0604020202020204" pitchFamily="34" charset="0"/>
+              <a:buChar char="•"/>
+            </a:pPr>
+            <a:r>
+              <a:rPr lang="es-MX" sz="1800" dirty="0">
+                <a:solidFill>
+                  <a:schemeClr val="bg2">
+                    <a:lumMod val="25000"/>
+                  </a:schemeClr>
+                </a:solidFill>
+                <a:cs typeface="Arial" panose="020B0604020202020204" pitchFamily="34" charset="0"/>
+              </a:rPr>
+              <a:t>Si el usuario no tiene saldo suficiente (</a:t>
+            </a:r>
+            <a:r>
+              <a:rPr lang="es-MX" sz="1800" dirty="0" err="1">
+                <a:solidFill>
+                  <a:schemeClr val="bg2">
+                    <a:lumMod val="25000"/>
+                  </a:schemeClr>
+                </a:solidFill>
+                <a:cs typeface="Arial" panose="020B0604020202020204" pitchFamily="34" charset="0"/>
+              </a:rPr>
+              <a:t>saldoTarjeta</a:t>
+            </a:r>
+            <a:r>
+              <a:rPr lang="es-MX" sz="1800" dirty="0">
+                <a:solidFill>
+                  <a:schemeClr val="bg2">
+                    <a:lumMod val="25000"/>
+                  </a:schemeClr>
+                </a:solidFill>
+                <a:cs typeface="Arial" panose="020B0604020202020204" pitchFamily="34" charset="0"/>
+              </a:rPr>
+              <a:t>) en su tarjeta para pagar el </a:t>
+            </a:r>
+            <a:r>
+              <a:rPr lang="es-MX" sz="1800" dirty="0" err="1">
+                <a:solidFill>
+                  <a:schemeClr val="bg2">
+                    <a:lumMod val="25000"/>
+                  </a:schemeClr>
+                </a:solidFill>
+                <a:cs typeface="Arial" panose="020B0604020202020204" pitchFamily="34" charset="0"/>
+              </a:rPr>
+              <a:t>totalGeneral</a:t>
+            </a:r>
+            <a:r>
+              <a:rPr lang="es-MX" sz="1800" dirty="0">
+                <a:solidFill>
+                  <a:schemeClr val="bg2">
+                    <a:lumMod val="25000"/>
+                  </a:schemeClr>
+                </a:solidFill>
+                <a:cs typeface="Arial" panose="020B0604020202020204" pitchFamily="34" charset="0"/>
+              </a:rPr>
+              <a:t>, no se descuenta NADA y se le imprime un mensaje donde se le sugiere que entre a la opción de Recarga Tarjeta de </a:t>
+            </a:r>
+            <a:r>
+              <a:rPr lang="es-MX" sz="1800" dirty="0" err="1">
+                <a:solidFill>
+                  <a:schemeClr val="bg2">
+                    <a:lumMod val="25000"/>
+                  </a:schemeClr>
+                </a:solidFill>
+                <a:cs typeface="Arial" panose="020B0604020202020204" pitchFamily="34" charset="0"/>
+              </a:rPr>
+              <a:t>PrePago</a:t>
+            </a:r>
+            <a:r>
+              <a:rPr lang="es-MX" sz="1800" dirty="0">
+                <a:solidFill>
+                  <a:schemeClr val="bg2">
+                    <a:lumMod val="25000"/>
+                  </a:schemeClr>
+                </a:solidFill>
+                <a:cs typeface="Arial" panose="020B0604020202020204" pitchFamily="34" charset="0"/>
+              </a:rPr>
+              <a:t>. </a:t>
+            </a:r>
+          </a:p>
+          <a:p>
+            <a:pPr marL="685800" lvl="1" algn="just">
+              <a:lnSpc>
+                <a:spcPct val="120000"/>
+              </a:lnSpc>
+              <a:spcBef>
+                <a:spcPct val="0"/>
+              </a:spcBef>
+              <a:buFont typeface="Arial" panose="020B0604020202020204" pitchFamily="34" charset="0"/>
+              <a:buChar char="•"/>
+            </a:pPr>
+            <a:r>
+              <a:rPr lang="es-MX" sz="1800" dirty="0">
+                <a:solidFill>
+                  <a:schemeClr val="bg2">
+                    <a:lumMod val="25000"/>
+                  </a:schemeClr>
+                </a:solidFill>
+                <a:cs typeface="Arial" panose="020B0604020202020204" pitchFamily="34" charset="0"/>
+              </a:rPr>
+              <a:t>Si el usuario tiene saldo suficiente para pagar el </a:t>
+            </a:r>
+            <a:r>
+              <a:rPr lang="es-MX" sz="1800" dirty="0" err="1">
+                <a:solidFill>
+                  <a:schemeClr val="bg2">
+                    <a:lumMod val="25000"/>
+                  </a:schemeClr>
+                </a:solidFill>
+                <a:cs typeface="Arial" panose="020B0604020202020204" pitchFamily="34" charset="0"/>
+              </a:rPr>
+              <a:t>totalGeneral</a:t>
+            </a:r>
+            <a:r>
+              <a:rPr lang="es-MX" sz="1800" dirty="0">
+                <a:solidFill>
+                  <a:schemeClr val="bg2">
+                    <a:lumMod val="25000"/>
+                  </a:schemeClr>
+                </a:solidFill>
+                <a:cs typeface="Arial" panose="020B0604020202020204" pitchFamily="34" charset="0"/>
+              </a:rPr>
+              <a:t>, se le descuenta el </a:t>
+            </a:r>
+            <a:r>
+              <a:rPr lang="es-MX" sz="1800" dirty="0" err="1">
+                <a:solidFill>
+                  <a:schemeClr val="bg2">
+                    <a:lumMod val="25000"/>
+                  </a:schemeClr>
+                </a:solidFill>
+                <a:cs typeface="Arial" panose="020B0604020202020204" pitchFamily="34" charset="0"/>
+              </a:rPr>
+              <a:t>totalGeneral</a:t>
+            </a:r>
+            <a:r>
+              <a:rPr lang="es-MX" sz="1800" dirty="0">
+                <a:solidFill>
+                  <a:schemeClr val="bg2">
+                    <a:lumMod val="25000"/>
+                  </a:schemeClr>
+                </a:solidFill>
+                <a:cs typeface="Arial" panose="020B0604020202020204" pitchFamily="34" charset="0"/>
+              </a:rPr>
+              <a:t> al saldo de la Tarjeta (</a:t>
+            </a:r>
+            <a:r>
+              <a:rPr lang="es-MX" sz="1800" dirty="0" err="1">
+                <a:solidFill>
+                  <a:schemeClr val="bg2">
+                    <a:lumMod val="25000"/>
+                  </a:schemeClr>
+                </a:solidFill>
+                <a:cs typeface="Arial" panose="020B0604020202020204" pitchFamily="34" charset="0"/>
+              </a:rPr>
+              <a:t>saldoTarjeta</a:t>
+            </a:r>
+            <a:r>
+              <a:rPr lang="es-MX" sz="1800" dirty="0">
+                <a:solidFill>
+                  <a:schemeClr val="bg2">
+                    <a:lumMod val="25000"/>
+                  </a:schemeClr>
+                </a:solidFill>
+                <a:cs typeface="Arial" panose="020B0604020202020204" pitchFamily="34" charset="0"/>
+              </a:rPr>
+              <a:t>). Una vez descontado el total en la tarjeta de prepago, se manda un mensaje en pantalla de: Gracias por su compra. Si el usuario completa una compra de más de 500 dólares (</a:t>
+            </a:r>
+            <a:r>
+              <a:rPr lang="es-MX" sz="1800" dirty="0" err="1">
+                <a:solidFill>
+                  <a:schemeClr val="bg2">
+                    <a:lumMod val="25000"/>
+                  </a:schemeClr>
+                </a:solidFill>
+                <a:cs typeface="Arial" panose="020B0604020202020204" pitchFamily="34" charset="0"/>
+              </a:rPr>
+              <a:t>totalConsumo</a:t>
+            </a:r>
+            <a:r>
+              <a:rPr lang="es-MX" sz="1800" dirty="0">
+                <a:solidFill>
+                  <a:schemeClr val="bg2">
+                    <a:lumMod val="25000"/>
+                  </a:schemeClr>
+                </a:solidFill>
+                <a:cs typeface="Arial" panose="020B0604020202020204" pitchFamily="34" charset="0"/>
+              </a:rPr>
+              <a:t>) y pagó propina mayor al 10%, se le debe mandar un mensaje en pantalla indicando que puede gozar de internet gratis por cortesía de la casa.</a:t>
+            </a:r>
+          </a:p>
+          <a:p>
+            <a:pPr marL="685800" lvl="1" algn="just">
+              <a:lnSpc>
+                <a:spcPct val="120000"/>
+              </a:lnSpc>
+              <a:spcBef>
+                <a:spcPct val="0"/>
+              </a:spcBef>
+              <a:buFont typeface="Arial" panose="020B0604020202020204" pitchFamily="34" charset="0"/>
+              <a:buChar char="•"/>
+            </a:pPr>
+            <a:r>
+              <a:rPr lang="es-MX" sz="1800" dirty="0">
+                <a:solidFill>
+                  <a:schemeClr val="bg2">
+                    <a:lumMod val="25000"/>
+                  </a:schemeClr>
+                </a:solidFill>
+                <a:cs typeface="Arial" panose="020B0604020202020204" pitchFamily="34" charset="0"/>
+              </a:rPr>
+              <a:t>La función debe regresar el saldo de la tarjeta (</a:t>
+            </a:r>
+            <a:r>
+              <a:rPr lang="es-MX" sz="1800" dirty="0" err="1">
+                <a:solidFill>
+                  <a:schemeClr val="bg2">
+                    <a:lumMod val="25000"/>
+                  </a:schemeClr>
+                </a:solidFill>
+                <a:cs typeface="Arial" panose="020B0604020202020204" pitchFamily="34" charset="0"/>
+              </a:rPr>
+              <a:t>saldoTarjeta</a:t>
+            </a:r>
+            <a:r>
+              <a:rPr lang="es-MX" sz="1800" dirty="0">
+                <a:solidFill>
+                  <a:schemeClr val="bg2">
+                    <a:lumMod val="25000"/>
+                  </a:schemeClr>
+                </a:solidFill>
+                <a:cs typeface="Arial" panose="020B0604020202020204" pitchFamily="34" charset="0"/>
+              </a:rPr>
+              <a:t>)</a:t>
+            </a:r>
+          </a:p>
+          <a:p>
+            <a:pPr marL="400050" lvl="1" indent="0" algn="just">
+              <a:lnSpc>
+                <a:spcPct val="120000"/>
+              </a:lnSpc>
+              <a:spcBef>
+                <a:spcPct val="0"/>
+              </a:spcBef>
+              <a:buNone/>
+            </a:pPr>
+            <a:endParaRPr lang="es-MX" sz="1800" dirty="0">
+              <a:solidFill>
+                <a:schemeClr val="bg2">
+                  <a:lumMod val="25000"/>
+                </a:schemeClr>
+              </a:solidFill>
+              <a:cs typeface="Arial" panose="020B0604020202020204" pitchFamily="34" charset="0"/>
+            </a:endParaRPr>
+          </a:p>
+          <a:p>
+            <a:pPr marL="400050" lvl="1" indent="0" algn="just">
+              <a:lnSpc>
+                <a:spcPct val="120000"/>
+              </a:lnSpc>
+              <a:spcBef>
+                <a:spcPct val="0"/>
+              </a:spcBef>
+              <a:buNone/>
+            </a:pPr>
+            <a:r>
+              <a:rPr lang="es-MX" sz="1800" dirty="0">
+                <a:solidFill>
+                  <a:schemeClr val="bg2">
+                    <a:lumMod val="25000"/>
+                  </a:schemeClr>
+                </a:solidFill>
+                <a:cs typeface="Arial" panose="020B0604020202020204" pitchFamily="34" charset="0"/>
+              </a:rPr>
+              <a:t>En el script principal, pedir el </a:t>
+            </a:r>
+            <a:r>
+              <a:rPr lang="es-MX" sz="1800" dirty="0" err="1">
+                <a:solidFill>
+                  <a:schemeClr val="bg2">
+                    <a:lumMod val="25000"/>
+                  </a:schemeClr>
+                </a:solidFill>
+                <a:cs typeface="Arial" panose="020B0604020202020204" pitchFamily="34" charset="0"/>
+              </a:rPr>
+              <a:t>totalComidasAdulto</a:t>
+            </a:r>
+            <a:r>
+              <a:rPr lang="es-MX" sz="1800" dirty="0">
+                <a:solidFill>
+                  <a:schemeClr val="bg2">
+                    <a:lumMod val="25000"/>
+                  </a:schemeClr>
+                </a:solidFill>
+                <a:cs typeface="Arial" panose="020B0604020202020204" pitchFamily="34" charset="0"/>
+              </a:rPr>
+              <a:t>, el </a:t>
+            </a:r>
+            <a:r>
+              <a:rPr lang="es-MX" sz="1800" dirty="0" err="1">
+                <a:solidFill>
+                  <a:schemeClr val="bg2">
+                    <a:lumMod val="25000"/>
+                  </a:schemeClr>
+                </a:solidFill>
+                <a:cs typeface="Arial" panose="020B0604020202020204" pitchFamily="34" charset="0"/>
+              </a:rPr>
+              <a:t>totalComidasNiño</a:t>
+            </a:r>
+            <a:r>
+              <a:rPr lang="es-MX" sz="1800" dirty="0">
+                <a:solidFill>
+                  <a:schemeClr val="bg2">
+                    <a:lumMod val="25000"/>
+                  </a:schemeClr>
+                </a:solidFill>
+                <a:cs typeface="Arial" panose="020B0604020202020204" pitchFamily="34" charset="0"/>
+              </a:rPr>
+              <a:t> y el </a:t>
+            </a:r>
+            <a:r>
+              <a:rPr lang="es-MX" sz="1800" dirty="0" err="1">
+                <a:solidFill>
+                  <a:schemeClr val="bg2">
+                    <a:lumMod val="25000"/>
+                  </a:schemeClr>
+                </a:solidFill>
+                <a:cs typeface="Arial" panose="020B0604020202020204" pitchFamily="34" charset="0"/>
+              </a:rPr>
+              <a:t>saldoTarjeta</a:t>
+            </a:r>
+            <a:r>
+              <a:rPr lang="es-MX" sz="1800" dirty="0">
+                <a:solidFill>
+                  <a:schemeClr val="bg2">
+                    <a:lumMod val="25000"/>
+                  </a:schemeClr>
+                </a:solidFill>
+                <a:cs typeface="Arial" panose="020B0604020202020204" pitchFamily="34" charset="0"/>
+              </a:rPr>
+              <a:t>. Mandar llamar la función </a:t>
+            </a:r>
+            <a:r>
+              <a:rPr lang="es-MX" sz="1800" b="1" dirty="0" err="1">
+                <a:solidFill>
+                  <a:schemeClr val="bg2">
+                    <a:lumMod val="25000"/>
+                  </a:schemeClr>
+                </a:solidFill>
+                <a:cs typeface="Arial" panose="020B0604020202020204" pitchFamily="34" charset="0"/>
+              </a:rPr>
+              <a:t>realizarPago</a:t>
+            </a:r>
+            <a:r>
+              <a:rPr lang="es-MX" sz="1800" dirty="0">
+                <a:solidFill>
+                  <a:schemeClr val="bg2">
+                    <a:lumMod val="25000"/>
+                  </a:schemeClr>
+                </a:solidFill>
+                <a:cs typeface="Arial" panose="020B0604020202020204" pitchFamily="34" charset="0"/>
+              </a:rPr>
+              <a:t> e imprimir el saldo de la tarjeta (</a:t>
+            </a:r>
+            <a:r>
+              <a:rPr lang="es-MX" sz="1800" dirty="0" err="1">
+                <a:solidFill>
+                  <a:schemeClr val="bg2">
+                    <a:lumMod val="25000"/>
+                  </a:schemeClr>
+                </a:solidFill>
+                <a:cs typeface="Arial" panose="020B0604020202020204" pitchFamily="34" charset="0"/>
+              </a:rPr>
+              <a:t>saldoTarjeta</a:t>
+            </a:r>
+            <a:r>
+              <a:rPr lang="es-MX" sz="1800" dirty="0">
+                <a:solidFill>
+                  <a:schemeClr val="bg2">
+                    <a:lumMod val="25000"/>
+                  </a:schemeClr>
+                </a:solidFill>
+                <a:cs typeface="Arial" panose="020B0604020202020204" pitchFamily="34" charset="0"/>
+              </a:rPr>
+              <a:t>).</a:t>
+            </a:r>
+          </a:p>
+          <a:p>
+            <a:pPr marL="400050" lvl="1" indent="0" algn="just">
+              <a:lnSpc>
+                <a:spcPct val="120000"/>
+              </a:lnSpc>
+              <a:spcBef>
+                <a:spcPct val="0"/>
+              </a:spcBef>
+              <a:buNone/>
+            </a:pPr>
+            <a:r>
+              <a:rPr lang="es-MX" sz="1800" dirty="0">
+                <a:solidFill>
+                  <a:schemeClr val="bg2">
+                    <a:lumMod val="25000"/>
+                  </a:schemeClr>
+                </a:solidFill>
+                <a:cs typeface="Arial" panose="020B0604020202020204" pitchFamily="34" charset="0"/>
+              </a:rPr>
+              <a:t>Guardar archivo como </a:t>
+            </a:r>
+            <a:r>
+              <a:rPr lang="es-MX" sz="1800" b="1" dirty="0">
+                <a:solidFill>
+                  <a:schemeClr val="accent6">
+                    <a:lumMod val="75000"/>
+                  </a:schemeClr>
+                </a:solidFill>
+                <a:cs typeface="Arial" panose="020B0604020202020204" pitchFamily="34" charset="0"/>
+              </a:rPr>
+              <a:t>pago_matricula.py</a:t>
+            </a:r>
+          </a:p>
+          <a:p>
+            <a:pPr marL="400050" lvl="1" indent="0" algn="just">
+              <a:lnSpc>
+                <a:spcPct val="120000"/>
+              </a:lnSpc>
+              <a:spcBef>
+                <a:spcPct val="0"/>
+              </a:spcBef>
+              <a:buNone/>
+            </a:pPr>
+            <a:endParaRPr lang="es-MX" sz="1800" dirty="0">
+              <a:solidFill>
+                <a:schemeClr val="bg2">
+                  <a:lumMod val="25000"/>
+                </a:schemeClr>
+              </a:solidFill>
+              <a:cs typeface="Arial" panose="020B0604020202020204" pitchFamily="34" charset="0"/>
+            </a:endParaRPr>
+          </a:p>
+        </p:txBody>
+      </p:sp>
+      <p:sp>
+        <p:nvSpPr>
+          <p:cNvPr id="184324" name="Rectangle 4"/>
+          <p:cNvSpPr>
+            <a:spLocks noGrp="1" noChangeArrowheads="1"/>
+          </p:cNvSpPr>
+          <p:nvPr>
+            <p:ph type="title"/>
+          </p:nvPr>
+        </p:nvSpPr>
+        <p:spPr>
+          <a:xfrm>
+            <a:off x="302027" y="0"/>
+            <a:ext cx="8229600" cy="1143000"/>
+          </a:xfrm>
+        </p:spPr>
+        <p:txBody>
+          <a:bodyPr>
+            <a:normAutofit fontScale="90000"/>
+          </a:bodyPr>
+          <a:lstStyle/>
+          <a:p>
+            <a:pPr eaLnBrk="1" hangingPunct="1">
+              <a:defRPr/>
+            </a:pPr>
+            <a:r>
+              <a:rPr lang="es-MX" b="1" dirty="0">
+                <a:solidFill>
+                  <a:schemeClr val="accent4">
+                    <a:lumMod val="50000"/>
+                  </a:schemeClr>
+                </a:solidFill>
+                <a:effectLst>
+                  <a:outerShdw blurRad="38100" dist="38100" dir="2700000" algn="tl">
+                    <a:srgbClr val="C0C0C0"/>
+                  </a:outerShdw>
+                </a:effectLst>
+                <a:latin typeface="Dom Casual" charset="0"/>
+              </a:rPr>
+              <a:t>Situación problema 1</a:t>
+            </a:r>
+            <a:br>
+              <a:rPr lang="es-MX" b="1" dirty="0">
+                <a:solidFill>
+                  <a:schemeClr val="accent4">
+                    <a:lumMod val="50000"/>
+                  </a:schemeClr>
+                </a:solidFill>
+                <a:effectLst>
+                  <a:outerShdw blurRad="38100" dist="38100" dir="2700000" algn="tl">
+                    <a:srgbClr val="C0C0C0"/>
+                  </a:outerShdw>
+                </a:effectLst>
+                <a:latin typeface="Dom Casual" charset="0"/>
+              </a:rPr>
+            </a:br>
+            <a:r>
+              <a:rPr lang="es-MX" sz="3100" dirty="0">
+                <a:solidFill>
+                  <a:schemeClr val="accent6">
+                    <a:lumMod val="75000"/>
+                  </a:schemeClr>
+                </a:solidFill>
+                <a:effectLst>
+                  <a:outerShdw blurRad="38100" dist="38100" dir="2700000" algn="tl">
+                    <a:srgbClr val="C0C0C0"/>
+                  </a:outerShdw>
+                </a:effectLst>
+                <a:latin typeface="Dom Casual" charset="0"/>
+              </a:rPr>
+              <a:t>Vacaciones con tarjeta de prepago</a:t>
+            </a:r>
+          </a:p>
+        </p:txBody>
+      </p:sp>
+    </p:spTree>
+    <p:extLst>
+      <p:ext uri="{BB962C8B-B14F-4D97-AF65-F5344CB8AC3E}">
+        <p14:creationId xmlns:p14="http://schemas.microsoft.com/office/powerpoint/2010/main" val="3401297181"/>
+      </p:ext>
+    </p:extLst>
+  </p:cSld>
+  <p:clrMapOvr>
+    <a:masterClrMapping/>
+  </p:clrMapOvr>
+</p:sld>
+</file>
+
+<file path=ppt/slides/slide13.xml><?xml version="1.0" encoding="utf-8"?>
+<p:sld xmlns:a="http://schemas.openxmlformats.org/drawingml/2006/main" xmlns:r="http://schemas.openxmlformats.org/officeDocument/2006/relationships" xmlns:p="http://schemas.openxmlformats.org/presentationml/2006/main">
+  <p:cSld>
+    <p:spTree>
+      <p:nvGrpSpPr>
+        <p:cNvPr id="1" name=""/>
+        <p:cNvGrpSpPr/>
+        <p:nvPr/>
+      </p:nvGrpSpPr>
+      <p:grpSpPr>
+        <a:xfrm>
+          <a:off x="0" y="0"/>
+          <a:ext cx="0" cy="0"/>
+          <a:chOff x="0" y="0"/>
+          <a:chExt cx="0" cy="0"/>
+        </a:xfrm>
+      </p:grpSpPr>
+      <p:sp>
+        <p:nvSpPr>
+          <p:cNvPr id="4098" name="Rectangle 2"/>
+          <p:cNvSpPr>
+            <a:spLocks noGrp="1" noChangeArrowheads="1"/>
+          </p:cNvSpPr>
+          <p:nvPr>
+            <p:ph type="body" idx="1"/>
+          </p:nvPr>
+        </p:nvSpPr>
+        <p:spPr>
+          <a:xfrm>
+            <a:off x="170857" y="1191718"/>
+            <a:ext cx="8721623" cy="5517232"/>
+          </a:xfrm>
+        </p:spPr>
+        <p:txBody>
+          <a:bodyPr>
+            <a:noAutofit/>
+          </a:bodyPr>
+          <a:lstStyle/>
+          <a:p>
+            <a:pPr marL="685800" lvl="1" algn="just">
+              <a:lnSpc>
+                <a:spcPct val="120000"/>
+              </a:lnSpc>
+              <a:spcBef>
+                <a:spcPct val="0"/>
+              </a:spcBef>
+              <a:buFont typeface="Arial" panose="020B0604020202020204" pitchFamily="34" charset="0"/>
+              <a:buChar char="•"/>
+            </a:pPr>
+            <a:r>
+              <a:rPr lang="es-MX" sz="2000" dirty="0">
+                <a:solidFill>
+                  <a:schemeClr val="bg2">
+                    <a:lumMod val="25000"/>
+                  </a:schemeClr>
+                </a:solidFill>
+                <a:cs typeface="Arial" panose="020B0604020202020204" pitchFamily="34" charset="0"/>
+              </a:rPr>
+              <a:t>Escriba la función </a:t>
+            </a:r>
+            <a:r>
+              <a:rPr lang="es-MX" sz="2000" b="1" dirty="0" err="1">
+                <a:solidFill>
+                  <a:schemeClr val="bg2">
+                    <a:lumMod val="25000"/>
+                  </a:schemeClr>
+                </a:solidFill>
+                <a:cs typeface="Arial" panose="020B0604020202020204" pitchFamily="34" charset="0"/>
+              </a:rPr>
+              <a:t>recargaTarjeta</a:t>
+            </a:r>
+            <a:r>
+              <a:rPr lang="es-MX" sz="2000" dirty="0">
+                <a:solidFill>
+                  <a:schemeClr val="bg2">
+                    <a:lumMod val="25000"/>
+                  </a:schemeClr>
+                </a:solidFill>
+                <a:cs typeface="Arial" panose="020B0604020202020204" pitchFamily="34" charset="0"/>
+              </a:rPr>
+              <a:t>, que recibe el saldo de la tarjeta de prepago (</a:t>
+            </a:r>
+            <a:r>
+              <a:rPr lang="es-MX" sz="2000" dirty="0" err="1">
+                <a:solidFill>
+                  <a:schemeClr val="bg2">
+                    <a:lumMod val="25000"/>
+                  </a:schemeClr>
+                </a:solidFill>
+                <a:cs typeface="Arial" panose="020B0604020202020204" pitchFamily="34" charset="0"/>
+              </a:rPr>
+              <a:t>saldoTarjeta</a:t>
+            </a:r>
+            <a:r>
+              <a:rPr lang="es-MX" sz="2000" dirty="0">
+                <a:solidFill>
+                  <a:schemeClr val="bg2">
+                    <a:lumMod val="25000"/>
+                  </a:schemeClr>
+                </a:solidFill>
+                <a:cs typeface="Arial" panose="020B0604020202020204" pitchFamily="34" charset="0"/>
+              </a:rPr>
+              <a:t>) e imprime un menú con las siguientes cantidades de recarga:</a:t>
+            </a:r>
+          </a:p>
+          <a:p>
+            <a:pPr marL="800100" lvl="2" indent="0" algn="just">
+              <a:lnSpc>
+                <a:spcPct val="120000"/>
+              </a:lnSpc>
+              <a:spcBef>
+                <a:spcPct val="0"/>
+              </a:spcBef>
+              <a:buNone/>
+            </a:pPr>
+            <a:r>
+              <a:rPr lang="es-MX" sz="2000" b="1" dirty="0">
+                <a:solidFill>
+                  <a:schemeClr val="accent6">
+                    <a:lumMod val="75000"/>
+                  </a:schemeClr>
+                </a:solidFill>
+                <a:cs typeface="Arial" panose="020B0604020202020204" pitchFamily="34" charset="0"/>
+              </a:rPr>
+              <a:t>Recarga de tarjeta</a:t>
+            </a:r>
+          </a:p>
+          <a:p>
+            <a:pPr marL="800100" lvl="2" indent="0" algn="just">
+              <a:lnSpc>
+                <a:spcPct val="120000"/>
+              </a:lnSpc>
+              <a:spcBef>
+                <a:spcPct val="0"/>
+              </a:spcBef>
+              <a:buNone/>
+            </a:pPr>
+            <a:r>
+              <a:rPr lang="es-MX" sz="2000" b="1" dirty="0">
+                <a:solidFill>
+                  <a:schemeClr val="accent6">
+                    <a:lumMod val="75000"/>
+                  </a:schemeClr>
+                </a:solidFill>
+                <a:cs typeface="Arial" panose="020B0604020202020204" pitchFamily="34" charset="0"/>
+              </a:rPr>
+              <a:t>1. $100.00</a:t>
+            </a:r>
+          </a:p>
+          <a:p>
+            <a:pPr marL="800100" lvl="2" indent="0" algn="just">
+              <a:lnSpc>
+                <a:spcPct val="120000"/>
+              </a:lnSpc>
+              <a:spcBef>
+                <a:spcPct val="0"/>
+              </a:spcBef>
+              <a:buNone/>
+            </a:pPr>
+            <a:r>
+              <a:rPr lang="es-MX" sz="2000" b="1" dirty="0">
+                <a:solidFill>
+                  <a:schemeClr val="accent6">
+                    <a:lumMod val="75000"/>
+                  </a:schemeClr>
+                </a:solidFill>
+                <a:cs typeface="Arial" panose="020B0604020202020204" pitchFamily="34" charset="0"/>
+              </a:rPr>
+              <a:t>2. $250.00</a:t>
+            </a:r>
+          </a:p>
+          <a:p>
+            <a:pPr marL="800100" lvl="2" indent="0" algn="just">
+              <a:lnSpc>
+                <a:spcPct val="120000"/>
+              </a:lnSpc>
+              <a:spcBef>
+                <a:spcPct val="0"/>
+              </a:spcBef>
+              <a:buNone/>
+            </a:pPr>
+            <a:r>
+              <a:rPr lang="es-MX" sz="2000" b="1" dirty="0">
+                <a:solidFill>
+                  <a:schemeClr val="accent6">
+                    <a:lumMod val="75000"/>
+                  </a:schemeClr>
+                </a:solidFill>
+                <a:cs typeface="Arial" panose="020B0604020202020204" pitchFamily="34" charset="0"/>
+              </a:rPr>
+              <a:t>3. $500.00</a:t>
+            </a:r>
+          </a:p>
+          <a:p>
+            <a:pPr lvl="1" indent="-342900" algn="just">
+              <a:lnSpc>
+                <a:spcPct val="120000"/>
+              </a:lnSpc>
+              <a:spcBef>
+                <a:spcPct val="0"/>
+              </a:spcBef>
+              <a:buFont typeface="Arial" panose="020B0604020202020204" pitchFamily="34" charset="0"/>
+              <a:buChar char="•"/>
+            </a:pPr>
+            <a:r>
+              <a:rPr lang="es-MX" sz="2000" dirty="0">
+                <a:solidFill>
+                  <a:schemeClr val="bg2">
+                    <a:lumMod val="25000"/>
+                  </a:schemeClr>
+                </a:solidFill>
+                <a:cs typeface="Arial" panose="020B0604020202020204" pitchFamily="34" charset="0"/>
+              </a:rPr>
+              <a:t>Pedir al usuario que seleccione una opción.</a:t>
+            </a:r>
+          </a:p>
+          <a:p>
+            <a:pPr lvl="1" indent="-342900" algn="just">
+              <a:lnSpc>
+                <a:spcPct val="120000"/>
+              </a:lnSpc>
+              <a:spcBef>
+                <a:spcPct val="0"/>
+              </a:spcBef>
+              <a:buFont typeface="Arial" panose="020B0604020202020204" pitchFamily="34" charset="0"/>
+              <a:buChar char="•"/>
+            </a:pPr>
+            <a:r>
+              <a:rPr lang="es-MX" sz="2000" dirty="0">
+                <a:solidFill>
+                  <a:schemeClr val="bg2">
+                    <a:lumMod val="25000"/>
+                  </a:schemeClr>
+                </a:solidFill>
+                <a:cs typeface="Arial" panose="020B0604020202020204" pitchFamily="34" charset="0"/>
+              </a:rPr>
+              <a:t>Haciendo uso de </a:t>
+            </a:r>
+            <a:r>
+              <a:rPr lang="es-MX" sz="2000" b="1" dirty="0" err="1">
+                <a:solidFill>
+                  <a:schemeClr val="bg2">
+                    <a:lumMod val="25000"/>
+                  </a:schemeClr>
+                </a:solidFill>
+                <a:cs typeface="Arial" panose="020B0604020202020204" pitchFamily="34" charset="0"/>
+              </a:rPr>
+              <a:t>if</a:t>
+            </a:r>
+            <a:r>
+              <a:rPr lang="es-MX" sz="2000" b="1" dirty="0">
+                <a:solidFill>
+                  <a:schemeClr val="bg2">
+                    <a:lumMod val="25000"/>
+                  </a:schemeClr>
+                </a:solidFill>
+                <a:cs typeface="Arial" panose="020B0604020202020204" pitchFamily="34" charset="0"/>
+              </a:rPr>
+              <a:t> – anidado</a:t>
+            </a:r>
+            <a:r>
+              <a:rPr lang="es-MX" sz="2000" dirty="0">
+                <a:solidFill>
+                  <a:schemeClr val="bg2">
+                    <a:lumMod val="25000"/>
+                  </a:schemeClr>
+                </a:solidFill>
+                <a:cs typeface="Arial" panose="020B0604020202020204" pitchFamily="34" charset="0"/>
+              </a:rPr>
+              <a:t>, calcular el nuevo saldo de la tarjeta de prepago. En caso de que la opción no sea válida escribir el mensaje “Opción inválida” y no modificar el saldo de la tarjeta. Regresar el saldo de la tarjeta. </a:t>
+            </a:r>
+          </a:p>
+          <a:p>
+            <a:pPr marL="400050" lvl="1" indent="0" algn="just">
+              <a:lnSpc>
+                <a:spcPct val="120000"/>
+              </a:lnSpc>
+              <a:spcBef>
+                <a:spcPct val="0"/>
+              </a:spcBef>
+              <a:buNone/>
+            </a:pPr>
+            <a:r>
+              <a:rPr lang="es-MX" sz="2000" dirty="0">
+                <a:solidFill>
+                  <a:schemeClr val="bg2">
+                    <a:lumMod val="25000"/>
+                  </a:schemeClr>
+                </a:solidFill>
+                <a:cs typeface="Arial" panose="020B0604020202020204" pitchFamily="34" charset="0"/>
+              </a:rPr>
+              <a:t>En el script principal, pedir el saldo de la tarjeta, mandar llamar la función </a:t>
+            </a:r>
+            <a:r>
+              <a:rPr lang="es-MX" sz="2000" b="1" dirty="0" err="1">
+                <a:solidFill>
+                  <a:schemeClr val="bg2">
+                    <a:lumMod val="25000"/>
+                  </a:schemeClr>
+                </a:solidFill>
+                <a:cs typeface="Arial" panose="020B0604020202020204" pitchFamily="34" charset="0"/>
+              </a:rPr>
+              <a:t>recargaTarjeta</a:t>
+            </a:r>
+            <a:r>
+              <a:rPr lang="es-MX" sz="2000" dirty="0">
+                <a:solidFill>
+                  <a:schemeClr val="bg2">
+                    <a:lumMod val="25000"/>
+                  </a:schemeClr>
+                </a:solidFill>
+                <a:cs typeface="Arial" panose="020B0604020202020204" pitchFamily="34" charset="0"/>
+              </a:rPr>
+              <a:t> e imprimir el saldo de la tarjeta de prepago.</a:t>
+            </a:r>
+          </a:p>
+          <a:p>
+            <a:pPr marL="400050" lvl="1" indent="0" algn="just">
+              <a:lnSpc>
+                <a:spcPct val="120000"/>
+              </a:lnSpc>
+              <a:spcBef>
+                <a:spcPct val="0"/>
+              </a:spcBef>
+              <a:buNone/>
+            </a:pPr>
+            <a:r>
+              <a:rPr lang="es-MX" sz="2000" dirty="0">
+                <a:solidFill>
+                  <a:schemeClr val="bg2">
+                    <a:lumMod val="25000"/>
+                  </a:schemeClr>
+                </a:solidFill>
+                <a:cs typeface="Arial" panose="020B0604020202020204" pitchFamily="34" charset="0"/>
+              </a:rPr>
+              <a:t>Guardar archivo como </a:t>
+            </a:r>
+            <a:r>
+              <a:rPr lang="es-MX" sz="2000" b="1" dirty="0">
+                <a:solidFill>
+                  <a:schemeClr val="accent6">
+                    <a:lumMod val="75000"/>
+                  </a:schemeClr>
+                </a:solidFill>
+                <a:cs typeface="Arial" panose="020B0604020202020204" pitchFamily="34" charset="0"/>
+              </a:rPr>
+              <a:t>recarga_matricula.py</a:t>
+            </a:r>
+          </a:p>
+          <a:p>
+            <a:pPr marL="400050" lvl="1" indent="0" algn="just">
+              <a:lnSpc>
+                <a:spcPct val="120000"/>
+              </a:lnSpc>
+              <a:spcBef>
+                <a:spcPct val="0"/>
+              </a:spcBef>
+              <a:buNone/>
+            </a:pPr>
+            <a:endParaRPr lang="es-MX" sz="2000" dirty="0">
+              <a:solidFill>
+                <a:schemeClr val="bg2">
+                  <a:lumMod val="25000"/>
+                </a:schemeClr>
+              </a:solidFill>
+              <a:cs typeface="Arial" panose="020B0604020202020204" pitchFamily="34" charset="0"/>
+            </a:endParaRPr>
+          </a:p>
+          <a:p>
+            <a:pPr lvl="1" indent="-342900" algn="just">
+              <a:lnSpc>
+                <a:spcPct val="120000"/>
+              </a:lnSpc>
+              <a:spcBef>
+                <a:spcPct val="0"/>
+              </a:spcBef>
+              <a:buFont typeface="Arial" panose="020B0604020202020204" pitchFamily="34" charset="0"/>
+              <a:buChar char="•"/>
+            </a:pPr>
+            <a:endParaRPr lang="es-MX" sz="1600" dirty="0">
+              <a:solidFill>
+                <a:schemeClr val="bg2">
+                  <a:lumMod val="25000"/>
+                </a:schemeClr>
+              </a:solidFill>
+              <a:cs typeface="Arial" panose="020B0604020202020204" pitchFamily="34" charset="0"/>
+            </a:endParaRPr>
+          </a:p>
+        </p:txBody>
+      </p:sp>
+      <p:sp>
+        <p:nvSpPr>
+          <p:cNvPr id="184324" name="Rectangle 4"/>
+          <p:cNvSpPr>
+            <a:spLocks noGrp="1" noChangeArrowheads="1"/>
+          </p:cNvSpPr>
+          <p:nvPr>
+            <p:ph type="title"/>
+          </p:nvPr>
+        </p:nvSpPr>
+        <p:spPr>
+          <a:xfrm>
+            <a:off x="302027" y="0"/>
+            <a:ext cx="8229600" cy="1143000"/>
+          </a:xfrm>
+        </p:spPr>
+        <p:txBody>
+          <a:bodyPr>
+            <a:normAutofit fontScale="90000"/>
+          </a:bodyPr>
+          <a:lstStyle/>
+          <a:p>
+            <a:pPr eaLnBrk="1" hangingPunct="1">
+              <a:defRPr/>
+            </a:pPr>
+            <a:r>
+              <a:rPr lang="es-MX" b="1" dirty="0">
+                <a:solidFill>
+                  <a:schemeClr val="accent4">
+                    <a:lumMod val="50000"/>
+                  </a:schemeClr>
+                </a:solidFill>
+                <a:effectLst>
+                  <a:outerShdw blurRad="38100" dist="38100" dir="2700000" algn="tl">
+                    <a:srgbClr val="C0C0C0"/>
+                  </a:outerShdw>
+                </a:effectLst>
+                <a:latin typeface="Dom Casual" charset="0"/>
+              </a:rPr>
+              <a:t>Situación problema 1</a:t>
+            </a:r>
+            <a:br>
+              <a:rPr lang="es-MX" b="1" dirty="0">
+                <a:solidFill>
+                  <a:schemeClr val="accent4">
+                    <a:lumMod val="50000"/>
+                  </a:schemeClr>
+                </a:solidFill>
+                <a:effectLst>
+                  <a:outerShdw blurRad="38100" dist="38100" dir="2700000" algn="tl">
+                    <a:srgbClr val="C0C0C0"/>
+                  </a:outerShdw>
+                </a:effectLst>
+                <a:latin typeface="Dom Casual" charset="0"/>
+              </a:rPr>
+            </a:br>
+            <a:r>
+              <a:rPr lang="es-MX" sz="3100" dirty="0">
+                <a:solidFill>
+                  <a:schemeClr val="accent6">
+                    <a:lumMod val="75000"/>
+                  </a:schemeClr>
+                </a:solidFill>
+                <a:effectLst>
+                  <a:outerShdw blurRad="38100" dist="38100" dir="2700000" algn="tl">
+                    <a:srgbClr val="C0C0C0"/>
+                  </a:outerShdw>
+                </a:effectLst>
+                <a:latin typeface="Dom Casual" charset="0"/>
+              </a:rPr>
+              <a:t>Recarga tarjeta</a:t>
+            </a:r>
+          </a:p>
+        </p:txBody>
+      </p:sp>
+      <p:pic>
+        <p:nvPicPr>
+          <p:cNvPr id="2" name="Imagen 1">
+            <a:extLst>
+              <a:ext uri="{FF2B5EF4-FFF2-40B4-BE49-F238E27FC236}">
+                <a16:creationId xmlns:a16="http://schemas.microsoft.com/office/drawing/2014/main" id="{B635AD28-6E1A-4459-8B15-44E818E60FAD}"/>
+              </a:ext>
+            </a:extLst>
+          </p:cNvPr>
+          <p:cNvPicPr>
+            <a:picLocks noChangeAspect="1"/>
+          </p:cNvPicPr>
+          <p:nvPr/>
+        </p:nvPicPr>
+        <p:blipFill>
+          <a:blip r:embed="rId2"/>
+          <a:stretch>
+            <a:fillRect/>
+          </a:stretch>
+        </p:blipFill>
+        <p:spPr>
+          <a:xfrm>
+            <a:off x="5004048" y="2343150"/>
+            <a:ext cx="3695700" cy="1085850"/>
+          </a:xfrm>
+          <a:prstGeom prst="rect">
+            <a:avLst/>
+          </a:prstGeom>
+        </p:spPr>
+      </p:pic>
+    </p:spTree>
+    <p:extLst>
+      <p:ext uri="{BB962C8B-B14F-4D97-AF65-F5344CB8AC3E}">
         <p14:creationId xmlns:p14="http://schemas.microsoft.com/office/powerpoint/2010/main" val="115932110"/>
+      </p:ext>
+    </p:extLst>
+  </p:cSld>
+  <p:clrMapOvr>
+    <a:masterClrMapping/>
+  </p:clrMapOvr>
+</p:sld>
+</file>
+
+<file path=ppt/slides/slide14.xml><?xml version="1.0" encoding="utf-8"?>
+<p:sld xmlns:a="http://schemas.openxmlformats.org/drawingml/2006/main" xmlns:r="http://schemas.openxmlformats.org/officeDocument/2006/relationships" xmlns:p="http://schemas.openxmlformats.org/presentationml/2006/main">
+  <p:cSld>
+    <p:spTree>
+      <p:nvGrpSpPr>
+        <p:cNvPr id="1" name=""/>
+        <p:cNvGrpSpPr/>
+        <p:nvPr/>
+      </p:nvGrpSpPr>
+      <p:grpSpPr>
+        <a:xfrm>
+          <a:off x="0" y="0"/>
+          <a:ext cx="0" cy="0"/>
+          <a:chOff x="0" y="0"/>
+          <a:chExt cx="0" cy="0"/>
+        </a:xfrm>
+      </p:grpSpPr>
+      <p:sp>
+        <p:nvSpPr>
+          <p:cNvPr id="184324" name="Rectangle 4"/>
+          <p:cNvSpPr>
+            <a:spLocks noGrp="1" noChangeArrowheads="1"/>
+          </p:cNvSpPr>
+          <p:nvPr>
+            <p:ph type="title"/>
+          </p:nvPr>
+        </p:nvSpPr>
+        <p:spPr>
+          <a:xfrm>
+            <a:off x="302027" y="0"/>
+            <a:ext cx="8229600" cy="1143000"/>
+          </a:xfrm>
+        </p:spPr>
+        <p:txBody>
+          <a:bodyPr>
+            <a:normAutofit fontScale="90000"/>
+          </a:bodyPr>
+          <a:lstStyle/>
+          <a:p>
+            <a:pPr eaLnBrk="1" hangingPunct="1">
+              <a:defRPr/>
+            </a:pPr>
+            <a:r>
+              <a:rPr lang="es-MX" b="1" dirty="0">
+                <a:solidFill>
+                  <a:schemeClr val="accent4">
+                    <a:lumMod val="50000"/>
+                  </a:schemeClr>
+                </a:solidFill>
+                <a:effectLst>
+                  <a:outerShdw blurRad="38100" dist="38100" dir="2700000" algn="tl">
+                    <a:srgbClr val="C0C0C0"/>
+                  </a:outerShdw>
+                </a:effectLst>
+                <a:latin typeface="Dom Casual" charset="0"/>
+              </a:rPr>
+              <a:t>Situación problema 1</a:t>
+            </a:r>
+            <a:br>
+              <a:rPr lang="es-MX" b="1" dirty="0">
+                <a:solidFill>
+                  <a:schemeClr val="accent4">
+                    <a:lumMod val="50000"/>
+                  </a:schemeClr>
+                </a:solidFill>
+                <a:effectLst>
+                  <a:outerShdw blurRad="38100" dist="38100" dir="2700000" algn="tl">
+                    <a:srgbClr val="C0C0C0"/>
+                  </a:outerShdw>
+                </a:effectLst>
+                <a:latin typeface="Dom Casual" charset="0"/>
+              </a:rPr>
+            </a:br>
+            <a:r>
+              <a:rPr lang="es-MX" sz="3100" dirty="0">
+                <a:solidFill>
+                  <a:schemeClr val="accent6">
+                    <a:lumMod val="75000"/>
+                  </a:schemeClr>
+                </a:solidFill>
+                <a:effectLst>
+                  <a:outerShdw blurRad="38100" dist="38100" dir="2700000" algn="tl">
+                    <a:srgbClr val="C0C0C0"/>
+                  </a:outerShdw>
+                </a:effectLst>
+                <a:latin typeface="Dom Casual" charset="0"/>
+              </a:rPr>
+              <a:t>Recarga de tarjeta</a:t>
+            </a:r>
+          </a:p>
+        </p:txBody>
+      </p:sp>
+      <p:pic>
+        <p:nvPicPr>
+          <p:cNvPr id="2" name="Imagen 1">
+            <a:extLst>
+              <a:ext uri="{FF2B5EF4-FFF2-40B4-BE49-F238E27FC236}">
+                <a16:creationId xmlns:a16="http://schemas.microsoft.com/office/drawing/2014/main" id="{B635AD28-6E1A-4459-8B15-44E818E60FAD}"/>
+              </a:ext>
+            </a:extLst>
+          </p:cNvPr>
+          <p:cNvPicPr>
+            <a:picLocks noChangeAspect="1"/>
+          </p:cNvPicPr>
+          <p:nvPr/>
+        </p:nvPicPr>
+        <p:blipFill>
+          <a:blip r:embed="rId2"/>
+          <a:stretch>
+            <a:fillRect/>
+          </a:stretch>
+        </p:blipFill>
+        <p:spPr>
+          <a:xfrm>
+            <a:off x="5076056" y="1636840"/>
+            <a:ext cx="3695700" cy="1085850"/>
+          </a:xfrm>
+          <a:prstGeom prst="rect">
+            <a:avLst/>
+          </a:prstGeom>
+          <a:ln w="25400">
+            <a:solidFill>
+              <a:schemeClr val="accent1"/>
+            </a:solidFill>
+          </a:ln>
+        </p:spPr>
+      </p:pic>
+      <p:sp>
+        <p:nvSpPr>
+          <p:cNvPr id="7" name="object 25">
+            <a:extLst>
+              <a:ext uri="{FF2B5EF4-FFF2-40B4-BE49-F238E27FC236}">
+                <a16:creationId xmlns:a16="http://schemas.microsoft.com/office/drawing/2014/main" id="{5AE724DA-FFE4-4735-8D66-7633A5CCDAB6}"/>
+              </a:ext>
+            </a:extLst>
+          </p:cNvPr>
+          <p:cNvSpPr txBox="1"/>
+          <p:nvPr/>
+        </p:nvSpPr>
+        <p:spPr>
+          <a:xfrm>
+            <a:off x="1403648" y="2373126"/>
+            <a:ext cx="2267735" cy="388492"/>
+          </a:xfrm>
+          <a:prstGeom prst="rect">
+            <a:avLst/>
+          </a:prstGeom>
+        </p:spPr>
+        <p:txBody>
+          <a:bodyPr vert="horz" wrap="square" lIns="0" tIns="0" rIns="0" bIns="0" rtlCol="0">
+            <a:noAutofit/>
+          </a:bodyPr>
+          <a:lstStyle/>
+          <a:p>
+            <a:pPr marL="12700">
+              <a:lnSpc>
+                <a:spcPct val="100000"/>
+              </a:lnSpc>
+              <a:spcAft>
+                <a:spcPts val="600"/>
+              </a:spcAft>
+            </a:pPr>
+            <a:r>
+              <a:rPr lang="es-MX" sz="2000" b="1" spc="-20" dirty="0">
+                <a:solidFill>
+                  <a:schemeClr val="accent4">
+                    <a:lumMod val="75000"/>
+                  </a:schemeClr>
+                </a:solidFill>
+                <a:cs typeface="Calibri"/>
+              </a:rPr>
+              <a:t>Casos de prueba:</a:t>
+            </a:r>
+            <a:endParaRPr sz="2000" b="1" dirty="0">
+              <a:solidFill>
+                <a:schemeClr val="accent4">
+                  <a:lumMod val="75000"/>
+                </a:schemeClr>
+              </a:solidFill>
+              <a:latin typeface="Calibri"/>
+              <a:cs typeface="Calibri"/>
+            </a:endParaRPr>
+          </a:p>
+        </p:txBody>
+      </p:sp>
+      <p:graphicFrame>
+        <p:nvGraphicFramePr>
+          <p:cNvPr id="8" name="Tabla 15">
+            <a:extLst>
+              <a:ext uri="{FF2B5EF4-FFF2-40B4-BE49-F238E27FC236}">
+                <a16:creationId xmlns:a16="http://schemas.microsoft.com/office/drawing/2014/main" id="{5EB876CD-966A-4785-8C9E-C8205C3D3C4C}"/>
+              </a:ext>
+            </a:extLst>
+          </p:cNvPr>
+          <p:cNvGraphicFramePr>
+            <a:graphicFrameLocks noGrp="1"/>
+          </p:cNvGraphicFramePr>
+          <p:nvPr>
+            <p:extLst>
+              <p:ext uri="{D42A27DB-BD31-4B8C-83A1-F6EECF244321}">
+                <p14:modId xmlns:p14="http://schemas.microsoft.com/office/powerpoint/2010/main" val="1812852276"/>
+              </p:ext>
+            </p:extLst>
+          </p:nvPr>
+        </p:nvGraphicFramePr>
+        <p:xfrm>
+          <a:off x="1403648" y="3021198"/>
+          <a:ext cx="6336703" cy="2006052"/>
+        </p:xfrm>
+        <a:graphic>
+          <a:graphicData uri="http://schemas.openxmlformats.org/drawingml/2006/table">
+            <a:tbl>
+              <a:tblPr firstRow="1" bandRow="1">
+                <a:tableStyleId>{5C22544A-7EE6-4342-B048-85BDC9FD1C3A}</a:tableStyleId>
+              </a:tblPr>
+              <a:tblGrid>
+                <a:gridCol w="1803879">
+                  <a:extLst>
+                    <a:ext uri="{9D8B030D-6E8A-4147-A177-3AD203B41FA5}">
+                      <a16:colId xmlns:a16="http://schemas.microsoft.com/office/drawing/2014/main" val="2558049104"/>
+                    </a:ext>
+                  </a:extLst>
+                </a:gridCol>
+                <a:gridCol w="2266412">
+                  <a:extLst>
+                    <a:ext uri="{9D8B030D-6E8A-4147-A177-3AD203B41FA5}">
+                      <a16:colId xmlns:a16="http://schemas.microsoft.com/office/drawing/2014/main" val="238636256"/>
+                    </a:ext>
+                  </a:extLst>
+                </a:gridCol>
+                <a:gridCol w="2266412">
+                  <a:extLst>
+                    <a:ext uri="{9D8B030D-6E8A-4147-A177-3AD203B41FA5}">
+                      <a16:colId xmlns:a16="http://schemas.microsoft.com/office/drawing/2014/main" val="2289536505"/>
+                    </a:ext>
+                  </a:extLst>
+                </a:gridCol>
+              </a:tblGrid>
+              <a:tr h="0">
+                <a:tc>
+                  <a:txBody>
+                    <a:bodyPr/>
+                    <a:lstStyle/>
+                    <a:p>
+                      <a:pPr algn="ctr"/>
+                      <a:r>
+                        <a:rPr lang="es-MX" sz="1600" dirty="0"/>
+                        <a:t>Saldo</a:t>
+                      </a:r>
+                    </a:p>
+                  </a:txBody>
+                  <a:tcPr anchor="ctr" anchorCtr="1"/>
+                </a:tc>
+                <a:tc>
+                  <a:txBody>
+                    <a:bodyPr/>
+                    <a:lstStyle/>
+                    <a:p>
+                      <a:pPr algn="ctr"/>
+                      <a:r>
+                        <a:rPr lang="es-MX" sz="1600" dirty="0" err="1"/>
+                        <a:t>Opcion</a:t>
+                      </a:r>
+                      <a:endParaRPr lang="es-MX" sz="1600" dirty="0"/>
+                    </a:p>
+                  </a:txBody>
+                  <a:tcPr anchor="ctr" anchorCtr="1"/>
+                </a:tc>
+                <a:tc>
+                  <a:txBody>
+                    <a:bodyPr/>
+                    <a:lstStyle/>
+                    <a:p>
+                      <a:pPr algn="ctr"/>
+                      <a:r>
+                        <a:rPr lang="es-MX" sz="1600" dirty="0"/>
+                        <a:t>Imprime</a:t>
+                      </a:r>
+                    </a:p>
+                  </a:txBody>
+                  <a:tcPr anchor="ctr" anchorCtr="1"/>
+                </a:tc>
+                <a:extLst>
+                  <a:ext uri="{0D108BD9-81ED-4DB2-BD59-A6C34878D82A}">
+                    <a16:rowId xmlns:a16="http://schemas.microsoft.com/office/drawing/2014/main" val="119075427"/>
+                  </a:ext>
+                </a:extLst>
+              </a:tr>
+              <a:tr h="193536">
+                <a:tc>
+                  <a:txBody>
+                    <a:bodyPr/>
+                    <a:lstStyle/>
+                    <a:p>
+                      <a:pPr algn="ctr"/>
+                      <a:r>
+                        <a:rPr lang="es-MX" sz="1600" dirty="0"/>
+                        <a:t>1000</a:t>
+                      </a:r>
+                    </a:p>
+                  </a:txBody>
+                  <a:tcPr anchor="ctr" anchorCtr="1"/>
+                </a:tc>
+                <a:tc>
+                  <a:txBody>
+                    <a:bodyPr/>
+                    <a:lstStyle/>
+                    <a:p>
+                      <a:pPr algn="ctr"/>
+                      <a:r>
+                        <a:rPr lang="es-MX" sz="1600" dirty="0"/>
+                        <a:t>2</a:t>
+                      </a:r>
+                    </a:p>
+                  </a:txBody>
+                  <a:tcPr anchor="ctr" anchorCtr="1"/>
+                </a:tc>
+                <a:tc>
+                  <a:txBody>
+                    <a:bodyPr/>
+                    <a:lstStyle/>
+                    <a:p>
+                      <a:pPr algn="ctr"/>
+                      <a:r>
+                        <a:rPr lang="es-MX" sz="1600" dirty="0"/>
+                        <a:t>El nuevo saldo es: 1250</a:t>
+                      </a:r>
+                    </a:p>
+                  </a:txBody>
+                  <a:tcPr anchor="ctr" anchorCtr="1"/>
+                </a:tc>
+                <a:extLst>
+                  <a:ext uri="{0D108BD9-81ED-4DB2-BD59-A6C34878D82A}">
+                    <a16:rowId xmlns:a16="http://schemas.microsoft.com/office/drawing/2014/main" val="737048181"/>
+                  </a:ext>
+                </a:extLst>
+              </a:tr>
+              <a:tr h="157595">
+                <a:tc>
+                  <a:txBody>
+                    <a:bodyPr/>
+                    <a:lstStyle/>
+                    <a:p>
+                      <a:pPr algn="ctr"/>
+                      <a:r>
+                        <a:rPr lang="es-MX" sz="1600" dirty="0"/>
+                        <a:t>450</a:t>
+                      </a:r>
+                    </a:p>
+                  </a:txBody>
+                  <a:tcPr anchor="ctr" anchorCtr="1"/>
+                </a:tc>
+                <a:tc>
+                  <a:txBody>
+                    <a:bodyPr/>
+                    <a:lstStyle/>
+                    <a:p>
+                      <a:pPr algn="ctr"/>
+                      <a:r>
+                        <a:rPr lang="es-MX" sz="1600" dirty="0"/>
+                        <a:t>1</a:t>
+                      </a:r>
+                    </a:p>
+                  </a:txBody>
+                  <a:tcPr anchor="ctr" anchorCtr="1"/>
+                </a:tc>
+                <a:tc>
+                  <a:txBody>
+                    <a:bodyPr/>
+                    <a:lstStyle/>
+                    <a:p>
+                      <a:pPr algn="ctr"/>
+                      <a:r>
+                        <a:rPr lang="es-MX" sz="1600" dirty="0"/>
+                        <a:t>El nuevo saldo es: 550</a:t>
+                      </a:r>
+                    </a:p>
+                  </a:txBody>
+                  <a:tcPr anchor="ctr" anchorCtr="1"/>
+                </a:tc>
+                <a:extLst>
+                  <a:ext uri="{0D108BD9-81ED-4DB2-BD59-A6C34878D82A}">
+                    <a16:rowId xmlns:a16="http://schemas.microsoft.com/office/drawing/2014/main" val="1197511534"/>
+                  </a:ext>
+                </a:extLst>
+              </a:tr>
+              <a:tr h="421092">
+                <a:tc>
+                  <a:txBody>
+                    <a:bodyPr/>
+                    <a:lstStyle/>
+                    <a:p>
+                      <a:pPr algn="ctr"/>
+                      <a:r>
+                        <a:rPr lang="es-MX" sz="1600" dirty="0"/>
+                        <a:t>600</a:t>
+                      </a:r>
+                    </a:p>
+                  </a:txBody>
+                  <a:tcPr anchor="ctr" anchorCtr="1"/>
+                </a:tc>
+                <a:tc>
+                  <a:txBody>
+                    <a:bodyPr/>
+                    <a:lstStyle/>
+                    <a:p>
+                      <a:pPr algn="ctr"/>
+                      <a:r>
+                        <a:rPr lang="es-MX" sz="1600" dirty="0"/>
+                        <a:t>3</a:t>
+                      </a:r>
+                    </a:p>
+                  </a:txBody>
+                  <a:tcPr anchor="ctr" anchorCtr="1"/>
+                </a:tc>
+                <a:tc>
+                  <a:txBody>
+                    <a:bodyPr/>
+                    <a:lstStyle/>
+                    <a:p>
+                      <a:pPr algn="ctr"/>
+                      <a:r>
+                        <a:rPr lang="es-MX" sz="1600" dirty="0"/>
+                        <a:t>El nuevo saldo es: 1100</a:t>
+                      </a:r>
+                    </a:p>
+                  </a:txBody>
+                  <a:tcPr anchor="ctr" anchorCtr="1"/>
+                </a:tc>
+                <a:extLst>
+                  <a:ext uri="{0D108BD9-81ED-4DB2-BD59-A6C34878D82A}">
+                    <a16:rowId xmlns:a16="http://schemas.microsoft.com/office/drawing/2014/main" val="1254763306"/>
+                  </a:ext>
+                </a:extLst>
+              </a:tr>
+              <a:tr h="322052">
+                <a:tc>
+                  <a:txBody>
+                    <a:bodyPr/>
+                    <a:lstStyle/>
+                    <a:p>
+                      <a:pPr algn="ctr"/>
+                      <a:r>
+                        <a:rPr lang="es-MX" sz="1600" dirty="0"/>
+                        <a:t>800</a:t>
+                      </a:r>
+                    </a:p>
+                  </a:txBody>
+                  <a:tcPr anchor="ctr" anchorCtr="1"/>
+                </a:tc>
+                <a:tc>
+                  <a:txBody>
+                    <a:bodyPr/>
+                    <a:lstStyle/>
+                    <a:p>
+                      <a:pPr algn="ctr"/>
+                      <a:r>
+                        <a:rPr lang="es-MX" sz="1600" dirty="0"/>
+                        <a:t>7</a:t>
+                      </a:r>
+                    </a:p>
+                  </a:txBody>
+                  <a:tcPr anchor="ctr" anchorCtr="1"/>
+                </a:tc>
+                <a:tc>
+                  <a:txBody>
+                    <a:bodyPr/>
+                    <a:lstStyle/>
+                    <a:p>
+                      <a:pPr algn="ctr"/>
+                      <a:r>
+                        <a:rPr lang="es-MX" sz="1600" dirty="0"/>
+                        <a:t>Opción inválida</a:t>
+                      </a:r>
+                    </a:p>
+                    <a:p>
+                      <a:pPr algn="ctr"/>
+                      <a:r>
+                        <a:rPr lang="es-MX" sz="1600" dirty="0"/>
+                        <a:t>El nuevo saldo es: 800</a:t>
+                      </a:r>
+                    </a:p>
+                  </a:txBody>
+                  <a:tcPr anchor="ctr" anchorCtr="1"/>
+                </a:tc>
+                <a:extLst>
+                  <a:ext uri="{0D108BD9-81ED-4DB2-BD59-A6C34878D82A}">
+                    <a16:rowId xmlns:a16="http://schemas.microsoft.com/office/drawing/2014/main" val="4203213746"/>
+                  </a:ext>
+                </a:extLst>
+              </a:tr>
+            </a:tbl>
+          </a:graphicData>
+        </a:graphic>
+      </p:graphicFrame>
+      <p:pic>
+        <p:nvPicPr>
+          <p:cNvPr id="9" name="Imagen 8">
+            <a:extLst>
+              <a:ext uri="{FF2B5EF4-FFF2-40B4-BE49-F238E27FC236}">
+                <a16:creationId xmlns:a16="http://schemas.microsoft.com/office/drawing/2014/main" id="{EA9BAC80-C3EF-4506-87F5-F4DC77EAB8A7}"/>
+              </a:ext>
+            </a:extLst>
+          </p:cNvPr>
+          <p:cNvPicPr>
+            <a:picLocks noChangeAspect="1"/>
+          </p:cNvPicPr>
+          <p:nvPr/>
+        </p:nvPicPr>
+        <p:blipFill>
+          <a:blip r:embed="rId3" cstate="print">
+            <a:extLst>
+              <a:ext uri="{28A0092B-C50C-407E-A947-70E740481C1C}">
+                <a14:useLocalDpi xmlns:a14="http://schemas.microsoft.com/office/drawing/2010/main" val="0"/>
+              </a:ext>
+            </a:extLst>
+          </a:blip>
+          <a:stretch>
+            <a:fillRect/>
+          </a:stretch>
+        </p:blipFill>
+        <p:spPr>
+          <a:xfrm>
+            <a:off x="7202760" y="5066178"/>
+            <a:ext cx="1219200" cy="1219200"/>
+          </a:xfrm>
+          <a:prstGeom prst="rect">
+            <a:avLst/>
+          </a:prstGeom>
+          <a:effectLst>
+            <a:outerShdw blurRad="50800" dist="50800" dir="5400000" algn="ctr" rotWithShape="0">
+              <a:schemeClr val="bg1">
+                <a:lumMod val="85000"/>
+              </a:schemeClr>
+            </a:outerShdw>
+            <a:softEdge rad="25400"/>
+          </a:effectLst>
+        </p:spPr>
+      </p:pic>
+    </p:spTree>
+    <p:extLst>
+      <p:ext uri="{BB962C8B-B14F-4D97-AF65-F5344CB8AC3E}">
+        <p14:creationId xmlns:p14="http://schemas.microsoft.com/office/powerpoint/2010/main" val="3974751190"/>
       </p:ext>
     </p:extLst>
   </p:cSld>
@@ -5043,31 +7348,7 @@
                 <a:latin typeface="Arial" pitchFamily="34" charset="0"/>
                 <a:cs typeface="Arial" pitchFamily="34" charset="0"/>
               </a:rPr>
-              <a:t>Una vez descontado el total en la tarjeta de prepago, se manda un mensaje en pantalla de: Gracias por su compra. Si el usuario completa una compra de más de 500 </a:t>
-            </a:r>
-            <a:r>
-              <a:rPr lang="es-MX" sz="1400" dirty="0" err="1">
-                <a:solidFill>
-                  <a:schemeClr val="bg2">
-                    <a:lumMod val="25000"/>
-                  </a:schemeClr>
-                </a:solidFill>
-                <a:latin typeface="Arial" pitchFamily="34" charset="0"/>
-                <a:cs typeface="Arial" pitchFamily="34" charset="0"/>
-              </a:rPr>
-              <a:t>dlls</a:t>
-            </a:r>
-            <a:r>
-              <a:rPr lang="es-MX" sz="1400" dirty="0">
-                <a:solidFill>
-                  <a:schemeClr val="bg2">
-                    <a:lumMod val="25000"/>
-                  </a:schemeClr>
-                </a:solidFill>
-                <a:latin typeface="Arial" pitchFamily="34" charset="0"/>
-                <a:cs typeface="Arial" pitchFamily="34" charset="0"/>
-              </a:rPr>
-              <a:t> y pagó propina, se le debe mandar un mensaje en pantalla indicando que puede gozar de internet gratis por cortesía de la casa.</a:t>
+              <a:t>Una vez descontado el total en la tarjeta de prepago, se manda un mensaje en pantalla de: Gracias por su compra. Si el usuario completa una compra de más de 500 pesos y pagó propina, se le debe mandar un mensaje en pantalla indicando que puede gozar de internet gratis por cortesía de la casa.</a:t>
             </a:r>
           </a:p>
           <a:p>
@@ -5201,31 +7482,7 @@
                 <a:latin typeface="Arial" pitchFamily="34" charset="0"/>
                 <a:cs typeface="Arial" pitchFamily="34" charset="0"/>
               </a:rPr>
-              <a:t>Las recargas son en números cerrados. $100.00, $250.00 y $500.00 </a:t>
-            </a:r>
-            <a:r>
-              <a:rPr lang="es-MX" sz="1400" dirty="0" err="1">
-                <a:solidFill>
-                  <a:schemeClr val="bg2">
-                    <a:lumMod val="25000"/>
-                  </a:schemeClr>
-                </a:solidFill>
-                <a:latin typeface="Arial" pitchFamily="34" charset="0"/>
-                <a:cs typeface="Arial" pitchFamily="34" charset="0"/>
-              </a:rPr>
-              <a:t>dlls</a:t>
-            </a:r>
-            <a:r>
-              <a:rPr lang="es-MX" sz="1400" dirty="0">
-                <a:solidFill>
-                  <a:schemeClr val="bg2">
-                    <a:lumMod val="25000"/>
-                  </a:schemeClr>
-                </a:solidFill>
-                <a:latin typeface="Arial" pitchFamily="34" charset="0"/>
-                <a:cs typeface="Arial" pitchFamily="34" charset="0"/>
-              </a:rPr>
-              <a:t> únicamente. SI el usuario recarga 3 veces $500 </a:t>
+              <a:t>Las recargas son en números cerrados. $100.00, $250.00 y $500.00 pesos únicamente. SI el usuario recarga 3 veces $500 </a:t>
             </a:r>
             <a:r>
               <a:rPr lang="es-MX" sz="1400" dirty="0" err="1">
@@ -5812,8 +8069,8 @@
         </p:nvSpPr>
         <p:spPr>
           <a:xfrm>
-            <a:off x="611966" y="1340768"/>
-            <a:ext cx="7920067" cy="4680520"/>
+            <a:off x="0" y="1340768"/>
+            <a:ext cx="8892480" cy="4680520"/>
           </a:xfrm>
         </p:spPr>
         <p:txBody>
@@ -5821,37 +8078,6 @@
             <a:noAutofit/>
           </a:bodyPr>
           <a:lstStyle/>
-          <a:p>
-            <a:pPr algn="just">
-              <a:lnSpc>
-                <a:spcPct val="120000"/>
-              </a:lnSpc>
-              <a:spcBef>
-                <a:spcPct val="0"/>
-              </a:spcBef>
-              <a:buFont typeface="+mj-lt"/>
-              <a:buAutoNum type="alphaLcParenR"/>
-            </a:pPr>
-            <a:r>
-              <a:rPr lang="es-MX" sz="2000" b="1" dirty="0" err="1">
-                <a:solidFill>
-                  <a:schemeClr val="bg2">
-                    <a:lumMod val="25000"/>
-                  </a:schemeClr>
-                </a:solidFill>
-                <a:cs typeface="Arial" pitchFamily="34" charset="0"/>
-              </a:rPr>
-              <a:t>menuPrincipal</a:t>
-            </a:r>
-            <a:endParaRPr lang="es-MX" sz="2000" b="1" dirty="0">
-              <a:solidFill>
-                <a:schemeClr val="bg2">
-                  <a:lumMod val="25000"/>
-                </a:schemeClr>
-              </a:solidFill>
-              <a:cs typeface="Arial" pitchFamily="34" charset="0"/>
-            </a:endParaRPr>
-          </a:p>
           <a:p>
             <a:pPr lvl="1" indent="-342900" algn="just">
               <a:lnSpc>
@@ -5916,7 +8142,7 @@
                 </a:solidFill>
                 <a:cs typeface="Arial" panose="020B0604020202020204" pitchFamily="34" charset="0"/>
               </a:rPr>
-              <a:t>1. Menú adulto</a:t>
+              <a:t>1. Menú de adulto</a:t>
             </a:r>
           </a:p>
           <a:p>
@@ -5938,7 +8164,7 @@
                 </a:solidFill>
                 <a:cs typeface="Arial" panose="020B0604020202020204" pitchFamily="34" charset="0"/>
               </a:rPr>
-              <a:t>2. Menú niño</a:t>
+              <a:t>2. Menú de niño</a:t>
             </a:r>
           </a:p>
           <a:p>
@@ -6033,6 +8259,22 @@
           </a:p>
           <a:p>
             <a:pPr marL="400050" lvl="1" indent="0" algn="just">
+              <a:spcBef>
+                <a:spcPct val="0"/>
+              </a:spcBef>
+              <a:buNone/>
+            </a:pPr>
+            <a:endParaRPr lang="es-MX" sz="1800" dirty="0">
+              <a:solidFill>
+                <a:schemeClr val="bg2">
+                  <a:lumMod val="25000"/>
+                </a:schemeClr>
+              </a:solidFill>
+              <a:cs typeface="Arial" panose="020B0604020202020204" pitchFamily="34" charset="0"/>
+            </a:endParaRPr>
+          </a:p>
+          <a:p>
+            <a:pPr marL="400050" lvl="1" indent="0" algn="just">
               <a:lnSpc>
                 <a:spcPct val="120000"/>
               </a:lnSpc>
@@ -6072,10 +8314,10 @@
                 </a:solidFill>
                 <a:cs typeface="Arial" panose="020B0604020202020204" pitchFamily="34" charset="0"/>
               </a:rPr>
-              <a:t>, mande llamar la función </a:t>
-            </a:r>
-            <a:r>
-              <a:rPr lang="es-MX" sz="1800" dirty="0" err="1">
+              <a:t>, mandar llamar la función </a:t>
+            </a:r>
+            <a:r>
+              <a:rPr lang="es-MX" sz="1800" b="1" dirty="0" err="1">
                 <a:solidFill>
                   <a:schemeClr val="bg2">
                     <a:lumMod val="25000"/>
@@ -6094,10 +8336,10 @@
                 </a:solidFill>
                 <a:cs typeface="Arial" panose="020B0604020202020204" pitchFamily="34" charset="0"/>
               </a:rPr>
-              <a:t>. Si la opción es 1, imprimir “Aquí va el menú de adulto”, sino si la opción es 2, imprimir “Aquí va el menú  de niño”, sino si la opción es 3, imprimir “Aquí se realizan pagos”, sino si la opción es 4, imprimir “Aquí va la recarga de tarjeta”, sino imprimir “Opción inválida”.  Haz uso de </a:t>
-            </a:r>
-            <a:r>
-              <a:rPr lang="es-MX" sz="1800" dirty="0" err="1">
+              <a:t>. Si la opción es 1, imprimir “Menú de adulto”, sino si la opción es 2, imprimir “Menú  de niño”, sino si la opción es 3, imprimir “Realizar pago”, sino si la opción es 4, imprimir “Recarga de tarjeta”, sino imprimir “Opción inválida”.  Haz uso de </a:t>
+            </a:r>
+            <a:r>
+              <a:rPr lang="es-MX" sz="1800" b="1" dirty="0" err="1">
                 <a:solidFill>
                   <a:schemeClr val="bg2">
                     <a:lumMod val="25000"/>
@@ -6108,6 +8350,17 @@
               <a:t>if</a:t>
             </a:r>
             <a:r>
+              <a:rPr lang="es-MX" sz="1800" b="1" dirty="0">
+                <a:solidFill>
+                  <a:schemeClr val="bg2">
+                    <a:lumMod val="25000"/>
+                  </a:schemeClr>
+                </a:solidFill>
+                <a:cs typeface="Arial" panose="020B0604020202020204" pitchFamily="34" charset="0"/>
+              </a:rPr>
+              <a:t> – anidado</a:t>
+            </a:r>
+            <a:r>
               <a:rPr lang="es-MX" sz="1800" dirty="0">
                 <a:solidFill>
                   <a:schemeClr val="bg2">
@@ -6116,7 +8369,7 @@
                 </a:solidFill>
                 <a:cs typeface="Arial" panose="020B0604020202020204" pitchFamily="34" charset="0"/>
               </a:rPr>
-              <a:t> – anidado.</a:t>
+              <a:t>.</a:t>
             </a:r>
           </a:p>
           <a:p>
@@ -6224,7 +8477,7 @@
                 </a:effectLst>
                 <a:latin typeface="Dom Casual" charset="0"/>
               </a:rPr>
-              <a:t>Vacaciones con tarjeta de prepago</a:t>
+              <a:t>Menú principal</a:t>
             </a:r>
           </a:p>
         </p:txBody>
@@ -6261,426 +8514,6 @@
       </p:grpSpPr>
       <p:sp>
         <p:nvSpPr>
-          <p:cNvPr id="4098" name="Rectangle 2"/>
-          <p:cNvSpPr>
-            <a:spLocks noGrp="1" noChangeArrowheads="1"/>
-          </p:cNvSpPr>
-          <p:nvPr>
-            <p:ph type="body" idx="1"/>
-          </p:nvPr>
-        </p:nvSpPr>
-        <p:spPr>
-          <a:xfrm>
-            <a:off x="755576" y="1412776"/>
-            <a:ext cx="7920067" cy="4897947"/>
-          </a:xfrm>
-        </p:spPr>
-        <p:txBody>
-          <a:bodyPr>
-            <a:noAutofit/>
-          </a:bodyPr>
-          <a:lstStyle/>
-          <a:p>
-            <a:pPr marL="0" indent="0" algn="just">
-              <a:lnSpc>
-                <a:spcPct val="120000"/>
-              </a:lnSpc>
-              <a:spcBef>
-                <a:spcPct val="0"/>
-              </a:spcBef>
-              <a:buNone/>
-            </a:pPr>
-            <a:r>
-              <a:rPr lang="es-MX" sz="2000" b="1" dirty="0">
-                <a:solidFill>
-                  <a:schemeClr val="bg2">
-                    <a:lumMod val="25000"/>
-                  </a:schemeClr>
-                </a:solidFill>
-                <a:cs typeface="Arial" pitchFamily="34" charset="0"/>
-              </a:rPr>
-              <a:t>b) </a:t>
-            </a:r>
-            <a:r>
-              <a:rPr lang="es-MX" sz="2000" b="1" dirty="0" err="1">
-                <a:solidFill>
-                  <a:schemeClr val="bg2">
-                    <a:lumMod val="25000"/>
-                  </a:schemeClr>
-                </a:solidFill>
-                <a:cs typeface="Arial" pitchFamily="34" charset="0"/>
-              </a:rPr>
-              <a:t>menuAdulto</a:t>
-            </a:r>
-            <a:endParaRPr lang="es-MX" sz="2000" b="1" dirty="0">
-              <a:solidFill>
-                <a:schemeClr val="bg2">
-                  <a:lumMod val="25000"/>
-                </a:schemeClr>
-              </a:solidFill>
-              <a:cs typeface="Arial" pitchFamily="34" charset="0"/>
-            </a:endParaRPr>
-          </a:p>
-          <a:p>
-            <a:pPr algn="just">
-              <a:lnSpc>
-                <a:spcPct val="120000"/>
-              </a:lnSpc>
-              <a:spcBef>
-                <a:spcPct val="0"/>
-              </a:spcBef>
-              <a:buFont typeface="+mj-lt"/>
-              <a:buAutoNum type="alphaLcParenR"/>
-            </a:pPr>
-            <a:endParaRPr lang="es-MX" sz="2000" b="1" dirty="0">
-              <a:solidFill>
-                <a:schemeClr val="bg2">
-                  <a:lumMod val="25000"/>
-                </a:schemeClr>
-              </a:solidFill>
-              <a:cs typeface="Arial" pitchFamily="34" charset="0"/>
-            </a:endParaRPr>
-          </a:p>
-          <a:p>
-            <a:pPr lvl="1" indent="-342900" algn="just">
-              <a:lnSpc>
-                <a:spcPct val="120000"/>
-              </a:lnSpc>
-              <a:spcBef>
-                <a:spcPct val="0"/>
-              </a:spcBef>
-              <a:buFont typeface="Arial" panose="020B0604020202020204" pitchFamily="34" charset="0"/>
-              <a:buChar char="•"/>
-            </a:pPr>
-            <a:r>
-              <a:rPr lang="es-MX" sz="2000" dirty="0">
-                <a:solidFill>
-                  <a:schemeClr val="bg2">
-                    <a:lumMod val="25000"/>
-                  </a:schemeClr>
-                </a:solidFill>
-                <a:cs typeface="Arial" panose="020B0604020202020204" pitchFamily="34" charset="0"/>
-              </a:rPr>
-              <a:t>La función </a:t>
-            </a:r>
-            <a:r>
-              <a:rPr lang="es-MX" sz="2000" b="1" dirty="0" err="1">
-                <a:solidFill>
-                  <a:schemeClr val="bg2">
-                    <a:lumMod val="25000"/>
-                  </a:schemeClr>
-                </a:solidFill>
-                <a:cs typeface="Arial" panose="020B0604020202020204" pitchFamily="34" charset="0"/>
-              </a:rPr>
-              <a:t>menuAdulto</a:t>
-            </a:r>
-            <a:r>
-              <a:rPr lang="es-MX" sz="2000" dirty="0">
-                <a:solidFill>
-                  <a:schemeClr val="bg2">
-                    <a:lumMod val="25000"/>
-                  </a:schemeClr>
-                </a:solidFill>
-                <a:cs typeface="Arial" panose="020B0604020202020204" pitchFamily="34" charset="0"/>
-              </a:rPr>
-              <a:t>, debe imprimir los tres menús y sus precios, por ejemplo:</a:t>
-            </a:r>
-          </a:p>
-          <a:p>
-            <a:pPr marL="800100" lvl="2" indent="0" algn="just">
-              <a:lnSpc>
-                <a:spcPct val="120000"/>
-              </a:lnSpc>
-              <a:spcBef>
-                <a:spcPct val="0"/>
-              </a:spcBef>
-              <a:buNone/>
-            </a:pPr>
-            <a:r>
-              <a:rPr lang="es-MX" sz="2000" dirty="0">
-                <a:solidFill>
-                  <a:schemeClr val="bg2">
-                    <a:lumMod val="25000"/>
-                  </a:schemeClr>
-                </a:solidFill>
-                <a:cs typeface="Arial" panose="020B0604020202020204" pitchFamily="34" charset="0"/>
-              </a:rPr>
-              <a:t>1. P</a:t>
-            </a:r>
-            <a:r>
-              <a:rPr lang="it-IT" sz="2000" dirty="0">
-                <a:solidFill>
-                  <a:schemeClr val="bg2">
-                    <a:lumMod val="25000"/>
-                  </a:schemeClr>
-                </a:solidFill>
-                <a:cs typeface="Arial" panose="020B0604020202020204" pitchFamily="34" charset="0"/>
-              </a:rPr>
-              <a:t>izza $180.00</a:t>
-            </a:r>
-          </a:p>
-          <a:p>
-            <a:pPr marL="800100" lvl="2" indent="0" algn="just">
-              <a:lnSpc>
-                <a:spcPct val="120000"/>
-              </a:lnSpc>
-              <a:spcBef>
-                <a:spcPct val="0"/>
-              </a:spcBef>
-              <a:buNone/>
-            </a:pPr>
-            <a:r>
-              <a:rPr lang="it-IT" sz="2000" dirty="0">
-                <a:solidFill>
-                  <a:schemeClr val="bg2">
-                    <a:lumMod val="25000"/>
-                  </a:schemeClr>
-                </a:solidFill>
-                <a:cs typeface="Arial" panose="020B0604020202020204" pitchFamily="34" charset="0"/>
-              </a:rPr>
-              <a:t>2. Carne asada $200.00</a:t>
-            </a:r>
-          </a:p>
-          <a:p>
-            <a:pPr marL="800100" lvl="2" indent="0" algn="just">
-              <a:lnSpc>
-                <a:spcPct val="120000"/>
-              </a:lnSpc>
-              <a:spcBef>
-                <a:spcPct val="0"/>
-              </a:spcBef>
-              <a:buNone/>
-            </a:pPr>
-            <a:r>
-              <a:rPr lang="it-IT" sz="2000" dirty="0">
-                <a:solidFill>
-                  <a:schemeClr val="bg2">
-                    <a:lumMod val="25000"/>
-                  </a:schemeClr>
-                </a:solidFill>
-                <a:cs typeface="Arial" panose="020B0604020202020204" pitchFamily="34" charset="0"/>
-              </a:rPr>
-              <a:t>3. Salmón $300.00</a:t>
-            </a:r>
-          </a:p>
-          <a:p>
-            <a:pPr lvl="1" indent="-342900" algn="just">
-              <a:lnSpc>
-                <a:spcPct val="120000"/>
-              </a:lnSpc>
-              <a:spcBef>
-                <a:spcPct val="0"/>
-              </a:spcBef>
-              <a:buFont typeface="Arial" panose="020B0604020202020204" pitchFamily="34" charset="0"/>
-              <a:buChar char="•"/>
-            </a:pPr>
-            <a:r>
-              <a:rPr lang="es-MX" sz="2000" dirty="0">
-                <a:solidFill>
-                  <a:schemeClr val="bg2">
-                    <a:lumMod val="25000"/>
-                  </a:schemeClr>
-                </a:solidFill>
-                <a:cs typeface="Arial" panose="020B0604020202020204" pitchFamily="34" charset="0"/>
-              </a:rPr>
-              <a:t>Pedir al usuario que seleccione una opción.</a:t>
-            </a:r>
-          </a:p>
-          <a:p>
-            <a:pPr lvl="1" indent="-342900" algn="just">
-              <a:lnSpc>
-                <a:spcPct val="120000"/>
-              </a:lnSpc>
-              <a:spcBef>
-                <a:spcPct val="0"/>
-              </a:spcBef>
-              <a:buFont typeface="Arial" panose="020B0604020202020204" pitchFamily="34" charset="0"/>
-              <a:buChar char="•"/>
-            </a:pPr>
-            <a:r>
-              <a:rPr lang="es-MX" sz="2000" dirty="0">
-                <a:solidFill>
-                  <a:schemeClr val="bg2">
-                    <a:lumMod val="25000"/>
-                  </a:schemeClr>
-                </a:solidFill>
-                <a:cs typeface="Arial" panose="020B0604020202020204" pitchFamily="34" charset="0"/>
-              </a:rPr>
-              <a:t>Haciendo uso de </a:t>
-            </a:r>
-            <a:r>
-              <a:rPr lang="es-MX" sz="2000" b="1" dirty="0" err="1">
-                <a:solidFill>
-                  <a:schemeClr val="bg2">
-                    <a:lumMod val="25000"/>
-                  </a:schemeClr>
-                </a:solidFill>
-                <a:cs typeface="Arial" panose="020B0604020202020204" pitchFamily="34" charset="0"/>
-              </a:rPr>
-              <a:t>if</a:t>
-            </a:r>
-            <a:r>
-              <a:rPr lang="es-MX" sz="2000" b="1" dirty="0">
-                <a:solidFill>
-                  <a:schemeClr val="bg2">
-                    <a:lumMod val="25000"/>
-                  </a:schemeClr>
-                </a:solidFill>
-                <a:cs typeface="Arial" panose="020B0604020202020204" pitchFamily="34" charset="0"/>
-              </a:rPr>
-              <a:t> – anidado</a:t>
-            </a:r>
-            <a:r>
-              <a:rPr lang="es-MX" sz="2000" dirty="0">
-                <a:solidFill>
-                  <a:schemeClr val="bg2">
-                    <a:lumMod val="25000"/>
-                  </a:schemeClr>
-                </a:solidFill>
-                <a:cs typeface="Arial" panose="020B0604020202020204" pitchFamily="34" charset="0"/>
-              </a:rPr>
-              <a:t>, regresar el precio del menú seleccionado.</a:t>
-            </a:r>
-          </a:p>
-          <a:p>
-            <a:pPr lvl="1" indent="-342900" algn="just">
-              <a:lnSpc>
-                <a:spcPct val="120000"/>
-              </a:lnSpc>
-              <a:spcBef>
-                <a:spcPct val="0"/>
-              </a:spcBef>
-              <a:buFont typeface="Arial" panose="020B0604020202020204" pitchFamily="34" charset="0"/>
-              <a:buChar char="•"/>
-            </a:pPr>
-            <a:endParaRPr lang="es-MX" sz="2000" dirty="0">
-              <a:solidFill>
-                <a:schemeClr val="bg2">
-                  <a:lumMod val="25000"/>
-                </a:schemeClr>
-              </a:solidFill>
-              <a:cs typeface="Arial" panose="020B0604020202020204" pitchFamily="34" charset="0"/>
-            </a:endParaRPr>
-          </a:p>
-          <a:p>
-            <a:pPr marL="400050" lvl="1" indent="0" algn="just">
-              <a:lnSpc>
-                <a:spcPct val="120000"/>
-              </a:lnSpc>
-              <a:spcBef>
-                <a:spcPct val="0"/>
-              </a:spcBef>
-              <a:buNone/>
-            </a:pPr>
-            <a:r>
-              <a:rPr lang="es-MX" sz="2000" dirty="0">
-                <a:solidFill>
-                  <a:schemeClr val="bg2">
-                    <a:lumMod val="25000"/>
-                  </a:schemeClr>
-                </a:solidFill>
-                <a:cs typeface="Arial" panose="020B0604020202020204" pitchFamily="34" charset="0"/>
-              </a:rPr>
-              <a:t>En el script principal, mandar llamar la función </a:t>
-            </a:r>
-            <a:r>
-              <a:rPr lang="es-MX" sz="2000" b="1" dirty="0" err="1">
-                <a:solidFill>
-                  <a:schemeClr val="bg2">
-                    <a:lumMod val="25000"/>
-                  </a:schemeClr>
-                </a:solidFill>
-                <a:cs typeface="Arial" panose="020B0604020202020204" pitchFamily="34" charset="0"/>
-              </a:rPr>
-              <a:t>menuAdulto</a:t>
-            </a:r>
-            <a:r>
-              <a:rPr lang="es-MX" sz="2000" dirty="0">
-                <a:solidFill>
-                  <a:schemeClr val="bg2">
-                    <a:lumMod val="25000"/>
-                  </a:schemeClr>
-                </a:solidFill>
-                <a:cs typeface="Arial" panose="020B0604020202020204" pitchFamily="34" charset="0"/>
-              </a:rPr>
-              <a:t> e imprimir el precio del menú seleccionado.</a:t>
-            </a:r>
-          </a:p>
-          <a:p>
-            <a:pPr marL="400050" lvl="1" indent="0" algn="just">
-              <a:lnSpc>
-                <a:spcPct val="120000"/>
-              </a:lnSpc>
-              <a:spcBef>
-                <a:spcPct val="0"/>
-              </a:spcBef>
-              <a:buNone/>
-            </a:pPr>
-            <a:r>
-              <a:rPr lang="es-MX" sz="2000" dirty="0">
-                <a:solidFill>
-                  <a:schemeClr val="bg2">
-                    <a:lumMod val="25000"/>
-                  </a:schemeClr>
-                </a:solidFill>
-                <a:cs typeface="Arial" panose="020B0604020202020204" pitchFamily="34" charset="0"/>
-              </a:rPr>
-              <a:t>Guardar archivo como </a:t>
-            </a:r>
-            <a:r>
-              <a:rPr lang="es-MX" sz="2000" b="1" dirty="0">
-                <a:solidFill>
-                  <a:schemeClr val="accent6">
-                    <a:lumMod val="75000"/>
-                  </a:schemeClr>
-                </a:solidFill>
-                <a:cs typeface="Arial" panose="020B0604020202020204" pitchFamily="34" charset="0"/>
-              </a:rPr>
-              <a:t>menuA_matricula.py</a:t>
-            </a:r>
-          </a:p>
-          <a:p>
-            <a:pPr marL="400050" lvl="1" indent="0" algn="just">
-              <a:lnSpc>
-                <a:spcPct val="120000"/>
-              </a:lnSpc>
-              <a:spcBef>
-                <a:spcPct val="0"/>
-              </a:spcBef>
-              <a:buNone/>
-            </a:pPr>
-            <a:endParaRPr lang="es-MX" sz="2000" dirty="0">
-              <a:solidFill>
-                <a:schemeClr val="bg2">
-                  <a:lumMod val="25000"/>
-                </a:schemeClr>
-              </a:solidFill>
-              <a:cs typeface="Arial" panose="020B0604020202020204" pitchFamily="34" charset="0"/>
-            </a:endParaRPr>
-          </a:p>
-          <a:p>
-            <a:pPr marL="400050" lvl="1" indent="0" algn="just">
-              <a:lnSpc>
-                <a:spcPct val="120000"/>
-              </a:lnSpc>
-              <a:spcBef>
-                <a:spcPct val="0"/>
-              </a:spcBef>
-              <a:buNone/>
-            </a:pPr>
-            <a:endParaRPr lang="es-MX" sz="2000" dirty="0">
-              <a:solidFill>
-                <a:schemeClr val="bg2">
-                  <a:lumMod val="25000"/>
-                </a:schemeClr>
-              </a:solidFill>
-              <a:cs typeface="Arial" panose="020B0604020202020204" pitchFamily="34" charset="0"/>
-            </a:endParaRPr>
-          </a:p>
-        </p:txBody>
-      </p:sp>
-      <p:sp>
-        <p:nvSpPr>
           <p:cNvPr id="184324" name="Rectangle 4"/>
           <p:cNvSpPr>
             <a:spLocks noGrp="1" noChangeArrowheads="1"/>
@@ -6691,7 +8524,7 @@
         </p:nvSpPr>
         <p:spPr>
           <a:xfrm>
-            <a:off x="302027" y="0"/>
+            <a:off x="457200" y="246538"/>
             <a:ext cx="8229600" cy="1143000"/>
           </a:xfrm>
         </p:spPr>
@@ -6749,15 +8582,334 @@
                 </a:effectLst>
                 <a:latin typeface="Dom Casual" charset="0"/>
               </a:rPr>
-              <a:t>Vacaciones con tarjeta de prepago</a:t>
+              <a:t>Menú principal</a:t>
             </a:r>
           </a:p>
         </p:txBody>
       </p:sp>
+      <p:sp>
+        <p:nvSpPr>
+          <p:cNvPr id="4" name="object 25">
+            <a:extLst>
+              <a:ext uri="{FF2B5EF4-FFF2-40B4-BE49-F238E27FC236}">
+                <a16:creationId xmlns:a16="http://schemas.microsoft.com/office/drawing/2014/main" id="{1CAF8476-1D28-4E14-B254-29BE6870E088}"/>
+              </a:ext>
+            </a:extLst>
+          </p:cNvPr>
+          <p:cNvSpPr txBox="1"/>
+          <p:nvPr/>
+        </p:nvSpPr>
+        <p:spPr>
+          <a:xfrm>
+            <a:off x="1547664" y="2060848"/>
+            <a:ext cx="2267735" cy="388492"/>
+          </a:xfrm>
+          <a:prstGeom prst="rect">
+            <a:avLst/>
+          </a:prstGeom>
+        </p:spPr>
+        <p:txBody>
+          <a:bodyPr vert="horz" wrap="square" lIns="0" tIns="0" rIns="0" bIns="0" rtlCol="0">
+            <a:noAutofit/>
+          </a:bodyPr>
+          <a:lstStyle/>
+          <a:p>
+            <a:pPr marL="12700">
+              <a:lnSpc>
+                <a:spcPct val="100000"/>
+              </a:lnSpc>
+              <a:spcAft>
+                <a:spcPts val="600"/>
+              </a:spcAft>
+            </a:pPr>
+            <a:r>
+              <a:rPr lang="es-MX" sz="2000" b="1" spc="-20" dirty="0">
+                <a:solidFill>
+                  <a:schemeClr val="accent4">
+                    <a:lumMod val="75000"/>
+                  </a:schemeClr>
+                </a:solidFill>
+                <a:cs typeface="Calibri"/>
+              </a:rPr>
+              <a:t>Casos de prueba:</a:t>
+            </a:r>
+            <a:endParaRPr sz="2000" b="1" dirty="0">
+              <a:solidFill>
+                <a:schemeClr val="accent4">
+                  <a:lumMod val="75000"/>
+                </a:schemeClr>
+              </a:solidFill>
+              <a:latin typeface="Calibri"/>
+              <a:cs typeface="Calibri"/>
+            </a:endParaRPr>
+          </a:p>
+        </p:txBody>
+      </p:sp>
+      <p:graphicFrame>
+        <p:nvGraphicFramePr>
+          <p:cNvPr id="5" name="Tabla 15">
+            <a:extLst>
+              <a:ext uri="{FF2B5EF4-FFF2-40B4-BE49-F238E27FC236}">
+                <a16:creationId xmlns:a16="http://schemas.microsoft.com/office/drawing/2014/main" id="{CA021C1E-E940-409E-B402-8BBFA2AE8A01}"/>
+              </a:ext>
+            </a:extLst>
+          </p:cNvPr>
+          <p:cNvGraphicFramePr>
+            <a:graphicFrameLocks noGrp="1"/>
+          </p:cNvGraphicFramePr>
+          <p:nvPr>
+            <p:extLst>
+              <p:ext uri="{D42A27DB-BD31-4B8C-83A1-F6EECF244321}">
+                <p14:modId xmlns:p14="http://schemas.microsoft.com/office/powerpoint/2010/main" val="3507919394"/>
+              </p:ext>
+            </p:extLst>
+          </p:nvPr>
+        </p:nvGraphicFramePr>
+        <p:xfrm>
+          <a:off x="1547664" y="2708920"/>
+          <a:ext cx="6336704" cy="2011680"/>
+        </p:xfrm>
+        <a:graphic>
+          <a:graphicData uri="http://schemas.openxmlformats.org/drawingml/2006/table">
+            <a:tbl>
+              <a:tblPr firstRow="1" bandRow="1">
+                <a:tableStyleId>{5C22544A-7EE6-4342-B048-85BDC9FD1C3A}</a:tableStyleId>
+              </a:tblPr>
+              <a:tblGrid>
+                <a:gridCol w="2808312">
+                  <a:extLst>
+                    <a:ext uri="{9D8B030D-6E8A-4147-A177-3AD203B41FA5}">
+                      <a16:colId xmlns:a16="http://schemas.microsoft.com/office/drawing/2014/main" val="2558049104"/>
+                    </a:ext>
+                  </a:extLst>
+                </a:gridCol>
+                <a:gridCol w="3528392">
+                  <a:extLst>
+                    <a:ext uri="{9D8B030D-6E8A-4147-A177-3AD203B41FA5}">
+                      <a16:colId xmlns:a16="http://schemas.microsoft.com/office/drawing/2014/main" val="2289536505"/>
+                    </a:ext>
+                  </a:extLst>
+                </a:gridCol>
+              </a:tblGrid>
+              <a:tr h="0">
+                <a:tc>
+                  <a:txBody>
+                    <a:bodyPr/>
+                    <a:lstStyle/>
+                    <a:p>
+                      <a:pPr algn="ctr"/>
+                      <a:r>
+                        <a:rPr lang="es-MX" sz="1600" dirty="0" err="1"/>
+                        <a:t>Opcion</a:t>
+                      </a:r>
+                      <a:endParaRPr lang="es-MX" sz="1600" dirty="0"/>
+                    </a:p>
+                  </a:txBody>
+                  <a:tcPr/>
+                </a:tc>
+                <a:tc>
+                  <a:txBody>
+                    <a:bodyPr/>
+                    <a:lstStyle/>
+                    <a:p>
+                      <a:pPr algn="ctr"/>
+                      <a:r>
+                        <a:rPr lang="es-MX" sz="1600" dirty="0"/>
+                        <a:t>Imprime</a:t>
+                      </a:r>
+                    </a:p>
+                  </a:txBody>
+                  <a:tcPr/>
+                </a:tc>
+                <a:extLst>
+                  <a:ext uri="{0D108BD9-81ED-4DB2-BD59-A6C34878D82A}">
+                    <a16:rowId xmlns:a16="http://schemas.microsoft.com/office/drawing/2014/main" val="119075427"/>
+                  </a:ext>
+                </a:extLst>
+              </a:tr>
+              <a:tr h="193536">
+                <a:tc>
+                  <a:txBody>
+                    <a:bodyPr/>
+                    <a:lstStyle/>
+                    <a:p>
+                      <a:pPr algn="ctr"/>
+                      <a:r>
+                        <a:rPr lang="es-MX" sz="1600" dirty="0"/>
+                        <a:t>1</a:t>
+                      </a:r>
+                    </a:p>
+                  </a:txBody>
+                  <a:tcPr/>
+                </a:tc>
+                <a:tc>
+                  <a:txBody>
+                    <a:bodyPr/>
+                    <a:lstStyle/>
+                    <a:p>
+                      <a:pPr algn="ctr"/>
+                      <a:r>
+                        <a:rPr lang="es-MX" sz="1600" dirty="0"/>
+                        <a:t>Menú de adulto</a:t>
+                      </a:r>
+                    </a:p>
+                  </a:txBody>
+                  <a:tcPr/>
+                </a:tc>
+                <a:extLst>
+                  <a:ext uri="{0D108BD9-81ED-4DB2-BD59-A6C34878D82A}">
+                    <a16:rowId xmlns:a16="http://schemas.microsoft.com/office/drawing/2014/main" val="737048181"/>
+                  </a:ext>
+                </a:extLst>
+              </a:tr>
+              <a:tr h="157595">
+                <a:tc>
+                  <a:txBody>
+                    <a:bodyPr/>
+                    <a:lstStyle/>
+                    <a:p>
+                      <a:pPr algn="ctr"/>
+                      <a:r>
+                        <a:rPr lang="es-MX" sz="1600" dirty="0"/>
+                        <a:t>2</a:t>
+                      </a:r>
+                    </a:p>
+                  </a:txBody>
+                  <a:tcPr/>
+                </a:tc>
+                <a:tc>
+                  <a:txBody>
+                    <a:bodyPr/>
+                    <a:lstStyle/>
+                    <a:p>
+                      <a:pPr algn="ctr"/>
+                      <a:r>
+                        <a:rPr lang="es-MX" sz="1600" dirty="0"/>
+                        <a:t>Menú de niño</a:t>
+                      </a:r>
+                    </a:p>
+                  </a:txBody>
+                  <a:tcPr/>
+                </a:tc>
+                <a:extLst>
+                  <a:ext uri="{0D108BD9-81ED-4DB2-BD59-A6C34878D82A}">
+                    <a16:rowId xmlns:a16="http://schemas.microsoft.com/office/drawing/2014/main" val="1197511534"/>
+                  </a:ext>
+                </a:extLst>
+              </a:tr>
+              <a:tr h="322052">
+                <a:tc>
+                  <a:txBody>
+                    <a:bodyPr/>
+                    <a:lstStyle/>
+                    <a:p>
+                      <a:pPr algn="ctr"/>
+                      <a:r>
+                        <a:rPr lang="es-MX" sz="1600" dirty="0"/>
+                        <a:t>3</a:t>
+                      </a:r>
+                    </a:p>
+                  </a:txBody>
+                  <a:tcPr/>
+                </a:tc>
+                <a:tc>
+                  <a:txBody>
+                    <a:bodyPr/>
+                    <a:lstStyle/>
+                    <a:p>
+                      <a:pPr algn="ctr"/>
+                      <a:r>
+                        <a:rPr lang="es-MX" sz="1600" dirty="0"/>
+                        <a:t>Realizar pagos</a:t>
+                      </a:r>
+                    </a:p>
+                  </a:txBody>
+                  <a:tcPr/>
+                </a:tc>
+                <a:extLst>
+                  <a:ext uri="{0D108BD9-81ED-4DB2-BD59-A6C34878D82A}">
+                    <a16:rowId xmlns:a16="http://schemas.microsoft.com/office/drawing/2014/main" val="1254763306"/>
+                  </a:ext>
+                </a:extLst>
+              </a:tr>
+              <a:tr h="322052">
+                <a:tc>
+                  <a:txBody>
+                    <a:bodyPr/>
+                    <a:lstStyle/>
+                    <a:p>
+                      <a:pPr algn="ctr"/>
+                      <a:r>
+                        <a:rPr lang="es-MX" sz="1600" dirty="0"/>
+                        <a:t>4</a:t>
+                      </a:r>
+                    </a:p>
+                  </a:txBody>
+                  <a:tcPr/>
+                </a:tc>
+                <a:tc>
+                  <a:txBody>
+                    <a:bodyPr/>
+                    <a:lstStyle/>
+                    <a:p>
+                      <a:pPr algn="ctr"/>
+                      <a:r>
+                        <a:rPr lang="es-MX" sz="1600" dirty="0"/>
+                        <a:t>Recarga de tarjeta</a:t>
+                      </a:r>
+                    </a:p>
+                  </a:txBody>
+                  <a:tcPr/>
+                </a:tc>
+                <a:extLst>
+                  <a:ext uri="{0D108BD9-81ED-4DB2-BD59-A6C34878D82A}">
+                    <a16:rowId xmlns:a16="http://schemas.microsoft.com/office/drawing/2014/main" val="3961031026"/>
+                  </a:ext>
+                </a:extLst>
+              </a:tr>
+              <a:tr h="322052">
+                <a:tc>
+                  <a:txBody>
+                    <a:bodyPr/>
+                    <a:lstStyle/>
+                    <a:p>
+                      <a:pPr algn="ctr"/>
+                      <a:r>
+                        <a:rPr lang="es-MX" sz="1600" dirty="0"/>
+                        <a:t>7</a:t>
+                      </a:r>
+                    </a:p>
+                  </a:txBody>
+                  <a:tcPr/>
+                </a:tc>
+                <a:tc>
+                  <a:txBody>
+                    <a:bodyPr/>
+                    <a:lstStyle/>
+                    <a:p>
+                      <a:pPr algn="ctr"/>
+                      <a:r>
+                        <a:rPr lang="es-MX" sz="1600" dirty="0"/>
+                        <a:t>Opción inválida</a:t>
+                      </a:r>
+                    </a:p>
+                  </a:txBody>
+                  <a:tcPr/>
+                </a:tc>
+                <a:extLst>
+                  <a:ext uri="{0D108BD9-81ED-4DB2-BD59-A6C34878D82A}">
+                    <a16:rowId xmlns:a16="http://schemas.microsoft.com/office/drawing/2014/main" val="4203213746"/>
+                  </a:ext>
+                </a:extLst>
+              </a:tr>
+            </a:tbl>
+          </a:graphicData>
+        </a:graphic>
+      </p:graphicFrame>
     </p:spTree>
     <p:extLst>
       <p:ext uri="{BB962C8B-B14F-4D97-AF65-F5344CB8AC3E}">
-        <p14:creationId xmlns:p14="http://schemas.microsoft.com/office/powerpoint/2010/main" val="2247476992"/>
+        <p14:creationId xmlns:p14="http://schemas.microsoft.com/office/powerpoint/2010/main" val="4162944178"/>
       </p:ext>
     </p:extLst>
   </p:cSld>
@@ -6796,8 +8948,8 @@
         </p:nvSpPr>
         <p:spPr>
           <a:xfrm>
-            <a:off x="755576" y="1412776"/>
-            <a:ext cx="7920067" cy="4897947"/>
+            <a:off x="144978" y="1412776"/>
+            <a:ext cx="8543698" cy="5112568"/>
           </a:xfrm>
         </p:spPr>
         <p:txBody>
@@ -6805,57 +8957,6 @@
             <a:noAutofit/>
           </a:bodyPr>
           <a:lstStyle/>
-          <a:p>
-            <a:pPr algn="just">
-              <a:lnSpc>
-                <a:spcPct val="120000"/>
-              </a:lnSpc>
-              <a:spcBef>
-                <a:spcPct val="0"/>
-              </a:spcBef>
-              <a:buFont typeface="+mj-lt"/>
-              <a:buAutoNum type="alphaLcParenR"/>
-            </a:pPr>
-            <a:r>
-              <a:rPr lang="es-MX" sz="2000" b="1" dirty="0" err="1">
-                <a:solidFill>
-                  <a:schemeClr val="bg2">
-                    <a:lumMod val="25000"/>
-                  </a:schemeClr>
-                </a:solidFill>
-                <a:cs typeface="Arial" pitchFamily="34" charset="0"/>
-              </a:rPr>
-              <a:t>menuNino</a:t>
-            </a:r>
-            <a:endParaRPr lang="es-MX" sz="2000" b="1" dirty="0">
-              <a:solidFill>
-                <a:schemeClr val="bg2">
-                  <a:lumMod val="25000"/>
-                </a:schemeClr>
-              </a:solidFill>
-              <a:cs typeface="Arial" pitchFamily="34" charset="0"/>
-            </a:endParaRPr>
-          </a:p>
-          <a:p>
-            <a:pPr algn="just">
-              <a:lnSpc>
-                <a:spcPct val="120000"/>
-              </a:lnSpc>
-              <a:spcBef>
-                <a:spcPct val="0"/>
-              </a:spcBef>
-              <a:buFont typeface="+mj-lt"/>
-              <a:buAutoNum type="alphaLcParenR"/>
-            </a:pPr>
-            <a:endParaRPr lang="es-MX" sz="2000" b="1" dirty="0">
-              <a:solidFill>
-                <a:schemeClr val="bg2">
-                  <a:lumMod val="25000"/>
-                </a:schemeClr>
-              </a:solidFill>
-              <a:cs typeface="Arial" pitchFamily="34" charset="0"/>
-            </a:endParaRPr>
-          </a:p>
           <a:p>
             <a:pPr lvl="1" indent="-342900" algn="just">
               <a:lnSpc>
@@ -6887,7 +8988,7 @@
                 </a:solidFill>
                 <a:cs typeface="Arial" panose="020B0604020202020204" pitchFamily="34" charset="0"/>
               </a:rPr>
-              <a:t>menuNino</a:t>
+              <a:t>menuAdulto</a:t>
             </a:r>
             <a:r>
               <a:rPr lang="es-MX" sz="2000" dirty="0">
@@ -6898,7 +8999,7 @@
                 </a:solidFill>
                 <a:cs typeface="Arial" panose="020B0604020202020204" pitchFamily="34" charset="0"/>
               </a:rPr>
-              <a:t>, debe imprimir los tres menús y sus precios, por ejemplo:</a:t>
+              <a:t>, debe imprimir los tres menús y sus precios (ustedes eligen los menús y los precios), por ejemplo:</a:t>
             </a:r>
           </a:p>
           <a:p>
@@ -6912,26 +9013,15 @@
               <a:buNone/>
             </a:pPr>
             <a:r>
-              <a:rPr lang="es-MX" sz="2000" dirty="0">
-                <a:solidFill>
-                  <a:schemeClr val="bg2">
-                    <a:lumMod val="25000"/>
-                  </a:schemeClr>
-                </a:solidFill>
-                <a:cs typeface="Arial" panose="020B0604020202020204" pitchFamily="34" charset="0"/>
-              </a:rPr>
-              <a:t>1. Nuggets</a:t>
-            </a:r>
-            <a:r>
-              <a:rPr lang="it-IT" sz="2000" dirty="0">
-                <a:solidFill>
-                  <a:schemeClr val="bg2">
-                    <a:lumMod val="25000"/>
-                  </a:schemeClr>
-                </a:solidFill>
-                <a:cs typeface="Arial" panose="020B0604020202020204" pitchFamily="34" charset="0"/>
-              </a:rPr>
-              <a:t> $80.00</a:t>
+              <a:rPr lang="es-MX" sz="2000" b="1" dirty="0">
+                <a:solidFill>
+                  <a:schemeClr val="accent6">
+                    <a:lumMod val="75000"/>
+                  </a:schemeClr>
+                </a:solidFill>
+                <a:cs typeface="Arial" panose="020B0604020202020204" pitchFamily="34" charset="0"/>
+              </a:rPr>
+              <a:t>Menú de adulto</a:t>
             </a:r>
           </a:p>
           <a:p>
@@ -6945,15 +9035,26 @@
               <a:buNone/>
             </a:pPr>
             <a:r>
-              <a:rPr lang="it-IT" sz="2000" dirty="0">
-                <a:solidFill>
-                  <a:schemeClr val="bg2">
-                    <a:lumMod val="25000"/>
-                  </a:schemeClr>
-                </a:solidFill>
-                <a:cs typeface="Arial" panose="020B0604020202020204" pitchFamily="34" charset="0"/>
-              </a:rPr>
-              <a:t>2. Papitas $50.00</a:t>
+              <a:rPr lang="es-MX" sz="2000" b="1" dirty="0">
+                <a:solidFill>
+                  <a:schemeClr val="accent6">
+                    <a:lumMod val="75000"/>
+                  </a:schemeClr>
+                </a:solidFill>
+                <a:cs typeface="Arial" panose="020B0604020202020204" pitchFamily="34" charset="0"/>
+              </a:rPr>
+              <a:t>1. P</a:t>
+            </a:r>
+            <a:r>
+              <a:rPr lang="it-IT" sz="2000" b="1" dirty="0">
+                <a:solidFill>
+                  <a:schemeClr val="accent6">
+                    <a:lumMod val="75000"/>
+                  </a:schemeClr>
+                </a:solidFill>
+                <a:cs typeface="Arial" panose="020B0604020202020204" pitchFamily="34" charset="0"/>
+              </a:rPr>
+              <a:t>izza $180.00</a:t>
             </a:r>
           </a:p>
           <a:p>
@@ -6967,15 +9068,37 @@
               <a:buNone/>
             </a:pPr>
             <a:r>
-              <a:rPr lang="it-IT" sz="2000" dirty="0">
-                <a:solidFill>
-                  <a:schemeClr val="bg2">
-                    <a:lumMod val="25000"/>
-                  </a:schemeClr>
-                </a:solidFill>
-                <a:cs typeface="Arial" panose="020B0604020202020204" pitchFamily="34" charset="0"/>
-              </a:rPr>
-              <a:t>3. Ensalada $40.00</a:t>
+              <a:rPr lang="it-IT" sz="2000" b="1" dirty="0">
+                <a:solidFill>
+                  <a:schemeClr val="accent6">
+                    <a:lumMod val="75000"/>
+                  </a:schemeClr>
+                </a:solidFill>
+                <a:cs typeface="Arial" panose="020B0604020202020204" pitchFamily="34" charset="0"/>
+              </a:rPr>
+              <a:t>2. Carne asada $200.00</a:t>
+            </a:r>
+          </a:p>
+          <a:p>
+            <a:pPr marL="800100" lvl="2" indent="0" algn="just">
+              <a:lnSpc>
+                <a:spcPct val="120000"/>
+              </a:lnSpc>
+              <a:spcBef>
+                <a:spcPct val="0"/>
+              </a:spcBef>
+              <a:buNone/>
+            </a:pPr>
+            <a:r>
+              <a:rPr lang="it-IT" sz="2000" b="1" dirty="0">
+                <a:solidFill>
+                  <a:schemeClr val="accent6">
+                    <a:lumMod val="75000"/>
+                  </a:schemeClr>
+                </a:solidFill>
+                <a:cs typeface="Arial" panose="020B0604020202020204" pitchFamily="34" charset="0"/>
+              </a:rPr>
+              <a:t>3. Salmón $300.00</a:t>
             </a:r>
           </a:p>
           <a:p>
@@ -7054,7 +9177,7 @@
                 </a:solidFill>
                 <a:cs typeface="Arial" panose="020B0604020202020204" pitchFamily="34" charset="0"/>
               </a:rPr>
-              <a:t>, regresar el precio del menú seleccionado.</a:t>
+              <a:t>, regresar el precio del menú seleccionado. En caso de que la opción no sea válida regresar 0.</a:t>
             </a:r>
           </a:p>
           <a:p>
@@ -7107,7 +9230,7 @@
                 </a:solidFill>
                 <a:cs typeface="Arial" panose="020B0604020202020204" pitchFamily="34" charset="0"/>
               </a:rPr>
-              <a:t>menuNino</a:t>
+              <a:t>menuAdulto</a:t>
             </a:r>
             <a:r>
               <a:rPr lang="es-MX" sz="2000" dirty="0">
@@ -7151,19 +9274,8 @@
                 </a:solidFill>
                 <a:cs typeface="Arial" panose="020B0604020202020204" pitchFamily="34" charset="0"/>
               </a:rPr>
-              <a:t>menuN_matricula.py</a:t>
-            </a:r>
-          </a:p>
-          <a:p>
-            <a:pPr marL="400050" lvl="1" indent="0" algn="just">
-              <a:lnSpc>
-                <a:spcPct val="120000"/>
-              </a:lnSpc>
-              <a:spcBef>
-                <a:spcPct val="0"/>
-              </a:spcBef>
-              <a:buNone/>
-            </a:pPr>
+              <a:t>menuA_matricula.py</a:t>
+            </a:r>
             <a:endParaRPr lang="es-MX" sz="2000" dirty="0">
               <a:solidFill>
                 <a:schemeClr val="bg2">
@@ -7245,7 +9357,7 @@
                 </a:effectLst>
                 <a:latin typeface="Dom Casual" charset="0"/>
               </a:rPr>
-              <a:t>Vacaciones con tarjeta de prepago</a:t>
+              <a:t>Menú de adulto</a:t>
             </a:r>
           </a:p>
         </p:txBody>
@@ -7253,7 +9365,7 @@
     </p:spTree>
     <p:extLst>
       <p:ext uri="{BB962C8B-B14F-4D97-AF65-F5344CB8AC3E}">
-        <p14:creationId xmlns:p14="http://schemas.microsoft.com/office/powerpoint/2010/main" val="1567880648"/>
+        <p14:creationId xmlns:p14="http://schemas.microsoft.com/office/powerpoint/2010/main" val="2247476992"/>
       </p:ext>
     </p:extLst>
   </p:cSld>
@@ -7282,399 +9394,6 @@
       </p:grpSpPr>
       <p:sp>
         <p:nvSpPr>
-          <p:cNvPr id="4098" name="Rectangle 2"/>
-          <p:cNvSpPr>
-            <a:spLocks noGrp="1" noChangeArrowheads="1"/>
-          </p:cNvSpPr>
-          <p:nvPr>
-            <p:ph type="body" idx="1"/>
-          </p:nvPr>
-        </p:nvSpPr>
-        <p:spPr>
-          <a:xfrm>
-            <a:off x="595149" y="1340768"/>
-            <a:ext cx="7953702" cy="4104456"/>
-          </a:xfrm>
-        </p:spPr>
-        <p:txBody>
-          <a:bodyPr>
-            <a:noAutofit/>
-          </a:bodyPr>
-          <a:lstStyle/>
-          <a:p>
-            <a:pPr marL="0" indent="0" algn="just">
-              <a:lnSpc>
-                <a:spcPct val="120000"/>
-              </a:lnSpc>
-              <a:spcBef>
-                <a:spcPct val="0"/>
-              </a:spcBef>
-              <a:buNone/>
-            </a:pPr>
-            <a:r>
-              <a:rPr lang="es-MX" sz="2000" b="1" dirty="0">
-                <a:solidFill>
-                  <a:schemeClr val="bg2">
-                    <a:lumMod val="25000"/>
-                  </a:schemeClr>
-                </a:solidFill>
-                <a:cs typeface="Arial" pitchFamily="34" charset="0"/>
-              </a:rPr>
-              <a:t>c) </a:t>
-            </a:r>
-            <a:r>
-              <a:rPr lang="es-MX" sz="2000" b="1" dirty="0" err="1">
-                <a:solidFill>
-                  <a:schemeClr val="bg2">
-                    <a:lumMod val="25000"/>
-                  </a:schemeClr>
-                </a:solidFill>
-                <a:cs typeface="Arial" pitchFamily="34" charset="0"/>
-              </a:rPr>
-              <a:t>realizarPago</a:t>
-            </a:r>
-            <a:endParaRPr lang="es-MX" sz="2000" b="1" dirty="0">
-              <a:solidFill>
-                <a:schemeClr val="bg2">
-                  <a:lumMod val="25000"/>
-                </a:schemeClr>
-              </a:solidFill>
-              <a:cs typeface="Arial" pitchFamily="34" charset="0"/>
-            </a:endParaRPr>
-          </a:p>
-          <a:p>
-            <a:pPr marL="0" indent="0" algn="just">
-              <a:lnSpc>
-                <a:spcPct val="120000"/>
-              </a:lnSpc>
-              <a:spcBef>
-                <a:spcPct val="0"/>
-              </a:spcBef>
-              <a:buNone/>
-            </a:pPr>
-            <a:endParaRPr lang="es-MX" sz="2000" b="1" dirty="0">
-              <a:solidFill>
-                <a:schemeClr val="bg2">
-                  <a:lumMod val="25000"/>
-                </a:schemeClr>
-              </a:solidFill>
-              <a:cs typeface="Arial" pitchFamily="34" charset="0"/>
-            </a:endParaRPr>
-          </a:p>
-          <a:p>
-            <a:pPr marL="685800" lvl="1" algn="just">
-              <a:lnSpc>
-                <a:spcPct val="120000"/>
-              </a:lnSpc>
-              <a:spcBef>
-                <a:spcPct val="0"/>
-              </a:spcBef>
-              <a:buFont typeface="Arial" panose="020B0604020202020204" pitchFamily="34" charset="0"/>
-              <a:buChar char="•"/>
-            </a:pPr>
-            <a:r>
-              <a:rPr lang="es-MX" sz="2000" dirty="0">
-                <a:solidFill>
-                  <a:schemeClr val="bg2">
-                    <a:lumMod val="25000"/>
-                  </a:schemeClr>
-                </a:solidFill>
-                <a:cs typeface="Arial" panose="020B0604020202020204" pitchFamily="34" charset="0"/>
-              </a:rPr>
-              <a:t>Escriba la función </a:t>
-            </a:r>
-            <a:r>
-              <a:rPr lang="es-MX" sz="2000" b="1" dirty="0" err="1">
-                <a:solidFill>
-                  <a:schemeClr val="bg2">
-                    <a:lumMod val="25000"/>
-                  </a:schemeClr>
-                </a:solidFill>
-                <a:cs typeface="Arial" panose="020B0604020202020204" pitchFamily="34" charset="0"/>
-              </a:rPr>
-              <a:t>realizarPago</a:t>
-            </a:r>
-            <a:r>
-              <a:rPr lang="es-MX" sz="2000" dirty="0">
-                <a:solidFill>
-                  <a:schemeClr val="bg2">
-                    <a:lumMod val="25000"/>
-                  </a:schemeClr>
-                </a:solidFill>
-                <a:cs typeface="Arial" panose="020B0604020202020204" pitchFamily="34" charset="0"/>
-              </a:rPr>
-              <a:t>, que recibe el </a:t>
-            </a:r>
-            <a:r>
-              <a:rPr lang="es-MX" sz="2000" dirty="0" err="1">
-                <a:solidFill>
-                  <a:schemeClr val="bg2">
-                    <a:lumMod val="25000"/>
-                  </a:schemeClr>
-                </a:solidFill>
-                <a:cs typeface="Arial" panose="020B0604020202020204" pitchFamily="34" charset="0"/>
-              </a:rPr>
-              <a:t>totalComidasAdulto</a:t>
-            </a:r>
-            <a:r>
-              <a:rPr lang="es-MX" sz="2000" dirty="0">
-                <a:solidFill>
-                  <a:schemeClr val="bg2">
-                    <a:lumMod val="25000"/>
-                  </a:schemeClr>
-                </a:solidFill>
-                <a:cs typeface="Arial" panose="020B0604020202020204" pitchFamily="34" charset="0"/>
-              </a:rPr>
-              <a:t>, el </a:t>
-            </a:r>
-            <a:r>
-              <a:rPr lang="es-MX" sz="2000" dirty="0" err="1">
-                <a:solidFill>
-                  <a:schemeClr val="bg2">
-                    <a:lumMod val="25000"/>
-                  </a:schemeClr>
-                </a:solidFill>
-                <a:cs typeface="Arial" panose="020B0604020202020204" pitchFamily="34" charset="0"/>
-              </a:rPr>
-              <a:t>totalComidasNino</a:t>
-            </a:r>
-            <a:r>
-              <a:rPr lang="es-MX" sz="2000" dirty="0">
-                <a:solidFill>
-                  <a:schemeClr val="bg2">
-                    <a:lumMod val="25000"/>
-                  </a:schemeClr>
-                </a:solidFill>
-                <a:cs typeface="Arial" panose="020B0604020202020204" pitchFamily="34" charset="0"/>
-              </a:rPr>
-              <a:t> y el </a:t>
-            </a:r>
-            <a:r>
-              <a:rPr lang="es-MX" sz="2000" dirty="0" err="1">
-                <a:solidFill>
-                  <a:schemeClr val="bg2">
-                    <a:lumMod val="25000"/>
-                  </a:schemeClr>
-                </a:solidFill>
-                <a:cs typeface="Arial" panose="020B0604020202020204" pitchFamily="34" charset="0"/>
-              </a:rPr>
-              <a:t>saldoTarjeta</a:t>
-            </a:r>
-            <a:r>
-              <a:rPr lang="es-MX" sz="2000" dirty="0">
-                <a:solidFill>
-                  <a:schemeClr val="bg2">
-                    <a:lumMod val="25000"/>
-                  </a:schemeClr>
-                </a:solidFill>
-                <a:cs typeface="Arial" panose="020B0604020202020204" pitchFamily="34" charset="0"/>
-              </a:rPr>
-              <a:t>. Calcular el </a:t>
-            </a:r>
-            <a:r>
-              <a:rPr lang="es-MX" sz="2000" dirty="0" err="1">
-                <a:solidFill>
-                  <a:schemeClr val="bg2">
-                    <a:lumMod val="25000"/>
-                  </a:schemeClr>
-                </a:solidFill>
-                <a:cs typeface="Arial" panose="020B0604020202020204" pitchFamily="34" charset="0"/>
-              </a:rPr>
-              <a:t>totalConsumo</a:t>
-            </a:r>
-            <a:r>
-              <a:rPr lang="es-MX" sz="2000" dirty="0">
-                <a:solidFill>
-                  <a:schemeClr val="bg2">
-                    <a:lumMod val="25000"/>
-                  </a:schemeClr>
-                </a:solidFill>
-                <a:cs typeface="Arial" panose="020B0604020202020204" pitchFamily="34" charset="0"/>
-              </a:rPr>
-              <a:t>. La función debe imprimir el </a:t>
-            </a:r>
-            <a:r>
-              <a:rPr lang="es-MX" sz="2000" dirty="0" err="1">
-                <a:solidFill>
-                  <a:schemeClr val="bg2">
-                    <a:lumMod val="25000"/>
-                  </a:schemeClr>
-                </a:solidFill>
-                <a:cs typeface="Arial" panose="020B0604020202020204" pitchFamily="34" charset="0"/>
-              </a:rPr>
-              <a:t>totalComidasAdulto</a:t>
-            </a:r>
-            <a:r>
-              <a:rPr lang="es-MX" sz="2000" dirty="0">
-                <a:solidFill>
-                  <a:schemeClr val="bg2">
-                    <a:lumMod val="25000"/>
-                  </a:schemeClr>
-                </a:solidFill>
-                <a:cs typeface="Arial" panose="020B0604020202020204" pitchFamily="34" charset="0"/>
-              </a:rPr>
-              <a:t>, el </a:t>
-            </a:r>
-            <a:r>
-              <a:rPr lang="es-MX" sz="2000" dirty="0" err="1">
-                <a:solidFill>
-                  <a:schemeClr val="bg2">
-                    <a:lumMod val="25000"/>
-                  </a:schemeClr>
-                </a:solidFill>
-                <a:cs typeface="Arial" panose="020B0604020202020204" pitchFamily="34" charset="0"/>
-              </a:rPr>
-              <a:t>totalComidasNino</a:t>
-            </a:r>
-            <a:r>
-              <a:rPr lang="es-MX" sz="2000" dirty="0">
-                <a:solidFill>
-                  <a:schemeClr val="bg2">
-                    <a:lumMod val="25000"/>
-                  </a:schemeClr>
-                </a:solidFill>
-                <a:cs typeface="Arial" panose="020B0604020202020204" pitchFamily="34" charset="0"/>
-              </a:rPr>
-              <a:t>, y el </a:t>
-            </a:r>
-            <a:r>
-              <a:rPr lang="es-MX" sz="2000" dirty="0" err="1">
-                <a:solidFill>
-                  <a:schemeClr val="bg2">
-                    <a:lumMod val="25000"/>
-                  </a:schemeClr>
-                </a:solidFill>
-                <a:cs typeface="Arial" panose="020B0604020202020204" pitchFamily="34" charset="0"/>
-              </a:rPr>
-              <a:t>totalConsumo</a:t>
-            </a:r>
-            <a:r>
-              <a:rPr lang="es-MX" sz="2000" dirty="0">
-                <a:solidFill>
-                  <a:schemeClr val="bg2">
-                    <a:lumMod val="25000"/>
-                  </a:schemeClr>
-                </a:solidFill>
-                <a:cs typeface="Arial" panose="020B0604020202020204" pitchFamily="34" charset="0"/>
-              </a:rPr>
-              <a:t>.</a:t>
-            </a:r>
-          </a:p>
-          <a:p>
-            <a:pPr marL="685800" lvl="1" algn="just">
-              <a:lnSpc>
-                <a:spcPct val="120000"/>
-              </a:lnSpc>
-              <a:spcBef>
-                <a:spcPct val="0"/>
-              </a:spcBef>
-              <a:buFont typeface="Arial" panose="020B0604020202020204" pitchFamily="34" charset="0"/>
-              <a:buChar char="•"/>
-            </a:pPr>
-            <a:r>
-              <a:rPr lang="es-MX" sz="2000" dirty="0">
-                <a:solidFill>
-                  <a:schemeClr val="bg2">
-                    <a:lumMod val="25000"/>
-                  </a:schemeClr>
-                </a:solidFill>
-                <a:cs typeface="Arial" panose="020B0604020202020204" pitchFamily="34" charset="0"/>
-              </a:rPr>
-              <a:t>La función debe preguntar el porcentaje que se desea agregar de propina (0%, 10%, 15%, etc.) y calcular la propina con base en el </a:t>
-            </a:r>
-            <a:r>
-              <a:rPr lang="es-MX" sz="2000" dirty="0" err="1">
-                <a:solidFill>
-                  <a:schemeClr val="bg2">
-                    <a:lumMod val="25000"/>
-                  </a:schemeClr>
-                </a:solidFill>
-                <a:cs typeface="Arial" panose="020B0604020202020204" pitchFamily="34" charset="0"/>
-              </a:rPr>
-              <a:t>totalConsumo</a:t>
-            </a:r>
-            <a:r>
-              <a:rPr lang="es-MX" sz="2000" dirty="0">
-                <a:solidFill>
-                  <a:schemeClr val="bg2">
-                    <a:lumMod val="25000"/>
-                  </a:schemeClr>
-                </a:solidFill>
-                <a:cs typeface="Arial" panose="020B0604020202020204" pitchFamily="34" charset="0"/>
-              </a:rPr>
-              <a:t>. Imprimir el </a:t>
-            </a:r>
-            <a:r>
-              <a:rPr lang="es-MX" sz="2000" dirty="0" err="1">
-                <a:solidFill>
-                  <a:schemeClr val="bg2">
-                    <a:lumMod val="25000"/>
-                  </a:schemeClr>
-                </a:solidFill>
-                <a:cs typeface="Arial" panose="020B0604020202020204" pitchFamily="34" charset="0"/>
-              </a:rPr>
-              <a:t>totalConsumo</a:t>
-            </a:r>
-            <a:r>
-              <a:rPr lang="es-MX" sz="2000" dirty="0">
-                <a:solidFill>
-                  <a:schemeClr val="bg2">
-                    <a:lumMod val="25000"/>
-                  </a:schemeClr>
-                </a:solidFill>
-                <a:cs typeface="Arial" panose="020B0604020202020204" pitchFamily="34" charset="0"/>
-              </a:rPr>
-              <a:t>, el </a:t>
-            </a:r>
-            <a:r>
-              <a:rPr lang="es-MX" sz="2000" dirty="0" err="1">
-                <a:solidFill>
-                  <a:schemeClr val="bg2">
-                    <a:lumMod val="25000"/>
-                  </a:schemeClr>
-                </a:solidFill>
-                <a:cs typeface="Arial" panose="020B0604020202020204" pitchFamily="34" charset="0"/>
-              </a:rPr>
-              <a:t>totalPropina</a:t>
-            </a:r>
-            <a:r>
-              <a:rPr lang="es-MX" sz="2000" dirty="0">
-                <a:solidFill>
-                  <a:schemeClr val="bg2">
-                    <a:lumMod val="25000"/>
-                  </a:schemeClr>
-                </a:solidFill>
-                <a:cs typeface="Arial" panose="020B0604020202020204" pitchFamily="34" charset="0"/>
-              </a:rPr>
-              <a:t> y el </a:t>
-            </a:r>
-            <a:r>
-              <a:rPr lang="es-MX" sz="2000" dirty="0" err="1">
-                <a:solidFill>
-                  <a:schemeClr val="bg2">
-                    <a:lumMod val="25000"/>
-                  </a:schemeClr>
-                </a:solidFill>
-                <a:cs typeface="Arial" panose="020B0604020202020204" pitchFamily="34" charset="0"/>
-              </a:rPr>
-              <a:t>totalGeneral</a:t>
-            </a:r>
-            <a:r>
-              <a:rPr lang="es-MX" sz="2000" dirty="0">
-                <a:solidFill>
-                  <a:schemeClr val="bg2">
-                    <a:lumMod val="25000"/>
-                  </a:schemeClr>
-                </a:solidFill>
-                <a:cs typeface="Arial" panose="020B0604020202020204" pitchFamily="34" charset="0"/>
-              </a:rPr>
-              <a:t>.</a:t>
-            </a:r>
-          </a:p>
-        </p:txBody>
-      </p:sp>
-      <p:sp>
-        <p:nvSpPr>
           <p:cNvPr id="184324" name="Rectangle 4"/>
           <p:cNvSpPr>
             <a:spLocks noGrp="1" noChangeArrowheads="1"/>
@@ -7743,15 +9462,418 @@
                 </a:effectLst>
                 <a:latin typeface="Dom Casual" charset="0"/>
               </a:rPr>
-              <a:t>Vacaciones con tarjeta de prepago</a:t>
+              <a:t>Menú de adulto</a:t>
             </a:r>
           </a:p>
         </p:txBody>
       </p:sp>
+      <p:sp>
+        <p:nvSpPr>
+          <p:cNvPr id="6" name="object 25">
+            <a:extLst>
+              <a:ext uri="{FF2B5EF4-FFF2-40B4-BE49-F238E27FC236}">
+                <a16:creationId xmlns:a16="http://schemas.microsoft.com/office/drawing/2014/main" id="{8BC5A2FA-947F-4654-BAD4-532D725EFBE5}"/>
+              </a:ext>
+            </a:extLst>
+          </p:cNvPr>
+          <p:cNvSpPr txBox="1"/>
+          <p:nvPr/>
+        </p:nvSpPr>
+        <p:spPr>
+          <a:xfrm>
+            <a:off x="1547664" y="2132856"/>
+            <a:ext cx="2267735" cy="388492"/>
+          </a:xfrm>
+          <a:prstGeom prst="rect">
+            <a:avLst/>
+          </a:prstGeom>
+        </p:spPr>
+        <p:txBody>
+          <a:bodyPr vert="horz" wrap="square" lIns="0" tIns="0" rIns="0" bIns="0" rtlCol="0">
+            <a:noAutofit/>
+          </a:bodyPr>
+          <a:lstStyle/>
+          <a:p>
+            <a:pPr marL="12700">
+              <a:lnSpc>
+                <a:spcPct val="100000"/>
+              </a:lnSpc>
+              <a:spcAft>
+                <a:spcPts val="600"/>
+              </a:spcAft>
+            </a:pPr>
+            <a:r>
+              <a:rPr lang="es-MX" sz="2000" b="1" spc="-20" dirty="0">
+                <a:solidFill>
+                  <a:schemeClr val="accent4">
+                    <a:lumMod val="75000"/>
+                  </a:schemeClr>
+                </a:solidFill>
+                <a:cs typeface="Calibri"/>
+              </a:rPr>
+              <a:t>Casos de prueba:</a:t>
+            </a:r>
+            <a:endParaRPr sz="2000" b="1" dirty="0">
+              <a:solidFill>
+                <a:schemeClr val="accent4">
+                  <a:lumMod val="75000"/>
+                </a:schemeClr>
+              </a:solidFill>
+              <a:latin typeface="Calibri"/>
+              <a:cs typeface="Calibri"/>
+            </a:endParaRPr>
+          </a:p>
+        </p:txBody>
+      </p:sp>
+      <p:graphicFrame>
+        <p:nvGraphicFramePr>
+          <p:cNvPr id="7" name="Tabla 15">
+            <a:extLst>
+              <a:ext uri="{FF2B5EF4-FFF2-40B4-BE49-F238E27FC236}">
+                <a16:creationId xmlns:a16="http://schemas.microsoft.com/office/drawing/2014/main" id="{8ED0A8A7-6592-462A-B2DF-8C76E2453D2E}"/>
+              </a:ext>
+            </a:extLst>
+          </p:cNvPr>
+          <p:cNvGraphicFramePr>
+            <a:graphicFrameLocks noGrp="1"/>
+          </p:cNvGraphicFramePr>
+          <p:nvPr>
+            <p:extLst>
+              <p:ext uri="{D42A27DB-BD31-4B8C-83A1-F6EECF244321}">
+                <p14:modId xmlns:p14="http://schemas.microsoft.com/office/powerpoint/2010/main" val="242651599"/>
+              </p:ext>
+            </p:extLst>
+          </p:nvPr>
+        </p:nvGraphicFramePr>
+        <p:xfrm>
+          <a:off x="1547664" y="2780928"/>
+          <a:ext cx="6336704" cy="2006052"/>
+        </p:xfrm>
+        <a:graphic>
+          <a:graphicData uri="http://schemas.openxmlformats.org/drawingml/2006/table">
+            <a:tbl>
+              <a:tblPr firstRow="1" bandRow="1">
+                <a:tableStyleId>{5C22544A-7EE6-4342-B048-85BDC9FD1C3A}</a:tableStyleId>
+              </a:tblPr>
+              <a:tblGrid>
+                <a:gridCol w="2808312">
+                  <a:extLst>
+                    <a:ext uri="{9D8B030D-6E8A-4147-A177-3AD203B41FA5}">
+                      <a16:colId xmlns:a16="http://schemas.microsoft.com/office/drawing/2014/main" val="2558049104"/>
+                    </a:ext>
+                  </a:extLst>
+                </a:gridCol>
+                <a:gridCol w="3528392">
+                  <a:extLst>
+                    <a:ext uri="{9D8B030D-6E8A-4147-A177-3AD203B41FA5}">
+                      <a16:colId xmlns:a16="http://schemas.microsoft.com/office/drawing/2014/main" val="2289536505"/>
+                    </a:ext>
+                  </a:extLst>
+                </a:gridCol>
+              </a:tblGrid>
+              <a:tr h="0">
+                <a:tc>
+                  <a:txBody>
+                    <a:bodyPr/>
+                    <a:lstStyle/>
+                    <a:p>
+                      <a:pPr algn="ctr"/>
+                      <a:r>
+                        <a:rPr lang="es-MX" sz="1600" dirty="0" err="1"/>
+                        <a:t>Opcion</a:t>
+                      </a:r>
+                      <a:endParaRPr lang="es-MX" sz="1600" dirty="0"/>
+                    </a:p>
+                  </a:txBody>
+                  <a:tcPr anchor="ctr" anchorCtr="1"/>
+                </a:tc>
+                <a:tc>
+                  <a:txBody>
+                    <a:bodyPr/>
+                    <a:lstStyle/>
+                    <a:p>
+                      <a:pPr algn="ctr"/>
+                      <a:r>
+                        <a:rPr lang="es-MX" sz="1600" dirty="0"/>
+                        <a:t>Imprime</a:t>
+                      </a:r>
+                    </a:p>
+                  </a:txBody>
+                  <a:tcPr anchor="ctr" anchorCtr="1"/>
+                </a:tc>
+                <a:extLst>
+                  <a:ext uri="{0D108BD9-81ED-4DB2-BD59-A6C34878D82A}">
+                    <a16:rowId xmlns:a16="http://schemas.microsoft.com/office/drawing/2014/main" val="119075427"/>
+                  </a:ext>
+                </a:extLst>
+              </a:tr>
+              <a:tr h="193536">
+                <a:tc>
+                  <a:txBody>
+                    <a:bodyPr/>
+                    <a:lstStyle/>
+                    <a:p>
+                      <a:pPr algn="ctr"/>
+                      <a:r>
+                        <a:rPr lang="es-MX" sz="1600" dirty="0"/>
+                        <a:t>1</a:t>
+                      </a:r>
+                    </a:p>
+                  </a:txBody>
+                  <a:tcPr anchor="ctr" anchorCtr="1"/>
+                </a:tc>
+                <a:tc>
+                  <a:txBody>
+                    <a:bodyPr/>
+                    <a:lstStyle/>
+                    <a:p>
+                      <a:pPr algn="ctr"/>
+                      <a:r>
+                        <a:rPr lang="es-MX" sz="1600" dirty="0"/>
+                        <a:t>El precio del menú es 180</a:t>
+                      </a:r>
+                    </a:p>
+                  </a:txBody>
+                  <a:tcPr anchor="ctr" anchorCtr="1"/>
+                </a:tc>
+                <a:extLst>
+                  <a:ext uri="{0D108BD9-81ED-4DB2-BD59-A6C34878D82A}">
+                    <a16:rowId xmlns:a16="http://schemas.microsoft.com/office/drawing/2014/main" val="737048181"/>
+                  </a:ext>
+                </a:extLst>
+              </a:tr>
+              <a:tr h="157595">
+                <a:tc>
+                  <a:txBody>
+                    <a:bodyPr/>
+                    <a:lstStyle/>
+                    <a:p>
+                      <a:pPr algn="ctr"/>
+                      <a:r>
+                        <a:rPr lang="es-MX" sz="1600" dirty="0"/>
+                        <a:t>2</a:t>
+                      </a:r>
+                    </a:p>
+                  </a:txBody>
+                  <a:tcPr anchor="ctr" anchorCtr="1"/>
+                </a:tc>
+                <a:tc>
+                  <a:txBody>
+                    <a:bodyPr/>
+                    <a:lstStyle/>
+                    <a:p>
+                      <a:pPr algn="ctr"/>
+                      <a:r>
+                        <a:rPr lang="es-MX" sz="1600" dirty="0"/>
+                        <a:t>El precio del menú es 200</a:t>
+                      </a:r>
+                    </a:p>
+                  </a:txBody>
+                  <a:tcPr anchor="ctr" anchorCtr="1"/>
+                </a:tc>
+                <a:extLst>
+                  <a:ext uri="{0D108BD9-81ED-4DB2-BD59-A6C34878D82A}">
+                    <a16:rowId xmlns:a16="http://schemas.microsoft.com/office/drawing/2014/main" val="1197511534"/>
+                  </a:ext>
+                </a:extLst>
+              </a:tr>
+              <a:tr h="421092">
+                <a:tc>
+                  <a:txBody>
+                    <a:bodyPr/>
+                    <a:lstStyle/>
+                    <a:p>
+                      <a:pPr algn="ctr"/>
+                      <a:r>
+                        <a:rPr lang="es-MX" sz="1600" dirty="0"/>
+                        <a:t>3</a:t>
+                      </a:r>
+                    </a:p>
+                  </a:txBody>
+                  <a:tcPr anchor="ctr" anchorCtr="1"/>
+                </a:tc>
+                <a:tc>
+                  <a:txBody>
+                    <a:bodyPr/>
+                    <a:lstStyle/>
+                    <a:p>
+                      <a:pPr algn="ctr"/>
+                      <a:r>
+                        <a:rPr lang="es-MX" sz="1600" dirty="0"/>
+                        <a:t>El precio del menú es 300</a:t>
+                      </a:r>
+                    </a:p>
+                  </a:txBody>
+                  <a:tcPr anchor="ctr" anchorCtr="1"/>
+                </a:tc>
+                <a:extLst>
+                  <a:ext uri="{0D108BD9-81ED-4DB2-BD59-A6C34878D82A}">
+                    <a16:rowId xmlns:a16="http://schemas.microsoft.com/office/drawing/2014/main" val="1254763306"/>
+                  </a:ext>
+                </a:extLst>
+              </a:tr>
+              <a:tr h="322052">
+                <a:tc>
+                  <a:txBody>
+                    <a:bodyPr/>
+                    <a:lstStyle/>
+                    <a:p>
+                      <a:pPr algn="ctr"/>
+                      <a:r>
+                        <a:rPr lang="es-MX" sz="1600" dirty="0"/>
+                        <a:t>7</a:t>
+                      </a:r>
+                    </a:p>
+                  </a:txBody>
+                  <a:tcPr anchor="ctr" anchorCtr="1"/>
+                </a:tc>
+                <a:tc>
+                  <a:txBody>
+                    <a:bodyPr/>
+                    <a:lstStyle/>
+                    <a:p>
+                      <a:pPr algn="ctr"/>
+                      <a:r>
+                        <a:rPr lang="es-MX" sz="1600" dirty="0"/>
+                        <a:t>Opción inválida</a:t>
+                      </a:r>
+                    </a:p>
+                    <a:p>
+                      <a:pPr algn="ctr"/>
+                      <a:r>
+                        <a:rPr lang="es-MX" sz="1600" dirty="0"/>
+                        <a:t>El precio del menú es 0</a:t>
+                      </a:r>
+                    </a:p>
+                  </a:txBody>
+                  <a:tcPr anchor="ctr" anchorCtr="1"/>
+                </a:tc>
+                <a:extLst>
+                  <a:ext uri="{0D108BD9-81ED-4DB2-BD59-A6C34878D82A}">
+                    <a16:rowId xmlns:a16="http://schemas.microsoft.com/office/drawing/2014/main" val="4203213746"/>
+                  </a:ext>
+                </a:extLst>
+              </a:tr>
+            </a:tbl>
+          </a:graphicData>
+        </a:graphic>
+      </p:graphicFrame>
+      <p:graphicFrame>
+        <p:nvGraphicFramePr>
+          <p:cNvPr id="4" name="Objeto 3">
+            <a:extLst>
+              <a:ext uri="{FF2B5EF4-FFF2-40B4-BE49-F238E27FC236}">
+                <a16:creationId xmlns:a16="http://schemas.microsoft.com/office/drawing/2014/main" id="{703E2355-B486-4E9A-A678-7161F2D14520}"/>
+              </a:ext>
+            </a:extLst>
+          </p:cNvPr>
+          <p:cNvGraphicFramePr>
+            <a:graphicFrameLocks noChangeAspect="1"/>
+          </p:cNvGraphicFramePr>
+          <p:nvPr>
+            <p:extLst>
+              <p:ext uri="{D42A27DB-BD31-4B8C-83A1-F6EECF244321}">
+                <p14:modId xmlns:p14="http://schemas.microsoft.com/office/powerpoint/2010/main" val="1724930463"/>
+              </p:ext>
+            </p:extLst>
+          </p:nvPr>
+        </p:nvGraphicFramePr>
+        <p:xfrm>
+          <a:off x="4709948" y="1354335"/>
+          <a:ext cx="3168352" cy="1215258"/>
+        </p:xfrm>
+        <a:graphic>
+          <a:graphicData uri="http://schemas.openxmlformats.org/presentationml/2006/ole">
+            <mc:AlternateContent xmlns:mc="http://schemas.openxmlformats.org/markup-compatibility/2006">
+              <mc:Choice xmlns:v="urn:schemas-microsoft-com:vml" Requires="v">
+                <p:oleObj spid="_x0000_s1030" name="Imagen de mapa de bits" r:id="rId4" imgW="2781360" imgH="1066680" progId="Paint.Picture">
+                  <p:embed/>
+                </p:oleObj>
+              </mc:Choice>
+              <mc:Fallback>
+                <p:oleObj name="Imagen de mapa de bits" r:id="rId4" imgW="2781360" imgH="1066680" progId="Paint.Picture">
+                  <p:embed/>
+                  <p:pic>
+                    <p:nvPicPr>
+                      <p:cNvPr id="0" name=""/>
+                      <p:cNvPicPr/>
+                      <p:nvPr/>
+                    </p:nvPicPr>
+                    <p:blipFill>
+                      <a:blip r:embed="rId5"/>
+                      <a:stretch>
+                        <a:fillRect/>
+                      </a:stretch>
+                    </p:blipFill>
+                    <p:spPr>
+                      <a:xfrm>
+                        <a:off x="4709948" y="1354335"/>
+                        <a:ext cx="3168352" cy="1215258"/>
+                      </a:xfrm>
+                      <a:prstGeom prst="rect">
+                        <a:avLst/>
+                      </a:prstGeom>
+                      <a:ln>
+                        <a:solidFill>
+                          <a:schemeClr val="accent1"/>
+                        </a:solidFill>
+                      </a:ln>
+                    </p:spPr>
+                  </p:pic>
+                </p:oleObj>
+              </mc:Fallback>
+            </mc:AlternateContent>
+          </a:graphicData>
+        </a:graphic>
+      </p:graphicFrame>
+      <p:pic>
+        <p:nvPicPr>
+          <p:cNvPr id="9" name="Imagen 8">
+            <a:extLst>
+              <a:ext uri="{FF2B5EF4-FFF2-40B4-BE49-F238E27FC236}">
+                <a16:creationId xmlns:a16="http://schemas.microsoft.com/office/drawing/2014/main" id="{78D53CC7-88B8-45D3-838F-CA84DD40604A}"/>
+              </a:ext>
+            </a:extLst>
+          </p:cNvPr>
+          <p:cNvPicPr>
+            <a:picLocks noChangeAspect="1"/>
+          </p:cNvPicPr>
+          <p:nvPr/>
+        </p:nvPicPr>
+        <p:blipFill>
+          <a:blip r:embed="rId6" cstate="print">
+            <a:extLst>
+              <a:ext uri="{28A0092B-C50C-407E-A947-70E740481C1C}">
+                <a14:useLocalDpi xmlns:a14="http://schemas.microsoft.com/office/drawing/2010/main" val="0"/>
+              </a:ext>
+            </a:extLst>
+          </a:blip>
+          <a:stretch>
+            <a:fillRect/>
+          </a:stretch>
+        </p:blipFill>
+        <p:spPr>
+          <a:xfrm>
+            <a:off x="7418784" y="4346098"/>
+            <a:ext cx="1219200" cy="1219200"/>
+          </a:xfrm>
+          <a:prstGeom prst="rect">
+            <a:avLst/>
+          </a:prstGeom>
+          <a:effectLst>
+            <a:outerShdw blurRad="50800" dist="50800" dir="5400000" algn="ctr" rotWithShape="0">
+              <a:schemeClr val="bg1">
+                <a:lumMod val="85000"/>
+              </a:schemeClr>
+            </a:outerShdw>
+            <a:softEdge rad="25400"/>
+          </a:effectLst>
+        </p:spPr>
+      </p:pic>
     </p:spTree>
     <p:extLst>
       <p:ext uri="{BB962C8B-B14F-4D97-AF65-F5344CB8AC3E}">
-        <p14:creationId xmlns:p14="http://schemas.microsoft.com/office/powerpoint/2010/main" val="3154980316"/>
+        <p14:creationId xmlns:p14="http://schemas.microsoft.com/office/powerpoint/2010/main" val="3518349925"/>
       </p:ext>
     </p:extLst>
   </p:cSld>
@@ -7790,8 +9912,8 @@
         </p:nvSpPr>
         <p:spPr>
           <a:xfrm>
-            <a:off x="146690" y="1206708"/>
-            <a:ext cx="8850619" cy="5834786"/>
+            <a:off x="60749" y="1484784"/>
+            <a:ext cx="8712155" cy="4897947"/>
           </a:xfrm>
         </p:spPr>
         <p:txBody>
@@ -7800,67 +9922,7 @@
           </a:bodyPr>
           <a:lstStyle/>
           <a:p>
-            <a:pPr marL="0" indent="0" algn="just">
-              <a:lnSpc>
-                <a:spcPct val="120000"/>
-              </a:lnSpc>
-              <a:spcBef>
-                <a:spcPct val="0"/>
-              </a:spcBef>
-              <a:buNone/>
-            </a:pPr>
-            <a:r>
-              <a:rPr lang="es-MX" sz="2000" b="1" dirty="0">
-                <a:solidFill>
-                  <a:schemeClr val="bg2">
-                    <a:lumMod val="25000"/>
-                  </a:schemeClr>
-                </a:solidFill>
-                <a:cs typeface="Arial" pitchFamily="34" charset="0"/>
-              </a:rPr>
-              <a:t>c) </a:t>
-            </a:r>
-            <a:r>
-              <a:rPr lang="es-MX" sz="2000" b="1" dirty="0" err="1">
-                <a:solidFill>
-                  <a:schemeClr val="bg2">
-                    <a:lumMod val="25000"/>
-                  </a:schemeClr>
-                </a:solidFill>
-                <a:cs typeface="Arial" pitchFamily="34" charset="0"/>
-              </a:rPr>
-              <a:t>realizarPago</a:t>
-            </a:r>
-            <a:endParaRPr lang="es-MX" sz="2000" b="1" dirty="0">
-              <a:solidFill>
-                <a:schemeClr val="bg2">
-                  <a:lumMod val="25000"/>
-                </a:schemeClr>
-              </a:solidFill>
-              <a:cs typeface="Arial" pitchFamily="34" charset="0"/>
-            </a:endParaRPr>
-          </a:p>
-          <a:p>
-            <a:pPr marL="0" indent="0" algn="just">
-              <a:lnSpc>
-                <a:spcPct val="120000"/>
-              </a:lnSpc>
-              <a:spcBef>
-                <a:spcPct val="0"/>
-              </a:spcBef>
-              <a:buNone/>
-            </a:pPr>
-            <a:endParaRPr lang="es-MX" sz="2000" b="1" dirty="0">
-              <a:solidFill>
-                <a:schemeClr val="bg2">
-                  <a:lumMod val="25000"/>
-                </a:schemeClr>
-              </a:solidFill>
-              <a:cs typeface="Arial" pitchFamily="34" charset="0"/>
-            </a:endParaRPr>
-          </a:p>
-          <a:p>
-            <a:pPr marL="685800" lvl="1" algn="just">
+            <a:pPr lvl="1" indent="-342900" algn="just">
               <a:lnSpc>
                 <a:spcPct val="120000"/>
               </a:lnSpc>
@@ -7871,85 +9933,140 @@
               <a:buChar char="•"/>
             </a:pPr>
             <a:r>
-              <a:rPr lang="es-MX" sz="1800" dirty="0">
-                <a:solidFill>
-                  <a:schemeClr val="bg2">
-                    <a:lumMod val="25000"/>
-                  </a:schemeClr>
-                </a:solidFill>
-                <a:cs typeface="Arial" panose="020B0604020202020204" pitchFamily="34" charset="0"/>
-              </a:rPr>
-              <a:t>Si el usuario no tiene saldo suficiente (</a:t>
-            </a:r>
-            <a:r>
-              <a:rPr lang="es-MX" sz="1800" dirty="0" err="1">
-                <a:solidFill>
-                  <a:schemeClr val="bg2">
-                    <a:lumMod val="25000"/>
-                  </a:schemeClr>
-                </a:solidFill>
-                <a:cs typeface="Arial" panose="020B0604020202020204" pitchFamily="34" charset="0"/>
-              </a:rPr>
-              <a:t>saldoTarjeta</a:t>
-            </a:r>
-            <a:r>
-              <a:rPr lang="es-MX" sz="1800" dirty="0">
-                <a:solidFill>
-                  <a:schemeClr val="bg2">
-                    <a:lumMod val="25000"/>
-                  </a:schemeClr>
-                </a:solidFill>
-                <a:cs typeface="Arial" panose="020B0604020202020204" pitchFamily="34" charset="0"/>
-              </a:rPr>
-              <a:t>) en su tarjeta para pagar el </a:t>
-            </a:r>
-            <a:r>
-              <a:rPr lang="es-MX" sz="1800" dirty="0" err="1">
-                <a:solidFill>
-                  <a:schemeClr val="bg2">
-                    <a:lumMod val="25000"/>
-                  </a:schemeClr>
-                </a:solidFill>
-                <a:cs typeface="Arial" panose="020B0604020202020204" pitchFamily="34" charset="0"/>
-              </a:rPr>
-              <a:t>totalGeneral</a:t>
-            </a:r>
-            <a:r>
-              <a:rPr lang="es-MX" sz="1800" dirty="0">
-                <a:solidFill>
-                  <a:schemeClr val="bg2">
-                    <a:lumMod val="25000"/>
-                  </a:schemeClr>
-                </a:solidFill>
-                <a:cs typeface="Arial" panose="020B0604020202020204" pitchFamily="34" charset="0"/>
-              </a:rPr>
-              <a:t>, no se descuenta NADA y se le imprime un mensaje donde se le sugiere que entre a la opción de Recarga Tarjeta de </a:t>
-            </a:r>
-            <a:r>
-              <a:rPr lang="es-MX" sz="1800" dirty="0" err="1">
-                <a:solidFill>
-                  <a:schemeClr val="bg2">
-                    <a:lumMod val="25000"/>
-                  </a:schemeClr>
-                </a:solidFill>
-                <a:cs typeface="Arial" panose="020B0604020202020204" pitchFamily="34" charset="0"/>
-              </a:rPr>
-              <a:t>PrePago</a:t>
-            </a:r>
-            <a:r>
-              <a:rPr lang="es-MX" sz="1800" dirty="0">
-                <a:solidFill>
-                  <a:schemeClr val="bg2">
-                    <a:lumMod val="25000"/>
-                  </a:schemeClr>
-                </a:solidFill>
-                <a:cs typeface="Arial" panose="020B0604020202020204" pitchFamily="34" charset="0"/>
-              </a:rPr>
-              <a:t>. </a:t>
-            </a:r>
-          </a:p>
-          <a:p>
-            <a:pPr marL="685800" lvl="1" algn="just">
+              <a:rPr lang="es-MX" sz="2000" dirty="0">
+                <a:solidFill>
+                  <a:schemeClr val="bg2">
+                    <a:lumMod val="25000"/>
+                  </a:schemeClr>
+                </a:solidFill>
+                <a:cs typeface="Arial" panose="020B0604020202020204" pitchFamily="34" charset="0"/>
+              </a:rPr>
+              <a:t>La función </a:t>
+            </a:r>
+            <a:r>
+              <a:rPr lang="es-MX" sz="2000" b="1" dirty="0" err="1">
+                <a:solidFill>
+                  <a:schemeClr val="bg2">
+                    <a:lumMod val="25000"/>
+                  </a:schemeClr>
+                </a:solidFill>
+                <a:cs typeface="Arial" panose="020B0604020202020204" pitchFamily="34" charset="0"/>
+              </a:rPr>
+              <a:t>menuNino</a:t>
+            </a:r>
+            <a:r>
+              <a:rPr lang="es-MX" sz="2000" dirty="0">
+                <a:solidFill>
+                  <a:schemeClr val="bg2">
+                    <a:lumMod val="25000"/>
+                  </a:schemeClr>
+                </a:solidFill>
+                <a:cs typeface="Arial" panose="020B0604020202020204" pitchFamily="34" charset="0"/>
+              </a:rPr>
+              <a:t>, debe imprimir los tres menús y sus precios (ustedes eligen los menús y los precios), por ejemplo:</a:t>
+            </a:r>
+          </a:p>
+          <a:p>
+            <a:pPr marL="800100" lvl="2" indent="0" algn="just">
+              <a:lnSpc>
+                <a:spcPct val="120000"/>
+              </a:lnSpc>
+              <a:spcBef>
+                <a:spcPct val="0"/>
+              </a:spcBef>
+              <a:buNone/>
+            </a:pPr>
+            <a:r>
+              <a:rPr lang="es-MX" sz="2000" b="1" dirty="0">
+                <a:solidFill>
+                  <a:schemeClr val="accent6">
+                    <a:lumMod val="75000"/>
+                  </a:schemeClr>
+                </a:solidFill>
+                <a:cs typeface="Arial" panose="020B0604020202020204" pitchFamily="34" charset="0"/>
+              </a:rPr>
+              <a:t>Menú de niño</a:t>
+            </a:r>
+          </a:p>
+          <a:p>
+            <a:pPr marL="800100" lvl="2" indent="0" algn="just">
+              <a:lnSpc>
+                <a:spcPct val="120000"/>
+              </a:lnSpc>
+              <a:spcBef>
+                <a:spcPct val="0"/>
+              </a:spcBef>
+              <a:buNone/>
+            </a:pPr>
+            <a:r>
+              <a:rPr lang="es-MX" sz="2000" b="1" dirty="0">
+                <a:solidFill>
+                  <a:schemeClr val="accent6">
+                    <a:lumMod val="75000"/>
+                  </a:schemeClr>
+                </a:solidFill>
+                <a:cs typeface="Arial" panose="020B0604020202020204" pitchFamily="34" charset="0"/>
+              </a:rPr>
+              <a:t>1. Nuggets de pollo</a:t>
+            </a:r>
+            <a:r>
+              <a:rPr lang="it-IT" sz="2000" b="1" dirty="0">
+                <a:solidFill>
+                  <a:schemeClr val="accent6">
+                    <a:lumMod val="75000"/>
+                  </a:schemeClr>
+                </a:solidFill>
+                <a:cs typeface="Arial" panose="020B0604020202020204" pitchFamily="34" charset="0"/>
+              </a:rPr>
+              <a:t> $80.00</a:t>
+            </a:r>
+          </a:p>
+          <a:p>
+            <a:pPr marL="800100" lvl="2" indent="0" algn="just">
+              <a:lnSpc>
+                <a:spcPct val="120000"/>
+              </a:lnSpc>
+              <a:spcBef>
+                <a:spcPct val="0"/>
+              </a:spcBef>
+              <a:buNone/>
+            </a:pPr>
+            <a:r>
+              <a:rPr lang="it-IT" sz="2000" b="1" dirty="0">
+                <a:solidFill>
+                  <a:schemeClr val="accent6">
+                    <a:lumMod val="75000"/>
+                  </a:schemeClr>
+                </a:solidFill>
+                <a:cs typeface="Arial" panose="020B0604020202020204" pitchFamily="34" charset="0"/>
+              </a:rPr>
+              <a:t>2. Papas a la francesa $50.00</a:t>
+            </a:r>
+          </a:p>
+          <a:p>
+            <a:pPr marL="800100" lvl="2" indent="0" algn="just">
+              <a:lnSpc>
+                <a:spcPct val="120000"/>
+              </a:lnSpc>
+              <a:spcBef>
+                <a:spcPct val="0"/>
+              </a:spcBef>
+              <a:buNone/>
+            </a:pPr>
+            <a:r>
+              <a:rPr lang="it-IT" sz="2000" b="1" dirty="0">
+                <a:solidFill>
+                  <a:schemeClr val="accent6">
+                    <a:lumMod val="75000"/>
+                  </a:schemeClr>
+                </a:solidFill>
+                <a:cs typeface="Arial" panose="020B0604020202020204" pitchFamily="34" charset="0"/>
+              </a:rPr>
+              <a:t>3. Ensalada $40.00</a:t>
+            </a:r>
+          </a:p>
+          <a:p>
+            <a:pPr lvl="1" indent="-342900" algn="just">
               <a:lnSpc>
                 <a:spcPct val="120000"/>
               </a:lnSpc>
@@ -7960,107 +10077,19 @@
               <a:buChar char="•"/>
             </a:pPr>
             <a:r>
-              <a:rPr lang="es-MX" sz="1800" dirty="0">
-                <a:solidFill>
-                  <a:schemeClr val="bg2">
-                    <a:lumMod val="25000"/>
-                  </a:schemeClr>
-                </a:solidFill>
-                <a:cs typeface="Arial" panose="020B0604020202020204" pitchFamily="34" charset="0"/>
-              </a:rPr>
-              <a:t>Si el usuario tiene saldo suficiente para pagar el </a:t>
-            </a:r>
-            <a:r>
-              <a:rPr lang="es-MX" sz="1800" dirty="0" err="1">
-                <a:solidFill>
-                  <a:schemeClr val="bg2">
-                    <a:lumMod val="25000"/>
-                  </a:schemeClr>
-                </a:solidFill>
-                <a:cs typeface="Arial" panose="020B0604020202020204" pitchFamily="34" charset="0"/>
-              </a:rPr>
-              <a:t>totalGeneral</a:t>
-            </a:r>
-            <a:r>
-              <a:rPr lang="es-MX" sz="1800" dirty="0">
-                <a:solidFill>
-                  <a:schemeClr val="bg2">
-                    <a:lumMod val="25000"/>
-                  </a:schemeClr>
-                </a:solidFill>
-                <a:cs typeface="Arial" panose="020B0604020202020204" pitchFamily="34" charset="0"/>
-              </a:rPr>
-              <a:t>, se le descuenta el </a:t>
-            </a:r>
-            <a:r>
-              <a:rPr lang="es-MX" sz="1800" dirty="0" err="1">
-                <a:solidFill>
-                  <a:schemeClr val="bg2">
-                    <a:lumMod val="25000"/>
-                  </a:schemeClr>
-                </a:solidFill>
-                <a:cs typeface="Arial" panose="020B0604020202020204" pitchFamily="34" charset="0"/>
-              </a:rPr>
-              <a:t>totalGeneral</a:t>
-            </a:r>
-            <a:r>
-              <a:rPr lang="es-MX" sz="1800" dirty="0">
-                <a:solidFill>
-                  <a:schemeClr val="bg2">
-                    <a:lumMod val="25000"/>
-                  </a:schemeClr>
-                </a:solidFill>
-                <a:cs typeface="Arial" panose="020B0604020202020204" pitchFamily="34" charset="0"/>
-              </a:rPr>
-              <a:t> al saldo de la Tarjeta (</a:t>
-            </a:r>
-            <a:r>
-              <a:rPr lang="es-MX" sz="1800" dirty="0" err="1">
-                <a:solidFill>
-                  <a:schemeClr val="bg2">
-                    <a:lumMod val="25000"/>
-                  </a:schemeClr>
-                </a:solidFill>
-                <a:cs typeface="Arial" panose="020B0604020202020204" pitchFamily="34" charset="0"/>
-              </a:rPr>
-              <a:t>saldoTarjeta</a:t>
-            </a:r>
-            <a:r>
-              <a:rPr lang="es-MX" sz="1800" dirty="0">
-                <a:solidFill>
-                  <a:schemeClr val="bg2">
-                    <a:lumMod val="25000"/>
-                  </a:schemeClr>
-                </a:solidFill>
-                <a:cs typeface="Arial" panose="020B0604020202020204" pitchFamily="34" charset="0"/>
-              </a:rPr>
-              <a:t>). Una vez descontado el total en la tarjeta de prepago, se manda un mensaje en pantalla de: Gracias por su compra. Si el usuario completa una compra de más de 500 dólares (</a:t>
-            </a:r>
-            <a:r>
-              <a:rPr lang="es-MX" sz="1800" dirty="0" err="1">
-                <a:solidFill>
-                  <a:schemeClr val="bg2">
-                    <a:lumMod val="25000"/>
-                  </a:schemeClr>
-                </a:solidFill>
-                <a:cs typeface="Arial" panose="020B0604020202020204" pitchFamily="34" charset="0"/>
-              </a:rPr>
-              <a:t>totalConsumo</a:t>
-            </a:r>
-            <a:r>
-              <a:rPr lang="es-MX" sz="1800" dirty="0">
-                <a:solidFill>
-                  <a:schemeClr val="bg2">
-                    <a:lumMod val="25000"/>
-                  </a:schemeClr>
-                </a:solidFill>
-                <a:cs typeface="Arial" panose="020B0604020202020204" pitchFamily="34" charset="0"/>
-              </a:rPr>
-              <a:t>) y pagó propina mayor al 10%, se le debe mandar un mensaje en pantalla indicando que puede gozar de internet gratis por cortesía de la casa.</a:t>
-            </a:r>
-          </a:p>
-          <a:p>
-            <a:pPr marL="685800" lvl="1" algn="just">
+              <a:rPr lang="es-MX" sz="2000" dirty="0">
+                <a:solidFill>
+                  <a:schemeClr val="bg2">
+                    <a:lumMod val="25000"/>
+                  </a:schemeClr>
+                </a:solidFill>
+                <a:cs typeface="Arial" panose="020B0604020202020204" pitchFamily="34" charset="0"/>
+              </a:rPr>
+              <a:t>Pedir al usuario que seleccione una opción.</a:t>
+            </a:r>
+          </a:p>
+          <a:p>
+            <a:pPr lvl="1" indent="-342900" algn="just">
               <a:lnSpc>
                 <a:spcPct val="120000"/>
               </a:lnSpc>
@@ -8071,38 +10100,69 @@
               <a:buChar char="•"/>
             </a:pPr>
             <a:r>
-              <a:rPr lang="es-MX" sz="1800" dirty="0">
-                <a:solidFill>
-                  <a:schemeClr val="bg2">
-                    <a:lumMod val="25000"/>
-                  </a:schemeClr>
-                </a:solidFill>
-                <a:cs typeface="Arial" panose="020B0604020202020204" pitchFamily="34" charset="0"/>
-              </a:rPr>
-              <a:t>La función debe regresar el saldo de la tarjeta (</a:t>
-            </a:r>
-            <a:r>
-              <a:rPr lang="es-MX" sz="1800" dirty="0" err="1">
-                <a:solidFill>
-                  <a:schemeClr val="bg2">
-                    <a:lumMod val="25000"/>
-                  </a:schemeClr>
-                </a:solidFill>
-                <a:cs typeface="Arial" panose="020B0604020202020204" pitchFamily="34" charset="0"/>
-              </a:rPr>
-              <a:t>saldoTarjeta</a:t>
-            </a:r>
-            <a:r>
-              <a:rPr lang="es-MX" sz="1800" dirty="0">
-                <a:solidFill>
-                  <a:schemeClr val="bg2">
-                    <a:lumMod val="25000"/>
-                  </a:schemeClr>
-                </a:solidFill>
-                <a:cs typeface="Arial" panose="020B0604020202020204" pitchFamily="34" charset="0"/>
-              </a:rPr>
-              <a:t>)</a:t>
-            </a:r>
+              <a:rPr lang="es-MX" sz="2000" dirty="0">
+                <a:solidFill>
+                  <a:schemeClr val="bg2">
+                    <a:lumMod val="25000"/>
+                  </a:schemeClr>
+                </a:solidFill>
+                <a:cs typeface="Arial" panose="020B0604020202020204" pitchFamily="34" charset="0"/>
+              </a:rPr>
+              <a:t>Haciendo uso de </a:t>
+            </a:r>
+            <a:r>
+              <a:rPr lang="es-MX" sz="2000" b="1" dirty="0" err="1">
+                <a:solidFill>
+                  <a:schemeClr val="bg2">
+                    <a:lumMod val="25000"/>
+                  </a:schemeClr>
+                </a:solidFill>
+                <a:cs typeface="Arial" panose="020B0604020202020204" pitchFamily="34" charset="0"/>
+              </a:rPr>
+              <a:t>if</a:t>
+            </a:r>
+            <a:r>
+              <a:rPr lang="es-MX" sz="2000" b="1" dirty="0">
+                <a:solidFill>
+                  <a:schemeClr val="bg2">
+                    <a:lumMod val="25000"/>
+                  </a:schemeClr>
+                </a:solidFill>
+                <a:cs typeface="Arial" panose="020B0604020202020204" pitchFamily="34" charset="0"/>
+              </a:rPr>
+              <a:t> – anidado</a:t>
+            </a:r>
+            <a:r>
+              <a:rPr lang="es-MX" sz="2000" dirty="0">
+                <a:solidFill>
+                  <a:schemeClr val="bg2">
+                    <a:lumMod val="25000"/>
+                  </a:schemeClr>
+                </a:solidFill>
+                <a:cs typeface="Arial" panose="020B0604020202020204" pitchFamily="34" charset="0"/>
+              </a:rPr>
+              <a:t>, regresar el precio del menú seleccionado. En caso de que la opción no sea válida regresar 0.</a:t>
+            </a:r>
+          </a:p>
+          <a:p>
+            <a:pPr lvl="1" indent="-342900" algn="just">
+              <a:lnSpc>
+                <a:spcPct val="120000"/>
+              </a:lnSpc>
+              <a:spcBef>
+                <a:spcPct val="0"/>
+              </a:spcBef>
+              <a:buFont typeface="Arial" panose="020B0604020202020204" pitchFamily="34" charset="0"/>
+              <a:buChar char="•"/>
+            </a:pPr>
+            <a:endParaRPr lang="es-MX" sz="2000" dirty="0">
+              <a:solidFill>
+                <a:schemeClr val="bg2">
+                  <a:lumMod val="25000"/>
+                </a:schemeClr>
+              </a:solidFill>
+              <a:cs typeface="Arial" panose="020B0604020202020204" pitchFamily="34" charset="0"/>
+            </a:endParaRPr>
           </a:p>
           <a:p>
             <a:pPr marL="400050" lvl="1" indent="0" algn="just">
@@ -8114,14 +10174,39 @@
               </a:spcBef>
               <a:buNone/>
             </a:pPr>
-            <a:endParaRPr lang="es-MX" sz="1800" dirty="0">
-              <a:solidFill>
-                <a:schemeClr val="bg2">
-                  <a:lumMod val="25000"/>
-                </a:schemeClr>
-              </a:solidFill>
-              <a:cs typeface="Arial" panose="020B0604020202020204" pitchFamily="34" charset="0"/>
-            </a:endParaRPr>
+            <a:r>
+              <a:rPr lang="es-MX" sz="2000" dirty="0">
+                <a:solidFill>
+                  <a:schemeClr val="bg2">
+                    <a:lumMod val="25000"/>
+                  </a:schemeClr>
+                </a:solidFill>
+                <a:cs typeface="Arial" panose="020B0604020202020204" pitchFamily="34" charset="0"/>
+              </a:rPr>
+              <a:t>En el script principal, mandar llamar la función </a:t>
+            </a:r>
+            <a:r>
+              <a:rPr lang="es-MX" sz="2000" b="1" dirty="0" err="1">
+                <a:solidFill>
+                  <a:schemeClr val="bg2">
+                    <a:lumMod val="25000"/>
+                  </a:schemeClr>
+                </a:solidFill>
+                <a:cs typeface="Arial" panose="020B0604020202020204" pitchFamily="34" charset="0"/>
+              </a:rPr>
+              <a:t>menuNino</a:t>
+            </a:r>
+            <a:r>
+              <a:rPr lang="es-MX" sz="2000" dirty="0">
+                <a:solidFill>
+                  <a:schemeClr val="bg2">
+                    <a:lumMod val="25000"/>
+                  </a:schemeClr>
+                </a:solidFill>
+                <a:cs typeface="Arial" panose="020B0604020202020204" pitchFamily="34" charset="0"/>
+              </a:rPr>
+              <a:t> e imprimir el precio del menú seleccionado.</a:t>
+            </a:r>
           </a:p>
           <a:p>
             <a:pPr marL="400050" lvl="1" indent="0" algn="just">
@@ -8134,125 +10219,26 @@
               <a:buNone/>
             </a:pPr>
             <a:r>
-              <a:rPr lang="es-MX" sz="1800" dirty="0">
-                <a:solidFill>
-                  <a:schemeClr val="bg2">
-                    <a:lumMod val="25000"/>
-                  </a:schemeClr>
-                </a:solidFill>
-                <a:cs typeface="Arial" panose="020B0604020202020204" pitchFamily="34" charset="0"/>
-              </a:rPr>
-              <a:t>En el script principal, pedir el </a:t>
-            </a:r>
-            <a:r>
-              <a:rPr lang="es-MX" sz="1800" dirty="0" err="1">
-                <a:solidFill>
-                  <a:schemeClr val="bg2">
-                    <a:lumMod val="25000"/>
-                  </a:schemeClr>
-                </a:solidFill>
-                <a:cs typeface="Arial" panose="020B0604020202020204" pitchFamily="34" charset="0"/>
-              </a:rPr>
-              <a:t>totalComidasAdulto</a:t>
-            </a:r>
-            <a:r>
-              <a:rPr lang="es-MX" sz="1800" dirty="0">
-                <a:solidFill>
-                  <a:schemeClr val="bg2">
-                    <a:lumMod val="25000"/>
-                  </a:schemeClr>
-                </a:solidFill>
-                <a:cs typeface="Arial" panose="020B0604020202020204" pitchFamily="34" charset="0"/>
-              </a:rPr>
-              <a:t>, el </a:t>
-            </a:r>
-            <a:r>
-              <a:rPr lang="es-MX" sz="1800" dirty="0" err="1">
-                <a:solidFill>
-                  <a:schemeClr val="bg2">
-                    <a:lumMod val="25000"/>
-                  </a:schemeClr>
-                </a:solidFill>
-                <a:cs typeface="Arial" panose="020B0604020202020204" pitchFamily="34" charset="0"/>
-              </a:rPr>
-              <a:t>totalComidasNiño</a:t>
-            </a:r>
-            <a:r>
-              <a:rPr lang="es-MX" sz="1800" dirty="0">
-                <a:solidFill>
-                  <a:schemeClr val="bg2">
-                    <a:lumMod val="25000"/>
-                  </a:schemeClr>
-                </a:solidFill>
-                <a:cs typeface="Arial" panose="020B0604020202020204" pitchFamily="34" charset="0"/>
-              </a:rPr>
-              <a:t> y el </a:t>
-            </a:r>
-            <a:r>
-              <a:rPr lang="es-MX" sz="1800" dirty="0" err="1">
-                <a:solidFill>
-                  <a:schemeClr val="bg2">
-                    <a:lumMod val="25000"/>
-                  </a:schemeClr>
-                </a:solidFill>
-                <a:cs typeface="Arial" panose="020B0604020202020204" pitchFamily="34" charset="0"/>
-              </a:rPr>
-              <a:t>saldoTarjeta</a:t>
-            </a:r>
-            <a:r>
-              <a:rPr lang="es-MX" sz="1800" dirty="0">
-                <a:solidFill>
-                  <a:schemeClr val="bg2">
-                    <a:lumMod val="25000"/>
-                  </a:schemeClr>
-                </a:solidFill>
-                <a:cs typeface="Arial" panose="020B0604020202020204" pitchFamily="34" charset="0"/>
-              </a:rPr>
-              <a:t>. Mandar llamar la función </a:t>
-            </a:r>
-            <a:r>
-              <a:rPr lang="es-MX" sz="1800" b="1" dirty="0" err="1">
-                <a:solidFill>
-                  <a:schemeClr val="bg2">
-                    <a:lumMod val="25000"/>
-                  </a:schemeClr>
-                </a:solidFill>
-                <a:cs typeface="Arial" panose="020B0604020202020204" pitchFamily="34" charset="0"/>
-              </a:rPr>
-              <a:t>realizarPago</a:t>
-            </a:r>
-            <a:r>
-              <a:rPr lang="es-MX" sz="1800" dirty="0">
-                <a:solidFill>
-                  <a:schemeClr val="bg2">
-                    <a:lumMod val="25000"/>
-                  </a:schemeClr>
-                </a:solidFill>
-                <a:cs typeface="Arial" panose="020B0604020202020204" pitchFamily="34" charset="0"/>
-              </a:rPr>
-              <a:t> e imprimir el saldo de la tarjeta (</a:t>
-            </a:r>
-            <a:r>
-              <a:rPr lang="es-MX" sz="1800" dirty="0" err="1">
-                <a:solidFill>
-                  <a:schemeClr val="bg2">
-                    <a:lumMod val="25000"/>
-                  </a:schemeClr>
-                </a:solidFill>
-                <a:cs typeface="Arial" panose="020B0604020202020204" pitchFamily="34" charset="0"/>
-              </a:rPr>
-              <a:t>saldoTarjeta</a:t>
-            </a:r>
-            <a:r>
-              <a:rPr lang="es-MX" sz="1800" dirty="0">
-                <a:solidFill>
-                  <a:schemeClr val="bg2">
-                    <a:lumMod val="25000"/>
-                  </a:schemeClr>
-                </a:solidFill>
-                <a:cs typeface="Arial" panose="020B0604020202020204" pitchFamily="34" charset="0"/>
-              </a:rPr>
-              <a:t>).</a:t>
+              <a:rPr lang="es-MX" sz="2000" dirty="0">
+                <a:solidFill>
+                  <a:schemeClr val="bg2">
+                    <a:lumMod val="25000"/>
+                  </a:schemeClr>
+                </a:solidFill>
+                <a:cs typeface="Arial" panose="020B0604020202020204" pitchFamily="34" charset="0"/>
+              </a:rPr>
+              <a:t>Guardar archivo como </a:t>
+            </a:r>
+            <a:r>
+              <a:rPr lang="es-MX" sz="2000" b="1" dirty="0">
+                <a:solidFill>
+                  <a:schemeClr val="accent6">
+                    <a:lumMod val="75000"/>
+                  </a:schemeClr>
+                </a:solidFill>
+                <a:cs typeface="Arial" panose="020B0604020202020204" pitchFamily="34" charset="0"/>
+              </a:rPr>
+              <a:t>menuN_matricula.py</a:t>
             </a:r>
           </a:p>
           <a:p>
@@ -8265,40 +10251,7 @@
               </a:spcBef>
               <a:buNone/>
             </a:pPr>
-            <a:r>
-              <a:rPr lang="es-MX" sz="1800" dirty="0">
-                <a:solidFill>
-                  <a:schemeClr val="bg2">
-                    <a:lumMod val="25000"/>
-                  </a:schemeClr>
-                </a:solidFill>
-                <a:cs typeface="Arial" panose="020B0604020202020204" pitchFamily="34" charset="0"/>
-              </a:rPr>
-              <a:t>Guardar archivo como </a:t>
-            </a:r>
-            <a:r>
-              <a:rPr lang="es-MX" sz="1800" b="1" dirty="0">
-                <a:solidFill>
-                  <a:schemeClr val="accent6">
-                    <a:lumMod val="75000"/>
-                  </a:schemeClr>
-                </a:solidFill>
-                <a:cs typeface="Arial" panose="020B0604020202020204" pitchFamily="34" charset="0"/>
-              </a:rPr>
-              <a:t>pago_matricula.py</a:t>
-            </a:r>
-          </a:p>
-          <a:p>
-            <a:pPr marL="400050" lvl="1" indent="0" algn="just">
-              <a:lnSpc>
-                <a:spcPct val="120000"/>
-              </a:lnSpc>
-              <a:spcBef>
-                <a:spcPct val="0"/>
-              </a:spcBef>
-              <a:buNone/>
-            </a:pPr>
-            <a:endParaRPr lang="es-MX" sz="1800" dirty="0">
+            <a:endParaRPr lang="es-MX" sz="2000" dirty="0">
               <a:solidFill>
                 <a:schemeClr val="bg2">
                   <a:lumMod val="25000"/>
@@ -8379,7 +10332,7 @@
                 </a:effectLst>
                 <a:latin typeface="Dom Casual" charset="0"/>
               </a:rPr>
-              <a:t>Vacaciones con tarjeta de prepago</a:t>
+              <a:t>Menú de niño</a:t>
             </a:r>
           </a:p>
         </p:txBody>
@@ -8387,7 +10340,7 @@
     </p:spTree>
     <p:extLst>
       <p:ext uri="{BB962C8B-B14F-4D97-AF65-F5344CB8AC3E}">
-        <p14:creationId xmlns:p14="http://schemas.microsoft.com/office/powerpoint/2010/main" val="3401297181"/>
+        <p14:creationId xmlns:p14="http://schemas.microsoft.com/office/powerpoint/2010/main" val="1567880648"/>
       </p:ext>
     </p:extLst>
   </p:cSld>

--- a/Calendario2019/Presentaciones/Semana2/SITUACION1_F.pptx
+++ b/Calendario2019/Presentaciones/Semana2/SITUACION1_F.pptx
@@ -5,7 +5,7 @@
     <p:sldMasterId id="2147483648" r:id="rId1"/>
   </p:sldMasterIdLst>
   <p:notesMasterIdLst>
-    <p:notesMasterId r:id="rId16"/>
+    <p:notesMasterId r:id="rId21"/>
   </p:notesMasterIdLst>
   <p:sldIdLst>
     <p:sldId id="289" r:id="rId2"/>
@@ -20,8 +20,13 @@
     <p:sldId id="344" r:id="rId11"/>
     <p:sldId id="335" r:id="rId12"/>
     <p:sldId id="341" r:id="rId13"/>
-    <p:sldId id="339" r:id="rId14"/>
-    <p:sldId id="345" r:id="rId15"/>
+    <p:sldId id="347" r:id="rId14"/>
+    <p:sldId id="346" r:id="rId15"/>
+    <p:sldId id="348" r:id="rId16"/>
+    <p:sldId id="349" r:id="rId17"/>
+    <p:sldId id="350" r:id="rId18"/>
+    <p:sldId id="339" r:id="rId19"/>
+    <p:sldId id="345" r:id="rId20"/>
   </p:sldIdLst>
   <p:sldSz cx="9144000" cy="6858000" type="screen4x3"/>
   <p:notesSz cx="6858000" cy="9144000"/>
@@ -648,6 +653,426 @@
     <p:extLst>
       <p:ext uri="{BB962C8B-B14F-4D97-AF65-F5344CB8AC3E}">
         <p14:creationId xmlns:p14="http://schemas.microsoft.com/office/powerpoint/2010/main" val="274919940"/>
+      </p:ext>
+    </p:extLst>
+  </p:cSld>
+  <p:clrMapOvr>
+    <a:masterClrMapping/>
+  </p:clrMapOvr>
+</p:notes>
+</file>
+
+<file path=ppt/notesSlides/notesSlide3.xml><?xml version="1.0" encoding="utf-8"?>
+<p:notes xmlns:a="http://schemas.openxmlformats.org/drawingml/2006/main" xmlns:r="http://schemas.openxmlformats.org/officeDocument/2006/relationships" xmlns:p="http://schemas.openxmlformats.org/presentationml/2006/main">
+  <p:cSld>
+    <p:spTree>
+      <p:nvGrpSpPr>
+        <p:cNvPr id="1" name=""/>
+        <p:cNvGrpSpPr/>
+        <p:nvPr/>
+      </p:nvGrpSpPr>
+      <p:grpSpPr>
+        <a:xfrm>
+          <a:off x="0" y="0"/>
+          <a:ext cx="0" cy="0"/>
+          <a:chOff x="0" y="0"/>
+          <a:chExt cx="0" cy="0"/>
+        </a:xfrm>
+      </p:grpSpPr>
+      <p:sp>
+        <p:nvSpPr>
+          <p:cNvPr id="2" name="Marcador de imagen de diapositiva 1"/>
+          <p:cNvSpPr>
+            <a:spLocks noGrp="1" noRot="1" noChangeAspect="1"/>
+          </p:cNvSpPr>
+          <p:nvPr>
+            <p:ph type="sldImg"/>
+          </p:nvPr>
+        </p:nvSpPr>
+        <p:spPr/>
+      </p:sp>
+      <p:sp>
+        <p:nvSpPr>
+          <p:cNvPr id="3" name="Marcador de notas 2"/>
+          <p:cNvSpPr>
+            <a:spLocks noGrp="1"/>
+          </p:cNvSpPr>
+          <p:nvPr>
+            <p:ph type="body" idx="1"/>
+          </p:nvPr>
+        </p:nvSpPr>
+        <p:spPr/>
+        <p:txBody>
+          <a:bodyPr/>
+          <a:lstStyle/>
+          <a:p>
+            <a:endParaRPr lang="es-MX" dirty="0"/>
+          </a:p>
+        </p:txBody>
+      </p:sp>
+      <p:sp>
+        <p:nvSpPr>
+          <p:cNvPr id="4" name="Marcador de número de diapositiva 3"/>
+          <p:cNvSpPr>
+            <a:spLocks noGrp="1"/>
+          </p:cNvSpPr>
+          <p:nvPr>
+            <p:ph type="sldNum" sz="quarter" idx="5"/>
+          </p:nvPr>
+        </p:nvSpPr>
+        <p:spPr/>
+        <p:txBody>
+          <a:bodyPr/>
+          <a:lstStyle/>
+          <a:p>
+            <a:fld id="{6BAB4312-99A1-4CE9-ACE7-4C62E9FD90EE}" type="slidenum">
+              <a:rPr lang="es-MX" smtClean="0"/>
+              <a:t>13</a:t>
+            </a:fld>
+            <a:endParaRPr lang="es-MX" dirty="0"/>
+          </a:p>
+        </p:txBody>
+      </p:sp>
+    </p:spTree>
+    <p:extLst>
+      <p:ext uri="{BB962C8B-B14F-4D97-AF65-F5344CB8AC3E}">
+        <p14:creationId xmlns:p14="http://schemas.microsoft.com/office/powerpoint/2010/main" val="933714675"/>
+      </p:ext>
+    </p:extLst>
+  </p:cSld>
+  <p:clrMapOvr>
+    <a:masterClrMapping/>
+  </p:clrMapOvr>
+</p:notes>
+</file>
+
+<file path=ppt/notesSlides/notesSlide4.xml><?xml version="1.0" encoding="utf-8"?>
+<p:notes xmlns:a="http://schemas.openxmlformats.org/drawingml/2006/main" xmlns:r="http://schemas.openxmlformats.org/officeDocument/2006/relationships" xmlns:p="http://schemas.openxmlformats.org/presentationml/2006/main">
+  <p:cSld>
+    <p:spTree>
+      <p:nvGrpSpPr>
+        <p:cNvPr id="1" name=""/>
+        <p:cNvGrpSpPr/>
+        <p:nvPr/>
+      </p:nvGrpSpPr>
+      <p:grpSpPr>
+        <a:xfrm>
+          <a:off x="0" y="0"/>
+          <a:ext cx="0" cy="0"/>
+          <a:chOff x="0" y="0"/>
+          <a:chExt cx="0" cy="0"/>
+        </a:xfrm>
+      </p:grpSpPr>
+      <p:sp>
+        <p:nvSpPr>
+          <p:cNvPr id="2" name="Marcador de imagen de diapositiva 1"/>
+          <p:cNvSpPr>
+            <a:spLocks noGrp="1" noRot="1" noChangeAspect="1"/>
+          </p:cNvSpPr>
+          <p:nvPr>
+            <p:ph type="sldImg"/>
+          </p:nvPr>
+        </p:nvSpPr>
+        <p:spPr/>
+      </p:sp>
+      <p:sp>
+        <p:nvSpPr>
+          <p:cNvPr id="3" name="Marcador de notas 2"/>
+          <p:cNvSpPr>
+            <a:spLocks noGrp="1"/>
+          </p:cNvSpPr>
+          <p:nvPr>
+            <p:ph type="body" idx="1"/>
+          </p:nvPr>
+        </p:nvSpPr>
+        <p:spPr/>
+        <p:txBody>
+          <a:bodyPr/>
+          <a:lstStyle/>
+          <a:p>
+            <a:endParaRPr lang="es-MX" dirty="0"/>
+          </a:p>
+        </p:txBody>
+      </p:sp>
+      <p:sp>
+        <p:nvSpPr>
+          <p:cNvPr id="4" name="Marcador de número de diapositiva 3"/>
+          <p:cNvSpPr>
+            <a:spLocks noGrp="1"/>
+          </p:cNvSpPr>
+          <p:nvPr>
+            <p:ph type="sldNum" sz="quarter" idx="5"/>
+          </p:nvPr>
+        </p:nvSpPr>
+        <p:spPr/>
+        <p:txBody>
+          <a:bodyPr/>
+          <a:lstStyle/>
+          <a:p>
+            <a:fld id="{6BAB4312-99A1-4CE9-ACE7-4C62E9FD90EE}" type="slidenum">
+              <a:rPr lang="es-MX" smtClean="0"/>
+              <a:t>14</a:t>
+            </a:fld>
+            <a:endParaRPr lang="es-MX" dirty="0"/>
+          </a:p>
+        </p:txBody>
+      </p:sp>
+    </p:spTree>
+    <p:extLst>
+      <p:ext uri="{BB962C8B-B14F-4D97-AF65-F5344CB8AC3E}">
+        <p14:creationId xmlns:p14="http://schemas.microsoft.com/office/powerpoint/2010/main" val="674245555"/>
+      </p:ext>
+    </p:extLst>
+  </p:cSld>
+  <p:clrMapOvr>
+    <a:masterClrMapping/>
+  </p:clrMapOvr>
+</p:notes>
+</file>
+
+<file path=ppt/notesSlides/notesSlide5.xml><?xml version="1.0" encoding="utf-8"?>
+<p:notes xmlns:a="http://schemas.openxmlformats.org/drawingml/2006/main" xmlns:r="http://schemas.openxmlformats.org/officeDocument/2006/relationships" xmlns:p="http://schemas.openxmlformats.org/presentationml/2006/main">
+  <p:cSld>
+    <p:spTree>
+      <p:nvGrpSpPr>
+        <p:cNvPr id="1" name=""/>
+        <p:cNvGrpSpPr/>
+        <p:nvPr/>
+      </p:nvGrpSpPr>
+      <p:grpSpPr>
+        <a:xfrm>
+          <a:off x="0" y="0"/>
+          <a:ext cx="0" cy="0"/>
+          <a:chOff x="0" y="0"/>
+          <a:chExt cx="0" cy="0"/>
+        </a:xfrm>
+      </p:grpSpPr>
+      <p:sp>
+        <p:nvSpPr>
+          <p:cNvPr id="2" name="Marcador de imagen de diapositiva 1"/>
+          <p:cNvSpPr>
+            <a:spLocks noGrp="1" noRot="1" noChangeAspect="1"/>
+          </p:cNvSpPr>
+          <p:nvPr>
+            <p:ph type="sldImg"/>
+          </p:nvPr>
+        </p:nvSpPr>
+        <p:spPr/>
+      </p:sp>
+      <p:sp>
+        <p:nvSpPr>
+          <p:cNvPr id="3" name="Marcador de notas 2"/>
+          <p:cNvSpPr>
+            <a:spLocks noGrp="1"/>
+          </p:cNvSpPr>
+          <p:nvPr>
+            <p:ph type="body" idx="1"/>
+          </p:nvPr>
+        </p:nvSpPr>
+        <p:spPr/>
+        <p:txBody>
+          <a:bodyPr/>
+          <a:lstStyle/>
+          <a:p>
+            <a:endParaRPr lang="es-MX" dirty="0"/>
+          </a:p>
+        </p:txBody>
+      </p:sp>
+      <p:sp>
+        <p:nvSpPr>
+          <p:cNvPr id="4" name="Marcador de número de diapositiva 3"/>
+          <p:cNvSpPr>
+            <a:spLocks noGrp="1"/>
+          </p:cNvSpPr>
+          <p:nvPr>
+            <p:ph type="sldNum" sz="quarter" idx="5"/>
+          </p:nvPr>
+        </p:nvSpPr>
+        <p:spPr/>
+        <p:txBody>
+          <a:bodyPr/>
+          <a:lstStyle/>
+          <a:p>
+            <a:fld id="{6BAB4312-99A1-4CE9-ACE7-4C62E9FD90EE}" type="slidenum">
+              <a:rPr lang="es-MX" smtClean="0"/>
+              <a:t>15</a:t>
+            </a:fld>
+            <a:endParaRPr lang="es-MX" dirty="0"/>
+          </a:p>
+        </p:txBody>
+      </p:sp>
+    </p:spTree>
+    <p:extLst>
+      <p:ext uri="{BB962C8B-B14F-4D97-AF65-F5344CB8AC3E}">
+        <p14:creationId xmlns:p14="http://schemas.microsoft.com/office/powerpoint/2010/main" val="2536474018"/>
+      </p:ext>
+    </p:extLst>
+  </p:cSld>
+  <p:clrMapOvr>
+    <a:masterClrMapping/>
+  </p:clrMapOvr>
+</p:notes>
+</file>
+
+<file path=ppt/notesSlides/notesSlide6.xml><?xml version="1.0" encoding="utf-8"?>
+<p:notes xmlns:a="http://schemas.openxmlformats.org/drawingml/2006/main" xmlns:r="http://schemas.openxmlformats.org/officeDocument/2006/relationships" xmlns:p="http://schemas.openxmlformats.org/presentationml/2006/main">
+  <p:cSld>
+    <p:spTree>
+      <p:nvGrpSpPr>
+        <p:cNvPr id="1" name=""/>
+        <p:cNvGrpSpPr/>
+        <p:nvPr/>
+      </p:nvGrpSpPr>
+      <p:grpSpPr>
+        <a:xfrm>
+          <a:off x="0" y="0"/>
+          <a:ext cx="0" cy="0"/>
+          <a:chOff x="0" y="0"/>
+          <a:chExt cx="0" cy="0"/>
+        </a:xfrm>
+      </p:grpSpPr>
+      <p:sp>
+        <p:nvSpPr>
+          <p:cNvPr id="2" name="Marcador de imagen de diapositiva 1"/>
+          <p:cNvSpPr>
+            <a:spLocks noGrp="1" noRot="1" noChangeAspect="1"/>
+          </p:cNvSpPr>
+          <p:nvPr>
+            <p:ph type="sldImg"/>
+          </p:nvPr>
+        </p:nvSpPr>
+        <p:spPr/>
+      </p:sp>
+      <p:sp>
+        <p:nvSpPr>
+          <p:cNvPr id="3" name="Marcador de notas 2"/>
+          <p:cNvSpPr>
+            <a:spLocks noGrp="1"/>
+          </p:cNvSpPr>
+          <p:nvPr>
+            <p:ph type="body" idx="1"/>
+          </p:nvPr>
+        </p:nvSpPr>
+        <p:spPr/>
+        <p:txBody>
+          <a:bodyPr/>
+          <a:lstStyle/>
+          <a:p>
+            <a:endParaRPr lang="es-MX" dirty="0"/>
+          </a:p>
+        </p:txBody>
+      </p:sp>
+      <p:sp>
+        <p:nvSpPr>
+          <p:cNvPr id="4" name="Marcador de número de diapositiva 3"/>
+          <p:cNvSpPr>
+            <a:spLocks noGrp="1"/>
+          </p:cNvSpPr>
+          <p:nvPr>
+            <p:ph type="sldNum" sz="quarter" idx="5"/>
+          </p:nvPr>
+        </p:nvSpPr>
+        <p:spPr/>
+        <p:txBody>
+          <a:bodyPr/>
+          <a:lstStyle/>
+          <a:p>
+            <a:fld id="{6BAB4312-99A1-4CE9-ACE7-4C62E9FD90EE}" type="slidenum">
+              <a:rPr lang="es-MX" smtClean="0"/>
+              <a:t>16</a:t>
+            </a:fld>
+            <a:endParaRPr lang="es-MX" dirty="0"/>
+          </a:p>
+        </p:txBody>
+      </p:sp>
+    </p:spTree>
+    <p:extLst>
+      <p:ext uri="{BB962C8B-B14F-4D97-AF65-F5344CB8AC3E}">
+        <p14:creationId xmlns:p14="http://schemas.microsoft.com/office/powerpoint/2010/main" val="3561980674"/>
+      </p:ext>
+    </p:extLst>
+  </p:cSld>
+  <p:clrMapOvr>
+    <a:masterClrMapping/>
+  </p:clrMapOvr>
+</p:notes>
+</file>
+
+<file path=ppt/notesSlides/notesSlide7.xml><?xml version="1.0" encoding="utf-8"?>
+<p:notes xmlns:a="http://schemas.openxmlformats.org/drawingml/2006/main" xmlns:r="http://schemas.openxmlformats.org/officeDocument/2006/relationships" xmlns:p="http://schemas.openxmlformats.org/presentationml/2006/main">
+  <p:cSld>
+    <p:spTree>
+      <p:nvGrpSpPr>
+        <p:cNvPr id="1" name=""/>
+        <p:cNvGrpSpPr/>
+        <p:nvPr/>
+      </p:nvGrpSpPr>
+      <p:grpSpPr>
+        <a:xfrm>
+          <a:off x="0" y="0"/>
+          <a:ext cx="0" cy="0"/>
+          <a:chOff x="0" y="0"/>
+          <a:chExt cx="0" cy="0"/>
+        </a:xfrm>
+      </p:grpSpPr>
+      <p:sp>
+        <p:nvSpPr>
+          <p:cNvPr id="2" name="Marcador de imagen de diapositiva 1"/>
+          <p:cNvSpPr>
+            <a:spLocks noGrp="1" noRot="1" noChangeAspect="1"/>
+          </p:cNvSpPr>
+          <p:nvPr>
+            <p:ph type="sldImg"/>
+          </p:nvPr>
+        </p:nvSpPr>
+        <p:spPr/>
+      </p:sp>
+      <p:sp>
+        <p:nvSpPr>
+          <p:cNvPr id="3" name="Marcador de notas 2"/>
+          <p:cNvSpPr>
+            <a:spLocks noGrp="1"/>
+          </p:cNvSpPr>
+          <p:nvPr>
+            <p:ph type="body" idx="1"/>
+          </p:nvPr>
+        </p:nvSpPr>
+        <p:spPr/>
+        <p:txBody>
+          <a:bodyPr/>
+          <a:lstStyle/>
+          <a:p>
+            <a:endParaRPr lang="es-MX" dirty="0"/>
+          </a:p>
+        </p:txBody>
+      </p:sp>
+      <p:sp>
+        <p:nvSpPr>
+          <p:cNvPr id="4" name="Marcador de número de diapositiva 3"/>
+          <p:cNvSpPr>
+            <a:spLocks noGrp="1"/>
+          </p:cNvSpPr>
+          <p:nvPr>
+            <p:ph type="sldNum" sz="quarter" idx="5"/>
+          </p:nvPr>
+        </p:nvSpPr>
+        <p:spPr/>
+        <p:txBody>
+          <a:bodyPr/>
+          <a:lstStyle/>
+          <a:p>
+            <a:fld id="{6BAB4312-99A1-4CE9-ACE7-4C62E9FD90EE}" type="slidenum">
+              <a:rPr lang="es-MX" smtClean="0"/>
+              <a:t>17</a:t>
+            </a:fld>
+            <a:endParaRPr lang="es-MX" dirty="0"/>
+          </a:p>
+        </p:txBody>
+      </p:sp>
+    </p:spTree>
+    <p:extLst>
+      <p:ext uri="{BB962C8B-B14F-4D97-AF65-F5344CB8AC3E}">
+        <p14:creationId xmlns:p14="http://schemas.microsoft.com/office/powerpoint/2010/main" val="4105309881"/>
       </p:ext>
     </p:extLst>
   </p:cSld>
@@ -4583,8 +5008,8 @@
         </p:nvSpPr>
         <p:spPr>
           <a:xfrm>
-            <a:off x="595149" y="1340768"/>
-            <a:ext cx="7953702" cy="4104456"/>
+            <a:off x="-324544" y="1844824"/>
+            <a:ext cx="9217024" cy="4104456"/>
           </a:xfrm>
         </p:spPr>
         <p:txBody>
@@ -4592,66 +5017,6 @@
             <a:noAutofit/>
           </a:bodyPr>
           <a:lstStyle/>
-          <a:p>
-            <a:pPr marL="0" indent="0" algn="just">
-              <a:lnSpc>
-                <a:spcPct val="120000"/>
-              </a:lnSpc>
-              <a:spcBef>
-                <a:spcPct val="0"/>
-              </a:spcBef>
-              <a:buNone/>
-            </a:pPr>
-            <a:r>
-              <a:rPr lang="es-MX" sz="2000" b="1" dirty="0">
-                <a:solidFill>
-                  <a:schemeClr val="bg2">
-                    <a:lumMod val="25000"/>
-                  </a:schemeClr>
-                </a:solidFill>
-                <a:cs typeface="Arial" pitchFamily="34" charset="0"/>
-              </a:rPr>
-              <a:t>c) </a:t>
-            </a:r>
-            <a:r>
-              <a:rPr lang="es-MX" sz="2000" b="1" dirty="0" err="1">
-                <a:solidFill>
-                  <a:schemeClr val="bg2">
-                    <a:lumMod val="25000"/>
-                  </a:schemeClr>
-                </a:solidFill>
-                <a:cs typeface="Arial" pitchFamily="34" charset="0"/>
-              </a:rPr>
-              <a:t>realizarPago</a:t>
-            </a:r>
-            <a:endParaRPr lang="es-MX" sz="2000" b="1" dirty="0">
-              <a:solidFill>
-                <a:schemeClr val="bg2">
-                  <a:lumMod val="25000"/>
-                </a:schemeClr>
-              </a:solidFill>
-              <a:cs typeface="Arial" pitchFamily="34" charset="0"/>
-            </a:endParaRPr>
-          </a:p>
-          <a:p>
-            <a:pPr marL="0" indent="0" algn="just">
-              <a:lnSpc>
-                <a:spcPct val="120000"/>
-              </a:lnSpc>
-              <a:spcBef>
-                <a:spcPct val="0"/>
-              </a:spcBef>
-              <a:buNone/>
-            </a:pPr>
-            <a:endParaRPr lang="es-MX" sz="2000" b="1" dirty="0">
-              <a:solidFill>
-                <a:schemeClr val="bg2">
-                  <a:lumMod val="25000"/>
-                </a:schemeClr>
-              </a:solidFill>
-              <a:cs typeface="Arial" pitchFamily="34" charset="0"/>
-            </a:endParaRPr>
-          </a:p>
           <a:p>
             <a:pPr marL="685800" lvl="1" algn="just">
               <a:lnSpc>
@@ -4686,6 +5051,83 @@
               <a:t>realizarPago</a:t>
             </a:r>
             <a:r>
+              <a:rPr lang="es-MX" sz="2000" b="1" dirty="0">
+                <a:solidFill>
+                  <a:schemeClr val="bg2">
+                    <a:lumMod val="25000"/>
+                  </a:schemeClr>
+                </a:solidFill>
+                <a:cs typeface="Arial" panose="020B0604020202020204" pitchFamily="34" charset="0"/>
+              </a:rPr>
+              <a:t>(</a:t>
+            </a:r>
+            <a:r>
+              <a:rPr lang="es-MX" sz="2000" b="1" dirty="0" err="1">
+                <a:solidFill>
+                  <a:schemeClr val="bg2">
+                    <a:lumMod val="25000"/>
+                  </a:schemeClr>
+                </a:solidFill>
+                <a:cs typeface="Arial" panose="020B0604020202020204" pitchFamily="34" charset="0"/>
+              </a:rPr>
+              <a:t>totalComAdulto</a:t>
+            </a:r>
+            <a:r>
+              <a:rPr lang="es-MX" sz="2000" b="1" dirty="0">
+                <a:solidFill>
+                  <a:schemeClr val="bg2">
+                    <a:lumMod val="25000"/>
+                  </a:schemeClr>
+                </a:solidFill>
+                <a:cs typeface="Arial" panose="020B0604020202020204" pitchFamily="34" charset="0"/>
+              </a:rPr>
+              <a:t>, </a:t>
+            </a:r>
+            <a:r>
+              <a:rPr lang="es-MX" sz="2000" b="1" dirty="0" err="1">
+                <a:solidFill>
+                  <a:schemeClr val="bg2">
+                    <a:lumMod val="25000"/>
+                  </a:schemeClr>
+                </a:solidFill>
+                <a:cs typeface="Arial" panose="020B0604020202020204" pitchFamily="34" charset="0"/>
+              </a:rPr>
+              <a:t>totalComNino</a:t>
+            </a:r>
+            <a:r>
+              <a:rPr lang="es-MX" sz="2000" b="1" dirty="0">
+                <a:solidFill>
+                  <a:schemeClr val="bg2">
+                    <a:lumMod val="25000"/>
+                  </a:schemeClr>
+                </a:solidFill>
+                <a:cs typeface="Arial" panose="020B0604020202020204" pitchFamily="34" charset="0"/>
+              </a:rPr>
+              <a:t>, </a:t>
+            </a:r>
+            <a:r>
+              <a:rPr lang="es-MX" sz="2000" b="1" dirty="0" err="1">
+                <a:solidFill>
+                  <a:schemeClr val="bg2">
+                    <a:lumMod val="25000"/>
+                  </a:schemeClr>
+                </a:solidFill>
+                <a:cs typeface="Arial" panose="020B0604020202020204" pitchFamily="34" charset="0"/>
+              </a:rPr>
+              <a:t>saldoTarjeta</a:t>
+            </a:r>
+            <a:r>
+              <a:rPr lang="es-MX" sz="2000" b="1" dirty="0">
+                <a:solidFill>
+                  <a:schemeClr val="bg2">
+                    <a:lumMod val="25000"/>
+                  </a:schemeClr>
+                </a:solidFill>
+                <a:cs typeface="Arial" panose="020B0604020202020204" pitchFamily="34" charset="0"/>
+              </a:rPr>
+              <a:t>)</a:t>
+            </a:r>
+            <a:r>
               <a:rPr lang="es-MX" sz="2000" dirty="0">
                 <a:solidFill>
                   <a:schemeClr val="bg2">
@@ -4694,7 +5136,7 @@
                 </a:solidFill>
                 <a:cs typeface="Arial" panose="020B0604020202020204" pitchFamily="34" charset="0"/>
               </a:rPr>
-              <a:t>, que recibe el </a:t>
+              <a:t>, que recibe el total de comidas de adulto, el total de comidas de niño y el saldo de la tarjeta. Calcular el </a:t>
             </a:r>
             <a:r>
               <a:rPr lang="es-MX" sz="2000" dirty="0" err="1">
@@ -4705,6 +5147,28 @@
                 </a:solidFill>
                 <a:cs typeface="Arial" panose="020B0604020202020204" pitchFamily="34" charset="0"/>
               </a:rPr>
+              <a:t>totalConsumo</a:t>
+            </a:r>
+            <a:r>
+              <a:rPr lang="es-MX" sz="2000" dirty="0">
+                <a:solidFill>
+                  <a:schemeClr val="bg2">
+                    <a:lumMod val="25000"/>
+                  </a:schemeClr>
+                </a:solidFill>
+                <a:cs typeface="Arial" panose="020B0604020202020204" pitchFamily="34" charset="0"/>
+              </a:rPr>
+              <a:t>. La función debe imprimir el </a:t>
+            </a:r>
+            <a:r>
+              <a:rPr lang="es-MX" sz="2000" dirty="0" err="1">
+                <a:solidFill>
+                  <a:schemeClr val="bg2">
+                    <a:lumMod val="25000"/>
+                  </a:schemeClr>
+                </a:solidFill>
+                <a:cs typeface="Arial" panose="020B0604020202020204" pitchFamily="34" charset="0"/>
+              </a:rPr>
               <a:t>totalComidasAdulto</a:t>
             </a:r>
             <a:r>
@@ -4749,7 +5213,7 @@
                 </a:solidFill>
                 <a:cs typeface="Arial" panose="020B0604020202020204" pitchFamily="34" charset="0"/>
               </a:rPr>
-              <a:t>saldoTarjeta</a:t>
+              <a:t>totalConsumo</a:t>
             </a:r>
             <a:r>
               <a:rPr lang="es-MX" sz="2000" dirty="0">
@@ -4760,96 +5224,27 @@
                 </a:solidFill>
                 <a:cs typeface="Arial" panose="020B0604020202020204" pitchFamily="34" charset="0"/>
               </a:rPr>
-              <a:t>. Calcular el </a:t>
-            </a:r>
-            <a:r>
-              <a:rPr lang="es-MX" sz="2000" dirty="0" err="1">
-                <a:solidFill>
-                  <a:schemeClr val="bg2">
-                    <a:lumMod val="25000"/>
-                  </a:schemeClr>
-                </a:solidFill>
-                <a:cs typeface="Arial" panose="020B0604020202020204" pitchFamily="34" charset="0"/>
-              </a:rPr>
-              <a:t>totalConsumo</a:t>
-            </a:r>
-            <a:r>
-              <a:rPr lang="es-MX" sz="2000" dirty="0">
-                <a:solidFill>
-                  <a:schemeClr val="bg2">
-                    <a:lumMod val="25000"/>
-                  </a:schemeClr>
-                </a:solidFill>
-                <a:cs typeface="Arial" panose="020B0604020202020204" pitchFamily="34" charset="0"/>
-              </a:rPr>
-              <a:t>. La función debe imprimir el </a:t>
-            </a:r>
-            <a:r>
-              <a:rPr lang="es-MX" sz="2000" dirty="0" err="1">
-                <a:solidFill>
-                  <a:schemeClr val="bg2">
-                    <a:lumMod val="25000"/>
-                  </a:schemeClr>
-                </a:solidFill>
-                <a:cs typeface="Arial" panose="020B0604020202020204" pitchFamily="34" charset="0"/>
-              </a:rPr>
-              <a:t>totalComidasAdulto</a:t>
-            </a:r>
-            <a:r>
-              <a:rPr lang="es-MX" sz="2000" dirty="0">
-                <a:solidFill>
-                  <a:schemeClr val="bg2">
-                    <a:lumMod val="25000"/>
-                  </a:schemeClr>
-                </a:solidFill>
-                <a:cs typeface="Arial" panose="020B0604020202020204" pitchFamily="34" charset="0"/>
-              </a:rPr>
-              <a:t>, el </a:t>
-            </a:r>
-            <a:r>
-              <a:rPr lang="es-MX" sz="2000" dirty="0" err="1">
-                <a:solidFill>
-                  <a:schemeClr val="bg2">
-                    <a:lumMod val="25000"/>
-                  </a:schemeClr>
-                </a:solidFill>
-                <a:cs typeface="Arial" panose="020B0604020202020204" pitchFamily="34" charset="0"/>
-              </a:rPr>
-              <a:t>totalComidasNino</a:t>
-            </a:r>
-            <a:r>
-              <a:rPr lang="es-MX" sz="2000" dirty="0">
-                <a:solidFill>
-                  <a:schemeClr val="bg2">
-                    <a:lumMod val="25000"/>
-                  </a:schemeClr>
-                </a:solidFill>
-                <a:cs typeface="Arial" panose="020B0604020202020204" pitchFamily="34" charset="0"/>
-              </a:rPr>
-              <a:t>, y el </a:t>
-            </a:r>
-            <a:r>
-              <a:rPr lang="es-MX" sz="2000" dirty="0" err="1">
-                <a:solidFill>
-                  <a:schemeClr val="bg2">
-                    <a:lumMod val="25000"/>
-                  </a:schemeClr>
-                </a:solidFill>
-                <a:cs typeface="Arial" panose="020B0604020202020204" pitchFamily="34" charset="0"/>
-              </a:rPr>
-              <a:t>totalConsumo</a:t>
-            </a:r>
-            <a:r>
-              <a:rPr lang="es-MX" sz="2000" dirty="0">
-                <a:solidFill>
-                  <a:schemeClr val="bg2">
-                    <a:lumMod val="25000"/>
-                  </a:schemeClr>
-                </a:solidFill>
-                <a:cs typeface="Arial" panose="020B0604020202020204" pitchFamily="34" charset="0"/>
-              </a:rPr>
               <a:t>.</a:t>
             </a:r>
+          </a:p>
+          <a:p>
+            <a:pPr marL="400050" lvl="1" indent="0" algn="just">
+              <a:lnSpc>
+                <a:spcPct val="120000"/>
+              </a:lnSpc>
+              <a:spcBef>
+                <a:spcPct val="0"/>
+              </a:spcBef>
+              <a:buNone/>
+            </a:pPr>
+            <a:endParaRPr lang="es-MX" sz="2000" dirty="0">
+              <a:solidFill>
+                <a:schemeClr val="bg2">
+                  <a:lumMod val="25000"/>
+                </a:schemeClr>
+              </a:solidFill>
+              <a:cs typeface="Arial" panose="020B0604020202020204" pitchFamily="34" charset="0"/>
+            </a:endParaRPr>
           </a:p>
           <a:p>
             <a:pPr marL="685800" lvl="1" algn="just">
@@ -4871,7 +5266,7 @@
                 </a:solidFill>
                 <a:cs typeface="Arial" panose="020B0604020202020204" pitchFamily="34" charset="0"/>
               </a:rPr>
-              <a:t>La función debe preguntar el porcentaje que se desea agregar de propina (0%, 10%, 15%, etc.) y calcular la propina con base en el </a:t>
+              <a:t>La función debe preguntar el porcentaje de propina que se desea agregar (0, 10, 15, etc.) y calcular el total de la propina con base en el </a:t>
             </a:r>
             <a:r>
               <a:rPr lang="es-MX" sz="2000" dirty="0" err="1">
@@ -4894,28 +5289,6 @@
                 <a:cs typeface="Arial" panose="020B0604020202020204" pitchFamily="34" charset="0"/>
               </a:rPr>
               <a:t>. Imprimir el </a:t>
-            </a:r>
-            <a:r>
-              <a:rPr lang="es-MX" sz="2000" dirty="0" err="1">
-                <a:solidFill>
-                  <a:schemeClr val="bg2">
-                    <a:lumMod val="25000"/>
-                  </a:schemeClr>
-                </a:solidFill>
-                <a:cs typeface="Arial" panose="020B0604020202020204" pitchFamily="34" charset="0"/>
-              </a:rPr>
-              <a:t>totalConsumo</a:t>
-            </a:r>
-            <a:r>
-              <a:rPr lang="es-MX" sz="2000" dirty="0">
-                <a:solidFill>
-                  <a:schemeClr val="bg2">
-                    <a:lumMod val="25000"/>
-                  </a:schemeClr>
-                </a:solidFill>
-                <a:cs typeface="Arial" panose="020B0604020202020204" pitchFamily="34" charset="0"/>
-              </a:rPr>
-              <a:t>, el </a:t>
             </a:r>
             <a:r>
               <a:rPr lang="es-MX" sz="2000" dirty="0" err="1">
@@ -4976,7 +5349,7 @@
         </p:nvSpPr>
         <p:spPr>
           <a:xfrm>
-            <a:off x="302027" y="0"/>
+            <a:off x="302027" y="324036"/>
             <a:ext cx="8229600" cy="1143000"/>
           </a:xfrm>
         </p:spPr>
@@ -5034,7 +5407,7 @@
                 </a:effectLst>
                 <a:latin typeface="Dom Casual" charset="0"/>
               </a:rPr>
-              <a:t>Vacaciones con tarjeta de prepago</a:t>
+              <a:t>Realizar pago</a:t>
             </a:r>
           </a:p>
         </p:txBody>
@@ -5081,8 +5454,8 @@
         </p:nvSpPr>
         <p:spPr>
           <a:xfrm>
-            <a:off x="146690" y="1206708"/>
-            <a:ext cx="8850619" cy="5834786"/>
+            <a:off x="-25657" y="1556792"/>
+            <a:ext cx="8850619" cy="4896544"/>
           </a:xfrm>
         </p:spPr>
         <p:txBody>
@@ -5090,66 +5463,6 @@
             <a:noAutofit/>
           </a:bodyPr>
           <a:lstStyle/>
-          <a:p>
-            <a:pPr marL="0" indent="0" algn="just">
-              <a:lnSpc>
-                <a:spcPct val="120000"/>
-              </a:lnSpc>
-              <a:spcBef>
-                <a:spcPct val="0"/>
-              </a:spcBef>
-              <a:buNone/>
-            </a:pPr>
-            <a:r>
-              <a:rPr lang="es-MX" sz="2000" b="1" dirty="0">
-                <a:solidFill>
-                  <a:schemeClr val="bg2">
-                    <a:lumMod val="25000"/>
-                  </a:schemeClr>
-                </a:solidFill>
-                <a:cs typeface="Arial" pitchFamily="34" charset="0"/>
-              </a:rPr>
-              <a:t>c) </a:t>
-            </a:r>
-            <a:r>
-              <a:rPr lang="es-MX" sz="2000" b="1" dirty="0" err="1">
-                <a:solidFill>
-                  <a:schemeClr val="bg2">
-                    <a:lumMod val="25000"/>
-                  </a:schemeClr>
-                </a:solidFill>
-                <a:cs typeface="Arial" pitchFamily="34" charset="0"/>
-              </a:rPr>
-              <a:t>realizarPago</a:t>
-            </a:r>
-            <a:endParaRPr lang="es-MX" sz="2000" b="1" dirty="0">
-              <a:solidFill>
-                <a:schemeClr val="bg2">
-                  <a:lumMod val="25000"/>
-                </a:schemeClr>
-              </a:solidFill>
-              <a:cs typeface="Arial" pitchFamily="34" charset="0"/>
-            </a:endParaRPr>
-          </a:p>
-          <a:p>
-            <a:pPr marL="0" indent="0" algn="just">
-              <a:lnSpc>
-                <a:spcPct val="120000"/>
-              </a:lnSpc>
-              <a:spcBef>
-                <a:spcPct val="0"/>
-              </a:spcBef>
-              <a:buNone/>
-            </a:pPr>
-            <a:endParaRPr lang="es-MX" sz="2000" b="1" dirty="0">
-              <a:solidFill>
-                <a:schemeClr val="bg2">
-                  <a:lumMod val="25000"/>
-                </a:schemeClr>
-              </a:solidFill>
-              <a:cs typeface="Arial" pitchFamily="34" charset="0"/>
-            </a:endParaRPr>
-          </a:p>
           <a:p>
             <a:pPr marL="685800" lvl="1" algn="just">
               <a:lnSpc>
@@ -5214,29 +5527,7 @@
                 </a:solidFill>
                 <a:cs typeface="Arial" panose="020B0604020202020204" pitchFamily="34" charset="0"/>
               </a:rPr>
-              <a:t>, no se descuenta NADA y se le imprime un mensaje donde se le sugiere que entre a la opción de Recarga Tarjeta de </a:t>
-            </a:r>
-            <a:r>
-              <a:rPr lang="es-MX" sz="1800" dirty="0" err="1">
-                <a:solidFill>
-                  <a:schemeClr val="bg2">
-                    <a:lumMod val="25000"/>
-                  </a:schemeClr>
-                </a:solidFill>
-                <a:cs typeface="Arial" panose="020B0604020202020204" pitchFamily="34" charset="0"/>
-              </a:rPr>
-              <a:t>PrePago</a:t>
-            </a:r>
-            <a:r>
-              <a:rPr lang="es-MX" sz="1800" dirty="0">
-                <a:solidFill>
-                  <a:schemeClr val="bg2">
-                    <a:lumMod val="25000"/>
-                  </a:schemeClr>
-                </a:solidFill>
-                <a:cs typeface="Arial" panose="020B0604020202020204" pitchFamily="34" charset="0"/>
-              </a:rPr>
-              <a:t>. </a:t>
+              <a:t>, no se descuenta NADA y se imprime un mensaje que dice “Recarga tu tarjeta de prepago”. </a:t>
             </a:r>
           </a:p>
           <a:p>
@@ -5281,7 +5572,7 @@
                 </a:solidFill>
                 <a:cs typeface="Arial" panose="020B0604020202020204" pitchFamily="34" charset="0"/>
               </a:rPr>
-              <a:t>, se le descuenta el </a:t>
+              <a:t>, se le descuenta al saldo de la Tarjeta (</a:t>
             </a:r>
             <a:r>
               <a:rPr lang="es-MX" sz="1800" dirty="0" err="1">
@@ -5292,6 +5583,28 @@
                 </a:solidFill>
                 <a:cs typeface="Arial" panose="020B0604020202020204" pitchFamily="34" charset="0"/>
               </a:rPr>
+              <a:t>saldoTarjeta</a:t>
+            </a:r>
+            <a:r>
+              <a:rPr lang="es-MX" sz="1800" dirty="0">
+                <a:solidFill>
+                  <a:schemeClr val="bg2">
+                    <a:lumMod val="25000"/>
+                  </a:schemeClr>
+                </a:solidFill>
+                <a:cs typeface="Arial" panose="020B0604020202020204" pitchFamily="34" charset="0"/>
+              </a:rPr>
+              <a:t>) el </a:t>
+            </a:r>
+            <a:r>
+              <a:rPr lang="es-MX" sz="1800" dirty="0" err="1">
+                <a:solidFill>
+                  <a:schemeClr val="bg2">
+                    <a:lumMod val="25000"/>
+                  </a:schemeClr>
+                </a:solidFill>
+                <a:cs typeface="Arial" panose="020B0604020202020204" pitchFamily="34" charset="0"/>
+              </a:rPr>
               <a:t>totalGeneral</a:t>
             </a:r>
             <a:r>
@@ -5303,7 +5616,7 @@
                 </a:solidFill>
                 <a:cs typeface="Arial" panose="020B0604020202020204" pitchFamily="34" charset="0"/>
               </a:rPr>
-              <a:t> al saldo de la Tarjeta (</a:t>
+              <a:t>. Una vez descontado el total en la tarjeta de prepago, se manda un mensaje en pantalla de: Gracias por su compra. Si el usuario completa una compra de más de 500 pesos (</a:t>
             </a:r>
             <a:r>
               <a:rPr lang="es-MX" sz="1800" dirty="0" err="1">
@@ -5314,7 +5627,7 @@
                 </a:solidFill>
                 <a:cs typeface="Arial" panose="020B0604020202020204" pitchFamily="34" charset="0"/>
               </a:rPr>
-              <a:t>saldoTarjeta</a:t>
+              <a:t>totalConsumo</a:t>
             </a:r>
             <a:r>
               <a:rPr lang="es-MX" sz="1800" dirty="0">
@@ -5325,29 +5638,7 @@
                 </a:solidFill>
                 <a:cs typeface="Arial" panose="020B0604020202020204" pitchFamily="34" charset="0"/>
               </a:rPr>
-              <a:t>). Una vez descontado el total en la tarjeta de prepago, se manda un mensaje en pantalla de: Gracias por su compra. Si el usuario completa una compra de más de 500 dólares (</a:t>
-            </a:r>
-            <a:r>
-              <a:rPr lang="es-MX" sz="1800" dirty="0" err="1">
-                <a:solidFill>
-                  <a:schemeClr val="bg2">
-                    <a:lumMod val="25000"/>
-                  </a:schemeClr>
-                </a:solidFill>
-                <a:cs typeface="Arial" panose="020B0604020202020204" pitchFamily="34" charset="0"/>
-              </a:rPr>
-              <a:t>totalConsumo</a:t>
-            </a:r>
-            <a:r>
-              <a:rPr lang="es-MX" sz="1800" dirty="0">
-                <a:solidFill>
-                  <a:schemeClr val="bg2">
-                    <a:lumMod val="25000"/>
-                  </a:schemeClr>
-                </a:solidFill>
-                <a:cs typeface="Arial" panose="020B0604020202020204" pitchFamily="34" charset="0"/>
-              </a:rPr>
-              <a:t>) y pagó propina mayor al 10%, se le debe mandar un mensaje en pantalla indicando que puede gozar de internet gratis por cortesía de la casa.</a:t>
+              <a:t>) y pagó propina mayor al 10%, se le debe mandar un mensaje en pantalla indicando que puede gozar de Internet gratis por cortesía de la casa.</a:t>
             </a:r>
           </a:p>
           <a:p>
@@ -5466,7 +5757,7 @@
                 </a:solidFill>
                 <a:cs typeface="Arial" panose="020B0604020202020204" pitchFamily="34" charset="0"/>
               </a:rPr>
-              <a:t>totalComidasNiño</a:t>
+              <a:t>totalComidasNino</a:t>
             </a:r>
             <a:r>
               <a:rPr lang="es-MX" sz="1800" dirty="0">
@@ -5600,6 +5891,111 @@
           </a:p>
         </p:txBody>
       </p:sp>
+      <p:sp>
+        <p:nvSpPr>
+          <p:cNvPr id="184324" name="Rectangle 4"/>
+          <p:cNvSpPr>
+            <a:spLocks noGrp="1" noChangeArrowheads="1"/>
+          </p:cNvSpPr>
+          <p:nvPr>
+            <p:ph type="title"/>
+          </p:nvPr>
+        </p:nvSpPr>
+        <p:spPr>
+          <a:xfrm>
+            <a:off x="284852" y="116632"/>
+            <a:ext cx="8229600" cy="1143000"/>
+          </a:xfrm>
+        </p:spPr>
+        <p:txBody>
+          <a:bodyPr>
+            <a:normAutofit fontScale="90000"/>
+          </a:bodyPr>
+          <a:lstStyle/>
+          <a:p>
+            <a:pPr eaLnBrk="1" hangingPunct="1">
+              <a:defRPr/>
+            </a:pPr>
+            <a:r>
+              <a:rPr lang="es-MX" b="1" dirty="0">
+                <a:solidFill>
+                  <a:schemeClr val="accent4">
+                    <a:lumMod val="50000"/>
+                  </a:schemeClr>
+                </a:solidFill>
+                <a:effectLst>
+                  <a:outerShdw blurRad="38100" dist="38100" dir="2700000" algn="tl">
+                    <a:srgbClr val="C0C0C0"/>
+                  </a:outerShdw>
+                </a:effectLst>
+                <a:latin typeface="Dom Casual" charset="0"/>
+              </a:rPr>
+              <a:t>Situación problema 1</a:t>
+            </a:r>
+            <a:br>
+              <a:rPr lang="es-MX" b="1" dirty="0">
+                <a:solidFill>
+                  <a:schemeClr val="accent4">
+                    <a:lumMod val="50000"/>
+                  </a:schemeClr>
+                </a:solidFill>
+                <a:effectLst>
+                  <a:outerShdw blurRad="38100" dist="38100" dir="2700000" algn="tl">
+                    <a:srgbClr val="C0C0C0"/>
+                  </a:outerShdw>
+                </a:effectLst>
+                <a:latin typeface="Dom Casual" charset="0"/>
+              </a:rPr>
+            </a:br>
+            <a:r>
+              <a:rPr lang="es-MX" sz="3100" dirty="0">
+                <a:solidFill>
+                  <a:schemeClr val="accent6">
+                    <a:lumMod val="75000"/>
+                  </a:schemeClr>
+                </a:solidFill>
+                <a:effectLst>
+                  <a:outerShdw blurRad="38100" dist="38100" dir="2700000" algn="tl">
+                    <a:srgbClr val="C0C0C0"/>
+                  </a:outerShdw>
+                </a:effectLst>
+                <a:latin typeface="Dom Casual" charset="0"/>
+              </a:rPr>
+              <a:t>Realizar pago</a:t>
+            </a:r>
+          </a:p>
+        </p:txBody>
+      </p:sp>
+    </p:spTree>
+    <p:extLst>
+      <p:ext uri="{BB962C8B-B14F-4D97-AF65-F5344CB8AC3E}">
+        <p14:creationId xmlns:p14="http://schemas.microsoft.com/office/powerpoint/2010/main" val="3401297181"/>
+      </p:ext>
+    </p:extLst>
+  </p:cSld>
+  <p:clrMapOvr>
+    <a:masterClrMapping/>
+  </p:clrMapOvr>
+</p:sld>
+</file>
+
+<file path=ppt/slides/slide13.xml><?xml version="1.0" encoding="utf-8"?>
+<p:sld xmlns:a="http://schemas.openxmlformats.org/drawingml/2006/main" xmlns:r="http://schemas.openxmlformats.org/officeDocument/2006/relationships" xmlns:p="http://schemas.openxmlformats.org/presentationml/2006/main">
+  <p:cSld>
+    <p:spTree>
+      <p:nvGrpSpPr>
+        <p:cNvPr id="1" name=""/>
+        <p:cNvGrpSpPr/>
+        <p:nvPr/>
+      </p:nvGrpSpPr>
+      <p:grpSpPr>
+        <a:xfrm>
+          <a:off x="0" y="0"/>
+          <a:ext cx="0" cy="0"/>
+          <a:chOff x="0" y="0"/>
+          <a:chExt cx="0" cy="0"/>
+        </a:xfrm>
+      </p:grpSpPr>
       <p:sp>
         <p:nvSpPr>
           <p:cNvPr id="184324" name="Rectangle 4"/>
@@ -5670,15 +6066,967 @@
                 </a:effectLst>
                 <a:latin typeface="Dom Casual" charset="0"/>
               </a:rPr>
-              <a:t>Vacaciones con tarjeta de prepago</a:t>
+              <a:t>Realizar pago</a:t>
             </a:r>
           </a:p>
         </p:txBody>
       </p:sp>
+      <p:sp>
+        <p:nvSpPr>
+          <p:cNvPr id="6" name="object 25">
+            <a:extLst>
+              <a:ext uri="{FF2B5EF4-FFF2-40B4-BE49-F238E27FC236}">
+                <a16:creationId xmlns:a16="http://schemas.microsoft.com/office/drawing/2014/main" id="{8BC5A2FA-947F-4654-BAD4-532D725EFBE5}"/>
+              </a:ext>
+            </a:extLst>
+          </p:cNvPr>
+          <p:cNvSpPr txBox="1"/>
+          <p:nvPr/>
+        </p:nvSpPr>
+        <p:spPr>
+          <a:xfrm>
+            <a:off x="481639" y="1451307"/>
+            <a:ext cx="2267735" cy="388492"/>
+          </a:xfrm>
+          <a:prstGeom prst="rect">
+            <a:avLst/>
+          </a:prstGeom>
+        </p:spPr>
+        <p:txBody>
+          <a:bodyPr vert="horz" wrap="square" lIns="0" tIns="0" rIns="0" bIns="0" rtlCol="0">
+            <a:noAutofit/>
+          </a:bodyPr>
+          <a:lstStyle/>
+          <a:p>
+            <a:pPr marL="12700">
+              <a:lnSpc>
+                <a:spcPct val="100000"/>
+              </a:lnSpc>
+              <a:spcAft>
+                <a:spcPts val="600"/>
+              </a:spcAft>
+            </a:pPr>
+            <a:r>
+              <a:rPr lang="es-MX" sz="2000" b="1" spc="-20" dirty="0">
+                <a:solidFill>
+                  <a:schemeClr val="accent4">
+                    <a:lumMod val="75000"/>
+                  </a:schemeClr>
+                </a:solidFill>
+                <a:cs typeface="Calibri"/>
+              </a:rPr>
+              <a:t>Casos de prueba:</a:t>
+            </a:r>
+            <a:endParaRPr sz="2000" b="1" dirty="0">
+              <a:solidFill>
+                <a:schemeClr val="accent4">
+                  <a:lumMod val="75000"/>
+                </a:schemeClr>
+              </a:solidFill>
+              <a:latin typeface="Calibri"/>
+              <a:cs typeface="Calibri"/>
+            </a:endParaRPr>
+          </a:p>
+        </p:txBody>
+      </p:sp>
+      <p:graphicFrame>
+        <p:nvGraphicFramePr>
+          <p:cNvPr id="7" name="Tabla 15">
+            <a:extLst>
+              <a:ext uri="{FF2B5EF4-FFF2-40B4-BE49-F238E27FC236}">
+                <a16:creationId xmlns:a16="http://schemas.microsoft.com/office/drawing/2014/main" id="{8ED0A8A7-6592-462A-B2DF-8C76E2453D2E}"/>
+              </a:ext>
+            </a:extLst>
+          </p:cNvPr>
+          <p:cNvGraphicFramePr>
+            <a:graphicFrameLocks noGrp="1"/>
+          </p:cNvGraphicFramePr>
+          <p:nvPr>
+            <p:extLst>
+              <p:ext uri="{D42A27DB-BD31-4B8C-83A1-F6EECF244321}">
+                <p14:modId xmlns:p14="http://schemas.microsoft.com/office/powerpoint/2010/main" val="2263188559"/>
+              </p:ext>
+            </p:extLst>
+          </p:nvPr>
+        </p:nvGraphicFramePr>
+        <p:xfrm>
+          <a:off x="481639" y="2222483"/>
+          <a:ext cx="8049986" cy="3358773"/>
+        </p:xfrm>
+        <a:graphic>
+          <a:graphicData uri="http://schemas.openxmlformats.org/drawingml/2006/table">
+            <a:tbl>
+              <a:tblPr firstRow="1" bandRow="1">
+                <a:tableStyleId>{5C22544A-7EE6-4342-B048-85BDC9FD1C3A}</a:tableStyleId>
+              </a:tblPr>
+              <a:tblGrid>
+                <a:gridCol w="1068506">
+                  <a:extLst>
+                    <a:ext uri="{9D8B030D-6E8A-4147-A177-3AD203B41FA5}">
+                      <a16:colId xmlns:a16="http://schemas.microsoft.com/office/drawing/2014/main" val="2558049104"/>
+                    </a:ext>
+                  </a:extLst>
+                </a:gridCol>
+                <a:gridCol w="917814">
+                  <a:extLst>
+                    <a:ext uri="{9D8B030D-6E8A-4147-A177-3AD203B41FA5}">
+                      <a16:colId xmlns:a16="http://schemas.microsoft.com/office/drawing/2014/main" val="664708052"/>
+                    </a:ext>
+                  </a:extLst>
+                </a:gridCol>
+                <a:gridCol w="852257">
+                  <a:extLst>
+                    <a:ext uri="{9D8B030D-6E8A-4147-A177-3AD203B41FA5}">
+                      <a16:colId xmlns:a16="http://schemas.microsoft.com/office/drawing/2014/main" val="2349388382"/>
+                    </a:ext>
+                  </a:extLst>
+                </a:gridCol>
+                <a:gridCol w="1035760">
+                  <a:extLst>
+                    <a:ext uri="{9D8B030D-6E8A-4147-A177-3AD203B41FA5}">
+                      <a16:colId xmlns:a16="http://schemas.microsoft.com/office/drawing/2014/main" val="482784810"/>
+                    </a:ext>
+                  </a:extLst>
+                </a:gridCol>
+                <a:gridCol w="930983">
+                  <a:extLst>
+                    <a:ext uri="{9D8B030D-6E8A-4147-A177-3AD203B41FA5}">
+                      <a16:colId xmlns:a16="http://schemas.microsoft.com/office/drawing/2014/main" val="2549595367"/>
+                    </a:ext>
+                  </a:extLst>
+                </a:gridCol>
+                <a:gridCol w="1035126">
+                  <a:extLst>
+                    <a:ext uri="{9D8B030D-6E8A-4147-A177-3AD203B41FA5}">
+                      <a16:colId xmlns:a16="http://schemas.microsoft.com/office/drawing/2014/main" val="2118439434"/>
+                    </a:ext>
+                  </a:extLst>
+                </a:gridCol>
+                <a:gridCol w="986219">
+                  <a:extLst>
+                    <a:ext uri="{9D8B030D-6E8A-4147-A177-3AD203B41FA5}">
+                      <a16:colId xmlns:a16="http://schemas.microsoft.com/office/drawing/2014/main" val="2550227738"/>
+                    </a:ext>
+                  </a:extLst>
+                </a:gridCol>
+                <a:gridCol w="1223321">
+                  <a:extLst>
+                    <a:ext uri="{9D8B030D-6E8A-4147-A177-3AD203B41FA5}">
+                      <a16:colId xmlns:a16="http://schemas.microsoft.com/office/drawing/2014/main" val="1082938061"/>
+                    </a:ext>
+                  </a:extLst>
+                </a:gridCol>
+              </a:tblGrid>
+              <a:tr h="1228564">
+                <a:tc>
+                  <a:txBody>
+                    <a:bodyPr/>
+                    <a:lstStyle/>
+                    <a:p>
+                      <a:pPr algn="ctr"/>
+                      <a:r>
+                        <a:rPr lang="es-MX" sz="1600" dirty="0"/>
+                        <a:t>Total comidas Adulto</a:t>
+                      </a:r>
+                    </a:p>
+                  </a:txBody>
+                  <a:tcPr anchor="ctr" anchorCtr="1"/>
+                </a:tc>
+                <a:tc>
+                  <a:txBody>
+                    <a:bodyPr/>
+                    <a:lstStyle/>
+                    <a:p>
+                      <a:pPr algn="ctr"/>
+                      <a:r>
+                        <a:rPr lang="es-MX" sz="1600" dirty="0"/>
+                        <a:t>Total Comidas Niño</a:t>
+                      </a:r>
+                    </a:p>
+                  </a:txBody>
+                  <a:tcPr anchor="ctr" anchorCtr="1"/>
+                </a:tc>
+                <a:tc>
+                  <a:txBody>
+                    <a:bodyPr/>
+                    <a:lstStyle/>
+                    <a:p>
+                      <a:pPr algn="ctr"/>
+                      <a:r>
+                        <a:rPr lang="es-MX" sz="1600" dirty="0"/>
+                        <a:t>Saldo</a:t>
+                      </a:r>
+                    </a:p>
+                    <a:p>
+                      <a:pPr algn="ctr"/>
+                      <a:r>
+                        <a:rPr lang="es-MX" sz="1600" dirty="0"/>
+                        <a:t>Tarjeta</a:t>
+                      </a:r>
+                    </a:p>
+                  </a:txBody>
+                  <a:tcPr anchor="ctr" anchorCtr="1"/>
+                </a:tc>
+                <a:tc>
+                  <a:txBody>
+                    <a:bodyPr/>
+                    <a:lstStyle/>
+                    <a:p>
+                      <a:pPr algn="ctr"/>
+                      <a:r>
+                        <a:rPr lang="es-MX" sz="1600" dirty="0">
+                          <a:solidFill>
+                            <a:schemeClr val="tx1"/>
+                          </a:solidFill>
+                        </a:rPr>
+                        <a:t>Total consumo</a:t>
+                      </a:r>
+                    </a:p>
+                  </a:txBody>
+                  <a:tcPr anchor="ctr" anchorCtr="1">
+                    <a:solidFill>
+                      <a:schemeClr val="accent3">
+                        <a:lumMod val="20000"/>
+                        <a:lumOff val="80000"/>
+                      </a:schemeClr>
+                    </a:solidFill>
+                  </a:tcPr>
+                </a:tc>
+                <a:tc>
+                  <a:txBody>
+                    <a:bodyPr/>
+                    <a:lstStyle/>
+                    <a:p>
+                      <a:pPr algn="ctr"/>
+                      <a:r>
+                        <a:rPr lang="es-MX" sz="1600" dirty="0"/>
+                        <a:t>% propina</a:t>
+                      </a:r>
+                    </a:p>
+                  </a:txBody>
+                  <a:tcPr anchor="ctr" anchorCtr="1"/>
+                </a:tc>
+                <a:tc>
+                  <a:txBody>
+                    <a:bodyPr/>
+                    <a:lstStyle/>
+                    <a:p>
+                      <a:pPr algn="ctr"/>
+                      <a:r>
+                        <a:rPr lang="es-MX" sz="1600" dirty="0">
+                          <a:solidFill>
+                            <a:schemeClr val="tx1"/>
+                          </a:solidFill>
+                        </a:rPr>
+                        <a:t>Total propina</a:t>
+                      </a:r>
+                    </a:p>
+                  </a:txBody>
+                  <a:tcPr anchor="ctr" anchorCtr="1">
+                    <a:solidFill>
+                      <a:schemeClr val="accent3">
+                        <a:lumMod val="20000"/>
+                        <a:lumOff val="80000"/>
+                      </a:schemeClr>
+                    </a:solidFill>
+                  </a:tcPr>
+                </a:tc>
+                <a:tc>
+                  <a:txBody>
+                    <a:bodyPr/>
+                    <a:lstStyle/>
+                    <a:p>
+                      <a:pPr algn="ctr"/>
+                      <a:r>
+                        <a:rPr lang="es-MX" sz="1600" dirty="0">
+                          <a:solidFill>
+                            <a:schemeClr val="tx1"/>
+                          </a:solidFill>
+                        </a:rPr>
+                        <a:t>Total general</a:t>
+                      </a:r>
+                    </a:p>
+                  </a:txBody>
+                  <a:tcPr anchor="ctr" anchorCtr="1">
+                    <a:solidFill>
+                      <a:schemeClr val="accent3">
+                        <a:lumMod val="20000"/>
+                        <a:lumOff val="80000"/>
+                      </a:schemeClr>
+                    </a:solidFill>
+                  </a:tcPr>
+                </a:tc>
+                <a:tc>
+                  <a:txBody>
+                    <a:bodyPr/>
+                    <a:lstStyle/>
+                    <a:p>
+                      <a:pPr algn="ctr"/>
+                      <a:r>
+                        <a:rPr lang="es-MX" sz="1600" dirty="0">
+                          <a:solidFill>
+                            <a:schemeClr val="tx1"/>
+                          </a:solidFill>
+                        </a:rPr>
+                        <a:t>Saldo Tarjeta</a:t>
+                      </a:r>
+                    </a:p>
+                  </a:txBody>
+                  <a:tcPr anchor="ctr" anchorCtr="1">
+                    <a:solidFill>
+                      <a:schemeClr val="accent3">
+                        <a:lumMod val="20000"/>
+                        <a:lumOff val="80000"/>
+                      </a:schemeClr>
+                    </a:solidFill>
+                  </a:tcPr>
+                </a:tc>
+                <a:extLst>
+                  <a:ext uri="{0D108BD9-81ED-4DB2-BD59-A6C34878D82A}">
+                    <a16:rowId xmlns:a16="http://schemas.microsoft.com/office/drawing/2014/main" val="119075427"/>
+                  </a:ext>
+                </a:extLst>
+              </a:tr>
+              <a:tr h="500526">
+                <a:tc>
+                  <a:txBody>
+                    <a:bodyPr/>
+                    <a:lstStyle/>
+                    <a:p>
+                      <a:pPr algn="ctr"/>
+                      <a:r>
+                        <a:rPr lang="es-MX" sz="1600" dirty="0"/>
+                        <a:t>500</a:t>
+                      </a:r>
+                    </a:p>
+                  </a:txBody>
+                  <a:tcPr anchor="ctr" anchorCtr="1"/>
+                </a:tc>
+                <a:tc>
+                  <a:txBody>
+                    <a:bodyPr/>
+                    <a:lstStyle/>
+                    <a:p>
+                      <a:pPr algn="ctr"/>
+                      <a:r>
+                        <a:rPr lang="es-MX" sz="1600" dirty="0"/>
+                        <a:t>200</a:t>
+                      </a:r>
+                    </a:p>
+                  </a:txBody>
+                  <a:tcPr anchor="ctr" anchorCtr="1"/>
+                </a:tc>
+                <a:tc>
+                  <a:txBody>
+                    <a:bodyPr/>
+                    <a:lstStyle/>
+                    <a:p>
+                      <a:pPr algn="ctr"/>
+                      <a:r>
+                        <a:rPr lang="es-MX" sz="1600" dirty="0"/>
+                        <a:t>1000</a:t>
+                      </a:r>
+                    </a:p>
+                  </a:txBody>
+                  <a:tcPr anchor="ctr" anchorCtr="1"/>
+                </a:tc>
+                <a:tc>
+                  <a:txBody>
+                    <a:bodyPr/>
+                    <a:lstStyle/>
+                    <a:p>
+                      <a:pPr algn="ctr"/>
+                      <a:r>
+                        <a:rPr lang="es-MX" sz="1600" dirty="0"/>
+                        <a:t>700</a:t>
+                      </a:r>
+                    </a:p>
+                  </a:txBody>
+                  <a:tcPr anchor="ctr" anchorCtr="1">
+                    <a:solidFill>
+                      <a:schemeClr val="accent3">
+                        <a:lumMod val="20000"/>
+                        <a:lumOff val="80000"/>
+                      </a:schemeClr>
+                    </a:solidFill>
+                  </a:tcPr>
+                </a:tc>
+                <a:tc>
+                  <a:txBody>
+                    <a:bodyPr/>
+                    <a:lstStyle/>
+                    <a:p>
+                      <a:pPr algn="ctr"/>
+                      <a:r>
+                        <a:rPr lang="es-MX" sz="1600" dirty="0"/>
+                        <a:t>11</a:t>
+                      </a:r>
+                    </a:p>
+                  </a:txBody>
+                  <a:tcPr anchor="ctr" anchorCtr="1"/>
+                </a:tc>
+                <a:tc>
+                  <a:txBody>
+                    <a:bodyPr/>
+                    <a:lstStyle/>
+                    <a:p>
+                      <a:pPr algn="ctr"/>
+                      <a:r>
+                        <a:rPr lang="es-MX" sz="1600" dirty="0"/>
+                        <a:t>77</a:t>
+                      </a:r>
+                    </a:p>
+                  </a:txBody>
+                  <a:tcPr anchor="ctr" anchorCtr="1">
+                    <a:solidFill>
+                      <a:schemeClr val="accent3">
+                        <a:lumMod val="20000"/>
+                        <a:lumOff val="80000"/>
+                      </a:schemeClr>
+                    </a:solidFill>
+                  </a:tcPr>
+                </a:tc>
+                <a:tc>
+                  <a:txBody>
+                    <a:bodyPr/>
+                    <a:lstStyle/>
+                    <a:p>
+                      <a:pPr algn="ctr"/>
+                      <a:r>
+                        <a:rPr lang="es-MX" sz="1600" dirty="0"/>
+                        <a:t>777</a:t>
+                      </a:r>
+                    </a:p>
+                  </a:txBody>
+                  <a:tcPr anchor="ctr" anchorCtr="1">
+                    <a:solidFill>
+                      <a:schemeClr val="accent3">
+                        <a:lumMod val="20000"/>
+                        <a:lumOff val="80000"/>
+                      </a:schemeClr>
+                    </a:solidFill>
+                  </a:tcPr>
+                </a:tc>
+                <a:tc>
+                  <a:txBody>
+                    <a:bodyPr/>
+                    <a:lstStyle/>
+                    <a:p>
+                      <a:pPr algn="ctr"/>
+                      <a:r>
+                        <a:rPr lang="es-MX" sz="1600" dirty="0"/>
+                        <a:t>223.0</a:t>
+                      </a:r>
+                    </a:p>
+                  </a:txBody>
+                  <a:tcPr anchor="ctr" anchorCtr="1">
+                    <a:solidFill>
+                      <a:schemeClr val="accent3">
+                        <a:lumMod val="20000"/>
+                        <a:lumOff val="80000"/>
+                      </a:schemeClr>
+                    </a:solidFill>
+                  </a:tcPr>
+                </a:tc>
+                <a:extLst>
+                  <a:ext uri="{0D108BD9-81ED-4DB2-BD59-A6C34878D82A}">
+                    <a16:rowId xmlns:a16="http://schemas.microsoft.com/office/drawing/2014/main" val="737048181"/>
+                  </a:ext>
+                </a:extLst>
+              </a:tr>
+              <a:tr h="500526">
+                <a:tc>
+                  <a:txBody>
+                    <a:bodyPr/>
+                    <a:lstStyle/>
+                    <a:p>
+                      <a:pPr algn="ctr"/>
+                      <a:r>
+                        <a:rPr lang="es-MX" sz="1600" dirty="0"/>
+                        <a:t>500</a:t>
+                      </a:r>
+                    </a:p>
+                  </a:txBody>
+                  <a:tcPr anchor="ctr" anchorCtr="1"/>
+                </a:tc>
+                <a:tc>
+                  <a:txBody>
+                    <a:bodyPr/>
+                    <a:lstStyle/>
+                    <a:p>
+                      <a:pPr algn="ctr"/>
+                      <a:r>
+                        <a:rPr lang="es-MX" sz="1600" dirty="0"/>
+                        <a:t>200</a:t>
+                      </a:r>
+                    </a:p>
+                  </a:txBody>
+                  <a:tcPr anchor="ctr" anchorCtr="1"/>
+                </a:tc>
+                <a:tc>
+                  <a:txBody>
+                    <a:bodyPr/>
+                    <a:lstStyle/>
+                    <a:p>
+                      <a:pPr algn="ctr"/>
+                      <a:r>
+                        <a:rPr lang="es-MX" sz="1600" dirty="0"/>
+                        <a:t>500</a:t>
+                      </a:r>
+                    </a:p>
+                  </a:txBody>
+                  <a:tcPr anchor="ctr" anchorCtr="1"/>
+                </a:tc>
+                <a:tc>
+                  <a:txBody>
+                    <a:bodyPr/>
+                    <a:lstStyle/>
+                    <a:p>
+                      <a:pPr algn="ctr"/>
+                      <a:r>
+                        <a:rPr lang="es-MX" sz="1600" dirty="0"/>
+                        <a:t>700</a:t>
+                      </a:r>
+                    </a:p>
+                  </a:txBody>
+                  <a:tcPr anchor="ctr" anchorCtr="1">
+                    <a:solidFill>
+                      <a:schemeClr val="accent3">
+                        <a:lumMod val="20000"/>
+                        <a:lumOff val="80000"/>
+                      </a:schemeClr>
+                    </a:solidFill>
+                  </a:tcPr>
+                </a:tc>
+                <a:tc>
+                  <a:txBody>
+                    <a:bodyPr/>
+                    <a:lstStyle/>
+                    <a:p>
+                      <a:pPr algn="ctr"/>
+                      <a:r>
+                        <a:rPr lang="es-MX" sz="1600" dirty="0"/>
+                        <a:t>15</a:t>
+                      </a:r>
+                    </a:p>
+                  </a:txBody>
+                  <a:tcPr anchor="ctr" anchorCtr="1"/>
+                </a:tc>
+                <a:tc>
+                  <a:txBody>
+                    <a:bodyPr/>
+                    <a:lstStyle/>
+                    <a:p>
+                      <a:pPr algn="ctr"/>
+                      <a:r>
+                        <a:rPr lang="es-MX" sz="1600" dirty="0"/>
+                        <a:t>105</a:t>
+                      </a:r>
+                    </a:p>
+                  </a:txBody>
+                  <a:tcPr anchor="ctr" anchorCtr="1">
+                    <a:solidFill>
+                      <a:schemeClr val="accent3">
+                        <a:lumMod val="20000"/>
+                        <a:lumOff val="80000"/>
+                      </a:schemeClr>
+                    </a:solidFill>
+                  </a:tcPr>
+                </a:tc>
+                <a:tc>
+                  <a:txBody>
+                    <a:bodyPr/>
+                    <a:lstStyle/>
+                    <a:p>
+                      <a:pPr algn="ctr"/>
+                      <a:r>
+                        <a:rPr lang="es-MX" sz="1600" dirty="0"/>
+                        <a:t>805</a:t>
+                      </a:r>
+                    </a:p>
+                  </a:txBody>
+                  <a:tcPr anchor="ctr" anchorCtr="1">
+                    <a:solidFill>
+                      <a:schemeClr val="accent3">
+                        <a:lumMod val="20000"/>
+                        <a:lumOff val="80000"/>
+                      </a:schemeClr>
+                    </a:solidFill>
+                  </a:tcPr>
+                </a:tc>
+                <a:tc>
+                  <a:txBody>
+                    <a:bodyPr/>
+                    <a:lstStyle/>
+                    <a:p>
+                      <a:pPr algn="ctr"/>
+                      <a:r>
+                        <a:rPr lang="es-MX" sz="1600" dirty="0"/>
+                        <a:t>500.0</a:t>
+                      </a:r>
+                    </a:p>
+                  </a:txBody>
+                  <a:tcPr anchor="ctr" anchorCtr="1">
+                    <a:solidFill>
+                      <a:schemeClr val="accent3">
+                        <a:lumMod val="20000"/>
+                        <a:lumOff val="80000"/>
+                      </a:schemeClr>
+                    </a:solidFill>
+                  </a:tcPr>
+                </a:tc>
+                <a:extLst>
+                  <a:ext uri="{0D108BD9-81ED-4DB2-BD59-A6C34878D82A}">
+                    <a16:rowId xmlns:a16="http://schemas.microsoft.com/office/drawing/2014/main" val="1197511534"/>
+                  </a:ext>
+                </a:extLst>
+              </a:tr>
+              <a:tr h="628631">
+                <a:tc>
+                  <a:txBody>
+                    <a:bodyPr/>
+                    <a:lstStyle/>
+                    <a:p>
+                      <a:pPr algn="ctr"/>
+                      <a:r>
+                        <a:rPr lang="es-MX" sz="1600" dirty="0"/>
+                        <a:t>500</a:t>
+                      </a:r>
+                    </a:p>
+                  </a:txBody>
+                  <a:tcPr anchor="ctr" anchorCtr="1"/>
+                </a:tc>
+                <a:tc>
+                  <a:txBody>
+                    <a:bodyPr/>
+                    <a:lstStyle/>
+                    <a:p>
+                      <a:pPr algn="ctr"/>
+                      <a:r>
+                        <a:rPr lang="es-MX" sz="1600" dirty="0"/>
+                        <a:t>200</a:t>
+                      </a:r>
+                    </a:p>
+                  </a:txBody>
+                  <a:tcPr anchor="ctr" anchorCtr="1"/>
+                </a:tc>
+                <a:tc>
+                  <a:txBody>
+                    <a:bodyPr/>
+                    <a:lstStyle/>
+                    <a:p>
+                      <a:pPr algn="ctr"/>
+                      <a:r>
+                        <a:rPr lang="es-MX" sz="1600" dirty="0"/>
+                        <a:t>1000</a:t>
+                      </a:r>
+                    </a:p>
+                  </a:txBody>
+                  <a:tcPr anchor="ctr" anchorCtr="1"/>
+                </a:tc>
+                <a:tc>
+                  <a:txBody>
+                    <a:bodyPr/>
+                    <a:lstStyle/>
+                    <a:p>
+                      <a:pPr algn="ctr"/>
+                      <a:r>
+                        <a:rPr lang="es-MX" sz="1600" dirty="0"/>
+                        <a:t>700</a:t>
+                      </a:r>
+                    </a:p>
+                  </a:txBody>
+                  <a:tcPr anchor="ctr" anchorCtr="1">
+                    <a:solidFill>
+                      <a:schemeClr val="accent3">
+                        <a:lumMod val="20000"/>
+                        <a:lumOff val="80000"/>
+                      </a:schemeClr>
+                    </a:solidFill>
+                  </a:tcPr>
+                </a:tc>
+                <a:tc>
+                  <a:txBody>
+                    <a:bodyPr/>
+                    <a:lstStyle/>
+                    <a:p>
+                      <a:pPr algn="ctr"/>
+                      <a:r>
+                        <a:rPr lang="es-MX" sz="1600" dirty="0"/>
+                        <a:t>10</a:t>
+                      </a:r>
+                    </a:p>
+                  </a:txBody>
+                  <a:tcPr anchor="ctr" anchorCtr="1"/>
+                </a:tc>
+                <a:tc>
+                  <a:txBody>
+                    <a:bodyPr/>
+                    <a:lstStyle/>
+                    <a:p>
+                      <a:pPr algn="ctr"/>
+                      <a:r>
+                        <a:rPr lang="es-MX" sz="1600" dirty="0"/>
+                        <a:t>70</a:t>
+                      </a:r>
+                    </a:p>
+                  </a:txBody>
+                  <a:tcPr anchor="ctr" anchorCtr="1">
+                    <a:solidFill>
+                      <a:schemeClr val="accent3">
+                        <a:lumMod val="20000"/>
+                        <a:lumOff val="80000"/>
+                      </a:schemeClr>
+                    </a:solidFill>
+                  </a:tcPr>
+                </a:tc>
+                <a:tc>
+                  <a:txBody>
+                    <a:bodyPr/>
+                    <a:lstStyle/>
+                    <a:p>
+                      <a:pPr algn="ctr"/>
+                      <a:r>
+                        <a:rPr lang="es-MX" sz="1600" dirty="0"/>
+                        <a:t>770</a:t>
+                      </a:r>
+                    </a:p>
+                  </a:txBody>
+                  <a:tcPr anchor="ctr" anchorCtr="1">
+                    <a:solidFill>
+                      <a:schemeClr val="accent3">
+                        <a:lumMod val="20000"/>
+                        <a:lumOff val="80000"/>
+                      </a:schemeClr>
+                    </a:solidFill>
+                  </a:tcPr>
+                </a:tc>
+                <a:tc>
+                  <a:txBody>
+                    <a:bodyPr/>
+                    <a:lstStyle/>
+                    <a:p>
+                      <a:pPr algn="ctr"/>
+                      <a:r>
+                        <a:rPr lang="es-MX" sz="1600" dirty="0"/>
+                        <a:t>230</a:t>
+                      </a:r>
+                    </a:p>
+                  </a:txBody>
+                  <a:tcPr anchor="ctr" anchorCtr="1">
+                    <a:solidFill>
+                      <a:schemeClr val="accent3">
+                        <a:lumMod val="20000"/>
+                        <a:lumOff val="80000"/>
+                      </a:schemeClr>
+                    </a:solidFill>
+                  </a:tcPr>
+                </a:tc>
+                <a:extLst>
+                  <a:ext uri="{0D108BD9-81ED-4DB2-BD59-A6C34878D82A}">
+                    <a16:rowId xmlns:a16="http://schemas.microsoft.com/office/drawing/2014/main" val="1254763306"/>
+                  </a:ext>
+                </a:extLst>
+              </a:tr>
+              <a:tr h="500526">
+                <a:tc>
+                  <a:txBody>
+                    <a:bodyPr/>
+                    <a:lstStyle/>
+                    <a:p>
+                      <a:pPr algn="ctr"/>
+                      <a:r>
+                        <a:rPr lang="es-MX" sz="1600" dirty="0"/>
+                        <a:t>200</a:t>
+                      </a:r>
+                    </a:p>
+                  </a:txBody>
+                  <a:tcPr anchor="ctr" anchorCtr="1"/>
+                </a:tc>
+                <a:tc>
+                  <a:txBody>
+                    <a:bodyPr/>
+                    <a:lstStyle/>
+                    <a:p>
+                      <a:pPr algn="ctr"/>
+                      <a:r>
+                        <a:rPr lang="es-MX" sz="1600" dirty="0"/>
+                        <a:t>100</a:t>
+                      </a:r>
+                    </a:p>
+                  </a:txBody>
+                  <a:tcPr anchor="ctr" anchorCtr="1"/>
+                </a:tc>
+                <a:tc>
+                  <a:txBody>
+                    <a:bodyPr/>
+                    <a:lstStyle/>
+                    <a:p>
+                      <a:pPr algn="ctr"/>
+                      <a:r>
+                        <a:rPr lang="es-MX" sz="1600" dirty="0"/>
+                        <a:t>600</a:t>
+                      </a:r>
+                    </a:p>
+                  </a:txBody>
+                  <a:tcPr anchor="ctr" anchorCtr="1"/>
+                </a:tc>
+                <a:tc>
+                  <a:txBody>
+                    <a:bodyPr/>
+                    <a:lstStyle/>
+                    <a:p>
+                      <a:pPr algn="ctr"/>
+                      <a:r>
+                        <a:rPr lang="es-MX" sz="1600" dirty="0"/>
+                        <a:t>300</a:t>
+                      </a:r>
+                    </a:p>
+                  </a:txBody>
+                  <a:tcPr anchor="ctr" anchorCtr="1">
+                    <a:solidFill>
+                      <a:schemeClr val="accent3">
+                        <a:lumMod val="20000"/>
+                        <a:lumOff val="80000"/>
+                      </a:schemeClr>
+                    </a:solidFill>
+                  </a:tcPr>
+                </a:tc>
+                <a:tc>
+                  <a:txBody>
+                    <a:bodyPr/>
+                    <a:lstStyle/>
+                    <a:p>
+                      <a:pPr algn="ctr"/>
+                      <a:r>
+                        <a:rPr lang="es-MX" sz="1600" dirty="0"/>
+                        <a:t>12</a:t>
+                      </a:r>
+                    </a:p>
+                  </a:txBody>
+                  <a:tcPr anchor="ctr" anchorCtr="1"/>
+                </a:tc>
+                <a:tc>
+                  <a:txBody>
+                    <a:bodyPr/>
+                    <a:lstStyle/>
+                    <a:p>
+                      <a:pPr algn="ctr"/>
+                      <a:r>
+                        <a:rPr lang="es-MX" sz="1600" dirty="0"/>
+                        <a:t>36</a:t>
+                      </a:r>
+                    </a:p>
+                  </a:txBody>
+                  <a:tcPr anchor="ctr" anchorCtr="1">
+                    <a:solidFill>
+                      <a:schemeClr val="accent3">
+                        <a:lumMod val="20000"/>
+                        <a:lumOff val="80000"/>
+                      </a:schemeClr>
+                    </a:solidFill>
+                  </a:tcPr>
+                </a:tc>
+                <a:tc>
+                  <a:txBody>
+                    <a:bodyPr/>
+                    <a:lstStyle/>
+                    <a:p>
+                      <a:pPr algn="ctr"/>
+                      <a:r>
+                        <a:rPr lang="es-MX" sz="1600" dirty="0"/>
+                        <a:t>336</a:t>
+                      </a:r>
+                    </a:p>
+                  </a:txBody>
+                  <a:tcPr anchor="ctr" anchorCtr="1">
+                    <a:solidFill>
+                      <a:schemeClr val="accent3">
+                        <a:lumMod val="20000"/>
+                        <a:lumOff val="80000"/>
+                      </a:schemeClr>
+                    </a:solidFill>
+                  </a:tcPr>
+                </a:tc>
+                <a:tc>
+                  <a:txBody>
+                    <a:bodyPr/>
+                    <a:lstStyle/>
+                    <a:p>
+                      <a:pPr algn="ctr"/>
+                      <a:r>
+                        <a:rPr lang="es-MX" sz="1600" dirty="0"/>
+                        <a:t>264</a:t>
+                      </a:r>
+                    </a:p>
+                  </a:txBody>
+                  <a:tcPr anchor="ctr" anchorCtr="1">
+                    <a:solidFill>
+                      <a:schemeClr val="accent3">
+                        <a:lumMod val="20000"/>
+                        <a:lumOff val="80000"/>
+                      </a:schemeClr>
+                    </a:solidFill>
+                  </a:tcPr>
+                </a:tc>
+                <a:extLst>
+                  <a:ext uri="{0D108BD9-81ED-4DB2-BD59-A6C34878D82A}">
+                    <a16:rowId xmlns:a16="http://schemas.microsoft.com/office/drawing/2014/main" val="4203213746"/>
+                  </a:ext>
+                </a:extLst>
+              </a:tr>
+            </a:tbl>
+          </a:graphicData>
+        </a:graphic>
+      </p:graphicFrame>
+      <p:pic>
+        <p:nvPicPr>
+          <p:cNvPr id="9" name="Imagen 8">
+            <a:extLst>
+              <a:ext uri="{FF2B5EF4-FFF2-40B4-BE49-F238E27FC236}">
+                <a16:creationId xmlns:a16="http://schemas.microsoft.com/office/drawing/2014/main" id="{78D53CC7-88B8-45D3-838F-CA84DD40604A}"/>
+              </a:ext>
+            </a:extLst>
+          </p:cNvPr>
+          <p:cNvPicPr>
+            <a:picLocks noChangeAspect="1"/>
+          </p:cNvPicPr>
+          <p:nvPr/>
+        </p:nvPicPr>
+        <p:blipFill>
+          <a:blip r:embed="rId3" cstate="print">
+            <a:extLst>
+              <a:ext uri="{28A0092B-C50C-407E-A947-70E740481C1C}">
+                <a14:useLocalDpi xmlns:a14="http://schemas.microsoft.com/office/drawing/2010/main" val="0"/>
+              </a:ext>
+            </a:extLst>
+          </a:blip>
+          <a:stretch>
+            <a:fillRect/>
+          </a:stretch>
+        </p:blipFill>
+        <p:spPr>
+          <a:xfrm>
+            <a:off x="7312427" y="0"/>
+            <a:ext cx="1219200" cy="1219200"/>
+          </a:xfrm>
+          <a:prstGeom prst="rect">
+            <a:avLst/>
+          </a:prstGeom>
+          <a:effectLst>
+            <a:outerShdw blurRad="50800" dist="50800" dir="5400000" algn="ctr" rotWithShape="0">
+              <a:schemeClr val="bg1">
+                <a:lumMod val="85000"/>
+              </a:schemeClr>
+            </a:outerShdw>
+            <a:softEdge rad="25400"/>
+          </a:effectLst>
+        </p:spPr>
+      </p:pic>
     </p:spTree>
     <p:extLst>
       <p:ext uri="{BB962C8B-B14F-4D97-AF65-F5344CB8AC3E}">
-        <p14:creationId xmlns:p14="http://schemas.microsoft.com/office/powerpoint/2010/main" val="3401297181"/>
+        <p14:creationId xmlns:p14="http://schemas.microsoft.com/office/powerpoint/2010/main" val="2921942728"/>
       </p:ext>
     </p:extLst>
   </p:cSld>
@@ -5688,7 +7036,975 @@
 </p:sld>
 </file>
 
-<file path=ppt/slides/slide13.xml><?xml version="1.0" encoding="utf-8"?>
+<file path=ppt/slides/slide14.xml><?xml version="1.0" encoding="utf-8"?>
+<p:sld xmlns:a="http://schemas.openxmlformats.org/drawingml/2006/main" xmlns:r="http://schemas.openxmlformats.org/officeDocument/2006/relationships" xmlns:p="http://schemas.openxmlformats.org/presentationml/2006/main">
+  <p:cSld>
+    <p:spTree>
+      <p:nvGrpSpPr>
+        <p:cNvPr id="1" name=""/>
+        <p:cNvGrpSpPr/>
+        <p:nvPr/>
+      </p:nvGrpSpPr>
+      <p:grpSpPr>
+        <a:xfrm>
+          <a:off x="0" y="0"/>
+          <a:ext cx="0" cy="0"/>
+          <a:chOff x="0" y="0"/>
+          <a:chExt cx="0" cy="0"/>
+        </a:xfrm>
+      </p:grpSpPr>
+      <p:sp>
+        <p:nvSpPr>
+          <p:cNvPr id="184324" name="Rectangle 4"/>
+          <p:cNvSpPr>
+            <a:spLocks noGrp="1" noChangeArrowheads="1"/>
+          </p:cNvSpPr>
+          <p:nvPr>
+            <p:ph type="title"/>
+          </p:nvPr>
+        </p:nvSpPr>
+        <p:spPr>
+          <a:xfrm>
+            <a:off x="302027" y="360040"/>
+            <a:ext cx="8229600" cy="1143000"/>
+          </a:xfrm>
+        </p:spPr>
+        <p:txBody>
+          <a:bodyPr>
+            <a:normAutofit fontScale="90000"/>
+          </a:bodyPr>
+          <a:lstStyle/>
+          <a:p>
+            <a:pPr eaLnBrk="1" hangingPunct="1">
+              <a:defRPr/>
+            </a:pPr>
+            <a:r>
+              <a:rPr lang="es-MX" b="1" dirty="0">
+                <a:solidFill>
+                  <a:schemeClr val="accent4">
+                    <a:lumMod val="50000"/>
+                  </a:schemeClr>
+                </a:solidFill>
+                <a:effectLst>
+                  <a:outerShdw blurRad="38100" dist="38100" dir="2700000" algn="tl">
+                    <a:srgbClr val="C0C0C0"/>
+                  </a:outerShdw>
+                </a:effectLst>
+                <a:latin typeface="Dom Casual" charset="0"/>
+              </a:rPr>
+              <a:t>Situación problema 1</a:t>
+            </a:r>
+            <a:br>
+              <a:rPr lang="es-MX" b="1" dirty="0">
+                <a:solidFill>
+                  <a:schemeClr val="accent4">
+                    <a:lumMod val="50000"/>
+                  </a:schemeClr>
+                </a:solidFill>
+                <a:effectLst>
+                  <a:outerShdw blurRad="38100" dist="38100" dir="2700000" algn="tl">
+                    <a:srgbClr val="C0C0C0"/>
+                  </a:outerShdw>
+                </a:effectLst>
+                <a:latin typeface="Dom Casual" charset="0"/>
+              </a:rPr>
+            </a:br>
+            <a:r>
+              <a:rPr lang="es-MX" sz="3100" dirty="0">
+                <a:solidFill>
+                  <a:schemeClr val="accent6">
+                    <a:lumMod val="75000"/>
+                  </a:schemeClr>
+                </a:solidFill>
+                <a:effectLst>
+                  <a:outerShdw blurRad="38100" dist="38100" dir="2700000" algn="tl">
+                    <a:srgbClr val="C0C0C0"/>
+                  </a:outerShdw>
+                </a:effectLst>
+                <a:latin typeface="Dom Casual" charset="0"/>
+              </a:rPr>
+              <a:t>Realizar pago</a:t>
+            </a:r>
+          </a:p>
+        </p:txBody>
+      </p:sp>
+      <p:sp>
+        <p:nvSpPr>
+          <p:cNvPr id="6" name="object 25">
+            <a:extLst>
+              <a:ext uri="{FF2B5EF4-FFF2-40B4-BE49-F238E27FC236}">
+                <a16:creationId xmlns:a16="http://schemas.microsoft.com/office/drawing/2014/main" id="{8BC5A2FA-947F-4654-BAD4-532D725EFBE5}"/>
+              </a:ext>
+            </a:extLst>
+          </p:cNvPr>
+          <p:cNvSpPr txBox="1"/>
+          <p:nvPr/>
+        </p:nvSpPr>
+        <p:spPr>
+          <a:xfrm>
+            <a:off x="1187624" y="1988840"/>
+            <a:ext cx="2267735" cy="388492"/>
+          </a:xfrm>
+          <a:prstGeom prst="rect">
+            <a:avLst/>
+          </a:prstGeom>
+        </p:spPr>
+        <p:txBody>
+          <a:bodyPr vert="horz" wrap="square" lIns="0" tIns="0" rIns="0" bIns="0" rtlCol="0">
+            <a:noAutofit/>
+          </a:bodyPr>
+          <a:lstStyle/>
+          <a:p>
+            <a:pPr marL="12700">
+              <a:lnSpc>
+                <a:spcPct val="100000"/>
+              </a:lnSpc>
+              <a:spcAft>
+                <a:spcPts val="600"/>
+              </a:spcAft>
+            </a:pPr>
+            <a:r>
+              <a:rPr lang="es-MX" sz="2000" b="1" spc="-20" dirty="0">
+                <a:solidFill>
+                  <a:schemeClr val="accent4">
+                    <a:lumMod val="75000"/>
+                  </a:schemeClr>
+                </a:solidFill>
+                <a:cs typeface="Calibri"/>
+              </a:rPr>
+              <a:t>Ejemplo 1:</a:t>
+            </a:r>
+            <a:endParaRPr sz="2000" b="1" dirty="0">
+              <a:solidFill>
+                <a:schemeClr val="accent4">
+                  <a:lumMod val="75000"/>
+                </a:schemeClr>
+              </a:solidFill>
+              <a:latin typeface="Calibri"/>
+              <a:cs typeface="Calibri"/>
+            </a:endParaRPr>
+          </a:p>
+        </p:txBody>
+      </p:sp>
+      <p:pic>
+        <p:nvPicPr>
+          <p:cNvPr id="9" name="Imagen 8">
+            <a:extLst>
+              <a:ext uri="{FF2B5EF4-FFF2-40B4-BE49-F238E27FC236}">
+                <a16:creationId xmlns:a16="http://schemas.microsoft.com/office/drawing/2014/main" id="{78D53CC7-88B8-45D3-838F-CA84DD40604A}"/>
+              </a:ext>
+            </a:extLst>
+          </p:cNvPr>
+          <p:cNvPicPr>
+            <a:picLocks noChangeAspect="1"/>
+          </p:cNvPicPr>
+          <p:nvPr/>
+        </p:nvPicPr>
+        <p:blipFill>
+          <a:blip r:embed="rId3" cstate="print">
+            <a:extLst>
+              <a:ext uri="{28A0092B-C50C-407E-A947-70E740481C1C}">
+                <a14:useLocalDpi xmlns:a14="http://schemas.microsoft.com/office/drawing/2010/main" val="0"/>
+              </a:ext>
+            </a:extLst>
+          </a:blip>
+          <a:stretch>
+            <a:fillRect/>
+          </a:stretch>
+        </p:blipFill>
+        <p:spPr>
+          <a:xfrm>
+            <a:off x="7312427" y="360040"/>
+            <a:ext cx="1219200" cy="1219200"/>
+          </a:xfrm>
+          <a:prstGeom prst="rect">
+            <a:avLst/>
+          </a:prstGeom>
+          <a:effectLst>
+            <a:outerShdw blurRad="50800" dist="50800" dir="5400000" algn="ctr" rotWithShape="0">
+              <a:schemeClr val="bg1">
+                <a:lumMod val="85000"/>
+              </a:schemeClr>
+            </a:outerShdw>
+            <a:softEdge rad="25400"/>
+          </a:effectLst>
+        </p:spPr>
+      </p:pic>
+      <p:pic>
+        <p:nvPicPr>
+          <p:cNvPr id="3" name="Imagen 2">
+            <a:extLst>
+              <a:ext uri="{FF2B5EF4-FFF2-40B4-BE49-F238E27FC236}">
+                <a16:creationId xmlns:a16="http://schemas.microsoft.com/office/drawing/2014/main" id="{8C4EA4BF-CFAD-4199-A463-377786CA01A5}"/>
+              </a:ext>
+            </a:extLst>
+          </p:cNvPr>
+          <p:cNvPicPr>
+            <a:picLocks noChangeAspect="1"/>
+          </p:cNvPicPr>
+          <p:nvPr/>
+        </p:nvPicPr>
+        <p:blipFill>
+          <a:blip r:embed="rId4"/>
+          <a:stretch>
+            <a:fillRect/>
+          </a:stretch>
+        </p:blipFill>
+        <p:spPr>
+          <a:xfrm>
+            <a:off x="1187624" y="2636912"/>
+            <a:ext cx="7175366" cy="2808312"/>
+          </a:xfrm>
+          <a:prstGeom prst="rect">
+            <a:avLst/>
+          </a:prstGeom>
+          <a:ln w="25400">
+            <a:solidFill>
+              <a:schemeClr val="accent1"/>
+            </a:solidFill>
+          </a:ln>
+        </p:spPr>
+      </p:pic>
+    </p:spTree>
+    <p:extLst>
+      <p:ext uri="{BB962C8B-B14F-4D97-AF65-F5344CB8AC3E}">
+        <p14:creationId xmlns:p14="http://schemas.microsoft.com/office/powerpoint/2010/main" val="3221356253"/>
+      </p:ext>
+    </p:extLst>
+  </p:cSld>
+  <p:clrMapOvr>
+    <a:masterClrMapping/>
+  </p:clrMapOvr>
+</p:sld>
+</file>
+
+<file path=ppt/slides/slide15.xml><?xml version="1.0" encoding="utf-8"?>
+<p:sld xmlns:a="http://schemas.openxmlformats.org/drawingml/2006/main" xmlns:r="http://schemas.openxmlformats.org/officeDocument/2006/relationships" xmlns:p="http://schemas.openxmlformats.org/presentationml/2006/main">
+  <p:cSld>
+    <p:spTree>
+      <p:nvGrpSpPr>
+        <p:cNvPr id="1" name=""/>
+        <p:cNvGrpSpPr/>
+        <p:nvPr/>
+      </p:nvGrpSpPr>
+      <p:grpSpPr>
+        <a:xfrm>
+          <a:off x="0" y="0"/>
+          <a:ext cx="0" cy="0"/>
+          <a:chOff x="0" y="0"/>
+          <a:chExt cx="0" cy="0"/>
+        </a:xfrm>
+      </p:grpSpPr>
+      <p:sp>
+        <p:nvSpPr>
+          <p:cNvPr id="184324" name="Rectangle 4"/>
+          <p:cNvSpPr>
+            <a:spLocks noGrp="1" noChangeArrowheads="1"/>
+          </p:cNvSpPr>
+          <p:nvPr>
+            <p:ph type="title"/>
+          </p:nvPr>
+        </p:nvSpPr>
+        <p:spPr>
+          <a:xfrm>
+            <a:off x="302027" y="360040"/>
+            <a:ext cx="8229600" cy="1143000"/>
+          </a:xfrm>
+        </p:spPr>
+        <p:txBody>
+          <a:bodyPr>
+            <a:normAutofit fontScale="90000"/>
+          </a:bodyPr>
+          <a:lstStyle/>
+          <a:p>
+            <a:pPr eaLnBrk="1" hangingPunct="1">
+              <a:defRPr/>
+            </a:pPr>
+            <a:r>
+              <a:rPr lang="es-MX" b="1" dirty="0">
+                <a:solidFill>
+                  <a:schemeClr val="accent4">
+                    <a:lumMod val="50000"/>
+                  </a:schemeClr>
+                </a:solidFill>
+                <a:effectLst>
+                  <a:outerShdw blurRad="38100" dist="38100" dir="2700000" algn="tl">
+                    <a:srgbClr val="C0C0C0"/>
+                  </a:outerShdw>
+                </a:effectLst>
+                <a:latin typeface="Dom Casual" charset="0"/>
+              </a:rPr>
+              <a:t>Situación problema 1</a:t>
+            </a:r>
+            <a:br>
+              <a:rPr lang="es-MX" b="1" dirty="0">
+                <a:solidFill>
+                  <a:schemeClr val="accent4">
+                    <a:lumMod val="50000"/>
+                  </a:schemeClr>
+                </a:solidFill>
+                <a:effectLst>
+                  <a:outerShdw blurRad="38100" dist="38100" dir="2700000" algn="tl">
+                    <a:srgbClr val="C0C0C0"/>
+                  </a:outerShdw>
+                </a:effectLst>
+                <a:latin typeface="Dom Casual" charset="0"/>
+              </a:rPr>
+            </a:br>
+            <a:r>
+              <a:rPr lang="es-MX" sz="3100" dirty="0">
+                <a:solidFill>
+                  <a:schemeClr val="accent6">
+                    <a:lumMod val="75000"/>
+                  </a:schemeClr>
+                </a:solidFill>
+                <a:effectLst>
+                  <a:outerShdw blurRad="38100" dist="38100" dir="2700000" algn="tl">
+                    <a:srgbClr val="C0C0C0"/>
+                  </a:outerShdw>
+                </a:effectLst>
+                <a:latin typeface="Dom Casual" charset="0"/>
+              </a:rPr>
+              <a:t>Realizar pago</a:t>
+            </a:r>
+          </a:p>
+        </p:txBody>
+      </p:sp>
+      <p:sp>
+        <p:nvSpPr>
+          <p:cNvPr id="6" name="object 25">
+            <a:extLst>
+              <a:ext uri="{FF2B5EF4-FFF2-40B4-BE49-F238E27FC236}">
+                <a16:creationId xmlns:a16="http://schemas.microsoft.com/office/drawing/2014/main" id="{8BC5A2FA-947F-4654-BAD4-532D725EFBE5}"/>
+              </a:ext>
+            </a:extLst>
+          </p:cNvPr>
+          <p:cNvSpPr txBox="1"/>
+          <p:nvPr/>
+        </p:nvSpPr>
+        <p:spPr>
+          <a:xfrm>
+            <a:off x="1187624" y="1988840"/>
+            <a:ext cx="2267735" cy="388492"/>
+          </a:xfrm>
+          <a:prstGeom prst="rect">
+            <a:avLst/>
+          </a:prstGeom>
+        </p:spPr>
+        <p:txBody>
+          <a:bodyPr vert="horz" wrap="square" lIns="0" tIns="0" rIns="0" bIns="0" rtlCol="0">
+            <a:noAutofit/>
+          </a:bodyPr>
+          <a:lstStyle/>
+          <a:p>
+            <a:pPr marL="12700">
+              <a:lnSpc>
+                <a:spcPct val="100000"/>
+              </a:lnSpc>
+              <a:spcAft>
+                <a:spcPts val="600"/>
+              </a:spcAft>
+            </a:pPr>
+            <a:r>
+              <a:rPr lang="es-MX" sz="2000" b="1" spc="-20" dirty="0">
+                <a:solidFill>
+                  <a:schemeClr val="accent4">
+                    <a:lumMod val="75000"/>
+                  </a:schemeClr>
+                </a:solidFill>
+                <a:cs typeface="Calibri"/>
+              </a:rPr>
+              <a:t>Ejemplo 2:</a:t>
+            </a:r>
+            <a:endParaRPr sz="2000" b="1" dirty="0">
+              <a:solidFill>
+                <a:schemeClr val="accent4">
+                  <a:lumMod val="75000"/>
+                </a:schemeClr>
+              </a:solidFill>
+              <a:latin typeface="Calibri"/>
+              <a:cs typeface="Calibri"/>
+            </a:endParaRPr>
+          </a:p>
+        </p:txBody>
+      </p:sp>
+      <p:pic>
+        <p:nvPicPr>
+          <p:cNvPr id="9" name="Imagen 8">
+            <a:extLst>
+              <a:ext uri="{FF2B5EF4-FFF2-40B4-BE49-F238E27FC236}">
+                <a16:creationId xmlns:a16="http://schemas.microsoft.com/office/drawing/2014/main" id="{78D53CC7-88B8-45D3-838F-CA84DD40604A}"/>
+              </a:ext>
+            </a:extLst>
+          </p:cNvPr>
+          <p:cNvPicPr>
+            <a:picLocks noChangeAspect="1"/>
+          </p:cNvPicPr>
+          <p:nvPr/>
+        </p:nvPicPr>
+        <p:blipFill>
+          <a:blip r:embed="rId3" cstate="print">
+            <a:extLst>
+              <a:ext uri="{28A0092B-C50C-407E-A947-70E740481C1C}">
+                <a14:useLocalDpi xmlns:a14="http://schemas.microsoft.com/office/drawing/2010/main" val="0"/>
+              </a:ext>
+            </a:extLst>
+          </a:blip>
+          <a:stretch>
+            <a:fillRect/>
+          </a:stretch>
+        </p:blipFill>
+        <p:spPr>
+          <a:xfrm>
+            <a:off x="7312427" y="360040"/>
+            <a:ext cx="1219200" cy="1219200"/>
+          </a:xfrm>
+          <a:prstGeom prst="rect">
+            <a:avLst/>
+          </a:prstGeom>
+          <a:effectLst>
+            <a:outerShdw blurRad="50800" dist="50800" dir="5400000" algn="ctr" rotWithShape="0">
+              <a:schemeClr val="bg1">
+                <a:lumMod val="85000"/>
+              </a:schemeClr>
+            </a:outerShdw>
+            <a:softEdge rad="25400"/>
+          </a:effectLst>
+        </p:spPr>
+      </p:pic>
+      <p:pic>
+        <p:nvPicPr>
+          <p:cNvPr id="2" name="Imagen 1">
+            <a:extLst>
+              <a:ext uri="{FF2B5EF4-FFF2-40B4-BE49-F238E27FC236}">
+                <a16:creationId xmlns:a16="http://schemas.microsoft.com/office/drawing/2014/main" id="{01C968D0-3A54-4625-8E48-E7DC94F65C63}"/>
+              </a:ext>
+            </a:extLst>
+          </p:cNvPr>
+          <p:cNvPicPr>
+            <a:picLocks noChangeAspect="1"/>
+          </p:cNvPicPr>
+          <p:nvPr/>
+        </p:nvPicPr>
+        <p:blipFill>
+          <a:blip r:embed="rId4"/>
+          <a:stretch>
+            <a:fillRect/>
+          </a:stretch>
+        </p:blipFill>
+        <p:spPr>
+          <a:xfrm>
+            <a:off x="1218847" y="2528044"/>
+            <a:ext cx="6576214" cy="2989188"/>
+          </a:xfrm>
+          <a:prstGeom prst="rect">
+            <a:avLst/>
+          </a:prstGeom>
+          <a:ln w="25400">
+            <a:solidFill>
+              <a:schemeClr val="accent1"/>
+            </a:solidFill>
+          </a:ln>
+        </p:spPr>
+      </p:pic>
+    </p:spTree>
+    <p:extLst>
+      <p:ext uri="{BB962C8B-B14F-4D97-AF65-F5344CB8AC3E}">
+        <p14:creationId xmlns:p14="http://schemas.microsoft.com/office/powerpoint/2010/main" val="3146046162"/>
+      </p:ext>
+    </p:extLst>
+  </p:cSld>
+  <p:clrMapOvr>
+    <a:masterClrMapping/>
+  </p:clrMapOvr>
+</p:sld>
+</file>
+
+<file path=ppt/slides/slide16.xml><?xml version="1.0" encoding="utf-8"?>
+<p:sld xmlns:a="http://schemas.openxmlformats.org/drawingml/2006/main" xmlns:r="http://schemas.openxmlformats.org/officeDocument/2006/relationships" xmlns:p="http://schemas.openxmlformats.org/presentationml/2006/main">
+  <p:cSld>
+    <p:spTree>
+      <p:nvGrpSpPr>
+        <p:cNvPr id="1" name=""/>
+        <p:cNvGrpSpPr/>
+        <p:nvPr/>
+      </p:nvGrpSpPr>
+      <p:grpSpPr>
+        <a:xfrm>
+          <a:off x="0" y="0"/>
+          <a:ext cx="0" cy="0"/>
+          <a:chOff x="0" y="0"/>
+          <a:chExt cx="0" cy="0"/>
+        </a:xfrm>
+      </p:grpSpPr>
+      <p:sp>
+        <p:nvSpPr>
+          <p:cNvPr id="184324" name="Rectangle 4"/>
+          <p:cNvSpPr>
+            <a:spLocks noGrp="1" noChangeArrowheads="1"/>
+          </p:cNvSpPr>
+          <p:nvPr>
+            <p:ph type="title"/>
+          </p:nvPr>
+        </p:nvSpPr>
+        <p:spPr>
+          <a:xfrm>
+            <a:off x="302027" y="360040"/>
+            <a:ext cx="8229600" cy="1143000"/>
+          </a:xfrm>
+        </p:spPr>
+        <p:txBody>
+          <a:bodyPr>
+            <a:normAutofit fontScale="90000"/>
+          </a:bodyPr>
+          <a:lstStyle/>
+          <a:p>
+            <a:pPr eaLnBrk="1" hangingPunct="1">
+              <a:defRPr/>
+            </a:pPr>
+            <a:r>
+              <a:rPr lang="es-MX" b="1" dirty="0">
+                <a:solidFill>
+                  <a:schemeClr val="accent4">
+                    <a:lumMod val="50000"/>
+                  </a:schemeClr>
+                </a:solidFill>
+                <a:effectLst>
+                  <a:outerShdw blurRad="38100" dist="38100" dir="2700000" algn="tl">
+                    <a:srgbClr val="C0C0C0"/>
+                  </a:outerShdw>
+                </a:effectLst>
+                <a:latin typeface="Dom Casual" charset="0"/>
+              </a:rPr>
+              <a:t>Situación problema 1</a:t>
+            </a:r>
+            <a:br>
+              <a:rPr lang="es-MX" b="1" dirty="0">
+                <a:solidFill>
+                  <a:schemeClr val="accent4">
+                    <a:lumMod val="50000"/>
+                  </a:schemeClr>
+                </a:solidFill>
+                <a:effectLst>
+                  <a:outerShdw blurRad="38100" dist="38100" dir="2700000" algn="tl">
+                    <a:srgbClr val="C0C0C0"/>
+                  </a:outerShdw>
+                </a:effectLst>
+                <a:latin typeface="Dom Casual" charset="0"/>
+              </a:rPr>
+            </a:br>
+            <a:r>
+              <a:rPr lang="es-MX" sz="3100" dirty="0">
+                <a:solidFill>
+                  <a:schemeClr val="accent6">
+                    <a:lumMod val="75000"/>
+                  </a:schemeClr>
+                </a:solidFill>
+                <a:effectLst>
+                  <a:outerShdw blurRad="38100" dist="38100" dir="2700000" algn="tl">
+                    <a:srgbClr val="C0C0C0"/>
+                  </a:outerShdw>
+                </a:effectLst>
+                <a:latin typeface="Dom Casual" charset="0"/>
+              </a:rPr>
+              <a:t>Realizar pago</a:t>
+            </a:r>
+          </a:p>
+        </p:txBody>
+      </p:sp>
+      <p:sp>
+        <p:nvSpPr>
+          <p:cNvPr id="6" name="object 25">
+            <a:extLst>
+              <a:ext uri="{FF2B5EF4-FFF2-40B4-BE49-F238E27FC236}">
+                <a16:creationId xmlns:a16="http://schemas.microsoft.com/office/drawing/2014/main" id="{8BC5A2FA-947F-4654-BAD4-532D725EFBE5}"/>
+              </a:ext>
+            </a:extLst>
+          </p:cNvPr>
+          <p:cNvSpPr txBox="1"/>
+          <p:nvPr/>
+        </p:nvSpPr>
+        <p:spPr>
+          <a:xfrm>
+            <a:off x="1187624" y="1988840"/>
+            <a:ext cx="2267735" cy="388492"/>
+          </a:xfrm>
+          <a:prstGeom prst="rect">
+            <a:avLst/>
+          </a:prstGeom>
+        </p:spPr>
+        <p:txBody>
+          <a:bodyPr vert="horz" wrap="square" lIns="0" tIns="0" rIns="0" bIns="0" rtlCol="0">
+            <a:noAutofit/>
+          </a:bodyPr>
+          <a:lstStyle/>
+          <a:p>
+            <a:pPr marL="12700">
+              <a:lnSpc>
+                <a:spcPct val="100000"/>
+              </a:lnSpc>
+              <a:spcAft>
+                <a:spcPts val="600"/>
+              </a:spcAft>
+            </a:pPr>
+            <a:r>
+              <a:rPr lang="es-MX" sz="2000" b="1" spc="-20" dirty="0">
+                <a:solidFill>
+                  <a:schemeClr val="accent4">
+                    <a:lumMod val="75000"/>
+                  </a:schemeClr>
+                </a:solidFill>
+                <a:cs typeface="Calibri"/>
+              </a:rPr>
+              <a:t>Ejemplo 3:</a:t>
+            </a:r>
+            <a:endParaRPr sz="2000" b="1" dirty="0">
+              <a:solidFill>
+                <a:schemeClr val="accent4">
+                  <a:lumMod val="75000"/>
+                </a:schemeClr>
+              </a:solidFill>
+              <a:latin typeface="Calibri"/>
+              <a:cs typeface="Calibri"/>
+            </a:endParaRPr>
+          </a:p>
+        </p:txBody>
+      </p:sp>
+      <p:pic>
+        <p:nvPicPr>
+          <p:cNvPr id="9" name="Imagen 8">
+            <a:extLst>
+              <a:ext uri="{FF2B5EF4-FFF2-40B4-BE49-F238E27FC236}">
+                <a16:creationId xmlns:a16="http://schemas.microsoft.com/office/drawing/2014/main" id="{78D53CC7-88B8-45D3-838F-CA84DD40604A}"/>
+              </a:ext>
+            </a:extLst>
+          </p:cNvPr>
+          <p:cNvPicPr>
+            <a:picLocks noChangeAspect="1"/>
+          </p:cNvPicPr>
+          <p:nvPr/>
+        </p:nvPicPr>
+        <p:blipFill>
+          <a:blip r:embed="rId3" cstate="print">
+            <a:extLst>
+              <a:ext uri="{28A0092B-C50C-407E-A947-70E740481C1C}">
+                <a14:useLocalDpi xmlns:a14="http://schemas.microsoft.com/office/drawing/2010/main" val="0"/>
+              </a:ext>
+            </a:extLst>
+          </a:blip>
+          <a:stretch>
+            <a:fillRect/>
+          </a:stretch>
+        </p:blipFill>
+        <p:spPr>
+          <a:xfrm>
+            <a:off x="7312427" y="360040"/>
+            <a:ext cx="1219200" cy="1219200"/>
+          </a:xfrm>
+          <a:prstGeom prst="rect">
+            <a:avLst/>
+          </a:prstGeom>
+          <a:effectLst>
+            <a:outerShdw blurRad="50800" dist="50800" dir="5400000" algn="ctr" rotWithShape="0">
+              <a:schemeClr val="bg1">
+                <a:lumMod val="85000"/>
+              </a:schemeClr>
+            </a:outerShdw>
+            <a:softEdge rad="25400"/>
+          </a:effectLst>
+        </p:spPr>
+      </p:pic>
+      <p:pic>
+        <p:nvPicPr>
+          <p:cNvPr id="4" name="Imagen 3">
+            <a:extLst>
+              <a:ext uri="{FF2B5EF4-FFF2-40B4-BE49-F238E27FC236}">
+                <a16:creationId xmlns:a16="http://schemas.microsoft.com/office/drawing/2014/main" id="{A28FA031-0CE0-4A88-9019-97D6CBEC7CF0}"/>
+              </a:ext>
+            </a:extLst>
+          </p:cNvPr>
+          <p:cNvPicPr>
+            <a:picLocks noChangeAspect="1"/>
+          </p:cNvPicPr>
+          <p:nvPr/>
+        </p:nvPicPr>
+        <p:blipFill>
+          <a:blip r:embed="rId4"/>
+          <a:stretch>
+            <a:fillRect/>
+          </a:stretch>
+        </p:blipFill>
+        <p:spPr>
+          <a:xfrm>
+            <a:off x="1187624" y="2636912"/>
+            <a:ext cx="6713707" cy="3096344"/>
+          </a:xfrm>
+          <a:prstGeom prst="rect">
+            <a:avLst/>
+          </a:prstGeom>
+          <a:ln w="25400">
+            <a:solidFill>
+              <a:schemeClr val="accent1"/>
+            </a:solidFill>
+          </a:ln>
+        </p:spPr>
+      </p:pic>
+    </p:spTree>
+    <p:extLst>
+      <p:ext uri="{BB962C8B-B14F-4D97-AF65-F5344CB8AC3E}">
+        <p14:creationId xmlns:p14="http://schemas.microsoft.com/office/powerpoint/2010/main" val="1561590914"/>
+      </p:ext>
+    </p:extLst>
+  </p:cSld>
+  <p:clrMapOvr>
+    <a:masterClrMapping/>
+  </p:clrMapOvr>
+</p:sld>
+</file>
+
+<file path=ppt/slides/slide17.xml><?xml version="1.0" encoding="utf-8"?>
+<p:sld xmlns:a="http://schemas.openxmlformats.org/drawingml/2006/main" xmlns:r="http://schemas.openxmlformats.org/officeDocument/2006/relationships" xmlns:p="http://schemas.openxmlformats.org/presentationml/2006/main">
+  <p:cSld>
+    <p:spTree>
+      <p:nvGrpSpPr>
+        <p:cNvPr id="1" name=""/>
+        <p:cNvGrpSpPr/>
+        <p:nvPr/>
+      </p:nvGrpSpPr>
+      <p:grpSpPr>
+        <a:xfrm>
+          <a:off x="0" y="0"/>
+          <a:ext cx="0" cy="0"/>
+          <a:chOff x="0" y="0"/>
+          <a:chExt cx="0" cy="0"/>
+        </a:xfrm>
+      </p:grpSpPr>
+      <p:sp>
+        <p:nvSpPr>
+          <p:cNvPr id="184324" name="Rectangle 4"/>
+          <p:cNvSpPr>
+            <a:spLocks noGrp="1" noChangeArrowheads="1"/>
+          </p:cNvSpPr>
+          <p:nvPr>
+            <p:ph type="title"/>
+          </p:nvPr>
+        </p:nvSpPr>
+        <p:spPr>
+          <a:xfrm>
+            <a:off x="302027" y="360040"/>
+            <a:ext cx="8229600" cy="1143000"/>
+          </a:xfrm>
+        </p:spPr>
+        <p:txBody>
+          <a:bodyPr>
+            <a:normAutofit fontScale="90000"/>
+          </a:bodyPr>
+          <a:lstStyle/>
+          <a:p>
+            <a:pPr eaLnBrk="1" hangingPunct="1">
+              <a:defRPr/>
+            </a:pPr>
+            <a:r>
+              <a:rPr lang="es-MX" b="1" dirty="0">
+                <a:solidFill>
+                  <a:schemeClr val="accent4">
+                    <a:lumMod val="50000"/>
+                  </a:schemeClr>
+                </a:solidFill>
+                <a:effectLst>
+                  <a:outerShdw blurRad="38100" dist="38100" dir="2700000" algn="tl">
+                    <a:srgbClr val="C0C0C0"/>
+                  </a:outerShdw>
+                </a:effectLst>
+                <a:latin typeface="Dom Casual" charset="0"/>
+              </a:rPr>
+              <a:t>Situación problema 1</a:t>
+            </a:r>
+            <a:br>
+              <a:rPr lang="es-MX" b="1" dirty="0">
+                <a:solidFill>
+                  <a:schemeClr val="accent4">
+                    <a:lumMod val="50000"/>
+                  </a:schemeClr>
+                </a:solidFill>
+                <a:effectLst>
+                  <a:outerShdw blurRad="38100" dist="38100" dir="2700000" algn="tl">
+                    <a:srgbClr val="C0C0C0"/>
+                  </a:outerShdw>
+                </a:effectLst>
+                <a:latin typeface="Dom Casual" charset="0"/>
+              </a:rPr>
+            </a:br>
+            <a:r>
+              <a:rPr lang="es-MX" sz="3100" dirty="0">
+                <a:solidFill>
+                  <a:schemeClr val="accent6">
+                    <a:lumMod val="75000"/>
+                  </a:schemeClr>
+                </a:solidFill>
+                <a:effectLst>
+                  <a:outerShdw blurRad="38100" dist="38100" dir="2700000" algn="tl">
+                    <a:srgbClr val="C0C0C0"/>
+                  </a:outerShdw>
+                </a:effectLst>
+                <a:latin typeface="Dom Casual" charset="0"/>
+              </a:rPr>
+              <a:t>Realizar pago</a:t>
+            </a:r>
+          </a:p>
+        </p:txBody>
+      </p:sp>
+      <p:sp>
+        <p:nvSpPr>
+          <p:cNvPr id="6" name="object 25">
+            <a:extLst>
+              <a:ext uri="{FF2B5EF4-FFF2-40B4-BE49-F238E27FC236}">
+                <a16:creationId xmlns:a16="http://schemas.microsoft.com/office/drawing/2014/main" id="{8BC5A2FA-947F-4654-BAD4-532D725EFBE5}"/>
+              </a:ext>
+            </a:extLst>
+          </p:cNvPr>
+          <p:cNvSpPr txBox="1"/>
+          <p:nvPr/>
+        </p:nvSpPr>
+        <p:spPr>
+          <a:xfrm>
+            <a:off x="1187624" y="1988840"/>
+            <a:ext cx="2267735" cy="388492"/>
+          </a:xfrm>
+          <a:prstGeom prst="rect">
+            <a:avLst/>
+          </a:prstGeom>
+        </p:spPr>
+        <p:txBody>
+          <a:bodyPr vert="horz" wrap="square" lIns="0" tIns="0" rIns="0" bIns="0" rtlCol="0">
+            <a:noAutofit/>
+          </a:bodyPr>
+          <a:lstStyle/>
+          <a:p>
+            <a:pPr marL="12700">
+              <a:lnSpc>
+                <a:spcPct val="100000"/>
+              </a:lnSpc>
+              <a:spcAft>
+                <a:spcPts val="600"/>
+              </a:spcAft>
+            </a:pPr>
+            <a:r>
+              <a:rPr lang="es-MX" sz="2000" b="1" spc="-20" dirty="0">
+                <a:solidFill>
+                  <a:schemeClr val="accent4">
+                    <a:lumMod val="75000"/>
+                  </a:schemeClr>
+                </a:solidFill>
+                <a:cs typeface="Calibri"/>
+              </a:rPr>
+              <a:t>Ejemplo 4:</a:t>
+            </a:r>
+            <a:endParaRPr sz="2000" b="1" dirty="0">
+              <a:solidFill>
+                <a:schemeClr val="accent4">
+                  <a:lumMod val="75000"/>
+                </a:schemeClr>
+              </a:solidFill>
+              <a:latin typeface="Calibri"/>
+              <a:cs typeface="Calibri"/>
+            </a:endParaRPr>
+          </a:p>
+        </p:txBody>
+      </p:sp>
+      <p:pic>
+        <p:nvPicPr>
+          <p:cNvPr id="9" name="Imagen 8">
+            <a:extLst>
+              <a:ext uri="{FF2B5EF4-FFF2-40B4-BE49-F238E27FC236}">
+                <a16:creationId xmlns:a16="http://schemas.microsoft.com/office/drawing/2014/main" id="{78D53CC7-88B8-45D3-838F-CA84DD40604A}"/>
+              </a:ext>
+            </a:extLst>
+          </p:cNvPr>
+          <p:cNvPicPr>
+            <a:picLocks noChangeAspect="1"/>
+          </p:cNvPicPr>
+          <p:nvPr/>
+        </p:nvPicPr>
+        <p:blipFill>
+          <a:blip r:embed="rId3" cstate="print">
+            <a:extLst>
+              <a:ext uri="{28A0092B-C50C-407E-A947-70E740481C1C}">
+                <a14:useLocalDpi xmlns:a14="http://schemas.microsoft.com/office/drawing/2010/main" val="0"/>
+              </a:ext>
+            </a:extLst>
+          </a:blip>
+          <a:stretch>
+            <a:fillRect/>
+          </a:stretch>
+        </p:blipFill>
+        <p:spPr>
+          <a:xfrm>
+            <a:off x="7312427" y="360040"/>
+            <a:ext cx="1219200" cy="1219200"/>
+          </a:xfrm>
+          <a:prstGeom prst="rect">
+            <a:avLst/>
+          </a:prstGeom>
+          <a:effectLst>
+            <a:outerShdw blurRad="50800" dist="50800" dir="5400000" algn="ctr" rotWithShape="0">
+              <a:schemeClr val="bg1">
+                <a:lumMod val="85000"/>
+              </a:schemeClr>
+            </a:outerShdw>
+            <a:softEdge rad="25400"/>
+          </a:effectLst>
+        </p:spPr>
+      </p:pic>
+      <p:pic>
+        <p:nvPicPr>
+          <p:cNvPr id="3" name="Imagen 2">
+            <a:extLst>
+              <a:ext uri="{FF2B5EF4-FFF2-40B4-BE49-F238E27FC236}">
+                <a16:creationId xmlns:a16="http://schemas.microsoft.com/office/drawing/2014/main" id="{C5B79658-C4F1-4B44-8DD6-4B79088367A2}"/>
+              </a:ext>
+            </a:extLst>
+          </p:cNvPr>
+          <p:cNvPicPr>
+            <a:picLocks noChangeAspect="1"/>
+          </p:cNvPicPr>
+          <p:nvPr/>
+        </p:nvPicPr>
+        <p:blipFill>
+          <a:blip r:embed="rId4"/>
+          <a:stretch>
+            <a:fillRect/>
+          </a:stretch>
+        </p:blipFill>
+        <p:spPr>
+          <a:xfrm>
+            <a:off x="1187624" y="2742108"/>
+            <a:ext cx="6890397" cy="3168352"/>
+          </a:xfrm>
+          <a:prstGeom prst="rect">
+            <a:avLst/>
+          </a:prstGeom>
+          <a:ln w="25400">
+            <a:solidFill>
+              <a:schemeClr val="accent1"/>
+            </a:solidFill>
+          </a:ln>
+        </p:spPr>
+      </p:pic>
+    </p:spTree>
+    <p:extLst>
+      <p:ext uri="{BB962C8B-B14F-4D97-AF65-F5344CB8AC3E}">
+        <p14:creationId xmlns:p14="http://schemas.microsoft.com/office/powerpoint/2010/main" val="365277039"/>
+      </p:ext>
+    </p:extLst>
+  </p:cSld>
+  <p:clrMapOvr>
+    <a:masterClrMapping/>
+  </p:clrMapOvr>
+</p:sld>
+</file>
+
+<file path=ppt/slides/slide18.xml><?xml version="1.0" encoding="utf-8"?>
 <p:sld xmlns:a="http://schemas.openxmlformats.org/drawingml/2006/main" xmlns:r="http://schemas.openxmlformats.org/officeDocument/2006/relationships" xmlns:p="http://schemas.openxmlformats.org/presentationml/2006/main">
   <p:cSld>
     <p:spTree>
@@ -5760,6 +8076,39 @@
               <a:t>recargaTarjeta</a:t>
             </a:r>
             <a:r>
+              <a:rPr lang="es-MX" sz="2000" b="1" dirty="0">
+                <a:solidFill>
+                  <a:schemeClr val="bg2">
+                    <a:lumMod val="25000"/>
+                  </a:schemeClr>
+                </a:solidFill>
+                <a:cs typeface="Arial" panose="020B0604020202020204" pitchFamily="34" charset="0"/>
+              </a:rPr>
+              <a:t>(</a:t>
+            </a:r>
+            <a:r>
+              <a:rPr lang="es-MX" sz="2000" b="1" dirty="0" err="1">
+                <a:solidFill>
+                  <a:schemeClr val="bg2">
+                    <a:lumMod val="25000"/>
+                  </a:schemeClr>
+                </a:solidFill>
+                <a:cs typeface="Arial" panose="020B0604020202020204" pitchFamily="34" charset="0"/>
+              </a:rPr>
+              <a:t>saldoTarjeta</a:t>
+            </a:r>
+            <a:r>
+              <a:rPr lang="es-MX" sz="2000" b="1" dirty="0">
+                <a:solidFill>
+                  <a:schemeClr val="bg2">
+                    <a:lumMod val="25000"/>
+                  </a:schemeClr>
+                </a:solidFill>
+                <a:cs typeface="Arial" panose="020B0604020202020204" pitchFamily="34" charset="0"/>
+              </a:rPr>
+              <a:t>)</a:t>
+            </a:r>
+            <a:r>
               <a:rPr lang="es-MX" sz="2000" dirty="0">
                 <a:solidFill>
                   <a:schemeClr val="bg2">
@@ -5768,29 +8117,7 @@
                 </a:solidFill>
                 <a:cs typeface="Arial" panose="020B0604020202020204" pitchFamily="34" charset="0"/>
               </a:rPr>
-              <a:t>, que recibe el saldo de la tarjeta de prepago (</a:t>
-            </a:r>
-            <a:r>
-              <a:rPr lang="es-MX" sz="2000" dirty="0" err="1">
-                <a:solidFill>
-                  <a:schemeClr val="bg2">
-                    <a:lumMod val="25000"/>
-                  </a:schemeClr>
-                </a:solidFill>
-                <a:cs typeface="Arial" panose="020B0604020202020204" pitchFamily="34" charset="0"/>
-              </a:rPr>
-              <a:t>saldoTarjeta</a:t>
-            </a:r>
-            <a:r>
-              <a:rPr lang="es-MX" sz="2000" dirty="0">
-                <a:solidFill>
-                  <a:schemeClr val="bg2">
-                    <a:lumMod val="25000"/>
-                  </a:schemeClr>
-                </a:solidFill>
-                <a:cs typeface="Arial" panose="020B0604020202020204" pitchFamily="34" charset="0"/>
-              </a:rPr>
-              <a:t>) e imprime un menú con las siguientes cantidades de recarga:</a:t>
+              <a:t>, que recibe el saldo de la tarjeta de prepago e imprime un menú con las siguientes cantidades de recarga:</a:t>
             </a:r>
           </a:p>
           <a:p>
@@ -6153,36 +8480,6 @@
           </a:p>
         </p:txBody>
       </p:sp>
-      <p:pic>
-        <p:nvPicPr>
-          <p:cNvPr id="2" name="Imagen 1">
-            <a:extLst>
-              <a:ext uri="{FF2B5EF4-FFF2-40B4-BE49-F238E27FC236}">
-                <a16:creationId xmlns:a16="http://schemas.microsoft.com/office/drawing/2014/main" id="{B635AD28-6E1A-4459-8B15-44E818E60FAD}"/>
-              </a:ext>
-            </a:extLst>
-          </p:cNvPr>
-          <p:cNvPicPr>
-            <a:picLocks noChangeAspect="1"/>
-          </p:cNvPicPr>
-          <p:nvPr/>
-        </p:nvPicPr>
-        <p:blipFill>
-          <a:blip r:embed="rId2"/>
-          <a:stretch>
-            <a:fillRect/>
-          </a:stretch>
-        </p:blipFill>
-        <p:spPr>
-          <a:xfrm>
-            <a:off x="5004048" y="2343150"/>
-            <a:ext cx="3695700" cy="1085850"/>
-          </a:xfrm>
-          <a:prstGeom prst="rect">
-            <a:avLst/>
-          </a:prstGeom>
-        </p:spPr>
-      </p:pic>
     </p:spTree>
     <p:extLst>
       <p:ext uri="{BB962C8B-B14F-4D97-AF65-F5344CB8AC3E}">
@@ -6196,7 +8493,7 @@
 </p:sld>
 </file>
 
-<file path=ppt/slides/slide14.xml><?xml version="1.0" encoding="utf-8"?>
+<file path=ppt/slides/slide19.xml><?xml version="1.0" encoding="utf-8"?>
 <p:sld xmlns:a="http://schemas.openxmlformats.org/drawingml/2006/main" xmlns:r="http://schemas.openxmlformats.org/officeDocument/2006/relationships" xmlns:p="http://schemas.openxmlformats.org/presentationml/2006/main">
   <p:cSld>
     <p:spTree>
@@ -7232,8 +9529,8 @@
         </p:nvSpPr>
         <p:spPr>
           <a:xfrm>
-            <a:off x="539552" y="1155805"/>
-            <a:ext cx="8296100" cy="5234351"/>
+            <a:off x="683568" y="1412776"/>
+            <a:ext cx="7992075" cy="5009499"/>
           </a:xfrm>
         </p:spPr>
         <p:txBody>
@@ -7281,7 +9578,7 @@
                 <a:latin typeface="Arial" pitchFamily="34" charset="0"/>
                 <a:cs typeface="Arial" pitchFamily="34" charset="0"/>
               </a:rPr>
-              <a:t>Al elegir, Realizar Pago, deberá desplegar el total de comida de adultos, el total de comida de niños, así como el total general. El programa debe preguntar al usuario el porcentaje que desea agregar de propina. Al presentar el Total general, se debe desglosar la propina y solicitar la autorización al usuario para descontar la propina también de la tarjeta de Prepago. El uso de la tarjeta debe solicitar un </a:t>
+              <a:t>Al elegir, Realizar Pago, deberá desplegar el total de comida de adultos, el total de comida de niños, así como el total general. El programa debe preguntar al usuario el porcentaje que desea agregar de propina. Al presentar el Total general, se debe desglosar la propina. El uso de la tarjeta debe solicitar un </a:t>
             </a:r>
             <a:r>
               <a:rPr lang="es-MX" sz="1400" dirty="0" err="1">
@@ -7348,7 +9645,7 @@
                 <a:latin typeface="Arial" pitchFamily="34" charset="0"/>
                 <a:cs typeface="Arial" pitchFamily="34" charset="0"/>
               </a:rPr>
-              <a:t>Una vez descontado el total en la tarjeta de prepago, se manda un mensaje en pantalla de: Gracias por su compra. Si el usuario completa una compra de más de 500 pesos y pagó propina, se le debe mandar un mensaje en pantalla indicando que puede gozar de internet gratis por cortesía de la casa.</a:t>
+              <a:t>Una vez descontado el total en la tarjeta de prepago, se manda un mensaje en pantalla de: Gracias por su compra. Si el usuario completa una compra de más de 500 pesos y pagó una propina mayor al 10%, se le debe mandar un mensaje en pantalla indicando que puede gozar de internet gratis por cortesía de la casa.</a:t>
             </a:r>
           </a:p>
           <a:p>
@@ -7482,55 +9779,7 @@
                 <a:latin typeface="Arial" pitchFamily="34" charset="0"/>
                 <a:cs typeface="Arial" pitchFamily="34" charset="0"/>
               </a:rPr>
-              <a:t>Las recargas son en números cerrados. $100.00, $250.00 y $500.00 pesos únicamente. SI el usuario recarga 3 veces $500 </a:t>
-            </a:r>
-            <a:r>
-              <a:rPr lang="es-MX" sz="1400" dirty="0" err="1">
-                <a:solidFill>
-                  <a:schemeClr val="bg2">
-                    <a:lumMod val="25000"/>
-                  </a:schemeClr>
-                </a:solidFill>
-                <a:latin typeface="Arial" pitchFamily="34" charset="0"/>
-                <a:cs typeface="Arial" pitchFamily="34" charset="0"/>
-              </a:rPr>
-              <a:t>dlls</a:t>
-            </a:r>
-            <a:r>
-              <a:rPr lang="es-MX" sz="1400" dirty="0">
-                <a:solidFill>
-                  <a:schemeClr val="bg2">
-                    <a:lumMod val="25000"/>
-                  </a:schemeClr>
-                </a:solidFill>
-                <a:latin typeface="Arial" pitchFamily="34" charset="0"/>
-                <a:cs typeface="Arial" pitchFamily="34" charset="0"/>
-              </a:rPr>
-              <a:t> se hará acreedor a $100 </a:t>
-            </a:r>
-            <a:r>
-              <a:rPr lang="es-MX" sz="1400" dirty="0" err="1">
-                <a:solidFill>
-                  <a:schemeClr val="bg2">
-                    <a:lumMod val="25000"/>
-                  </a:schemeClr>
-                </a:solidFill>
-                <a:latin typeface="Arial" pitchFamily="34" charset="0"/>
-                <a:cs typeface="Arial" pitchFamily="34" charset="0"/>
-              </a:rPr>
-              <a:t>dlls</a:t>
-            </a:r>
-            <a:r>
-              <a:rPr lang="es-MX" sz="1400" dirty="0">
-                <a:solidFill>
-                  <a:schemeClr val="bg2">
-                    <a:lumMod val="25000"/>
-                  </a:schemeClr>
-                </a:solidFill>
-                <a:latin typeface="Arial" pitchFamily="34" charset="0"/>
-                <a:cs typeface="Arial" pitchFamily="34" charset="0"/>
-              </a:rPr>
-              <a:t> que deberán ser sumados al saldo de su tarjeta de prepago.</a:t>
+              <a:t>Las recargas son en números cerrados. $100.00, $250.00 y $500.00 pesos únicamente. SI el usuario recarga 3 veces $500 pesos se hará acreedor a $100 pesos que deberán ser sumados al saldo de su tarjeta de prepago.</a:t>
             </a:r>
           </a:p>
         </p:txBody>
@@ -8112,6 +10361,17 @@
               <a:t>menuPrincipal</a:t>
             </a:r>
             <a:r>
+              <a:rPr lang="es-MX" sz="1800" b="1" dirty="0">
+                <a:solidFill>
+                  <a:schemeClr val="bg2">
+                    <a:lumMod val="25000"/>
+                  </a:schemeClr>
+                </a:solidFill>
+                <a:cs typeface="Arial" panose="020B0604020202020204" pitchFamily="34" charset="0"/>
+              </a:rPr>
+              <a:t>()</a:t>
+            </a:r>
+            <a:r>
               <a:rPr lang="es-MX" sz="1800" dirty="0">
                 <a:solidFill>
                   <a:schemeClr val="bg2">
@@ -8660,14 +10920,14 @@
           <p:nvPr>
             <p:extLst>
               <p:ext uri="{D42A27DB-BD31-4B8C-83A1-F6EECF244321}">
-                <p14:modId xmlns:p14="http://schemas.microsoft.com/office/powerpoint/2010/main" val="3507919394"/>
+                <p14:modId xmlns:p14="http://schemas.microsoft.com/office/powerpoint/2010/main" val="1939541913"/>
               </p:ext>
             </p:extLst>
           </p:nvPr>
         </p:nvGraphicFramePr>
         <p:xfrm>
-          <a:off x="1547664" y="2708920"/>
-          <a:ext cx="6336704" cy="2011680"/>
+          <a:off x="1547664" y="2838884"/>
+          <a:ext cx="6336704" cy="2448270"/>
         </p:xfrm>
         <a:graphic>
           <a:graphicData uri="http://schemas.openxmlformats.org/drawingml/2006/table">
@@ -8691,7 +10951,7 @@
                   </a:extLst>
                 </a:gridCol>
               </a:tblGrid>
-              <a:tr h="0">
+              <a:tr h="408045">
                 <a:tc>
                   <a:txBody>
                     <a:bodyPr/>
@@ -8727,7 +10987,7 @@
                   </a:ext>
                 </a:extLst>
               </a:tr>
-              <a:tr h="193536">
+              <a:tr h="408045">
                 <a:tc>
                   <a:txBody>
                     <a:bodyPr/>
@@ -8762,7 +11022,7 @@
                   </a:ext>
                 </a:extLst>
               </a:tr>
-              <a:tr h="157595">
+              <a:tr h="408045">
                 <a:tc>
                   <a:txBody>
                     <a:bodyPr/>
@@ -8797,7 +11057,7 @@
                   </a:ext>
                 </a:extLst>
               </a:tr>
-              <a:tr h="322052">
+              <a:tr h="408045">
                 <a:tc>
                   <a:txBody>
                     <a:bodyPr/>
@@ -8832,7 +11092,7 @@
                   </a:ext>
                 </a:extLst>
               </a:tr>
-              <a:tr h="322052">
+              <a:tr h="408045">
                 <a:tc>
                   <a:txBody>
                     <a:bodyPr/>
@@ -8867,7 +11127,7 @@
                   </a:ext>
                 </a:extLst>
               </a:tr>
-              <a:tr h="322052">
+              <a:tr h="408045">
                 <a:tc>
                   <a:txBody>
                     <a:bodyPr/>
@@ -8906,6 +11166,85 @@
           </a:graphicData>
         </a:graphic>
       </p:graphicFrame>
+      <p:pic>
+        <p:nvPicPr>
+          <p:cNvPr id="2" name="Imagen 1">
+            <a:extLst>
+              <a:ext uri="{FF2B5EF4-FFF2-40B4-BE49-F238E27FC236}">
+                <a16:creationId xmlns:a16="http://schemas.microsoft.com/office/drawing/2014/main" id="{D6B2147D-1778-4F42-8309-E9D05206CA41}"/>
+              </a:ext>
+            </a:extLst>
+          </p:cNvPr>
+          <p:cNvPicPr>
+            <a:picLocks noChangeAspect="1"/>
+          </p:cNvPicPr>
+          <p:nvPr/>
+        </p:nvPicPr>
+        <p:blipFill>
+          <a:blip r:embed="rId2"/>
+          <a:stretch>
+            <a:fillRect/>
+          </a:stretch>
+        </p:blipFill>
+        <p:spPr>
+          <a:xfrm>
+            <a:off x="5945729" y="1302382"/>
+            <a:ext cx="2946109" cy="1287264"/>
+          </a:xfrm>
+          <a:prstGeom prst="rect">
+            <a:avLst/>
+          </a:prstGeom>
+          <a:ln w="25400">
+            <a:solidFill>
+              <a:schemeClr val="accent1"/>
+            </a:solidFill>
+          </a:ln>
+        </p:spPr>
+      </p:pic>
+      <p:pic>
+        <p:nvPicPr>
+          <p:cNvPr id="6" name="Imagen 5">
+            <a:extLst>
+              <a:ext uri="{FF2B5EF4-FFF2-40B4-BE49-F238E27FC236}">
+                <a16:creationId xmlns:a16="http://schemas.microsoft.com/office/drawing/2014/main" id="{6A35015E-55A7-46C7-B0FB-1A265ABDFDA3}"/>
+              </a:ext>
+            </a:extLst>
+          </p:cNvPr>
+          <p:cNvPicPr>
+            <a:picLocks noChangeAspect="1"/>
+          </p:cNvPicPr>
+          <p:nvPr/>
+        </p:nvPicPr>
+        <p:blipFill>
+          <a:blip r:embed="rId3" cstate="print">
+            <a:extLst>
+              <a:ext uri="{28A0092B-C50C-407E-A947-70E740481C1C}">
+                <a14:useLocalDpi xmlns:a14="http://schemas.microsoft.com/office/drawing/2010/main" val="0"/>
+              </a:ext>
+            </a:extLst>
+          </a:blip>
+          <a:stretch>
+            <a:fillRect/>
+          </a:stretch>
+        </p:blipFill>
+        <p:spPr>
+          <a:xfrm>
+            <a:off x="7274768" y="4666864"/>
+            <a:ext cx="1219200" cy="1219200"/>
+          </a:xfrm>
+          <a:prstGeom prst="rect">
+            <a:avLst/>
+          </a:prstGeom>
+          <a:effectLst>
+            <a:outerShdw blurRad="50800" dist="50800" dir="5400000" algn="ctr" rotWithShape="0">
+              <a:schemeClr val="bg1">
+                <a:lumMod val="85000"/>
+              </a:schemeClr>
+            </a:outerShdw>
+            <a:softEdge rad="25400"/>
+          </a:effectLst>
+        </p:spPr>
+      </p:pic>
     </p:spTree>
     <p:extLst>
       <p:ext uri="{BB962C8B-B14F-4D97-AF65-F5344CB8AC3E}">
@@ -8989,6 +11328,17 @@
                 <a:cs typeface="Arial" panose="020B0604020202020204" pitchFamily="34" charset="0"/>
               </a:rPr>
               <a:t>menuAdulto</a:t>
+            </a:r>
+            <a:r>
+              <a:rPr lang="es-MX" sz="2000" b="1" dirty="0">
+                <a:solidFill>
+                  <a:schemeClr val="bg2">
+                    <a:lumMod val="25000"/>
+                  </a:schemeClr>
+                </a:solidFill>
+                <a:cs typeface="Arial" panose="020B0604020202020204" pitchFamily="34" charset="0"/>
+              </a:rPr>
+              <a:t>()</a:t>
             </a:r>
             <a:r>
               <a:rPr lang="es-MX" sz="2000" dirty="0">
@@ -9786,7 +12136,7 @@
           <a:graphicData uri="http://schemas.openxmlformats.org/presentationml/2006/ole">
             <mc:AlternateContent xmlns:mc="http://schemas.openxmlformats.org/markup-compatibility/2006">
               <mc:Choice xmlns:v="urn:schemas-microsoft-com:vml" Requires="v">
-                <p:oleObj spid="_x0000_s1030" name="Imagen de mapa de bits" r:id="rId4" imgW="2781360" imgH="1066680" progId="Paint.Picture">
+                <p:oleObj spid="_x0000_s1036" name="Imagen de mapa de bits" r:id="rId4" imgW="2781360" imgH="1066680" progId="Paint.Picture">
                   <p:embed/>
                 </p:oleObj>
               </mc:Choice>
@@ -9953,6 +12303,17 @@
                 <a:cs typeface="Arial" panose="020B0604020202020204" pitchFamily="34" charset="0"/>
               </a:rPr>
               <a:t>menuNino</a:t>
+            </a:r>
+            <a:r>
+              <a:rPr lang="es-MX" sz="2000" b="1" dirty="0">
+                <a:solidFill>
+                  <a:schemeClr val="bg2">
+                    <a:lumMod val="25000"/>
+                  </a:schemeClr>
+                </a:solidFill>
+                <a:cs typeface="Arial" panose="020B0604020202020204" pitchFamily="34" charset="0"/>
+              </a:rPr>
+              <a:t>()</a:t>
             </a:r>
             <a:r>
               <a:rPr lang="es-MX" sz="2000" dirty="0">

--- a/Calendario2019/Presentaciones/Semana2/SITUACION1_F.pptx
+++ b/Calendario2019/Presentaciones/Semana2/SITUACION1_F.pptx
@@ -226,7 +226,7 @@
           <a:p>
             <a:fld id="{DDE721D5-655F-45D2-B717-3C4CD78C8568}" type="datetimeFigureOut">
               <a:rPr lang="es-MX" smtClean="0"/>
-              <a:t>15/11/2019</a:t>
+              <a:t>19/11/2019</a:t>
             </a:fld>
             <a:endParaRPr lang="es-MX" dirty="0"/>
           </a:p>
@@ -1263,7 +1263,7 @@
           <a:p>
             <a:fld id="{B3F3E716-CACC-4490-AD07-F24B6A68DE47}" type="datetimeFigureOut">
               <a:rPr lang="es-MX" smtClean="0"/>
-              <a:t>15/11/2019</a:t>
+              <a:t>19/11/2019</a:t>
             </a:fld>
             <a:endParaRPr lang="es-MX" dirty="0"/>
           </a:p>
@@ -1433,7 +1433,7 @@
           <a:p>
             <a:fld id="{B3F3E716-CACC-4490-AD07-F24B6A68DE47}" type="datetimeFigureOut">
               <a:rPr lang="es-MX" smtClean="0"/>
-              <a:t>15/11/2019</a:t>
+              <a:t>19/11/2019</a:t>
             </a:fld>
             <a:endParaRPr lang="es-MX" dirty="0"/>
           </a:p>
@@ -1613,7 +1613,7 @@
           <a:p>
             <a:fld id="{B3F3E716-CACC-4490-AD07-F24B6A68DE47}" type="datetimeFigureOut">
               <a:rPr lang="es-MX" smtClean="0"/>
-              <a:t>15/11/2019</a:t>
+              <a:t>19/11/2019</a:t>
             </a:fld>
             <a:endParaRPr lang="es-MX" dirty="0"/>
           </a:p>
@@ -1783,7 +1783,7 @@
           <a:p>
             <a:fld id="{B3F3E716-CACC-4490-AD07-F24B6A68DE47}" type="datetimeFigureOut">
               <a:rPr lang="es-MX" smtClean="0"/>
-              <a:t>15/11/2019</a:t>
+              <a:t>19/11/2019</a:t>
             </a:fld>
             <a:endParaRPr lang="es-MX" dirty="0"/>
           </a:p>
@@ -2029,7 +2029,7 @@
           <a:p>
             <a:fld id="{B3F3E716-CACC-4490-AD07-F24B6A68DE47}" type="datetimeFigureOut">
               <a:rPr lang="es-MX" smtClean="0"/>
-              <a:t>15/11/2019</a:t>
+              <a:t>19/11/2019</a:t>
             </a:fld>
             <a:endParaRPr lang="es-MX" dirty="0"/>
           </a:p>
@@ -2317,7 +2317,7 @@
           <a:p>
             <a:fld id="{B3F3E716-CACC-4490-AD07-F24B6A68DE47}" type="datetimeFigureOut">
               <a:rPr lang="es-MX" smtClean="0"/>
-              <a:t>15/11/2019</a:t>
+              <a:t>19/11/2019</a:t>
             </a:fld>
             <a:endParaRPr lang="es-MX" dirty="0"/>
           </a:p>
@@ -2739,7 +2739,7 @@
           <a:p>
             <a:fld id="{B3F3E716-CACC-4490-AD07-F24B6A68DE47}" type="datetimeFigureOut">
               <a:rPr lang="es-MX" smtClean="0"/>
-              <a:t>15/11/2019</a:t>
+              <a:t>19/11/2019</a:t>
             </a:fld>
             <a:endParaRPr lang="es-MX" dirty="0"/>
           </a:p>
@@ -2857,7 +2857,7 @@
           <a:p>
             <a:fld id="{B3F3E716-CACC-4490-AD07-F24B6A68DE47}" type="datetimeFigureOut">
               <a:rPr lang="es-MX" smtClean="0"/>
-              <a:t>15/11/2019</a:t>
+              <a:t>19/11/2019</a:t>
             </a:fld>
             <a:endParaRPr lang="es-MX" dirty="0"/>
           </a:p>
@@ -2952,7 +2952,7 @@
           <a:p>
             <a:fld id="{B3F3E716-CACC-4490-AD07-F24B6A68DE47}" type="datetimeFigureOut">
               <a:rPr lang="es-MX" smtClean="0"/>
-              <a:t>15/11/2019</a:t>
+              <a:t>19/11/2019</a:t>
             </a:fld>
             <a:endParaRPr lang="es-MX" dirty="0"/>
           </a:p>
@@ -3229,7 +3229,7 @@
           <a:p>
             <a:fld id="{B3F3E716-CACC-4490-AD07-F24B6A68DE47}" type="datetimeFigureOut">
               <a:rPr lang="es-MX" smtClean="0"/>
-              <a:t>15/11/2019</a:t>
+              <a:t>19/11/2019</a:t>
             </a:fld>
             <a:endParaRPr lang="es-MX" dirty="0"/>
           </a:p>
@@ -3482,7 +3482,7 @@
           <a:p>
             <a:fld id="{B3F3E716-CACC-4490-AD07-F24B6A68DE47}" type="datetimeFigureOut">
               <a:rPr lang="es-MX" smtClean="0"/>
-              <a:t>15/11/2019</a:t>
+              <a:t>19/11/2019</a:t>
             </a:fld>
             <a:endParaRPr lang="es-MX" dirty="0"/>
           </a:p>
@@ -3695,7 +3695,7 @@
           <a:p>
             <a:fld id="{B3F3E716-CACC-4490-AD07-F24B6A68DE47}" type="datetimeFigureOut">
               <a:rPr lang="es-MX" smtClean="0"/>
-              <a:t>15/11/2019</a:t>
+              <a:t>19/11/2019</a:t>
             </a:fld>
             <a:endParaRPr lang="es-MX" dirty="0"/>
           </a:p>
@@ -4609,7 +4609,7 @@
         </p:nvSpPr>
         <p:spPr>
           <a:xfrm>
-            <a:off x="1547664" y="2132856"/>
+            <a:off x="1547664" y="3236918"/>
             <a:ext cx="2267735" cy="388492"/>
           </a:xfrm>
           <a:prstGeom prst="rect">
@@ -4668,13 +4668,13 @@
           <p:nvPr>
             <p:extLst>
               <p:ext uri="{D42A27DB-BD31-4B8C-83A1-F6EECF244321}">
-                <p14:modId xmlns:p14="http://schemas.microsoft.com/office/powerpoint/2010/main" val="3756802842"/>
+                <p14:modId xmlns:p14="http://schemas.microsoft.com/office/powerpoint/2010/main" val="981203596"/>
               </p:ext>
             </p:extLst>
           </p:nvPr>
         </p:nvGraphicFramePr>
         <p:xfrm>
-          <a:off x="1547664" y="2780928"/>
+          <a:off x="1547664" y="3884990"/>
           <a:ext cx="6336704" cy="2006052"/>
         </p:xfrm>
         <a:graphic>
@@ -4914,7 +4914,7 @@
         </p:blipFill>
         <p:spPr>
           <a:xfrm>
-            <a:off x="7418784" y="4346098"/>
+            <a:off x="7418784" y="5450160"/>
             <a:ext cx="1219200" cy="1219200"/>
           </a:xfrm>
           <a:prstGeom prst="rect">
@@ -4952,8 +4952,8 @@
         </p:blipFill>
         <p:spPr>
           <a:xfrm>
-            <a:off x="5313179" y="1402580"/>
-            <a:ext cx="2876550" cy="1095375"/>
+            <a:off x="2909728" y="1577727"/>
+            <a:ext cx="3731580" cy="1420966"/>
           </a:xfrm>
           <a:prstGeom prst="rect">
             <a:avLst/>
@@ -4966,6 +4966,212 @@
           <a:effectLst/>
         </p:spPr>
       </p:pic>
+      <p:sp>
+        <p:nvSpPr>
+          <p:cNvPr id="8" name="Abrir llave 7">
+            <a:extLst>
+              <a:ext uri="{FF2B5EF4-FFF2-40B4-BE49-F238E27FC236}">
+                <a16:creationId xmlns:a16="http://schemas.microsoft.com/office/drawing/2014/main" id="{F1381C76-3622-4094-98A8-FA395D260D85}"/>
+              </a:ext>
+            </a:extLst>
+          </p:cNvPr>
+          <p:cNvSpPr/>
+          <p:nvPr/>
+        </p:nvSpPr>
+        <p:spPr>
+          <a:xfrm>
+            <a:off x="2508066" y="1587923"/>
+            <a:ext cx="323566" cy="1050730"/>
+          </a:xfrm>
+          <a:prstGeom prst="leftBrace">
+            <a:avLst/>
+          </a:prstGeom>
+          <a:ln w="25400">
+            <a:solidFill>
+              <a:srgbClr val="FF0000"/>
+            </a:solidFill>
+          </a:ln>
+        </p:spPr>
+        <p:style>
+          <a:lnRef idx="1">
+            <a:schemeClr val="accent1"/>
+          </a:lnRef>
+          <a:fillRef idx="0">
+            <a:schemeClr val="accent1"/>
+          </a:fillRef>
+          <a:effectRef idx="0">
+            <a:schemeClr val="accent1"/>
+          </a:effectRef>
+          <a:fontRef idx="minor">
+            <a:schemeClr val="tx1"/>
+          </a:fontRef>
+        </p:style>
+        <p:txBody>
+          <a:bodyPr rtlCol="0" anchor="ctr"/>
+          <a:lstStyle/>
+          <a:p>
+            <a:pPr algn="ctr"/>
+            <a:endParaRPr lang="es-MX">
+              <a:solidFill>
+                <a:srgbClr val="FF0000"/>
+              </a:solidFill>
+            </a:endParaRPr>
+          </a:p>
+        </p:txBody>
+      </p:sp>
+      <p:sp>
+        <p:nvSpPr>
+          <p:cNvPr id="10" name="Rectángulo 9">
+            <a:extLst>
+              <a:ext uri="{FF2B5EF4-FFF2-40B4-BE49-F238E27FC236}">
+                <a16:creationId xmlns:a16="http://schemas.microsoft.com/office/drawing/2014/main" id="{4E488F60-29B1-4473-9B6F-470B3DED5977}"/>
+              </a:ext>
+            </a:extLst>
+          </p:cNvPr>
+          <p:cNvSpPr/>
+          <p:nvPr/>
+        </p:nvSpPr>
+        <p:spPr>
+          <a:xfrm>
+            <a:off x="1331640" y="1907540"/>
+            <a:ext cx="1578088" cy="369332"/>
+          </a:xfrm>
+          <a:prstGeom prst="rect">
+            <a:avLst/>
+          </a:prstGeom>
+        </p:spPr>
+        <p:txBody>
+          <a:bodyPr wrap="square">
+            <a:spAutoFit/>
+          </a:bodyPr>
+          <a:lstStyle/>
+          <a:p>
+            <a:r>
+              <a:rPr lang="es-MX" b="1" dirty="0" err="1">
+                <a:solidFill>
+                  <a:srgbClr val="FF0000"/>
+                </a:solidFill>
+                <a:cs typeface="Arial" panose="020B0604020202020204" pitchFamily="34" charset="0"/>
+              </a:rPr>
+              <a:t>menuNino</a:t>
+            </a:r>
+            <a:endParaRPr lang="es-MX" dirty="0">
+              <a:solidFill>
+                <a:srgbClr val="FF0000"/>
+              </a:solidFill>
+            </a:endParaRPr>
+          </a:p>
+        </p:txBody>
+      </p:sp>
+      <p:sp>
+        <p:nvSpPr>
+          <p:cNvPr id="11" name="Abrir llave 10">
+            <a:extLst>
+              <a:ext uri="{FF2B5EF4-FFF2-40B4-BE49-F238E27FC236}">
+                <a16:creationId xmlns:a16="http://schemas.microsoft.com/office/drawing/2014/main" id="{88ABEBD1-7FA9-49A7-960F-BA427313B17C}"/>
+              </a:ext>
+            </a:extLst>
+          </p:cNvPr>
+          <p:cNvSpPr/>
+          <p:nvPr/>
+        </p:nvSpPr>
+        <p:spPr>
+          <a:xfrm rot="10800000">
+            <a:off x="6693353" y="2654781"/>
+            <a:ext cx="110895" cy="356951"/>
+          </a:xfrm>
+          <a:prstGeom prst="leftBrace">
+            <a:avLst/>
+          </a:prstGeom>
+          <a:ln w="25400">
+            <a:solidFill>
+              <a:schemeClr val="tx2">
+                <a:lumMod val="60000"/>
+                <a:lumOff val="40000"/>
+              </a:schemeClr>
+            </a:solidFill>
+          </a:ln>
+        </p:spPr>
+        <p:style>
+          <a:lnRef idx="1">
+            <a:schemeClr val="accent1"/>
+          </a:lnRef>
+          <a:fillRef idx="0">
+            <a:schemeClr val="accent1"/>
+          </a:fillRef>
+          <a:effectRef idx="0">
+            <a:schemeClr val="accent1"/>
+          </a:effectRef>
+          <a:fontRef idx="minor">
+            <a:schemeClr val="tx1"/>
+          </a:fontRef>
+        </p:style>
+        <p:txBody>
+          <a:bodyPr rtlCol="0" anchor="ctr"/>
+          <a:lstStyle/>
+          <a:p>
+            <a:pPr algn="ctr"/>
+            <a:endParaRPr lang="es-MX">
+              <a:solidFill>
+                <a:schemeClr val="tx2">
+                  <a:lumMod val="60000"/>
+                  <a:lumOff val="40000"/>
+                </a:schemeClr>
+              </a:solidFill>
+            </a:endParaRPr>
+          </a:p>
+        </p:txBody>
+      </p:sp>
+      <p:sp>
+        <p:nvSpPr>
+          <p:cNvPr id="12" name="Rectángulo 11">
+            <a:extLst>
+              <a:ext uri="{FF2B5EF4-FFF2-40B4-BE49-F238E27FC236}">
+                <a16:creationId xmlns:a16="http://schemas.microsoft.com/office/drawing/2014/main" id="{EBDD0571-98CF-4FCE-8B6C-0FE60073ED35}"/>
+              </a:ext>
+            </a:extLst>
+          </p:cNvPr>
+          <p:cNvSpPr/>
+          <p:nvPr/>
+        </p:nvSpPr>
+        <p:spPr>
+          <a:xfrm>
+            <a:off x="6876255" y="2627620"/>
+            <a:ext cx="1934737" cy="369332"/>
+          </a:xfrm>
+          <a:prstGeom prst="rect">
+            <a:avLst/>
+          </a:prstGeom>
+        </p:spPr>
+        <p:txBody>
+          <a:bodyPr wrap="square">
+            <a:spAutoFit/>
+          </a:bodyPr>
+          <a:lstStyle/>
+          <a:p>
+            <a:r>
+              <a:rPr lang="es-MX" b="1" dirty="0">
+                <a:solidFill>
+                  <a:schemeClr val="tx2">
+                    <a:lumMod val="60000"/>
+                    <a:lumOff val="40000"/>
+                  </a:schemeClr>
+                </a:solidFill>
+                <a:cs typeface="Arial" panose="020B0604020202020204" pitchFamily="34" charset="0"/>
+              </a:rPr>
+              <a:t>Script principal</a:t>
+            </a:r>
+            <a:endParaRPr lang="es-MX" dirty="0">
+              <a:solidFill>
+                <a:schemeClr val="tx2">
+                  <a:lumMod val="60000"/>
+                  <a:lumOff val="40000"/>
+                </a:schemeClr>
+              </a:solidFill>
+            </a:endParaRPr>
+          </a:p>
+        </p:txBody>
+      </p:sp>
     </p:spTree>
     <p:extLst>
       <p:ext uri="{BB962C8B-B14F-4D97-AF65-F5344CB8AC3E}">
@@ -5661,7 +5867,27 @@
                 </a:solidFill>
                 <a:cs typeface="Arial" panose="020B0604020202020204" pitchFamily="34" charset="0"/>
               </a:rPr>
-              <a:t>La función debe regresar el saldo de la tarjeta (</a:t>
+              <a:t>La función debe </a:t>
+            </a:r>
+            <a:r>
+              <a:rPr lang="es-MX" sz="1800" b="1" u="sng" dirty="0">
+                <a:solidFill>
+                  <a:srgbClr val="FF0000"/>
+                </a:solidFill>
+                <a:cs typeface="Arial" panose="020B0604020202020204" pitchFamily="34" charset="0"/>
+              </a:rPr>
+              <a:t>regresar el saldo de la tarjeta </a:t>
+            </a:r>
+            <a:r>
+              <a:rPr lang="es-MX" sz="1800" dirty="0">
+                <a:solidFill>
+                  <a:schemeClr val="bg2">
+                    <a:lumMod val="25000"/>
+                  </a:schemeClr>
+                </a:solidFill>
+                <a:cs typeface="Arial" panose="020B0604020202020204" pitchFamily="34" charset="0"/>
+              </a:rPr>
+              <a:t>(</a:t>
             </a:r>
             <a:r>
               <a:rPr lang="es-MX" sz="1800" dirty="0" err="1">
@@ -7007,7 +7233,7 @@
         </p:blipFill>
         <p:spPr>
           <a:xfrm>
-            <a:off x="7312427" y="0"/>
+            <a:off x="7812360" y="77954"/>
             <a:ext cx="1219200" cy="1219200"/>
           </a:xfrm>
           <a:prstGeom prst="rect">
@@ -7142,7 +7368,7 @@
         </p:nvSpPr>
         <p:spPr>
           <a:xfrm>
-            <a:off x="1187624" y="1988840"/>
+            <a:off x="1861130" y="2030020"/>
             <a:ext cx="2267735" cy="388492"/>
           </a:xfrm>
           <a:prstGeom prst="rect">
@@ -7252,7 +7478,7 @@
         </p:blipFill>
         <p:spPr>
           <a:xfrm>
-            <a:off x="1187624" y="2636912"/>
+            <a:off x="1861130" y="2636912"/>
             <a:ext cx="7175366" cy="2808312"/>
           </a:xfrm>
           <a:prstGeom prst="rect">
@@ -7265,6 +7491,321 @@
           </a:ln>
         </p:spPr>
       </p:pic>
+      <p:sp>
+        <p:nvSpPr>
+          <p:cNvPr id="7" name="Abrir llave 6">
+            <a:extLst>
+              <a:ext uri="{FF2B5EF4-FFF2-40B4-BE49-F238E27FC236}">
+                <a16:creationId xmlns:a16="http://schemas.microsoft.com/office/drawing/2014/main" id="{51AE8930-22C3-4C16-BF43-AEE62EB189A9}"/>
+              </a:ext>
+            </a:extLst>
+          </p:cNvPr>
+          <p:cNvSpPr/>
+          <p:nvPr/>
+        </p:nvSpPr>
+        <p:spPr>
+          <a:xfrm>
+            <a:off x="1526524" y="3356992"/>
+            <a:ext cx="309172" cy="1796082"/>
+          </a:xfrm>
+          <a:prstGeom prst="leftBrace">
+            <a:avLst/>
+          </a:prstGeom>
+          <a:ln w="25400">
+            <a:solidFill>
+              <a:srgbClr val="FF0000"/>
+            </a:solidFill>
+          </a:ln>
+        </p:spPr>
+        <p:style>
+          <a:lnRef idx="1">
+            <a:schemeClr val="accent1"/>
+          </a:lnRef>
+          <a:fillRef idx="0">
+            <a:schemeClr val="accent1"/>
+          </a:fillRef>
+          <a:effectRef idx="0">
+            <a:schemeClr val="accent1"/>
+          </a:effectRef>
+          <a:fontRef idx="minor">
+            <a:schemeClr val="tx1"/>
+          </a:fontRef>
+        </p:style>
+        <p:txBody>
+          <a:bodyPr rtlCol="0" anchor="ctr"/>
+          <a:lstStyle/>
+          <a:p>
+            <a:pPr algn="ctr"/>
+            <a:endParaRPr lang="es-MX">
+              <a:solidFill>
+                <a:srgbClr val="FF0000"/>
+              </a:solidFill>
+            </a:endParaRPr>
+          </a:p>
+        </p:txBody>
+      </p:sp>
+      <p:sp>
+        <p:nvSpPr>
+          <p:cNvPr id="8" name="Rectángulo 7">
+            <a:extLst>
+              <a:ext uri="{FF2B5EF4-FFF2-40B4-BE49-F238E27FC236}">
+                <a16:creationId xmlns:a16="http://schemas.microsoft.com/office/drawing/2014/main" id="{F4C86068-2E59-4A98-9DB7-356FA9C9F7C8}"/>
+              </a:ext>
+            </a:extLst>
+          </p:cNvPr>
+          <p:cNvSpPr/>
+          <p:nvPr/>
+        </p:nvSpPr>
+        <p:spPr>
+          <a:xfrm>
+            <a:off x="251520" y="4030364"/>
+            <a:ext cx="1983128" cy="369332"/>
+          </a:xfrm>
+          <a:prstGeom prst="rect">
+            <a:avLst/>
+          </a:prstGeom>
+        </p:spPr>
+        <p:txBody>
+          <a:bodyPr wrap="square">
+            <a:spAutoFit/>
+          </a:bodyPr>
+          <a:lstStyle/>
+          <a:p>
+            <a:r>
+              <a:rPr lang="es-MX" b="1" dirty="0" err="1">
+                <a:solidFill>
+                  <a:srgbClr val="FF0000"/>
+                </a:solidFill>
+                <a:cs typeface="Arial" panose="020B0604020202020204" pitchFamily="34" charset="0"/>
+              </a:rPr>
+              <a:t>realizarPago</a:t>
+            </a:r>
+            <a:endParaRPr lang="es-MX" dirty="0">
+              <a:solidFill>
+                <a:srgbClr val="FF0000"/>
+              </a:solidFill>
+            </a:endParaRPr>
+          </a:p>
+        </p:txBody>
+      </p:sp>
+      <p:sp>
+        <p:nvSpPr>
+          <p:cNvPr id="10" name="Abrir llave 9">
+            <a:extLst>
+              <a:ext uri="{FF2B5EF4-FFF2-40B4-BE49-F238E27FC236}">
+                <a16:creationId xmlns:a16="http://schemas.microsoft.com/office/drawing/2014/main" id="{767B4EC8-306D-48AA-8028-E32E4470433D}"/>
+              </a:ext>
+            </a:extLst>
+          </p:cNvPr>
+          <p:cNvSpPr/>
+          <p:nvPr/>
+        </p:nvSpPr>
+        <p:spPr>
+          <a:xfrm>
+            <a:off x="1619672" y="2664073"/>
+            <a:ext cx="144016" cy="601751"/>
+          </a:xfrm>
+          <a:prstGeom prst="leftBrace">
+            <a:avLst/>
+          </a:prstGeom>
+          <a:ln w="25400">
+            <a:solidFill>
+              <a:schemeClr val="tx2">
+                <a:lumMod val="60000"/>
+                <a:lumOff val="40000"/>
+              </a:schemeClr>
+            </a:solidFill>
+          </a:ln>
+        </p:spPr>
+        <p:style>
+          <a:lnRef idx="1">
+            <a:schemeClr val="accent1"/>
+          </a:lnRef>
+          <a:fillRef idx="0">
+            <a:schemeClr val="accent1"/>
+          </a:fillRef>
+          <a:effectRef idx="0">
+            <a:schemeClr val="accent1"/>
+          </a:effectRef>
+          <a:fontRef idx="minor">
+            <a:schemeClr val="tx1"/>
+          </a:fontRef>
+        </p:style>
+        <p:txBody>
+          <a:bodyPr rtlCol="0" anchor="ctr"/>
+          <a:lstStyle/>
+          <a:p>
+            <a:pPr algn="ctr"/>
+            <a:endParaRPr lang="es-MX">
+              <a:solidFill>
+                <a:schemeClr val="tx2">
+                  <a:lumMod val="60000"/>
+                  <a:lumOff val="40000"/>
+                </a:schemeClr>
+              </a:solidFill>
+            </a:endParaRPr>
+          </a:p>
+        </p:txBody>
+      </p:sp>
+      <p:sp>
+        <p:nvSpPr>
+          <p:cNvPr id="11" name="Rectángulo 10">
+            <a:extLst>
+              <a:ext uri="{FF2B5EF4-FFF2-40B4-BE49-F238E27FC236}">
+                <a16:creationId xmlns:a16="http://schemas.microsoft.com/office/drawing/2014/main" id="{B80C2B7C-E664-4850-B2AF-811277A374AB}"/>
+              </a:ext>
+            </a:extLst>
+          </p:cNvPr>
+          <p:cNvSpPr/>
+          <p:nvPr/>
+        </p:nvSpPr>
+        <p:spPr>
+          <a:xfrm>
+            <a:off x="44975" y="2812286"/>
+            <a:ext cx="1934737" cy="369332"/>
+          </a:xfrm>
+          <a:prstGeom prst="rect">
+            <a:avLst/>
+          </a:prstGeom>
+        </p:spPr>
+        <p:txBody>
+          <a:bodyPr wrap="square">
+            <a:spAutoFit/>
+          </a:bodyPr>
+          <a:lstStyle/>
+          <a:p>
+            <a:r>
+              <a:rPr lang="es-MX" b="1" dirty="0">
+                <a:solidFill>
+                  <a:schemeClr val="tx2">
+                    <a:lumMod val="60000"/>
+                    <a:lumOff val="40000"/>
+                  </a:schemeClr>
+                </a:solidFill>
+                <a:cs typeface="Arial" panose="020B0604020202020204" pitchFamily="34" charset="0"/>
+              </a:rPr>
+              <a:t>Script principal</a:t>
+            </a:r>
+            <a:endParaRPr lang="es-MX" dirty="0">
+              <a:solidFill>
+                <a:schemeClr val="tx2">
+                  <a:lumMod val="60000"/>
+                  <a:lumOff val="40000"/>
+                </a:schemeClr>
+              </a:solidFill>
+            </a:endParaRPr>
+          </a:p>
+        </p:txBody>
+      </p:sp>
+      <p:sp>
+        <p:nvSpPr>
+          <p:cNvPr id="12" name="Abrir llave 11">
+            <a:extLst>
+              <a:ext uri="{FF2B5EF4-FFF2-40B4-BE49-F238E27FC236}">
+                <a16:creationId xmlns:a16="http://schemas.microsoft.com/office/drawing/2014/main" id="{F5D0F947-87BA-4C36-8B6B-C1FC4AA5A4E0}"/>
+              </a:ext>
+            </a:extLst>
+          </p:cNvPr>
+          <p:cNvSpPr/>
+          <p:nvPr/>
+        </p:nvSpPr>
+        <p:spPr>
+          <a:xfrm>
+            <a:off x="1619672" y="5191132"/>
+            <a:ext cx="155937" cy="326100"/>
+          </a:xfrm>
+          <a:prstGeom prst="leftBrace">
+            <a:avLst/>
+          </a:prstGeom>
+          <a:ln w="25400">
+            <a:solidFill>
+              <a:schemeClr val="tx2">
+                <a:lumMod val="60000"/>
+                <a:lumOff val="40000"/>
+              </a:schemeClr>
+            </a:solidFill>
+          </a:ln>
+        </p:spPr>
+        <p:style>
+          <a:lnRef idx="1">
+            <a:schemeClr val="accent1"/>
+          </a:lnRef>
+          <a:fillRef idx="0">
+            <a:schemeClr val="accent1"/>
+          </a:fillRef>
+          <a:effectRef idx="0">
+            <a:schemeClr val="accent1"/>
+          </a:effectRef>
+          <a:fontRef idx="minor">
+            <a:schemeClr val="tx1"/>
+          </a:fontRef>
+        </p:style>
+        <p:txBody>
+          <a:bodyPr rtlCol="0" anchor="ctr"/>
+          <a:lstStyle/>
+          <a:p>
+            <a:pPr algn="ctr"/>
+            <a:endParaRPr lang="es-MX">
+              <a:solidFill>
+                <a:schemeClr val="tx2">
+                  <a:lumMod val="60000"/>
+                  <a:lumOff val="40000"/>
+                </a:schemeClr>
+              </a:solidFill>
+            </a:endParaRPr>
+          </a:p>
+        </p:txBody>
+      </p:sp>
+      <p:sp>
+        <p:nvSpPr>
+          <p:cNvPr id="13" name="Rectángulo 12">
+            <a:extLst>
+              <a:ext uri="{FF2B5EF4-FFF2-40B4-BE49-F238E27FC236}">
+                <a16:creationId xmlns:a16="http://schemas.microsoft.com/office/drawing/2014/main" id="{416C3CE0-8E45-416B-A88A-50CFA96CFB42}"/>
+              </a:ext>
+            </a:extLst>
+          </p:cNvPr>
+          <p:cNvSpPr/>
+          <p:nvPr/>
+        </p:nvSpPr>
+        <p:spPr>
+          <a:xfrm>
+            <a:off x="85521" y="5120922"/>
+            <a:ext cx="1934737" cy="369332"/>
+          </a:xfrm>
+          <a:prstGeom prst="rect">
+            <a:avLst/>
+          </a:prstGeom>
+        </p:spPr>
+        <p:txBody>
+          <a:bodyPr wrap="square">
+            <a:spAutoFit/>
+          </a:bodyPr>
+          <a:lstStyle/>
+          <a:p>
+            <a:r>
+              <a:rPr lang="es-MX" b="1" dirty="0">
+                <a:solidFill>
+                  <a:schemeClr val="tx2">
+                    <a:lumMod val="60000"/>
+                    <a:lumOff val="40000"/>
+                  </a:schemeClr>
+                </a:solidFill>
+                <a:cs typeface="Arial" panose="020B0604020202020204" pitchFamily="34" charset="0"/>
+              </a:rPr>
+              <a:t>Script principal</a:t>
+            </a:r>
+            <a:endParaRPr lang="es-MX" dirty="0">
+              <a:solidFill>
+                <a:schemeClr val="tx2">
+                  <a:lumMod val="60000"/>
+                  <a:lumOff val="40000"/>
+                </a:schemeClr>
+              </a:solidFill>
+            </a:endParaRPr>
+          </a:p>
+        </p:txBody>
+      </p:sp>
     </p:spTree>
     <p:extLst>
       <p:ext uri="{BB962C8B-B14F-4D97-AF65-F5344CB8AC3E}">
@@ -7384,7 +7925,7 @@
         </p:nvSpPr>
         <p:spPr>
           <a:xfrm>
-            <a:off x="1187624" y="1988840"/>
+            <a:off x="2172250" y="2132856"/>
             <a:ext cx="2267735" cy="388492"/>
           </a:xfrm>
           <a:prstGeom prst="rect">
@@ -7494,7 +8035,7 @@
         </p:blipFill>
         <p:spPr>
           <a:xfrm>
-            <a:off x="1218847" y="2528044"/>
+            <a:off x="2172250" y="2802186"/>
             <a:ext cx="6576214" cy="2989188"/>
           </a:xfrm>
           <a:prstGeom prst="rect">
@@ -7507,6 +8048,321 @@
           </a:ln>
         </p:spPr>
       </p:pic>
+      <p:sp>
+        <p:nvSpPr>
+          <p:cNvPr id="7" name="Abrir llave 6">
+            <a:extLst>
+              <a:ext uri="{FF2B5EF4-FFF2-40B4-BE49-F238E27FC236}">
+                <a16:creationId xmlns:a16="http://schemas.microsoft.com/office/drawing/2014/main" id="{CF2C9388-AED7-4FFC-A88F-3A46A3A7BD6C}"/>
+              </a:ext>
+            </a:extLst>
+          </p:cNvPr>
+          <p:cNvSpPr/>
+          <p:nvPr/>
+        </p:nvSpPr>
+        <p:spPr>
+          <a:xfrm>
+            <a:off x="1763688" y="3631134"/>
+            <a:ext cx="321092" cy="1763930"/>
+          </a:xfrm>
+          <a:prstGeom prst="leftBrace">
+            <a:avLst/>
+          </a:prstGeom>
+          <a:ln w="25400">
+            <a:solidFill>
+              <a:srgbClr val="FF0000"/>
+            </a:solidFill>
+          </a:ln>
+        </p:spPr>
+        <p:style>
+          <a:lnRef idx="1">
+            <a:schemeClr val="accent1"/>
+          </a:lnRef>
+          <a:fillRef idx="0">
+            <a:schemeClr val="accent1"/>
+          </a:fillRef>
+          <a:effectRef idx="0">
+            <a:schemeClr val="accent1"/>
+          </a:effectRef>
+          <a:fontRef idx="minor">
+            <a:schemeClr val="tx1"/>
+          </a:fontRef>
+        </p:style>
+        <p:txBody>
+          <a:bodyPr rtlCol="0" anchor="ctr"/>
+          <a:lstStyle/>
+          <a:p>
+            <a:pPr algn="ctr"/>
+            <a:endParaRPr lang="es-MX">
+              <a:solidFill>
+                <a:srgbClr val="FF0000"/>
+              </a:solidFill>
+            </a:endParaRPr>
+          </a:p>
+        </p:txBody>
+      </p:sp>
+      <p:sp>
+        <p:nvSpPr>
+          <p:cNvPr id="8" name="Rectángulo 7">
+            <a:extLst>
+              <a:ext uri="{FF2B5EF4-FFF2-40B4-BE49-F238E27FC236}">
+                <a16:creationId xmlns:a16="http://schemas.microsoft.com/office/drawing/2014/main" id="{0BB01E40-4154-4E19-9D6C-DD22C4311631}"/>
+              </a:ext>
+            </a:extLst>
+          </p:cNvPr>
+          <p:cNvSpPr/>
+          <p:nvPr/>
+        </p:nvSpPr>
+        <p:spPr>
+          <a:xfrm>
+            <a:off x="428632" y="4293096"/>
+            <a:ext cx="1983128" cy="369332"/>
+          </a:xfrm>
+          <a:prstGeom prst="rect">
+            <a:avLst/>
+          </a:prstGeom>
+        </p:spPr>
+        <p:txBody>
+          <a:bodyPr wrap="square">
+            <a:spAutoFit/>
+          </a:bodyPr>
+          <a:lstStyle/>
+          <a:p>
+            <a:r>
+              <a:rPr lang="es-MX" b="1" dirty="0" err="1">
+                <a:solidFill>
+                  <a:srgbClr val="FF0000"/>
+                </a:solidFill>
+                <a:cs typeface="Arial" panose="020B0604020202020204" pitchFamily="34" charset="0"/>
+              </a:rPr>
+              <a:t>realizarPago</a:t>
+            </a:r>
+            <a:endParaRPr lang="es-MX" dirty="0">
+              <a:solidFill>
+                <a:srgbClr val="FF0000"/>
+              </a:solidFill>
+            </a:endParaRPr>
+          </a:p>
+        </p:txBody>
+      </p:sp>
+      <p:sp>
+        <p:nvSpPr>
+          <p:cNvPr id="10" name="Abrir llave 9">
+            <a:extLst>
+              <a:ext uri="{FF2B5EF4-FFF2-40B4-BE49-F238E27FC236}">
+                <a16:creationId xmlns:a16="http://schemas.microsoft.com/office/drawing/2014/main" id="{F2D8A3FA-BA59-4386-BE12-ECC3BC7E863F}"/>
+              </a:ext>
+            </a:extLst>
+          </p:cNvPr>
+          <p:cNvSpPr/>
+          <p:nvPr/>
+        </p:nvSpPr>
+        <p:spPr>
+          <a:xfrm>
+            <a:off x="1895783" y="2821346"/>
+            <a:ext cx="155937" cy="737780"/>
+          </a:xfrm>
+          <a:prstGeom prst="leftBrace">
+            <a:avLst/>
+          </a:prstGeom>
+          <a:ln w="25400">
+            <a:solidFill>
+              <a:schemeClr val="tx2">
+                <a:lumMod val="60000"/>
+                <a:lumOff val="40000"/>
+              </a:schemeClr>
+            </a:solidFill>
+          </a:ln>
+        </p:spPr>
+        <p:style>
+          <a:lnRef idx="1">
+            <a:schemeClr val="accent1"/>
+          </a:lnRef>
+          <a:fillRef idx="0">
+            <a:schemeClr val="accent1"/>
+          </a:fillRef>
+          <a:effectRef idx="0">
+            <a:schemeClr val="accent1"/>
+          </a:effectRef>
+          <a:fontRef idx="minor">
+            <a:schemeClr val="tx1"/>
+          </a:fontRef>
+        </p:style>
+        <p:txBody>
+          <a:bodyPr rtlCol="0" anchor="ctr"/>
+          <a:lstStyle/>
+          <a:p>
+            <a:pPr algn="ctr"/>
+            <a:endParaRPr lang="es-MX">
+              <a:solidFill>
+                <a:schemeClr val="tx2">
+                  <a:lumMod val="60000"/>
+                  <a:lumOff val="40000"/>
+                </a:schemeClr>
+              </a:solidFill>
+            </a:endParaRPr>
+          </a:p>
+        </p:txBody>
+      </p:sp>
+      <p:sp>
+        <p:nvSpPr>
+          <p:cNvPr id="11" name="Rectángulo 10">
+            <a:extLst>
+              <a:ext uri="{FF2B5EF4-FFF2-40B4-BE49-F238E27FC236}">
+                <a16:creationId xmlns:a16="http://schemas.microsoft.com/office/drawing/2014/main" id="{AFB14A38-31B8-4B2A-9082-3BFA566D7C94}"/>
+              </a:ext>
+            </a:extLst>
+          </p:cNvPr>
+          <p:cNvSpPr/>
+          <p:nvPr/>
+        </p:nvSpPr>
+        <p:spPr>
+          <a:xfrm>
+            <a:off x="260999" y="3086428"/>
+            <a:ext cx="1934737" cy="369332"/>
+          </a:xfrm>
+          <a:prstGeom prst="rect">
+            <a:avLst/>
+          </a:prstGeom>
+        </p:spPr>
+        <p:txBody>
+          <a:bodyPr wrap="square">
+            <a:spAutoFit/>
+          </a:bodyPr>
+          <a:lstStyle/>
+          <a:p>
+            <a:r>
+              <a:rPr lang="es-MX" b="1" dirty="0">
+                <a:solidFill>
+                  <a:schemeClr val="tx2">
+                    <a:lumMod val="60000"/>
+                    <a:lumOff val="40000"/>
+                  </a:schemeClr>
+                </a:solidFill>
+                <a:cs typeface="Arial" panose="020B0604020202020204" pitchFamily="34" charset="0"/>
+              </a:rPr>
+              <a:t>Script principal</a:t>
+            </a:r>
+            <a:endParaRPr lang="es-MX" dirty="0">
+              <a:solidFill>
+                <a:schemeClr val="tx2">
+                  <a:lumMod val="60000"/>
+                  <a:lumOff val="40000"/>
+                </a:schemeClr>
+              </a:solidFill>
+            </a:endParaRPr>
+          </a:p>
+        </p:txBody>
+      </p:sp>
+      <p:sp>
+        <p:nvSpPr>
+          <p:cNvPr id="12" name="Abrir llave 11">
+            <a:extLst>
+              <a:ext uri="{FF2B5EF4-FFF2-40B4-BE49-F238E27FC236}">
+                <a16:creationId xmlns:a16="http://schemas.microsoft.com/office/drawing/2014/main" id="{BB273D1F-61B9-4212-AC5B-1517DA9B641B}"/>
+              </a:ext>
+            </a:extLst>
+          </p:cNvPr>
+          <p:cNvSpPr/>
+          <p:nvPr/>
+        </p:nvSpPr>
+        <p:spPr>
+          <a:xfrm>
+            <a:off x="1867158" y="5473624"/>
+            <a:ext cx="155937" cy="326100"/>
+          </a:xfrm>
+          <a:prstGeom prst="leftBrace">
+            <a:avLst/>
+          </a:prstGeom>
+          <a:ln w="25400">
+            <a:solidFill>
+              <a:schemeClr val="tx2">
+                <a:lumMod val="60000"/>
+                <a:lumOff val="40000"/>
+              </a:schemeClr>
+            </a:solidFill>
+          </a:ln>
+        </p:spPr>
+        <p:style>
+          <a:lnRef idx="1">
+            <a:schemeClr val="accent1"/>
+          </a:lnRef>
+          <a:fillRef idx="0">
+            <a:schemeClr val="accent1"/>
+          </a:fillRef>
+          <a:effectRef idx="0">
+            <a:schemeClr val="accent1"/>
+          </a:effectRef>
+          <a:fontRef idx="minor">
+            <a:schemeClr val="tx1"/>
+          </a:fontRef>
+        </p:style>
+        <p:txBody>
+          <a:bodyPr rtlCol="0" anchor="ctr"/>
+          <a:lstStyle/>
+          <a:p>
+            <a:pPr algn="ctr"/>
+            <a:endParaRPr lang="es-MX">
+              <a:solidFill>
+                <a:schemeClr val="tx2">
+                  <a:lumMod val="60000"/>
+                  <a:lumOff val="40000"/>
+                </a:schemeClr>
+              </a:solidFill>
+            </a:endParaRPr>
+          </a:p>
+        </p:txBody>
+      </p:sp>
+      <p:sp>
+        <p:nvSpPr>
+          <p:cNvPr id="13" name="Rectángulo 12">
+            <a:extLst>
+              <a:ext uri="{FF2B5EF4-FFF2-40B4-BE49-F238E27FC236}">
+                <a16:creationId xmlns:a16="http://schemas.microsoft.com/office/drawing/2014/main" id="{05953B99-AE6A-430B-95EC-C88DC5F3428E}"/>
+              </a:ext>
+            </a:extLst>
+          </p:cNvPr>
+          <p:cNvSpPr/>
+          <p:nvPr/>
+        </p:nvSpPr>
+        <p:spPr>
+          <a:xfrm>
+            <a:off x="333007" y="5435932"/>
+            <a:ext cx="1934737" cy="369332"/>
+          </a:xfrm>
+          <a:prstGeom prst="rect">
+            <a:avLst/>
+          </a:prstGeom>
+        </p:spPr>
+        <p:txBody>
+          <a:bodyPr wrap="square">
+            <a:spAutoFit/>
+          </a:bodyPr>
+          <a:lstStyle/>
+          <a:p>
+            <a:r>
+              <a:rPr lang="es-MX" b="1" dirty="0">
+                <a:solidFill>
+                  <a:schemeClr val="tx2">
+                    <a:lumMod val="60000"/>
+                    <a:lumOff val="40000"/>
+                  </a:schemeClr>
+                </a:solidFill>
+                <a:cs typeface="Arial" panose="020B0604020202020204" pitchFamily="34" charset="0"/>
+              </a:rPr>
+              <a:t>Script principal</a:t>
+            </a:r>
+            <a:endParaRPr lang="es-MX" dirty="0">
+              <a:solidFill>
+                <a:schemeClr val="tx2">
+                  <a:lumMod val="60000"/>
+                  <a:lumOff val="40000"/>
+                </a:schemeClr>
+              </a:solidFill>
+            </a:endParaRPr>
+          </a:p>
+        </p:txBody>
+      </p:sp>
     </p:spTree>
     <p:extLst>
       <p:ext uri="{BB962C8B-B14F-4D97-AF65-F5344CB8AC3E}">
@@ -7626,7 +8482,7 @@
         </p:nvSpPr>
         <p:spPr>
           <a:xfrm>
-            <a:off x="1187624" y="1988840"/>
+            <a:off x="2084780" y="2041215"/>
             <a:ext cx="2267735" cy="388492"/>
           </a:xfrm>
           <a:prstGeom prst="rect">
@@ -7736,7 +8592,7 @@
         </p:blipFill>
         <p:spPr>
           <a:xfrm>
-            <a:off x="1187624" y="2636912"/>
+            <a:off x="2130761" y="2729337"/>
             <a:ext cx="6713707" cy="3096344"/>
           </a:xfrm>
           <a:prstGeom prst="rect">
@@ -7749,6 +8605,321 @@
           </a:ln>
         </p:spPr>
       </p:pic>
+      <p:sp>
+        <p:nvSpPr>
+          <p:cNvPr id="7" name="Abrir llave 6">
+            <a:extLst>
+              <a:ext uri="{FF2B5EF4-FFF2-40B4-BE49-F238E27FC236}">
+                <a16:creationId xmlns:a16="http://schemas.microsoft.com/office/drawing/2014/main" id="{BDF0F043-DF98-4860-BBF9-3848AD9904C9}"/>
+              </a:ext>
+            </a:extLst>
+          </p:cNvPr>
+          <p:cNvSpPr/>
+          <p:nvPr/>
+        </p:nvSpPr>
+        <p:spPr>
+          <a:xfrm>
+            <a:off x="1763688" y="3631134"/>
+            <a:ext cx="321092" cy="1763930"/>
+          </a:xfrm>
+          <a:prstGeom prst="leftBrace">
+            <a:avLst/>
+          </a:prstGeom>
+          <a:ln w="25400">
+            <a:solidFill>
+              <a:srgbClr val="FF0000"/>
+            </a:solidFill>
+          </a:ln>
+        </p:spPr>
+        <p:style>
+          <a:lnRef idx="1">
+            <a:schemeClr val="accent1"/>
+          </a:lnRef>
+          <a:fillRef idx="0">
+            <a:schemeClr val="accent1"/>
+          </a:fillRef>
+          <a:effectRef idx="0">
+            <a:schemeClr val="accent1"/>
+          </a:effectRef>
+          <a:fontRef idx="minor">
+            <a:schemeClr val="tx1"/>
+          </a:fontRef>
+        </p:style>
+        <p:txBody>
+          <a:bodyPr rtlCol="0" anchor="ctr"/>
+          <a:lstStyle/>
+          <a:p>
+            <a:pPr algn="ctr"/>
+            <a:endParaRPr lang="es-MX">
+              <a:solidFill>
+                <a:srgbClr val="FF0000"/>
+              </a:solidFill>
+            </a:endParaRPr>
+          </a:p>
+        </p:txBody>
+      </p:sp>
+      <p:sp>
+        <p:nvSpPr>
+          <p:cNvPr id="8" name="Rectángulo 7">
+            <a:extLst>
+              <a:ext uri="{FF2B5EF4-FFF2-40B4-BE49-F238E27FC236}">
+                <a16:creationId xmlns:a16="http://schemas.microsoft.com/office/drawing/2014/main" id="{624D3052-BE0F-4626-AEA5-C24129B20CAB}"/>
+              </a:ext>
+            </a:extLst>
+          </p:cNvPr>
+          <p:cNvSpPr/>
+          <p:nvPr/>
+        </p:nvSpPr>
+        <p:spPr>
+          <a:xfrm>
+            <a:off x="333007" y="4325442"/>
+            <a:ext cx="1983128" cy="369332"/>
+          </a:xfrm>
+          <a:prstGeom prst="rect">
+            <a:avLst/>
+          </a:prstGeom>
+        </p:spPr>
+        <p:txBody>
+          <a:bodyPr wrap="square">
+            <a:spAutoFit/>
+          </a:bodyPr>
+          <a:lstStyle/>
+          <a:p>
+            <a:r>
+              <a:rPr lang="es-MX" b="1" dirty="0" err="1">
+                <a:solidFill>
+                  <a:srgbClr val="FF0000"/>
+                </a:solidFill>
+                <a:cs typeface="Arial" panose="020B0604020202020204" pitchFamily="34" charset="0"/>
+              </a:rPr>
+              <a:t>realizarPago</a:t>
+            </a:r>
+            <a:endParaRPr lang="es-MX" dirty="0">
+              <a:solidFill>
+                <a:srgbClr val="FF0000"/>
+              </a:solidFill>
+            </a:endParaRPr>
+          </a:p>
+        </p:txBody>
+      </p:sp>
+      <p:sp>
+        <p:nvSpPr>
+          <p:cNvPr id="10" name="Abrir llave 9">
+            <a:extLst>
+              <a:ext uri="{FF2B5EF4-FFF2-40B4-BE49-F238E27FC236}">
+                <a16:creationId xmlns:a16="http://schemas.microsoft.com/office/drawing/2014/main" id="{9AB94DE6-C412-4FBB-B656-0F3FB043309D}"/>
+              </a:ext>
+            </a:extLst>
+          </p:cNvPr>
+          <p:cNvSpPr/>
+          <p:nvPr/>
+        </p:nvSpPr>
+        <p:spPr>
+          <a:xfrm>
+            <a:off x="1895783" y="2821346"/>
+            <a:ext cx="155937" cy="737780"/>
+          </a:xfrm>
+          <a:prstGeom prst="leftBrace">
+            <a:avLst/>
+          </a:prstGeom>
+          <a:ln w="25400">
+            <a:solidFill>
+              <a:schemeClr val="tx2">
+                <a:lumMod val="60000"/>
+                <a:lumOff val="40000"/>
+              </a:schemeClr>
+            </a:solidFill>
+          </a:ln>
+        </p:spPr>
+        <p:style>
+          <a:lnRef idx="1">
+            <a:schemeClr val="accent1"/>
+          </a:lnRef>
+          <a:fillRef idx="0">
+            <a:schemeClr val="accent1"/>
+          </a:fillRef>
+          <a:effectRef idx="0">
+            <a:schemeClr val="accent1"/>
+          </a:effectRef>
+          <a:fontRef idx="minor">
+            <a:schemeClr val="tx1"/>
+          </a:fontRef>
+        </p:style>
+        <p:txBody>
+          <a:bodyPr rtlCol="0" anchor="ctr"/>
+          <a:lstStyle/>
+          <a:p>
+            <a:pPr algn="ctr"/>
+            <a:endParaRPr lang="es-MX">
+              <a:solidFill>
+                <a:schemeClr val="tx2">
+                  <a:lumMod val="60000"/>
+                  <a:lumOff val="40000"/>
+                </a:schemeClr>
+              </a:solidFill>
+            </a:endParaRPr>
+          </a:p>
+        </p:txBody>
+      </p:sp>
+      <p:sp>
+        <p:nvSpPr>
+          <p:cNvPr id="11" name="Rectángulo 10">
+            <a:extLst>
+              <a:ext uri="{FF2B5EF4-FFF2-40B4-BE49-F238E27FC236}">
+                <a16:creationId xmlns:a16="http://schemas.microsoft.com/office/drawing/2014/main" id="{32E27A22-D1D8-4EED-9511-8E88EC82102F}"/>
+              </a:ext>
+            </a:extLst>
+          </p:cNvPr>
+          <p:cNvSpPr/>
+          <p:nvPr/>
+        </p:nvSpPr>
+        <p:spPr>
+          <a:xfrm>
+            <a:off x="260999" y="3086428"/>
+            <a:ext cx="1934737" cy="369332"/>
+          </a:xfrm>
+          <a:prstGeom prst="rect">
+            <a:avLst/>
+          </a:prstGeom>
+        </p:spPr>
+        <p:txBody>
+          <a:bodyPr wrap="square">
+            <a:spAutoFit/>
+          </a:bodyPr>
+          <a:lstStyle/>
+          <a:p>
+            <a:r>
+              <a:rPr lang="es-MX" b="1" dirty="0">
+                <a:solidFill>
+                  <a:schemeClr val="tx2">
+                    <a:lumMod val="60000"/>
+                    <a:lumOff val="40000"/>
+                  </a:schemeClr>
+                </a:solidFill>
+                <a:cs typeface="Arial" panose="020B0604020202020204" pitchFamily="34" charset="0"/>
+              </a:rPr>
+              <a:t>Script principal</a:t>
+            </a:r>
+            <a:endParaRPr lang="es-MX" dirty="0">
+              <a:solidFill>
+                <a:schemeClr val="tx2">
+                  <a:lumMod val="60000"/>
+                  <a:lumOff val="40000"/>
+                </a:schemeClr>
+              </a:solidFill>
+            </a:endParaRPr>
+          </a:p>
+        </p:txBody>
+      </p:sp>
+      <p:sp>
+        <p:nvSpPr>
+          <p:cNvPr id="12" name="Abrir llave 11">
+            <a:extLst>
+              <a:ext uri="{FF2B5EF4-FFF2-40B4-BE49-F238E27FC236}">
+                <a16:creationId xmlns:a16="http://schemas.microsoft.com/office/drawing/2014/main" id="{E43A5382-83FD-4A38-9424-70518E829A0D}"/>
+              </a:ext>
+            </a:extLst>
+          </p:cNvPr>
+          <p:cNvSpPr/>
+          <p:nvPr/>
+        </p:nvSpPr>
+        <p:spPr>
+          <a:xfrm>
+            <a:off x="1867158" y="5473624"/>
+            <a:ext cx="155937" cy="326100"/>
+          </a:xfrm>
+          <a:prstGeom prst="leftBrace">
+            <a:avLst/>
+          </a:prstGeom>
+          <a:ln w="25400">
+            <a:solidFill>
+              <a:schemeClr val="tx2">
+                <a:lumMod val="60000"/>
+                <a:lumOff val="40000"/>
+              </a:schemeClr>
+            </a:solidFill>
+          </a:ln>
+        </p:spPr>
+        <p:style>
+          <a:lnRef idx="1">
+            <a:schemeClr val="accent1"/>
+          </a:lnRef>
+          <a:fillRef idx="0">
+            <a:schemeClr val="accent1"/>
+          </a:fillRef>
+          <a:effectRef idx="0">
+            <a:schemeClr val="accent1"/>
+          </a:effectRef>
+          <a:fontRef idx="minor">
+            <a:schemeClr val="tx1"/>
+          </a:fontRef>
+        </p:style>
+        <p:txBody>
+          <a:bodyPr rtlCol="0" anchor="ctr"/>
+          <a:lstStyle/>
+          <a:p>
+            <a:pPr algn="ctr"/>
+            <a:endParaRPr lang="es-MX">
+              <a:solidFill>
+                <a:schemeClr val="tx2">
+                  <a:lumMod val="60000"/>
+                  <a:lumOff val="40000"/>
+                </a:schemeClr>
+              </a:solidFill>
+            </a:endParaRPr>
+          </a:p>
+        </p:txBody>
+      </p:sp>
+      <p:sp>
+        <p:nvSpPr>
+          <p:cNvPr id="13" name="Rectángulo 12">
+            <a:extLst>
+              <a:ext uri="{FF2B5EF4-FFF2-40B4-BE49-F238E27FC236}">
+                <a16:creationId xmlns:a16="http://schemas.microsoft.com/office/drawing/2014/main" id="{C461756F-7584-4A64-B935-098B8922877F}"/>
+              </a:ext>
+            </a:extLst>
+          </p:cNvPr>
+          <p:cNvSpPr/>
+          <p:nvPr/>
+        </p:nvSpPr>
+        <p:spPr>
+          <a:xfrm>
+            <a:off x="333007" y="5435932"/>
+            <a:ext cx="1934737" cy="369332"/>
+          </a:xfrm>
+          <a:prstGeom prst="rect">
+            <a:avLst/>
+          </a:prstGeom>
+        </p:spPr>
+        <p:txBody>
+          <a:bodyPr wrap="square">
+            <a:spAutoFit/>
+          </a:bodyPr>
+          <a:lstStyle/>
+          <a:p>
+            <a:r>
+              <a:rPr lang="es-MX" b="1" dirty="0">
+                <a:solidFill>
+                  <a:schemeClr val="tx2">
+                    <a:lumMod val="60000"/>
+                    <a:lumOff val="40000"/>
+                  </a:schemeClr>
+                </a:solidFill>
+                <a:cs typeface="Arial" panose="020B0604020202020204" pitchFamily="34" charset="0"/>
+              </a:rPr>
+              <a:t>Script principal</a:t>
+            </a:r>
+            <a:endParaRPr lang="es-MX" dirty="0">
+              <a:solidFill>
+                <a:schemeClr val="tx2">
+                  <a:lumMod val="60000"/>
+                  <a:lumOff val="40000"/>
+                </a:schemeClr>
+              </a:solidFill>
+            </a:endParaRPr>
+          </a:p>
+        </p:txBody>
+      </p:sp>
     </p:spTree>
     <p:extLst>
       <p:ext uri="{BB962C8B-B14F-4D97-AF65-F5344CB8AC3E}">
@@ -7868,7 +9039,7 @@
         </p:nvSpPr>
         <p:spPr>
           <a:xfrm>
-            <a:off x="1187624" y="1988840"/>
+            <a:off x="2051720" y="2110858"/>
             <a:ext cx="2267735" cy="388492"/>
           </a:xfrm>
           <a:prstGeom prst="rect">
@@ -7978,7 +9149,7 @@
         </p:blipFill>
         <p:spPr>
           <a:xfrm>
-            <a:off x="1187624" y="2742108"/>
+            <a:off x="2074091" y="2742108"/>
             <a:ext cx="6890397" cy="3168352"/>
           </a:xfrm>
           <a:prstGeom prst="rect">
@@ -7991,6 +9162,321 @@
           </a:ln>
         </p:spPr>
       </p:pic>
+      <p:sp>
+        <p:nvSpPr>
+          <p:cNvPr id="7" name="Abrir llave 6">
+            <a:extLst>
+              <a:ext uri="{FF2B5EF4-FFF2-40B4-BE49-F238E27FC236}">
+                <a16:creationId xmlns:a16="http://schemas.microsoft.com/office/drawing/2014/main" id="{A62F5803-F312-42C2-9963-3F5BA58F9F0A}"/>
+              </a:ext>
+            </a:extLst>
+          </p:cNvPr>
+          <p:cNvSpPr/>
+          <p:nvPr/>
+        </p:nvSpPr>
+        <p:spPr>
+          <a:xfrm>
+            <a:off x="1682200" y="3631134"/>
+            <a:ext cx="369519" cy="1876806"/>
+          </a:xfrm>
+          <a:prstGeom prst="leftBrace">
+            <a:avLst/>
+          </a:prstGeom>
+          <a:ln w="25400">
+            <a:solidFill>
+              <a:srgbClr val="FF0000"/>
+            </a:solidFill>
+          </a:ln>
+        </p:spPr>
+        <p:style>
+          <a:lnRef idx="1">
+            <a:schemeClr val="accent1"/>
+          </a:lnRef>
+          <a:fillRef idx="0">
+            <a:schemeClr val="accent1"/>
+          </a:fillRef>
+          <a:effectRef idx="0">
+            <a:schemeClr val="accent1"/>
+          </a:effectRef>
+          <a:fontRef idx="minor">
+            <a:schemeClr val="tx1"/>
+          </a:fontRef>
+        </p:style>
+        <p:txBody>
+          <a:bodyPr rtlCol="0" anchor="ctr"/>
+          <a:lstStyle/>
+          <a:p>
+            <a:pPr algn="ctr"/>
+            <a:endParaRPr lang="es-MX">
+              <a:solidFill>
+                <a:srgbClr val="FF0000"/>
+              </a:solidFill>
+            </a:endParaRPr>
+          </a:p>
+        </p:txBody>
+      </p:sp>
+      <p:sp>
+        <p:nvSpPr>
+          <p:cNvPr id="8" name="Rectángulo 7">
+            <a:extLst>
+              <a:ext uri="{FF2B5EF4-FFF2-40B4-BE49-F238E27FC236}">
+                <a16:creationId xmlns:a16="http://schemas.microsoft.com/office/drawing/2014/main" id="{E9E27DD4-0202-43AF-B2BD-35F49267E444}"/>
+              </a:ext>
+            </a:extLst>
+          </p:cNvPr>
+          <p:cNvSpPr/>
+          <p:nvPr/>
+        </p:nvSpPr>
+        <p:spPr>
+          <a:xfrm>
+            <a:off x="326580" y="4334408"/>
+            <a:ext cx="1983128" cy="369332"/>
+          </a:xfrm>
+          <a:prstGeom prst="rect">
+            <a:avLst/>
+          </a:prstGeom>
+        </p:spPr>
+        <p:txBody>
+          <a:bodyPr wrap="square">
+            <a:spAutoFit/>
+          </a:bodyPr>
+          <a:lstStyle/>
+          <a:p>
+            <a:r>
+              <a:rPr lang="es-MX" b="1" dirty="0" err="1">
+                <a:solidFill>
+                  <a:srgbClr val="FF0000"/>
+                </a:solidFill>
+                <a:cs typeface="Arial" panose="020B0604020202020204" pitchFamily="34" charset="0"/>
+              </a:rPr>
+              <a:t>realizarPago</a:t>
+            </a:r>
+            <a:endParaRPr lang="es-MX" dirty="0">
+              <a:solidFill>
+                <a:srgbClr val="FF0000"/>
+              </a:solidFill>
+            </a:endParaRPr>
+          </a:p>
+        </p:txBody>
+      </p:sp>
+      <p:sp>
+        <p:nvSpPr>
+          <p:cNvPr id="10" name="Abrir llave 9">
+            <a:extLst>
+              <a:ext uri="{FF2B5EF4-FFF2-40B4-BE49-F238E27FC236}">
+                <a16:creationId xmlns:a16="http://schemas.microsoft.com/office/drawing/2014/main" id="{028B3B2F-9770-42C4-861E-DB70D6788DCB}"/>
+              </a:ext>
+            </a:extLst>
+          </p:cNvPr>
+          <p:cNvSpPr/>
+          <p:nvPr/>
+        </p:nvSpPr>
+        <p:spPr>
+          <a:xfrm>
+            <a:off x="1814296" y="2821346"/>
+            <a:ext cx="155937" cy="737780"/>
+          </a:xfrm>
+          <a:prstGeom prst="leftBrace">
+            <a:avLst/>
+          </a:prstGeom>
+          <a:ln w="25400">
+            <a:solidFill>
+              <a:schemeClr val="tx2">
+                <a:lumMod val="60000"/>
+                <a:lumOff val="40000"/>
+              </a:schemeClr>
+            </a:solidFill>
+          </a:ln>
+        </p:spPr>
+        <p:style>
+          <a:lnRef idx="1">
+            <a:schemeClr val="accent1"/>
+          </a:lnRef>
+          <a:fillRef idx="0">
+            <a:schemeClr val="accent1"/>
+          </a:fillRef>
+          <a:effectRef idx="0">
+            <a:schemeClr val="accent1"/>
+          </a:effectRef>
+          <a:fontRef idx="minor">
+            <a:schemeClr val="tx1"/>
+          </a:fontRef>
+        </p:style>
+        <p:txBody>
+          <a:bodyPr rtlCol="0" anchor="ctr"/>
+          <a:lstStyle/>
+          <a:p>
+            <a:pPr algn="ctr"/>
+            <a:endParaRPr lang="es-MX">
+              <a:solidFill>
+                <a:schemeClr val="tx2">
+                  <a:lumMod val="60000"/>
+                  <a:lumOff val="40000"/>
+                </a:schemeClr>
+              </a:solidFill>
+            </a:endParaRPr>
+          </a:p>
+        </p:txBody>
+      </p:sp>
+      <p:sp>
+        <p:nvSpPr>
+          <p:cNvPr id="11" name="Rectángulo 10">
+            <a:extLst>
+              <a:ext uri="{FF2B5EF4-FFF2-40B4-BE49-F238E27FC236}">
+                <a16:creationId xmlns:a16="http://schemas.microsoft.com/office/drawing/2014/main" id="{01893F72-2E87-4634-AC8F-8300BFA9BDDE}"/>
+              </a:ext>
+            </a:extLst>
+          </p:cNvPr>
+          <p:cNvSpPr/>
+          <p:nvPr/>
+        </p:nvSpPr>
+        <p:spPr>
+          <a:xfrm>
+            <a:off x="179512" y="3086428"/>
+            <a:ext cx="1934737" cy="369332"/>
+          </a:xfrm>
+          <a:prstGeom prst="rect">
+            <a:avLst/>
+          </a:prstGeom>
+        </p:spPr>
+        <p:txBody>
+          <a:bodyPr wrap="square">
+            <a:spAutoFit/>
+          </a:bodyPr>
+          <a:lstStyle/>
+          <a:p>
+            <a:r>
+              <a:rPr lang="es-MX" b="1" dirty="0">
+                <a:solidFill>
+                  <a:schemeClr val="tx2">
+                    <a:lumMod val="60000"/>
+                    <a:lumOff val="40000"/>
+                  </a:schemeClr>
+                </a:solidFill>
+                <a:cs typeface="Arial" panose="020B0604020202020204" pitchFamily="34" charset="0"/>
+              </a:rPr>
+              <a:t>Script principal</a:t>
+            </a:r>
+            <a:endParaRPr lang="es-MX" dirty="0">
+              <a:solidFill>
+                <a:schemeClr val="tx2">
+                  <a:lumMod val="60000"/>
+                  <a:lumOff val="40000"/>
+                </a:schemeClr>
+              </a:solidFill>
+            </a:endParaRPr>
+          </a:p>
+        </p:txBody>
+      </p:sp>
+      <p:sp>
+        <p:nvSpPr>
+          <p:cNvPr id="12" name="Abrir llave 11">
+            <a:extLst>
+              <a:ext uri="{FF2B5EF4-FFF2-40B4-BE49-F238E27FC236}">
+                <a16:creationId xmlns:a16="http://schemas.microsoft.com/office/drawing/2014/main" id="{B64EFB4E-4E77-4568-A9AC-9C448D7C3C76}"/>
+              </a:ext>
+            </a:extLst>
+          </p:cNvPr>
+          <p:cNvSpPr/>
+          <p:nvPr/>
+        </p:nvSpPr>
+        <p:spPr>
+          <a:xfrm>
+            <a:off x="1785671" y="5545632"/>
+            <a:ext cx="155937" cy="326100"/>
+          </a:xfrm>
+          <a:prstGeom prst="leftBrace">
+            <a:avLst/>
+          </a:prstGeom>
+          <a:ln w="25400">
+            <a:solidFill>
+              <a:schemeClr val="tx2">
+                <a:lumMod val="60000"/>
+                <a:lumOff val="40000"/>
+              </a:schemeClr>
+            </a:solidFill>
+          </a:ln>
+        </p:spPr>
+        <p:style>
+          <a:lnRef idx="1">
+            <a:schemeClr val="accent1"/>
+          </a:lnRef>
+          <a:fillRef idx="0">
+            <a:schemeClr val="accent1"/>
+          </a:fillRef>
+          <a:effectRef idx="0">
+            <a:schemeClr val="accent1"/>
+          </a:effectRef>
+          <a:fontRef idx="minor">
+            <a:schemeClr val="tx1"/>
+          </a:fontRef>
+        </p:style>
+        <p:txBody>
+          <a:bodyPr rtlCol="0" anchor="ctr"/>
+          <a:lstStyle/>
+          <a:p>
+            <a:pPr algn="ctr"/>
+            <a:endParaRPr lang="es-MX">
+              <a:solidFill>
+                <a:schemeClr val="tx2">
+                  <a:lumMod val="60000"/>
+                  <a:lumOff val="40000"/>
+                </a:schemeClr>
+              </a:solidFill>
+            </a:endParaRPr>
+          </a:p>
+        </p:txBody>
+      </p:sp>
+      <p:sp>
+        <p:nvSpPr>
+          <p:cNvPr id="13" name="Rectángulo 12">
+            <a:extLst>
+              <a:ext uri="{FF2B5EF4-FFF2-40B4-BE49-F238E27FC236}">
+                <a16:creationId xmlns:a16="http://schemas.microsoft.com/office/drawing/2014/main" id="{4E2702AD-B00B-425A-A7A9-A4142AAC69C2}"/>
+              </a:ext>
+            </a:extLst>
+          </p:cNvPr>
+          <p:cNvSpPr/>
+          <p:nvPr/>
+        </p:nvSpPr>
+        <p:spPr>
+          <a:xfrm>
+            <a:off x="251520" y="5507940"/>
+            <a:ext cx="1934737" cy="369332"/>
+          </a:xfrm>
+          <a:prstGeom prst="rect">
+            <a:avLst/>
+          </a:prstGeom>
+        </p:spPr>
+        <p:txBody>
+          <a:bodyPr wrap="square">
+            <a:spAutoFit/>
+          </a:bodyPr>
+          <a:lstStyle/>
+          <a:p>
+            <a:r>
+              <a:rPr lang="es-MX" b="1" dirty="0">
+                <a:solidFill>
+                  <a:schemeClr val="tx2">
+                    <a:lumMod val="60000"/>
+                    <a:lumOff val="40000"/>
+                  </a:schemeClr>
+                </a:solidFill>
+                <a:cs typeface="Arial" panose="020B0604020202020204" pitchFamily="34" charset="0"/>
+              </a:rPr>
+              <a:t>Script principal</a:t>
+            </a:r>
+            <a:endParaRPr lang="es-MX" dirty="0">
+              <a:solidFill>
+                <a:schemeClr val="tx2">
+                  <a:lumMod val="60000"/>
+                  <a:lumOff val="40000"/>
+                </a:schemeClr>
+              </a:solidFill>
+            </a:endParaRPr>
+          </a:p>
+        </p:txBody>
+      </p:sp>
     </p:spTree>
     <p:extLst>
       <p:ext uri="{BB962C8B-B14F-4D97-AF65-F5344CB8AC3E}">
@@ -8284,7 +9770,58 @@
                 </a:solidFill>
                 <a:cs typeface="Arial" panose="020B0604020202020204" pitchFamily="34" charset="0"/>
               </a:rPr>
-              <a:t>, calcular el nuevo saldo de la tarjeta de prepago. En caso de que la opción no sea válida escribir el mensaje “Opción inválida” y no modificar el saldo de la tarjeta. Regresar el saldo de la tarjeta. </a:t>
+              <a:t>, calcular el nuevo saldo de la tarjeta de prepago. En caso de que la opción no sea válida escribir el mensaje “Opción inválida” y no modificar el saldo de la tarjeta. </a:t>
+            </a:r>
+            <a:r>
+              <a:rPr lang="es-MX" sz="2000" b="1" u="sng" dirty="0">
+                <a:solidFill>
+                  <a:srgbClr val="FF0000"/>
+                </a:solidFill>
+                <a:cs typeface="Arial" panose="020B0604020202020204" pitchFamily="34" charset="0"/>
+              </a:rPr>
+              <a:t>Regresar el saldo de la tarjeta </a:t>
+            </a:r>
+            <a:r>
+              <a:rPr lang="es-MX" sz="2000" dirty="0">
+                <a:solidFill>
+                  <a:schemeClr val="bg2">
+                    <a:lumMod val="25000"/>
+                  </a:schemeClr>
+                </a:solidFill>
+                <a:cs typeface="Arial" panose="020B0604020202020204" pitchFamily="34" charset="0"/>
+              </a:rPr>
+              <a:t>(</a:t>
+            </a:r>
+            <a:r>
+              <a:rPr lang="es-MX" sz="2000" dirty="0" err="1">
+                <a:solidFill>
+                  <a:schemeClr val="bg2">
+                    <a:lumMod val="25000"/>
+                  </a:schemeClr>
+                </a:solidFill>
+                <a:cs typeface="Arial" panose="020B0604020202020204" pitchFamily="34" charset="0"/>
+              </a:rPr>
+              <a:t>saldoTarjeta</a:t>
+            </a:r>
+            <a:r>
+              <a:rPr lang="es-MX" sz="2000" dirty="0">
+                <a:solidFill>
+                  <a:schemeClr val="bg2">
+                    <a:lumMod val="25000"/>
+                  </a:schemeClr>
+                </a:solidFill>
+                <a:cs typeface="Arial" panose="020B0604020202020204" pitchFamily="34" charset="0"/>
+              </a:rPr>
+              <a:t>).</a:t>
+            </a:r>
+            <a:r>
+              <a:rPr lang="es-MX" sz="2000" b="1" u="sng" dirty="0">
+                <a:solidFill>
+                  <a:srgbClr val="FF0000"/>
+                </a:solidFill>
+                <a:cs typeface="Arial" panose="020B0604020202020204" pitchFamily="34" charset="0"/>
+              </a:rPr>
+              <a:t> </a:t>
             </a:r>
           </a:p>
           <a:p>
@@ -8607,8 +10144,8 @@
         </p:blipFill>
         <p:spPr>
           <a:xfrm>
-            <a:off x="5076056" y="1636840"/>
-            <a:ext cx="3695700" cy="1085850"/>
+            <a:off x="3183207" y="1636840"/>
+            <a:ext cx="4629153" cy="1360112"/>
           </a:xfrm>
           <a:prstGeom prst="rect">
             <a:avLst/>
@@ -8634,7 +10171,7 @@
         </p:nvSpPr>
         <p:spPr>
           <a:xfrm>
-            <a:off x="1403648" y="2373126"/>
+            <a:off x="1547665" y="3429000"/>
             <a:ext cx="2267735" cy="388492"/>
           </a:xfrm>
           <a:prstGeom prst="rect">
@@ -8693,13 +10230,13 @@
           <p:nvPr>
             <p:extLst>
               <p:ext uri="{D42A27DB-BD31-4B8C-83A1-F6EECF244321}">
-                <p14:modId xmlns:p14="http://schemas.microsoft.com/office/powerpoint/2010/main" val="1812852276"/>
+                <p14:modId xmlns:p14="http://schemas.microsoft.com/office/powerpoint/2010/main" val="2373947942"/>
               </p:ext>
             </p:extLst>
           </p:nvPr>
         </p:nvGraphicFramePr>
         <p:xfrm>
-          <a:off x="1403648" y="3021198"/>
+          <a:off x="1547665" y="4077072"/>
           <a:ext cx="6336703" cy="2006052"/>
         </p:xfrm>
         <a:graphic>
@@ -9016,7 +10553,7 @@
         </p:blipFill>
         <p:spPr>
           <a:xfrm>
-            <a:off x="7202760" y="5066178"/>
+            <a:off x="7924800" y="0"/>
             <a:ext cx="1219200" cy="1219200"/>
           </a:xfrm>
           <a:prstGeom prst="rect">
@@ -9032,6 +10569,321 @@
           </a:effectLst>
         </p:spPr>
       </p:pic>
+      <p:sp>
+        <p:nvSpPr>
+          <p:cNvPr id="10" name="Abrir llave 9">
+            <a:extLst>
+              <a:ext uri="{FF2B5EF4-FFF2-40B4-BE49-F238E27FC236}">
+                <a16:creationId xmlns:a16="http://schemas.microsoft.com/office/drawing/2014/main" id="{5BEF241F-22BD-4230-8696-C34F5384AB09}"/>
+              </a:ext>
+            </a:extLst>
+          </p:cNvPr>
+          <p:cNvSpPr/>
+          <p:nvPr/>
+        </p:nvSpPr>
+        <p:spPr>
+          <a:xfrm>
+            <a:off x="2899218" y="1925796"/>
+            <a:ext cx="265931" cy="719644"/>
+          </a:xfrm>
+          <a:prstGeom prst="leftBrace">
+            <a:avLst/>
+          </a:prstGeom>
+          <a:ln w="25400">
+            <a:solidFill>
+              <a:srgbClr val="FF0000"/>
+            </a:solidFill>
+          </a:ln>
+        </p:spPr>
+        <p:style>
+          <a:lnRef idx="1">
+            <a:schemeClr val="accent1"/>
+          </a:lnRef>
+          <a:fillRef idx="0">
+            <a:schemeClr val="accent1"/>
+          </a:fillRef>
+          <a:effectRef idx="0">
+            <a:schemeClr val="accent1"/>
+          </a:effectRef>
+          <a:fontRef idx="minor">
+            <a:schemeClr val="tx1"/>
+          </a:fontRef>
+        </p:style>
+        <p:txBody>
+          <a:bodyPr rtlCol="0" anchor="ctr"/>
+          <a:lstStyle/>
+          <a:p>
+            <a:pPr algn="ctr"/>
+            <a:endParaRPr lang="es-MX">
+              <a:solidFill>
+                <a:srgbClr val="FF0000"/>
+              </a:solidFill>
+            </a:endParaRPr>
+          </a:p>
+        </p:txBody>
+      </p:sp>
+      <p:sp>
+        <p:nvSpPr>
+          <p:cNvPr id="11" name="Rectángulo 10">
+            <a:extLst>
+              <a:ext uri="{FF2B5EF4-FFF2-40B4-BE49-F238E27FC236}">
+                <a16:creationId xmlns:a16="http://schemas.microsoft.com/office/drawing/2014/main" id="{C10DCA79-92E0-40F1-8315-6908BD5B5549}"/>
+              </a:ext>
+            </a:extLst>
+          </p:cNvPr>
+          <p:cNvSpPr/>
+          <p:nvPr/>
+        </p:nvSpPr>
+        <p:spPr>
+          <a:xfrm>
+            <a:off x="1365067" y="2070716"/>
+            <a:ext cx="1983128" cy="369332"/>
+          </a:xfrm>
+          <a:prstGeom prst="rect">
+            <a:avLst/>
+          </a:prstGeom>
+        </p:spPr>
+        <p:txBody>
+          <a:bodyPr wrap="square">
+            <a:spAutoFit/>
+          </a:bodyPr>
+          <a:lstStyle/>
+          <a:p>
+            <a:r>
+              <a:rPr lang="es-MX" b="1" dirty="0" err="1">
+                <a:solidFill>
+                  <a:srgbClr val="FF0000"/>
+                </a:solidFill>
+                <a:cs typeface="Arial" panose="020B0604020202020204" pitchFamily="34" charset="0"/>
+              </a:rPr>
+              <a:t>recargaTarjeta</a:t>
+            </a:r>
+            <a:endParaRPr lang="es-MX" dirty="0">
+              <a:solidFill>
+                <a:srgbClr val="FF0000"/>
+              </a:solidFill>
+            </a:endParaRPr>
+          </a:p>
+        </p:txBody>
+      </p:sp>
+      <p:sp>
+        <p:nvSpPr>
+          <p:cNvPr id="19" name="Abrir llave 18">
+            <a:extLst>
+              <a:ext uri="{FF2B5EF4-FFF2-40B4-BE49-F238E27FC236}">
+                <a16:creationId xmlns:a16="http://schemas.microsoft.com/office/drawing/2014/main" id="{8C2A5622-9ED0-4DA8-B481-C6813AEE8F70}"/>
+              </a:ext>
+            </a:extLst>
+          </p:cNvPr>
+          <p:cNvSpPr/>
+          <p:nvPr/>
+        </p:nvSpPr>
+        <p:spPr>
+          <a:xfrm>
+            <a:off x="2932876" y="1617510"/>
+            <a:ext cx="122280" cy="243187"/>
+          </a:xfrm>
+          <a:prstGeom prst="leftBrace">
+            <a:avLst/>
+          </a:prstGeom>
+          <a:ln w="25400">
+            <a:solidFill>
+              <a:schemeClr val="tx2">
+                <a:lumMod val="60000"/>
+                <a:lumOff val="40000"/>
+              </a:schemeClr>
+            </a:solidFill>
+          </a:ln>
+        </p:spPr>
+        <p:style>
+          <a:lnRef idx="1">
+            <a:schemeClr val="accent1"/>
+          </a:lnRef>
+          <a:fillRef idx="0">
+            <a:schemeClr val="accent1"/>
+          </a:fillRef>
+          <a:effectRef idx="0">
+            <a:schemeClr val="accent1"/>
+          </a:effectRef>
+          <a:fontRef idx="minor">
+            <a:schemeClr val="tx1"/>
+          </a:fontRef>
+        </p:style>
+        <p:txBody>
+          <a:bodyPr rtlCol="0" anchor="ctr"/>
+          <a:lstStyle/>
+          <a:p>
+            <a:pPr algn="ctr"/>
+            <a:endParaRPr lang="es-MX">
+              <a:solidFill>
+                <a:schemeClr val="tx2">
+                  <a:lumMod val="60000"/>
+                  <a:lumOff val="40000"/>
+                </a:schemeClr>
+              </a:solidFill>
+            </a:endParaRPr>
+          </a:p>
+        </p:txBody>
+      </p:sp>
+      <p:sp>
+        <p:nvSpPr>
+          <p:cNvPr id="20" name="Rectángulo 19">
+            <a:extLst>
+              <a:ext uri="{FF2B5EF4-FFF2-40B4-BE49-F238E27FC236}">
+                <a16:creationId xmlns:a16="http://schemas.microsoft.com/office/drawing/2014/main" id="{A9E2B3E7-A13A-4DFD-BDB1-BB000537688A}"/>
+              </a:ext>
+            </a:extLst>
+          </p:cNvPr>
+          <p:cNvSpPr/>
+          <p:nvPr/>
+        </p:nvSpPr>
+        <p:spPr>
+          <a:xfrm>
+            <a:off x="1398724" y="1547500"/>
+            <a:ext cx="1934737" cy="369332"/>
+          </a:xfrm>
+          <a:prstGeom prst="rect">
+            <a:avLst/>
+          </a:prstGeom>
+        </p:spPr>
+        <p:txBody>
+          <a:bodyPr wrap="square">
+            <a:spAutoFit/>
+          </a:bodyPr>
+          <a:lstStyle/>
+          <a:p>
+            <a:r>
+              <a:rPr lang="es-MX" b="1" dirty="0">
+                <a:solidFill>
+                  <a:schemeClr val="tx2">
+                    <a:lumMod val="60000"/>
+                    <a:lumOff val="40000"/>
+                  </a:schemeClr>
+                </a:solidFill>
+                <a:cs typeface="Arial" panose="020B0604020202020204" pitchFamily="34" charset="0"/>
+              </a:rPr>
+              <a:t>Script principal</a:t>
+            </a:r>
+            <a:endParaRPr lang="es-MX" dirty="0">
+              <a:solidFill>
+                <a:schemeClr val="tx2">
+                  <a:lumMod val="60000"/>
+                  <a:lumOff val="40000"/>
+                </a:schemeClr>
+              </a:solidFill>
+            </a:endParaRPr>
+          </a:p>
+        </p:txBody>
+      </p:sp>
+      <p:sp>
+        <p:nvSpPr>
+          <p:cNvPr id="21" name="Abrir llave 20">
+            <a:extLst>
+              <a:ext uri="{FF2B5EF4-FFF2-40B4-BE49-F238E27FC236}">
+                <a16:creationId xmlns:a16="http://schemas.microsoft.com/office/drawing/2014/main" id="{D0055DE6-8459-4C5E-B028-5C2DAE794081}"/>
+              </a:ext>
+            </a:extLst>
+          </p:cNvPr>
+          <p:cNvSpPr/>
+          <p:nvPr/>
+        </p:nvSpPr>
+        <p:spPr>
+          <a:xfrm>
+            <a:off x="2899218" y="2737320"/>
+            <a:ext cx="155938" cy="244164"/>
+          </a:xfrm>
+          <a:prstGeom prst="leftBrace">
+            <a:avLst/>
+          </a:prstGeom>
+          <a:ln w="25400">
+            <a:solidFill>
+              <a:schemeClr val="tx2">
+                <a:lumMod val="60000"/>
+                <a:lumOff val="40000"/>
+              </a:schemeClr>
+            </a:solidFill>
+          </a:ln>
+        </p:spPr>
+        <p:style>
+          <a:lnRef idx="1">
+            <a:schemeClr val="accent1"/>
+          </a:lnRef>
+          <a:fillRef idx="0">
+            <a:schemeClr val="accent1"/>
+          </a:fillRef>
+          <a:effectRef idx="0">
+            <a:schemeClr val="accent1"/>
+          </a:effectRef>
+          <a:fontRef idx="minor">
+            <a:schemeClr val="tx1"/>
+          </a:fontRef>
+        </p:style>
+        <p:txBody>
+          <a:bodyPr rtlCol="0" anchor="ctr"/>
+          <a:lstStyle/>
+          <a:p>
+            <a:pPr algn="ctr"/>
+            <a:endParaRPr lang="es-MX">
+              <a:solidFill>
+                <a:schemeClr val="tx2">
+                  <a:lumMod val="60000"/>
+                  <a:lumOff val="40000"/>
+                </a:schemeClr>
+              </a:solidFill>
+            </a:endParaRPr>
+          </a:p>
+        </p:txBody>
+      </p:sp>
+      <p:sp>
+        <p:nvSpPr>
+          <p:cNvPr id="22" name="Rectángulo 21">
+            <a:extLst>
+              <a:ext uri="{FF2B5EF4-FFF2-40B4-BE49-F238E27FC236}">
+                <a16:creationId xmlns:a16="http://schemas.microsoft.com/office/drawing/2014/main" id="{48D8B960-C307-4A52-9FD7-DCCD91BDE987}"/>
+              </a:ext>
+            </a:extLst>
+          </p:cNvPr>
+          <p:cNvSpPr/>
+          <p:nvPr/>
+        </p:nvSpPr>
+        <p:spPr>
+          <a:xfrm>
+            <a:off x="1365067" y="2699628"/>
+            <a:ext cx="1934737" cy="369332"/>
+          </a:xfrm>
+          <a:prstGeom prst="rect">
+            <a:avLst/>
+          </a:prstGeom>
+        </p:spPr>
+        <p:txBody>
+          <a:bodyPr wrap="square">
+            <a:spAutoFit/>
+          </a:bodyPr>
+          <a:lstStyle/>
+          <a:p>
+            <a:r>
+              <a:rPr lang="es-MX" b="1" dirty="0">
+                <a:solidFill>
+                  <a:schemeClr val="tx2">
+                    <a:lumMod val="60000"/>
+                    <a:lumOff val="40000"/>
+                  </a:schemeClr>
+                </a:solidFill>
+                <a:cs typeface="Arial" panose="020B0604020202020204" pitchFamily="34" charset="0"/>
+              </a:rPr>
+              <a:t>Script principal</a:t>
+            </a:r>
+            <a:endParaRPr lang="es-MX" dirty="0">
+              <a:solidFill>
+                <a:schemeClr val="tx2">
+                  <a:lumMod val="60000"/>
+                  <a:lumOff val="40000"/>
+                </a:schemeClr>
+              </a:solidFill>
+            </a:endParaRPr>
+          </a:p>
+        </p:txBody>
+      </p:sp>
     </p:spTree>
     <p:extLst>
       <p:ext uri="{BB962C8B-B14F-4D97-AF65-F5344CB8AC3E}">
@@ -10506,6 +12358,15 @@
               <a:buChar char="•"/>
             </a:pPr>
             <a:r>
+              <a:rPr lang="es-MX" sz="1800" b="1" u="sng" dirty="0">
+                <a:solidFill>
+                  <a:srgbClr val="FF0000"/>
+                </a:solidFill>
+                <a:cs typeface="Arial" panose="020B0604020202020204" pitchFamily="34" charset="0"/>
+              </a:rPr>
+              <a:t>Regresar la opción </a:t>
+            </a:r>
+            <a:r>
               <a:rPr lang="es-MX" sz="1800" dirty="0">
                 <a:solidFill>
                   <a:schemeClr val="bg2">
@@ -10514,7 +12375,7 @@
                 </a:solidFill>
                 <a:cs typeface="Arial" panose="020B0604020202020204" pitchFamily="34" charset="0"/>
               </a:rPr>
-              <a:t>Regresar la opción seleccionada por el usuario.</a:t>
+              <a:t>seleccionada por el usuario.</a:t>
             </a:r>
           </a:p>
           <a:p>
@@ -10861,7 +12722,7 @@
         </p:nvSpPr>
         <p:spPr>
           <a:xfrm>
-            <a:off x="1547664" y="2060848"/>
+            <a:off x="1547664" y="2628120"/>
             <a:ext cx="2267735" cy="388492"/>
           </a:xfrm>
           <a:prstGeom prst="rect">
@@ -10920,13 +12781,13 @@
           <p:nvPr>
             <p:extLst>
               <p:ext uri="{D42A27DB-BD31-4B8C-83A1-F6EECF244321}">
-                <p14:modId xmlns:p14="http://schemas.microsoft.com/office/powerpoint/2010/main" val="1939541913"/>
+                <p14:modId xmlns:p14="http://schemas.microsoft.com/office/powerpoint/2010/main" val="4130608077"/>
               </p:ext>
             </p:extLst>
           </p:nvPr>
         </p:nvGraphicFramePr>
         <p:xfrm>
-          <a:off x="1547664" y="2838884"/>
+          <a:off x="1547664" y="3406156"/>
           <a:ext cx="6336704" cy="2448270"/>
         </p:xfrm>
         <a:graphic>
@@ -11188,7 +13049,7 @@
         </p:blipFill>
         <p:spPr>
           <a:xfrm>
-            <a:off x="5945729" y="1302382"/>
+            <a:off x="5945729" y="1637680"/>
             <a:ext cx="2946109" cy="1287264"/>
           </a:xfrm>
           <a:prstGeom prst="rect">
@@ -11229,7 +13090,7 @@
         </p:blipFill>
         <p:spPr>
           <a:xfrm>
-            <a:off x="7274768" y="4666864"/>
+            <a:off x="7274768" y="5234136"/>
             <a:ext cx="1219200" cy="1219200"/>
           </a:xfrm>
           <a:prstGeom prst="rect">
@@ -11245,6 +13106,103 @@
           </a:effectLst>
         </p:spPr>
       </p:pic>
+      <p:sp>
+        <p:nvSpPr>
+          <p:cNvPr id="3" name="Abrir llave 2">
+            <a:extLst>
+              <a:ext uri="{FF2B5EF4-FFF2-40B4-BE49-F238E27FC236}">
+                <a16:creationId xmlns:a16="http://schemas.microsoft.com/office/drawing/2014/main" id="{450730FF-FE81-4418-B176-EF24510E8F71}"/>
+              </a:ext>
+            </a:extLst>
+          </p:cNvPr>
+          <p:cNvSpPr/>
+          <p:nvPr/>
+        </p:nvSpPr>
+        <p:spPr>
+          <a:xfrm>
+            <a:off x="5447082" y="1637680"/>
+            <a:ext cx="349054" cy="1287264"/>
+          </a:xfrm>
+          <a:prstGeom prst="leftBrace">
+            <a:avLst/>
+          </a:prstGeom>
+          <a:ln w="25400">
+            <a:solidFill>
+              <a:srgbClr val="FF0000"/>
+            </a:solidFill>
+          </a:ln>
+        </p:spPr>
+        <p:style>
+          <a:lnRef idx="1">
+            <a:schemeClr val="accent1"/>
+          </a:lnRef>
+          <a:fillRef idx="0">
+            <a:schemeClr val="accent1"/>
+          </a:fillRef>
+          <a:effectRef idx="0">
+            <a:schemeClr val="accent1"/>
+          </a:effectRef>
+          <a:fontRef idx="minor">
+            <a:schemeClr val="tx1"/>
+          </a:fontRef>
+        </p:style>
+        <p:txBody>
+          <a:bodyPr rtlCol="0" anchor="ctr"/>
+          <a:lstStyle/>
+          <a:p>
+            <a:pPr algn="ctr"/>
+            <a:endParaRPr lang="es-MX">
+              <a:solidFill>
+                <a:srgbClr val="FF0000"/>
+              </a:solidFill>
+            </a:endParaRPr>
+          </a:p>
+        </p:txBody>
+      </p:sp>
+      <p:sp>
+        <p:nvSpPr>
+          <p:cNvPr id="7" name="Rectángulo 6">
+            <a:extLst>
+              <a:ext uri="{FF2B5EF4-FFF2-40B4-BE49-F238E27FC236}">
+                <a16:creationId xmlns:a16="http://schemas.microsoft.com/office/drawing/2014/main" id="{AA37C682-1CD8-4BA1-87A6-97A5354BAFCE}"/>
+              </a:ext>
+            </a:extLst>
+          </p:cNvPr>
+          <p:cNvSpPr/>
+          <p:nvPr/>
+        </p:nvSpPr>
+        <p:spPr>
+          <a:xfrm>
+            <a:off x="3882230" y="2080177"/>
+            <a:ext cx="1564852" cy="369332"/>
+          </a:xfrm>
+          <a:prstGeom prst="rect">
+            <a:avLst/>
+          </a:prstGeom>
+        </p:spPr>
+        <p:txBody>
+          <a:bodyPr wrap="none">
+            <a:spAutoFit/>
+          </a:bodyPr>
+          <a:lstStyle/>
+          <a:p>
+            <a:r>
+              <a:rPr lang="es-MX" b="1" dirty="0" err="1">
+                <a:solidFill>
+                  <a:srgbClr val="FF0000"/>
+                </a:solidFill>
+                <a:cs typeface="Arial" panose="020B0604020202020204" pitchFamily="34" charset="0"/>
+              </a:rPr>
+              <a:t>menuPrincipal</a:t>
+            </a:r>
+            <a:endParaRPr lang="es-MX" dirty="0">
+              <a:solidFill>
+                <a:srgbClr val="FF0000"/>
+              </a:solidFill>
+            </a:endParaRPr>
+          </a:p>
+        </p:txBody>
+      </p:sp>
     </p:spTree>
     <p:extLst>
       <p:ext uri="{BB962C8B-B14F-4D97-AF65-F5344CB8AC3E}">
@@ -11527,7 +13485,27 @@
                 </a:solidFill>
                 <a:cs typeface="Arial" panose="020B0604020202020204" pitchFamily="34" charset="0"/>
               </a:rPr>
-              <a:t>, regresar el precio del menú seleccionado. En caso de que la opción no sea válida regresar 0.</a:t>
+              <a:t>, </a:t>
+            </a:r>
+            <a:r>
+              <a:rPr lang="es-MX" sz="2000" b="1" u="sng" dirty="0">
+                <a:solidFill>
+                  <a:srgbClr val="FF0000"/>
+                </a:solidFill>
+                <a:cs typeface="Arial" panose="020B0604020202020204" pitchFamily="34" charset="0"/>
+              </a:rPr>
+              <a:t>regresar el precio </a:t>
+            </a:r>
+            <a:r>
+              <a:rPr lang="es-MX" sz="2000" dirty="0">
+                <a:solidFill>
+                  <a:schemeClr val="bg2">
+                    <a:lumMod val="25000"/>
+                  </a:schemeClr>
+                </a:solidFill>
+                <a:cs typeface="Arial" panose="020B0604020202020204" pitchFamily="34" charset="0"/>
+              </a:rPr>
+              <a:t>del menú seleccionado. En caso de que la opción no sea válida regresar 0.</a:t>
             </a:r>
           </a:p>
           <a:p>
@@ -11831,7 +13809,7 @@
         </p:nvSpPr>
         <p:spPr>
           <a:xfrm>
-            <a:off x="1547664" y="2132856"/>
+            <a:off x="1514128" y="3092902"/>
             <a:ext cx="2267735" cy="388492"/>
           </a:xfrm>
           <a:prstGeom prst="rect">
@@ -11890,13 +13868,13 @@
           <p:nvPr>
             <p:extLst>
               <p:ext uri="{D42A27DB-BD31-4B8C-83A1-F6EECF244321}">
-                <p14:modId xmlns:p14="http://schemas.microsoft.com/office/powerpoint/2010/main" val="242651599"/>
+                <p14:modId xmlns:p14="http://schemas.microsoft.com/office/powerpoint/2010/main" val="3583896231"/>
               </p:ext>
             </p:extLst>
           </p:nvPr>
         </p:nvGraphicFramePr>
         <p:xfrm>
-          <a:off x="1547664" y="2780928"/>
+          <a:off x="1514128" y="3740974"/>
           <a:ext cx="6336704" cy="2006052"/>
         </p:xfrm>
         <a:graphic>
@@ -12123,20 +14101,20 @@
           <p:nvPr>
             <p:extLst>
               <p:ext uri="{D42A27DB-BD31-4B8C-83A1-F6EECF244321}">
-                <p14:modId xmlns:p14="http://schemas.microsoft.com/office/powerpoint/2010/main" val="1724930463"/>
+                <p14:modId xmlns:p14="http://schemas.microsoft.com/office/powerpoint/2010/main" val="577432761"/>
               </p:ext>
             </p:extLst>
           </p:nvPr>
         </p:nvGraphicFramePr>
         <p:xfrm>
-          <a:off x="4709948" y="1354335"/>
+          <a:off x="3154924" y="1650944"/>
           <a:ext cx="3168352" cy="1215258"/>
         </p:xfrm>
         <a:graphic>
           <a:graphicData uri="http://schemas.openxmlformats.org/presentationml/2006/ole">
             <mc:AlternateContent xmlns:mc="http://schemas.openxmlformats.org/markup-compatibility/2006">
               <mc:Choice xmlns:v="urn:schemas-microsoft-com:vml" Requires="v">
-                <p:oleObj spid="_x0000_s1036" name="Imagen de mapa de bits" r:id="rId4" imgW="2781360" imgH="1066680" progId="Paint.Picture">
+                <p:oleObj spid="_x0000_s1043" name="Imagen de mapa de bits" r:id="rId4" imgW="2781360" imgH="1066680" progId="Paint.Picture">
                   <p:embed/>
                 </p:oleObj>
               </mc:Choice>
@@ -12157,7 +14135,7 @@
                     </p:blipFill>
                     <p:spPr>
                       <a:xfrm>
-                        <a:off x="4709948" y="1354335"/>
+                        <a:off x="3154924" y="1650944"/>
                         <a:ext cx="3168352" cy="1215258"/>
                       </a:xfrm>
                       <a:prstGeom prst="rect">
@@ -12204,7 +14182,7 @@
         </p:blipFill>
         <p:spPr>
           <a:xfrm>
-            <a:off x="7418784" y="4346098"/>
+            <a:off x="7385248" y="5306144"/>
             <a:ext cx="1219200" cy="1219200"/>
           </a:xfrm>
           <a:prstGeom prst="rect">
@@ -12220,6 +14198,212 @@
           </a:effectLst>
         </p:spPr>
       </p:pic>
+      <p:sp>
+        <p:nvSpPr>
+          <p:cNvPr id="8" name="Abrir llave 7">
+            <a:extLst>
+              <a:ext uri="{FF2B5EF4-FFF2-40B4-BE49-F238E27FC236}">
+                <a16:creationId xmlns:a16="http://schemas.microsoft.com/office/drawing/2014/main" id="{0FBC67B3-84BE-478D-9E33-DC3A3750371C}"/>
+              </a:ext>
+            </a:extLst>
+          </p:cNvPr>
+          <p:cNvSpPr/>
+          <p:nvPr/>
+        </p:nvSpPr>
+        <p:spPr>
+          <a:xfrm>
+            <a:off x="2766691" y="1720906"/>
+            <a:ext cx="322293" cy="924583"/>
+          </a:xfrm>
+          <a:prstGeom prst="leftBrace">
+            <a:avLst/>
+          </a:prstGeom>
+          <a:ln w="25400">
+            <a:solidFill>
+              <a:srgbClr val="FF0000"/>
+            </a:solidFill>
+          </a:ln>
+        </p:spPr>
+        <p:style>
+          <a:lnRef idx="1">
+            <a:schemeClr val="accent1"/>
+          </a:lnRef>
+          <a:fillRef idx="0">
+            <a:schemeClr val="accent1"/>
+          </a:fillRef>
+          <a:effectRef idx="0">
+            <a:schemeClr val="accent1"/>
+          </a:effectRef>
+          <a:fontRef idx="minor">
+            <a:schemeClr val="tx1"/>
+          </a:fontRef>
+        </p:style>
+        <p:txBody>
+          <a:bodyPr rtlCol="0" anchor="ctr"/>
+          <a:lstStyle/>
+          <a:p>
+            <a:pPr algn="ctr"/>
+            <a:endParaRPr lang="es-MX">
+              <a:solidFill>
+                <a:srgbClr val="FF0000"/>
+              </a:solidFill>
+            </a:endParaRPr>
+          </a:p>
+        </p:txBody>
+      </p:sp>
+      <p:sp>
+        <p:nvSpPr>
+          <p:cNvPr id="10" name="Rectángulo 9">
+            <a:extLst>
+              <a:ext uri="{FF2B5EF4-FFF2-40B4-BE49-F238E27FC236}">
+                <a16:creationId xmlns:a16="http://schemas.microsoft.com/office/drawing/2014/main" id="{43FE1479-A207-4FD5-9D66-1D394D002453}"/>
+              </a:ext>
+            </a:extLst>
+          </p:cNvPr>
+          <p:cNvSpPr/>
+          <p:nvPr/>
+        </p:nvSpPr>
+        <p:spPr>
+          <a:xfrm>
+            <a:off x="1374241" y="1979548"/>
+            <a:ext cx="1578088" cy="369332"/>
+          </a:xfrm>
+          <a:prstGeom prst="rect">
+            <a:avLst/>
+          </a:prstGeom>
+        </p:spPr>
+        <p:txBody>
+          <a:bodyPr wrap="square">
+            <a:spAutoFit/>
+          </a:bodyPr>
+          <a:lstStyle/>
+          <a:p>
+            <a:r>
+              <a:rPr lang="es-MX" b="1" dirty="0" err="1">
+                <a:solidFill>
+                  <a:srgbClr val="FF0000"/>
+                </a:solidFill>
+                <a:cs typeface="Arial" panose="020B0604020202020204" pitchFamily="34" charset="0"/>
+              </a:rPr>
+              <a:t>menuAdulto</a:t>
+            </a:r>
+            <a:endParaRPr lang="es-MX" dirty="0">
+              <a:solidFill>
+                <a:srgbClr val="FF0000"/>
+              </a:solidFill>
+            </a:endParaRPr>
+          </a:p>
+        </p:txBody>
+      </p:sp>
+      <p:sp>
+        <p:nvSpPr>
+          <p:cNvPr id="11" name="Abrir llave 10">
+            <a:extLst>
+              <a:ext uri="{FF2B5EF4-FFF2-40B4-BE49-F238E27FC236}">
+                <a16:creationId xmlns:a16="http://schemas.microsoft.com/office/drawing/2014/main" id="{8955DE9E-A6FC-4DBE-8C38-26AB4AEA2E16}"/>
+              </a:ext>
+            </a:extLst>
+          </p:cNvPr>
+          <p:cNvSpPr/>
+          <p:nvPr/>
+        </p:nvSpPr>
+        <p:spPr>
+          <a:xfrm rot="10800000">
+            <a:off x="6389215" y="2627620"/>
+            <a:ext cx="163513" cy="284943"/>
+          </a:xfrm>
+          <a:prstGeom prst="leftBrace">
+            <a:avLst/>
+          </a:prstGeom>
+          <a:ln w="25400">
+            <a:solidFill>
+              <a:schemeClr val="tx2">
+                <a:lumMod val="60000"/>
+                <a:lumOff val="40000"/>
+              </a:schemeClr>
+            </a:solidFill>
+          </a:ln>
+        </p:spPr>
+        <p:style>
+          <a:lnRef idx="1">
+            <a:schemeClr val="accent1"/>
+          </a:lnRef>
+          <a:fillRef idx="0">
+            <a:schemeClr val="accent1"/>
+          </a:fillRef>
+          <a:effectRef idx="0">
+            <a:schemeClr val="accent1"/>
+          </a:effectRef>
+          <a:fontRef idx="minor">
+            <a:schemeClr val="tx1"/>
+          </a:fontRef>
+        </p:style>
+        <p:txBody>
+          <a:bodyPr rtlCol="0" anchor="ctr"/>
+          <a:lstStyle/>
+          <a:p>
+            <a:pPr algn="ctr"/>
+            <a:endParaRPr lang="es-MX">
+              <a:solidFill>
+                <a:schemeClr val="tx2">
+                  <a:lumMod val="60000"/>
+                  <a:lumOff val="40000"/>
+                </a:schemeClr>
+              </a:solidFill>
+            </a:endParaRPr>
+          </a:p>
+        </p:txBody>
+      </p:sp>
+      <p:sp>
+        <p:nvSpPr>
+          <p:cNvPr id="12" name="Rectángulo 11">
+            <a:extLst>
+              <a:ext uri="{FF2B5EF4-FFF2-40B4-BE49-F238E27FC236}">
+                <a16:creationId xmlns:a16="http://schemas.microsoft.com/office/drawing/2014/main" id="{E9E49C9F-D73E-4202-91D7-CCC6B8FC4BFA}"/>
+              </a:ext>
+            </a:extLst>
+          </p:cNvPr>
+          <p:cNvSpPr/>
+          <p:nvPr/>
+        </p:nvSpPr>
+        <p:spPr>
+          <a:xfrm>
+            <a:off x="6545367" y="2555612"/>
+            <a:ext cx="2131089" cy="369332"/>
+          </a:xfrm>
+          <a:prstGeom prst="rect">
+            <a:avLst/>
+          </a:prstGeom>
+        </p:spPr>
+        <p:txBody>
+          <a:bodyPr wrap="square">
+            <a:spAutoFit/>
+          </a:bodyPr>
+          <a:lstStyle/>
+          <a:p>
+            <a:r>
+              <a:rPr lang="es-MX" b="1" dirty="0">
+                <a:solidFill>
+                  <a:schemeClr val="tx2">
+                    <a:lumMod val="60000"/>
+                    <a:lumOff val="40000"/>
+                  </a:schemeClr>
+                </a:solidFill>
+                <a:cs typeface="Arial" panose="020B0604020202020204" pitchFamily="34" charset="0"/>
+              </a:rPr>
+              <a:t>Script principal</a:t>
+            </a:r>
+            <a:endParaRPr lang="es-MX" dirty="0">
+              <a:solidFill>
+                <a:schemeClr val="tx2">
+                  <a:lumMod val="60000"/>
+                  <a:lumOff val="40000"/>
+                </a:schemeClr>
+              </a:solidFill>
+            </a:endParaRPr>
+          </a:p>
+        </p:txBody>
+      </p:sp>
     </p:spTree>
     <p:extLst>
       <p:ext uri="{BB962C8B-B14F-4D97-AF65-F5344CB8AC3E}">
@@ -12502,7 +14686,27 @@
                 </a:solidFill>
                 <a:cs typeface="Arial" panose="020B0604020202020204" pitchFamily="34" charset="0"/>
               </a:rPr>
-              <a:t>, regresar el precio del menú seleccionado. En caso de que la opción no sea válida regresar 0.</a:t>
+              <a:t>, </a:t>
+            </a:r>
+            <a:r>
+              <a:rPr lang="es-MX" sz="2000" b="1" u="sng" dirty="0">
+                <a:solidFill>
+                  <a:srgbClr val="FF0000"/>
+                </a:solidFill>
+                <a:cs typeface="Arial" panose="020B0604020202020204" pitchFamily="34" charset="0"/>
+              </a:rPr>
+              <a:t>regresar el precio </a:t>
+            </a:r>
+            <a:r>
+              <a:rPr lang="es-MX" sz="2000" dirty="0">
+                <a:solidFill>
+                  <a:schemeClr val="bg2">
+                    <a:lumMod val="25000"/>
+                  </a:schemeClr>
+                </a:solidFill>
+                <a:cs typeface="Arial" panose="020B0604020202020204" pitchFamily="34" charset="0"/>
+              </a:rPr>
+              <a:t>del menú seleccionado. En caso de que la opción no sea válida regresar 0.</a:t>
             </a:r>
           </a:p>
           <a:p>
